--- a/Lec-1-3-Intro.pptx
+++ b/Lec-1-3-Intro.pptx
@@ -5,7 +5,7 @@
     <p:sldMasterId id="2147483648" r:id="rId1"/>
   </p:sldMasterIdLst>
   <p:notesMasterIdLst>
-    <p:notesMasterId r:id="rId9"/>
+    <p:notesMasterId r:id="rId24"/>
   </p:notesMasterIdLst>
   <p:sldIdLst>
     <p:sldId id="337" r:id="rId2"/>
@@ -15,6 +15,21 @@
     <p:sldId id="342" r:id="rId6"/>
     <p:sldId id="343" r:id="rId7"/>
     <p:sldId id="340" r:id="rId8"/>
+    <p:sldId id="346" r:id="rId9"/>
+    <p:sldId id="344" r:id="rId10"/>
+    <p:sldId id="347" r:id="rId11"/>
+    <p:sldId id="348" r:id="rId12"/>
+    <p:sldId id="349" r:id="rId13"/>
+    <p:sldId id="353" r:id="rId14"/>
+    <p:sldId id="354" r:id="rId15"/>
+    <p:sldId id="355" r:id="rId16"/>
+    <p:sldId id="356" r:id="rId17"/>
+    <p:sldId id="357" r:id="rId18"/>
+    <p:sldId id="358" r:id="rId19"/>
+    <p:sldId id="359" r:id="rId20"/>
+    <p:sldId id="350" r:id="rId21"/>
+    <p:sldId id="351" r:id="rId22"/>
+    <p:sldId id="352" r:id="rId23"/>
   </p:sldIdLst>
   <p:sldSz cx="9144000" cy="6858000" type="screen4x3"/>
   <p:notesSz cx="6858000" cy="9144000"/>
@@ -304,7 +319,7 @@
               <a:pPr>
                 <a:defRPr/>
               </a:pPr>
-              <a:t>1/6/2026</a:t>
+              <a:t>1/8/2026</a:t>
             </a:fld>
             <a:endParaRPr lang="en-US"/>
           </a:p>
@@ -5851,6 +5866,6152 @@
 </p:sld>
 </file>
 
+<file path=ppt/slides/slide10.xml><?xml version="1.0" encoding="utf-8"?>
+<p:sld xmlns:a="http://schemas.openxmlformats.org/drawingml/2006/main" xmlns:r="http://schemas.openxmlformats.org/officeDocument/2006/relationships" xmlns:p="http://schemas.openxmlformats.org/presentationml/2006/main">
+  <p:cSld>
+    <p:spTree>
+      <p:nvGrpSpPr>
+        <p:cNvPr id="1" name=""/>
+        <p:cNvGrpSpPr/>
+        <p:nvPr/>
+      </p:nvGrpSpPr>
+      <p:grpSpPr>
+        <a:xfrm>
+          <a:off x="0" y="0"/>
+          <a:ext cx="0" cy="0"/>
+          <a:chOff x="0" y="0"/>
+          <a:chExt cx="0" cy="0"/>
+        </a:xfrm>
+      </p:grpSpPr>
+      <p:sp>
+        <p:nvSpPr>
+          <p:cNvPr id="2" name="Title 1">
+            <a:extLst>
+              <a:ext uri="{FF2B5EF4-FFF2-40B4-BE49-F238E27FC236}">
+                <a16:creationId xmlns:a16="http://schemas.microsoft.com/office/drawing/2014/main" id="{F247DA98-1682-4917-8123-DE3DE1986779}"/>
+              </a:ext>
+            </a:extLst>
+          </p:cNvPr>
+          <p:cNvSpPr>
+            <a:spLocks noGrp="1"/>
+          </p:cNvSpPr>
+          <p:nvPr>
+            <p:ph type="title"/>
+          </p:nvPr>
+        </p:nvSpPr>
+        <p:spPr/>
+        <p:txBody>
+          <a:bodyPr/>
+          <a:lstStyle/>
+          <a:p>
+            <a:r>
+              <a:rPr lang="en-US" sz="3200" dirty="0"/>
+              <a:t>Embedded systems moving from hardware- to software-centric</a:t>
+            </a:r>
+          </a:p>
+        </p:txBody>
+      </p:sp>
+      <p:sp>
+        <p:nvSpPr>
+          <p:cNvPr id="3" name="Content Placeholder 2">
+            <a:extLst>
+              <a:ext uri="{FF2B5EF4-FFF2-40B4-BE49-F238E27FC236}">
+                <a16:creationId xmlns:a16="http://schemas.microsoft.com/office/drawing/2014/main" id="{15EB824C-798A-4260-AB79-B52FD0DDB0A3}"/>
+              </a:ext>
+            </a:extLst>
+          </p:cNvPr>
+          <p:cNvSpPr>
+            <a:spLocks noGrp="1"/>
+          </p:cNvSpPr>
+          <p:nvPr>
+            <p:ph idx="1"/>
+          </p:nvPr>
+        </p:nvSpPr>
+        <p:spPr/>
+        <p:txBody>
+          <a:bodyPr/>
+          <a:lstStyle/>
+          <a:p>
+            <a:pPr marL="0" indent="0">
+              <a:buNone/>
+            </a:pPr>
+            <a:r>
+              <a:rPr lang="en-US" dirty="0"/>
+              <a:t>Think about conventional vs contemporary</a:t>
+            </a:r>
+          </a:p>
+          <a:p>
+            <a:pPr lvl="1"/>
+            <a:r>
+              <a:rPr lang="en-US" dirty="0"/>
+              <a:t>Washing machine controller</a:t>
+            </a:r>
+          </a:p>
+          <a:p>
+            <a:pPr lvl="1"/>
+            <a:r>
+              <a:rPr lang="en-US" dirty="0"/>
+              <a:t>Refrigerator controller</a:t>
+            </a:r>
+          </a:p>
+          <a:p>
+            <a:pPr lvl="1"/>
+            <a:r>
+              <a:rPr lang="en-US" dirty="0"/>
+              <a:t>AC controller</a:t>
+            </a:r>
+          </a:p>
+          <a:p>
+            <a:pPr lvl="1"/>
+            <a:r>
+              <a:rPr lang="en-US" dirty="0"/>
+              <a:t>Automobile ECU</a:t>
+            </a:r>
+          </a:p>
+          <a:p>
+            <a:r>
+              <a:rPr lang="en-US" dirty="0"/>
+              <a:t>Complexity of function</a:t>
+            </a:r>
+          </a:p>
+          <a:p>
+            <a:r>
+              <a:rPr lang="en-US" dirty="0"/>
+              <a:t>Physical size</a:t>
+            </a:r>
+          </a:p>
+          <a:p>
+            <a:r>
+              <a:rPr lang="en-US" dirty="0"/>
+              <a:t>Upgradability? Repairability?</a:t>
+            </a:r>
+          </a:p>
+          <a:p>
+            <a:r>
+              <a:rPr lang="en-US" dirty="0"/>
+              <a:t>What else?</a:t>
+            </a:r>
+          </a:p>
+          <a:p>
+            <a:endParaRPr lang="en-US" dirty="0"/>
+          </a:p>
+        </p:txBody>
+      </p:sp>
+      <p:sp>
+        <p:nvSpPr>
+          <p:cNvPr id="4" name="Date Placeholder 3">
+            <a:extLst>
+              <a:ext uri="{FF2B5EF4-FFF2-40B4-BE49-F238E27FC236}">
+                <a16:creationId xmlns:a16="http://schemas.microsoft.com/office/drawing/2014/main" id="{98E91D78-4A5E-423A-96DB-D2C13BD5333E}"/>
+              </a:ext>
+            </a:extLst>
+          </p:cNvPr>
+          <p:cNvSpPr>
+            <a:spLocks noGrp="1"/>
+          </p:cNvSpPr>
+          <p:nvPr>
+            <p:ph type="dt" sz="half" idx="10"/>
+          </p:nvPr>
+        </p:nvSpPr>
+        <p:spPr/>
+        <p:txBody>
+          <a:bodyPr/>
+          <a:lstStyle/>
+          <a:p>
+            <a:pPr>
+              <a:defRPr/>
+            </a:pPr>
+            <a:r>
+              <a:rPr lang="en-US"/>
+              <a:t>21/12/2020</a:t>
+            </a:r>
+          </a:p>
+        </p:txBody>
+      </p:sp>
+      <p:sp>
+        <p:nvSpPr>
+          <p:cNvPr id="5" name="Slide Number Placeholder 4">
+            <a:extLst>
+              <a:ext uri="{FF2B5EF4-FFF2-40B4-BE49-F238E27FC236}">
+                <a16:creationId xmlns:a16="http://schemas.microsoft.com/office/drawing/2014/main" id="{43BC9731-90FB-4B25-B57F-CE23BB149018}"/>
+              </a:ext>
+            </a:extLst>
+          </p:cNvPr>
+          <p:cNvSpPr>
+            <a:spLocks noGrp="1"/>
+          </p:cNvSpPr>
+          <p:nvPr>
+            <p:ph type="sldNum" sz="quarter" idx="12"/>
+          </p:nvPr>
+        </p:nvSpPr>
+        <p:spPr/>
+        <p:txBody>
+          <a:bodyPr/>
+          <a:lstStyle/>
+          <a:p>
+            <a:pPr>
+              <a:defRPr/>
+            </a:pPr>
+            <a:fld id="{CA887A73-1AE0-46F8-856A-18EA1CF30A1B}" type="slidenum">
+              <a:rPr lang="en-US" altLang="en-US" smtClean="0"/>
+              <a:pPr>
+                <a:defRPr/>
+              </a:pPr>
+              <a:t>10</a:t>
+            </a:fld>
+            <a:endParaRPr lang="en-US" altLang="en-US"/>
+          </a:p>
+        </p:txBody>
+      </p:sp>
+    </p:spTree>
+    <p:extLst>
+      <p:ext uri="{BB962C8B-B14F-4D97-AF65-F5344CB8AC3E}">
+        <p14:creationId xmlns:p14="http://schemas.microsoft.com/office/powerpoint/2010/main" val="3976046244"/>
+      </p:ext>
+    </p:extLst>
+  </p:cSld>
+  <p:clrMapOvr>
+    <a:masterClrMapping/>
+  </p:clrMapOvr>
+  <p:timing>
+    <p:tnLst>
+      <p:par>
+        <p:cTn id="1" dur="indefinite" restart="never" nodeType="tmRoot">
+          <p:childTnLst>
+            <p:seq concurrent="1" nextAc="seek">
+              <p:cTn id="2" dur="indefinite" nodeType="mainSeq">
+                <p:childTnLst>
+                  <p:par>
+                    <p:cTn id="3" fill="hold">
+                      <p:stCondLst>
+                        <p:cond delay="indefinite"/>
+                      </p:stCondLst>
+                      <p:childTnLst>
+                        <p:par>
+                          <p:cTn id="4" fill="hold">
+                            <p:stCondLst>
+                              <p:cond delay="0"/>
+                            </p:stCondLst>
+                            <p:childTnLst>
+                              <p:par>
+                                <p:cTn id="5" presetID="1" presetClass="entr" presetSubtype="0" fill="hold" grpId="0" nodeType="clickEffect">
+                                  <p:stCondLst>
+                                    <p:cond delay="0"/>
+                                  </p:stCondLst>
+                                  <p:childTnLst>
+                                    <p:set>
+                                      <p:cBhvr>
+                                        <p:cTn id="6" dur="1" fill="hold">
+                                          <p:stCondLst>
+                                            <p:cond delay="0"/>
+                                          </p:stCondLst>
+                                        </p:cTn>
+                                        <p:tgtEl>
+                                          <p:spTgt spid="3">
+                                            <p:txEl>
+                                              <p:pRg st="0" end="0"/>
+                                            </p:txEl>
+                                          </p:spTgt>
+                                        </p:tgtEl>
+                                        <p:attrNameLst>
+                                          <p:attrName>style.visibility</p:attrName>
+                                        </p:attrNameLst>
+                                      </p:cBhvr>
+                                      <p:to>
+                                        <p:strVal val="visible"/>
+                                      </p:to>
+                                    </p:set>
+                                  </p:childTnLst>
+                                </p:cTn>
+                              </p:par>
+                              <p:par>
+                                <p:cTn id="7" presetID="1" presetClass="entr" presetSubtype="0" fill="hold" grpId="0" nodeType="withEffect">
+                                  <p:stCondLst>
+                                    <p:cond delay="0"/>
+                                  </p:stCondLst>
+                                  <p:childTnLst>
+                                    <p:set>
+                                      <p:cBhvr>
+                                        <p:cTn id="8" dur="1" fill="hold">
+                                          <p:stCondLst>
+                                            <p:cond delay="0"/>
+                                          </p:stCondLst>
+                                        </p:cTn>
+                                        <p:tgtEl>
+                                          <p:spTgt spid="3">
+                                            <p:txEl>
+                                              <p:pRg st="1" end="1"/>
+                                            </p:txEl>
+                                          </p:spTgt>
+                                        </p:tgtEl>
+                                        <p:attrNameLst>
+                                          <p:attrName>style.visibility</p:attrName>
+                                        </p:attrNameLst>
+                                      </p:cBhvr>
+                                      <p:to>
+                                        <p:strVal val="visible"/>
+                                      </p:to>
+                                    </p:set>
+                                  </p:childTnLst>
+                                </p:cTn>
+                              </p:par>
+                              <p:par>
+                                <p:cTn id="9" presetID="1" presetClass="entr" presetSubtype="0" fill="hold" grpId="0" nodeType="withEffect">
+                                  <p:stCondLst>
+                                    <p:cond delay="0"/>
+                                  </p:stCondLst>
+                                  <p:childTnLst>
+                                    <p:set>
+                                      <p:cBhvr>
+                                        <p:cTn id="10" dur="1" fill="hold">
+                                          <p:stCondLst>
+                                            <p:cond delay="0"/>
+                                          </p:stCondLst>
+                                        </p:cTn>
+                                        <p:tgtEl>
+                                          <p:spTgt spid="3">
+                                            <p:txEl>
+                                              <p:pRg st="2" end="2"/>
+                                            </p:txEl>
+                                          </p:spTgt>
+                                        </p:tgtEl>
+                                        <p:attrNameLst>
+                                          <p:attrName>style.visibility</p:attrName>
+                                        </p:attrNameLst>
+                                      </p:cBhvr>
+                                      <p:to>
+                                        <p:strVal val="visible"/>
+                                      </p:to>
+                                    </p:set>
+                                  </p:childTnLst>
+                                </p:cTn>
+                              </p:par>
+                              <p:par>
+                                <p:cTn id="11" presetID="1" presetClass="entr" presetSubtype="0" fill="hold" grpId="0" nodeType="withEffect">
+                                  <p:stCondLst>
+                                    <p:cond delay="0"/>
+                                  </p:stCondLst>
+                                  <p:childTnLst>
+                                    <p:set>
+                                      <p:cBhvr>
+                                        <p:cTn id="12" dur="1" fill="hold">
+                                          <p:stCondLst>
+                                            <p:cond delay="0"/>
+                                          </p:stCondLst>
+                                        </p:cTn>
+                                        <p:tgtEl>
+                                          <p:spTgt spid="3">
+                                            <p:txEl>
+                                              <p:pRg st="3" end="3"/>
+                                            </p:txEl>
+                                          </p:spTgt>
+                                        </p:tgtEl>
+                                        <p:attrNameLst>
+                                          <p:attrName>style.visibility</p:attrName>
+                                        </p:attrNameLst>
+                                      </p:cBhvr>
+                                      <p:to>
+                                        <p:strVal val="visible"/>
+                                      </p:to>
+                                    </p:set>
+                                  </p:childTnLst>
+                                </p:cTn>
+                              </p:par>
+                              <p:par>
+                                <p:cTn id="13" presetID="1" presetClass="entr" presetSubtype="0" fill="hold" grpId="0" nodeType="withEffect">
+                                  <p:stCondLst>
+                                    <p:cond delay="0"/>
+                                  </p:stCondLst>
+                                  <p:childTnLst>
+                                    <p:set>
+                                      <p:cBhvr>
+                                        <p:cTn id="14" dur="1" fill="hold">
+                                          <p:stCondLst>
+                                            <p:cond delay="0"/>
+                                          </p:stCondLst>
+                                        </p:cTn>
+                                        <p:tgtEl>
+                                          <p:spTgt spid="3">
+                                            <p:txEl>
+                                              <p:pRg st="4" end="4"/>
+                                            </p:txEl>
+                                          </p:spTgt>
+                                        </p:tgtEl>
+                                        <p:attrNameLst>
+                                          <p:attrName>style.visibility</p:attrName>
+                                        </p:attrNameLst>
+                                      </p:cBhvr>
+                                      <p:to>
+                                        <p:strVal val="visible"/>
+                                      </p:to>
+                                    </p:set>
+                                  </p:childTnLst>
+                                </p:cTn>
+                              </p:par>
+                            </p:childTnLst>
+                          </p:cTn>
+                        </p:par>
+                      </p:childTnLst>
+                    </p:cTn>
+                  </p:par>
+                  <p:par>
+                    <p:cTn id="15" fill="hold">
+                      <p:stCondLst>
+                        <p:cond delay="indefinite"/>
+                      </p:stCondLst>
+                      <p:childTnLst>
+                        <p:par>
+                          <p:cTn id="16" fill="hold">
+                            <p:stCondLst>
+                              <p:cond delay="0"/>
+                            </p:stCondLst>
+                            <p:childTnLst>
+                              <p:par>
+                                <p:cTn id="17" presetID="1" presetClass="entr" presetSubtype="0" fill="hold" grpId="0" nodeType="clickEffect">
+                                  <p:stCondLst>
+                                    <p:cond delay="0"/>
+                                  </p:stCondLst>
+                                  <p:childTnLst>
+                                    <p:set>
+                                      <p:cBhvr>
+                                        <p:cTn id="18" dur="1" fill="hold">
+                                          <p:stCondLst>
+                                            <p:cond delay="0"/>
+                                          </p:stCondLst>
+                                        </p:cTn>
+                                        <p:tgtEl>
+                                          <p:spTgt spid="3">
+                                            <p:txEl>
+                                              <p:pRg st="5" end="5"/>
+                                            </p:txEl>
+                                          </p:spTgt>
+                                        </p:tgtEl>
+                                        <p:attrNameLst>
+                                          <p:attrName>style.visibility</p:attrName>
+                                        </p:attrNameLst>
+                                      </p:cBhvr>
+                                      <p:to>
+                                        <p:strVal val="visible"/>
+                                      </p:to>
+                                    </p:set>
+                                  </p:childTnLst>
+                                </p:cTn>
+                              </p:par>
+                            </p:childTnLst>
+                          </p:cTn>
+                        </p:par>
+                      </p:childTnLst>
+                    </p:cTn>
+                  </p:par>
+                  <p:par>
+                    <p:cTn id="19" fill="hold">
+                      <p:stCondLst>
+                        <p:cond delay="indefinite"/>
+                      </p:stCondLst>
+                      <p:childTnLst>
+                        <p:par>
+                          <p:cTn id="20" fill="hold">
+                            <p:stCondLst>
+                              <p:cond delay="0"/>
+                            </p:stCondLst>
+                            <p:childTnLst>
+                              <p:par>
+                                <p:cTn id="21" presetID="1" presetClass="entr" presetSubtype="0" fill="hold" grpId="0" nodeType="clickEffect">
+                                  <p:stCondLst>
+                                    <p:cond delay="0"/>
+                                  </p:stCondLst>
+                                  <p:childTnLst>
+                                    <p:set>
+                                      <p:cBhvr>
+                                        <p:cTn id="22" dur="1" fill="hold">
+                                          <p:stCondLst>
+                                            <p:cond delay="0"/>
+                                          </p:stCondLst>
+                                        </p:cTn>
+                                        <p:tgtEl>
+                                          <p:spTgt spid="3">
+                                            <p:txEl>
+                                              <p:pRg st="6" end="6"/>
+                                            </p:txEl>
+                                          </p:spTgt>
+                                        </p:tgtEl>
+                                        <p:attrNameLst>
+                                          <p:attrName>style.visibility</p:attrName>
+                                        </p:attrNameLst>
+                                      </p:cBhvr>
+                                      <p:to>
+                                        <p:strVal val="visible"/>
+                                      </p:to>
+                                    </p:set>
+                                  </p:childTnLst>
+                                </p:cTn>
+                              </p:par>
+                            </p:childTnLst>
+                          </p:cTn>
+                        </p:par>
+                      </p:childTnLst>
+                    </p:cTn>
+                  </p:par>
+                  <p:par>
+                    <p:cTn id="23" fill="hold">
+                      <p:stCondLst>
+                        <p:cond delay="indefinite"/>
+                      </p:stCondLst>
+                      <p:childTnLst>
+                        <p:par>
+                          <p:cTn id="24" fill="hold">
+                            <p:stCondLst>
+                              <p:cond delay="0"/>
+                            </p:stCondLst>
+                            <p:childTnLst>
+                              <p:par>
+                                <p:cTn id="25" presetID="1" presetClass="entr" presetSubtype="0" fill="hold" grpId="0" nodeType="clickEffect">
+                                  <p:stCondLst>
+                                    <p:cond delay="0"/>
+                                  </p:stCondLst>
+                                  <p:childTnLst>
+                                    <p:set>
+                                      <p:cBhvr>
+                                        <p:cTn id="26" dur="1" fill="hold">
+                                          <p:stCondLst>
+                                            <p:cond delay="0"/>
+                                          </p:stCondLst>
+                                        </p:cTn>
+                                        <p:tgtEl>
+                                          <p:spTgt spid="3">
+                                            <p:txEl>
+                                              <p:pRg st="7" end="7"/>
+                                            </p:txEl>
+                                          </p:spTgt>
+                                        </p:tgtEl>
+                                        <p:attrNameLst>
+                                          <p:attrName>style.visibility</p:attrName>
+                                        </p:attrNameLst>
+                                      </p:cBhvr>
+                                      <p:to>
+                                        <p:strVal val="visible"/>
+                                      </p:to>
+                                    </p:set>
+                                  </p:childTnLst>
+                                </p:cTn>
+                              </p:par>
+                            </p:childTnLst>
+                          </p:cTn>
+                        </p:par>
+                      </p:childTnLst>
+                    </p:cTn>
+                  </p:par>
+                  <p:par>
+                    <p:cTn id="27" fill="hold">
+                      <p:stCondLst>
+                        <p:cond delay="indefinite"/>
+                      </p:stCondLst>
+                      <p:childTnLst>
+                        <p:par>
+                          <p:cTn id="28" fill="hold">
+                            <p:stCondLst>
+                              <p:cond delay="0"/>
+                            </p:stCondLst>
+                            <p:childTnLst>
+                              <p:par>
+                                <p:cTn id="29" presetID="1" presetClass="entr" presetSubtype="0" fill="hold" grpId="0" nodeType="clickEffect">
+                                  <p:stCondLst>
+                                    <p:cond delay="0"/>
+                                  </p:stCondLst>
+                                  <p:childTnLst>
+                                    <p:set>
+                                      <p:cBhvr>
+                                        <p:cTn id="30" dur="1" fill="hold">
+                                          <p:stCondLst>
+                                            <p:cond delay="0"/>
+                                          </p:stCondLst>
+                                        </p:cTn>
+                                        <p:tgtEl>
+                                          <p:spTgt spid="3">
+                                            <p:txEl>
+                                              <p:pRg st="8" end="8"/>
+                                            </p:txEl>
+                                          </p:spTgt>
+                                        </p:tgtEl>
+                                        <p:attrNameLst>
+                                          <p:attrName>style.visibility</p:attrName>
+                                        </p:attrNameLst>
+                                      </p:cBhvr>
+                                      <p:to>
+                                        <p:strVal val="visible"/>
+                                      </p:to>
+                                    </p:set>
+                                  </p:childTnLst>
+                                </p:cTn>
+                              </p:par>
+                            </p:childTnLst>
+                          </p:cTn>
+                        </p:par>
+                      </p:childTnLst>
+                    </p:cTn>
+                  </p:par>
+                </p:childTnLst>
+              </p:cTn>
+              <p:prevCondLst>
+                <p:cond evt="onPrev" delay="0">
+                  <p:tgtEl>
+                    <p:sldTgt/>
+                  </p:tgtEl>
+                </p:cond>
+              </p:prevCondLst>
+              <p:nextCondLst>
+                <p:cond evt="onNext" delay="0">
+                  <p:tgtEl>
+                    <p:sldTgt/>
+                  </p:tgtEl>
+                </p:cond>
+              </p:nextCondLst>
+            </p:seq>
+          </p:childTnLst>
+        </p:cTn>
+      </p:par>
+    </p:tnLst>
+    <p:bldLst>
+      <p:bldP spid="3" grpId="0" build="p"/>
+    </p:bldLst>
+  </p:timing>
+</p:sld>
+</file>
+
+<file path=ppt/slides/slide11.xml><?xml version="1.0" encoding="utf-8"?>
+<p:sld xmlns:a="http://schemas.openxmlformats.org/drawingml/2006/main" xmlns:r="http://schemas.openxmlformats.org/officeDocument/2006/relationships" xmlns:p="http://schemas.openxmlformats.org/presentationml/2006/main">
+  <p:cSld>
+    <p:spTree>
+      <p:nvGrpSpPr>
+        <p:cNvPr id="1" name=""/>
+        <p:cNvGrpSpPr/>
+        <p:nvPr/>
+      </p:nvGrpSpPr>
+      <p:grpSpPr>
+        <a:xfrm>
+          <a:off x="0" y="0"/>
+          <a:ext cx="0" cy="0"/>
+          <a:chOff x="0" y="0"/>
+          <a:chExt cx="0" cy="0"/>
+        </a:xfrm>
+      </p:grpSpPr>
+      <p:sp>
+        <p:nvSpPr>
+          <p:cNvPr id="2" name="Title 1">
+            <a:extLst>
+              <a:ext uri="{FF2B5EF4-FFF2-40B4-BE49-F238E27FC236}">
+                <a16:creationId xmlns:a16="http://schemas.microsoft.com/office/drawing/2014/main" id="{F247DA98-1682-4917-8123-DE3DE1986779}"/>
+              </a:ext>
+            </a:extLst>
+          </p:cNvPr>
+          <p:cNvSpPr>
+            <a:spLocks noGrp="1"/>
+          </p:cNvSpPr>
+          <p:nvPr>
+            <p:ph type="title"/>
+          </p:nvPr>
+        </p:nvSpPr>
+        <p:spPr/>
+        <p:txBody>
+          <a:bodyPr/>
+          <a:lstStyle/>
+          <a:p>
+            <a:r>
+              <a:rPr lang="en-US" sz="3200" dirty="0"/>
+              <a:t>Embedded systems moving from hardware- to software-centric</a:t>
+            </a:r>
+          </a:p>
+        </p:txBody>
+      </p:sp>
+      <p:sp>
+        <p:nvSpPr>
+          <p:cNvPr id="3" name="Content Placeholder 2">
+            <a:extLst>
+              <a:ext uri="{FF2B5EF4-FFF2-40B4-BE49-F238E27FC236}">
+                <a16:creationId xmlns:a16="http://schemas.microsoft.com/office/drawing/2014/main" id="{15EB824C-798A-4260-AB79-B52FD0DDB0A3}"/>
+              </a:ext>
+            </a:extLst>
+          </p:cNvPr>
+          <p:cNvSpPr>
+            <a:spLocks noGrp="1"/>
+          </p:cNvSpPr>
+          <p:nvPr>
+            <p:ph idx="1"/>
+          </p:nvPr>
+        </p:nvSpPr>
+        <p:spPr/>
+        <p:txBody>
+          <a:bodyPr/>
+          <a:lstStyle/>
+          <a:p>
+            <a:r>
+              <a:rPr lang="en-US" dirty="0"/>
+              <a:t>Custom ASIC (Application Specific ICs) </a:t>
+            </a:r>
+            <a:r>
+              <a:rPr lang="en-US" dirty="0">
+                <a:sym typeface="Wingdings" panose="05000000000000000000" pitchFamily="2" charset="2"/>
+              </a:rPr>
+              <a:t> hardware as a platform</a:t>
+            </a:r>
+          </a:p>
+          <a:p>
+            <a:r>
+              <a:rPr lang="en-US" dirty="0">
+                <a:sym typeface="Wingdings" panose="05000000000000000000" pitchFamily="2" charset="2"/>
+              </a:rPr>
+              <a:t>Software as differentiator</a:t>
+            </a:r>
+          </a:p>
+          <a:p>
+            <a:pPr lvl="1"/>
+            <a:r>
+              <a:rPr lang="en-US" dirty="0">
+                <a:sym typeface="Wingdings" panose="05000000000000000000" pitchFamily="2" charset="2"/>
+              </a:rPr>
+              <a:t>Same engine  software defined fuel injection  cheap vs luxury car</a:t>
+            </a:r>
+          </a:p>
+          <a:p>
+            <a:r>
+              <a:rPr lang="en-US" dirty="0">
+                <a:sym typeface="Wingdings" panose="05000000000000000000" pitchFamily="2" charset="2"/>
+              </a:rPr>
+              <a:t>Development cost / time to market (vs unit costs)</a:t>
+            </a:r>
+          </a:p>
+          <a:p>
+            <a:r>
+              <a:rPr lang="en-US" dirty="0"/>
+              <a:t>Functional complexity (AI, IoT etc.)</a:t>
+            </a:r>
+          </a:p>
+          <a:p>
+            <a:r>
+              <a:rPr lang="en-US" dirty="0"/>
+              <a:t>Flexibility (changing standards)</a:t>
+            </a:r>
+          </a:p>
+        </p:txBody>
+      </p:sp>
+      <p:sp>
+        <p:nvSpPr>
+          <p:cNvPr id="4" name="Date Placeholder 3">
+            <a:extLst>
+              <a:ext uri="{FF2B5EF4-FFF2-40B4-BE49-F238E27FC236}">
+                <a16:creationId xmlns:a16="http://schemas.microsoft.com/office/drawing/2014/main" id="{98E91D78-4A5E-423A-96DB-D2C13BD5333E}"/>
+              </a:ext>
+            </a:extLst>
+          </p:cNvPr>
+          <p:cNvSpPr>
+            <a:spLocks noGrp="1"/>
+          </p:cNvSpPr>
+          <p:nvPr>
+            <p:ph type="dt" sz="half" idx="10"/>
+          </p:nvPr>
+        </p:nvSpPr>
+        <p:spPr/>
+        <p:txBody>
+          <a:bodyPr/>
+          <a:lstStyle/>
+          <a:p>
+            <a:pPr>
+              <a:defRPr/>
+            </a:pPr>
+            <a:r>
+              <a:rPr lang="en-US"/>
+              <a:t>21/12/2020</a:t>
+            </a:r>
+          </a:p>
+        </p:txBody>
+      </p:sp>
+      <p:sp>
+        <p:nvSpPr>
+          <p:cNvPr id="5" name="Slide Number Placeholder 4">
+            <a:extLst>
+              <a:ext uri="{FF2B5EF4-FFF2-40B4-BE49-F238E27FC236}">
+                <a16:creationId xmlns:a16="http://schemas.microsoft.com/office/drawing/2014/main" id="{43BC9731-90FB-4B25-B57F-CE23BB149018}"/>
+              </a:ext>
+            </a:extLst>
+          </p:cNvPr>
+          <p:cNvSpPr>
+            <a:spLocks noGrp="1"/>
+          </p:cNvSpPr>
+          <p:nvPr>
+            <p:ph type="sldNum" sz="quarter" idx="12"/>
+          </p:nvPr>
+        </p:nvSpPr>
+        <p:spPr/>
+        <p:txBody>
+          <a:bodyPr/>
+          <a:lstStyle/>
+          <a:p>
+            <a:pPr>
+              <a:defRPr/>
+            </a:pPr>
+            <a:fld id="{CA887A73-1AE0-46F8-856A-18EA1CF30A1B}" type="slidenum">
+              <a:rPr lang="en-US" altLang="en-US" smtClean="0"/>
+              <a:pPr>
+                <a:defRPr/>
+              </a:pPr>
+              <a:t>11</a:t>
+            </a:fld>
+            <a:endParaRPr lang="en-US" altLang="en-US"/>
+          </a:p>
+        </p:txBody>
+      </p:sp>
+    </p:spTree>
+    <p:extLst>
+      <p:ext uri="{BB962C8B-B14F-4D97-AF65-F5344CB8AC3E}">
+        <p14:creationId xmlns:p14="http://schemas.microsoft.com/office/powerpoint/2010/main" val="1374902549"/>
+      </p:ext>
+    </p:extLst>
+  </p:cSld>
+  <p:clrMapOvr>
+    <a:masterClrMapping/>
+  </p:clrMapOvr>
+  <p:timing>
+    <p:tnLst>
+      <p:par>
+        <p:cTn id="1" dur="indefinite" restart="never" nodeType="tmRoot">
+          <p:childTnLst>
+            <p:seq concurrent="1" nextAc="seek">
+              <p:cTn id="2" dur="indefinite" nodeType="mainSeq">
+                <p:childTnLst>
+                  <p:par>
+                    <p:cTn id="3" fill="hold">
+                      <p:stCondLst>
+                        <p:cond delay="indefinite"/>
+                      </p:stCondLst>
+                      <p:childTnLst>
+                        <p:par>
+                          <p:cTn id="4" fill="hold">
+                            <p:stCondLst>
+                              <p:cond delay="0"/>
+                            </p:stCondLst>
+                            <p:childTnLst>
+                              <p:par>
+                                <p:cTn id="5" presetID="1" presetClass="entr" presetSubtype="0" fill="hold" grpId="0" nodeType="clickEffect">
+                                  <p:stCondLst>
+                                    <p:cond delay="0"/>
+                                  </p:stCondLst>
+                                  <p:childTnLst>
+                                    <p:set>
+                                      <p:cBhvr>
+                                        <p:cTn id="6" dur="1" fill="hold">
+                                          <p:stCondLst>
+                                            <p:cond delay="0"/>
+                                          </p:stCondLst>
+                                        </p:cTn>
+                                        <p:tgtEl>
+                                          <p:spTgt spid="3">
+                                            <p:txEl>
+                                              <p:pRg st="0" end="0"/>
+                                            </p:txEl>
+                                          </p:spTgt>
+                                        </p:tgtEl>
+                                        <p:attrNameLst>
+                                          <p:attrName>style.visibility</p:attrName>
+                                        </p:attrNameLst>
+                                      </p:cBhvr>
+                                      <p:to>
+                                        <p:strVal val="visible"/>
+                                      </p:to>
+                                    </p:set>
+                                  </p:childTnLst>
+                                </p:cTn>
+                              </p:par>
+                            </p:childTnLst>
+                          </p:cTn>
+                        </p:par>
+                      </p:childTnLst>
+                    </p:cTn>
+                  </p:par>
+                  <p:par>
+                    <p:cTn id="7" fill="hold">
+                      <p:stCondLst>
+                        <p:cond delay="indefinite"/>
+                      </p:stCondLst>
+                      <p:childTnLst>
+                        <p:par>
+                          <p:cTn id="8" fill="hold">
+                            <p:stCondLst>
+                              <p:cond delay="0"/>
+                            </p:stCondLst>
+                            <p:childTnLst>
+                              <p:par>
+                                <p:cTn id="9" presetID="1" presetClass="entr" presetSubtype="0" fill="hold" grpId="0" nodeType="clickEffect">
+                                  <p:stCondLst>
+                                    <p:cond delay="0"/>
+                                  </p:stCondLst>
+                                  <p:childTnLst>
+                                    <p:set>
+                                      <p:cBhvr>
+                                        <p:cTn id="10" dur="1" fill="hold">
+                                          <p:stCondLst>
+                                            <p:cond delay="0"/>
+                                          </p:stCondLst>
+                                        </p:cTn>
+                                        <p:tgtEl>
+                                          <p:spTgt spid="3">
+                                            <p:txEl>
+                                              <p:pRg st="1" end="1"/>
+                                            </p:txEl>
+                                          </p:spTgt>
+                                        </p:tgtEl>
+                                        <p:attrNameLst>
+                                          <p:attrName>style.visibility</p:attrName>
+                                        </p:attrNameLst>
+                                      </p:cBhvr>
+                                      <p:to>
+                                        <p:strVal val="visible"/>
+                                      </p:to>
+                                    </p:set>
+                                  </p:childTnLst>
+                                </p:cTn>
+                              </p:par>
+                              <p:par>
+                                <p:cTn id="11" presetID="1" presetClass="entr" presetSubtype="0" fill="hold" grpId="0" nodeType="withEffect">
+                                  <p:stCondLst>
+                                    <p:cond delay="0"/>
+                                  </p:stCondLst>
+                                  <p:childTnLst>
+                                    <p:set>
+                                      <p:cBhvr>
+                                        <p:cTn id="12" dur="1" fill="hold">
+                                          <p:stCondLst>
+                                            <p:cond delay="0"/>
+                                          </p:stCondLst>
+                                        </p:cTn>
+                                        <p:tgtEl>
+                                          <p:spTgt spid="3">
+                                            <p:txEl>
+                                              <p:pRg st="2" end="2"/>
+                                            </p:txEl>
+                                          </p:spTgt>
+                                        </p:tgtEl>
+                                        <p:attrNameLst>
+                                          <p:attrName>style.visibility</p:attrName>
+                                        </p:attrNameLst>
+                                      </p:cBhvr>
+                                      <p:to>
+                                        <p:strVal val="visible"/>
+                                      </p:to>
+                                    </p:set>
+                                  </p:childTnLst>
+                                </p:cTn>
+                              </p:par>
+                            </p:childTnLst>
+                          </p:cTn>
+                        </p:par>
+                      </p:childTnLst>
+                    </p:cTn>
+                  </p:par>
+                  <p:par>
+                    <p:cTn id="13" fill="hold">
+                      <p:stCondLst>
+                        <p:cond delay="indefinite"/>
+                      </p:stCondLst>
+                      <p:childTnLst>
+                        <p:par>
+                          <p:cTn id="14" fill="hold">
+                            <p:stCondLst>
+                              <p:cond delay="0"/>
+                            </p:stCondLst>
+                            <p:childTnLst>
+                              <p:par>
+                                <p:cTn id="15" presetID="1" presetClass="entr" presetSubtype="0" fill="hold" grpId="0" nodeType="clickEffect">
+                                  <p:stCondLst>
+                                    <p:cond delay="0"/>
+                                  </p:stCondLst>
+                                  <p:childTnLst>
+                                    <p:set>
+                                      <p:cBhvr>
+                                        <p:cTn id="16" dur="1" fill="hold">
+                                          <p:stCondLst>
+                                            <p:cond delay="0"/>
+                                          </p:stCondLst>
+                                        </p:cTn>
+                                        <p:tgtEl>
+                                          <p:spTgt spid="3">
+                                            <p:txEl>
+                                              <p:pRg st="3" end="3"/>
+                                            </p:txEl>
+                                          </p:spTgt>
+                                        </p:tgtEl>
+                                        <p:attrNameLst>
+                                          <p:attrName>style.visibility</p:attrName>
+                                        </p:attrNameLst>
+                                      </p:cBhvr>
+                                      <p:to>
+                                        <p:strVal val="visible"/>
+                                      </p:to>
+                                    </p:set>
+                                  </p:childTnLst>
+                                </p:cTn>
+                              </p:par>
+                            </p:childTnLst>
+                          </p:cTn>
+                        </p:par>
+                      </p:childTnLst>
+                    </p:cTn>
+                  </p:par>
+                  <p:par>
+                    <p:cTn id="17" fill="hold">
+                      <p:stCondLst>
+                        <p:cond delay="indefinite"/>
+                      </p:stCondLst>
+                      <p:childTnLst>
+                        <p:par>
+                          <p:cTn id="18" fill="hold">
+                            <p:stCondLst>
+                              <p:cond delay="0"/>
+                            </p:stCondLst>
+                            <p:childTnLst>
+                              <p:par>
+                                <p:cTn id="19" presetID="1" presetClass="entr" presetSubtype="0" fill="hold" grpId="0" nodeType="clickEffect">
+                                  <p:stCondLst>
+                                    <p:cond delay="0"/>
+                                  </p:stCondLst>
+                                  <p:childTnLst>
+                                    <p:set>
+                                      <p:cBhvr>
+                                        <p:cTn id="20" dur="1" fill="hold">
+                                          <p:stCondLst>
+                                            <p:cond delay="0"/>
+                                          </p:stCondLst>
+                                        </p:cTn>
+                                        <p:tgtEl>
+                                          <p:spTgt spid="3">
+                                            <p:txEl>
+                                              <p:pRg st="4" end="4"/>
+                                            </p:txEl>
+                                          </p:spTgt>
+                                        </p:tgtEl>
+                                        <p:attrNameLst>
+                                          <p:attrName>style.visibility</p:attrName>
+                                        </p:attrNameLst>
+                                      </p:cBhvr>
+                                      <p:to>
+                                        <p:strVal val="visible"/>
+                                      </p:to>
+                                    </p:set>
+                                  </p:childTnLst>
+                                </p:cTn>
+                              </p:par>
+                            </p:childTnLst>
+                          </p:cTn>
+                        </p:par>
+                      </p:childTnLst>
+                    </p:cTn>
+                  </p:par>
+                  <p:par>
+                    <p:cTn id="21" fill="hold">
+                      <p:stCondLst>
+                        <p:cond delay="indefinite"/>
+                      </p:stCondLst>
+                      <p:childTnLst>
+                        <p:par>
+                          <p:cTn id="22" fill="hold">
+                            <p:stCondLst>
+                              <p:cond delay="0"/>
+                            </p:stCondLst>
+                            <p:childTnLst>
+                              <p:par>
+                                <p:cTn id="23" presetID="1" presetClass="entr" presetSubtype="0" fill="hold" grpId="0" nodeType="clickEffect">
+                                  <p:stCondLst>
+                                    <p:cond delay="0"/>
+                                  </p:stCondLst>
+                                  <p:childTnLst>
+                                    <p:set>
+                                      <p:cBhvr>
+                                        <p:cTn id="24" dur="1" fill="hold">
+                                          <p:stCondLst>
+                                            <p:cond delay="0"/>
+                                          </p:stCondLst>
+                                        </p:cTn>
+                                        <p:tgtEl>
+                                          <p:spTgt spid="3">
+                                            <p:txEl>
+                                              <p:pRg st="5" end="5"/>
+                                            </p:txEl>
+                                          </p:spTgt>
+                                        </p:tgtEl>
+                                        <p:attrNameLst>
+                                          <p:attrName>style.visibility</p:attrName>
+                                        </p:attrNameLst>
+                                      </p:cBhvr>
+                                      <p:to>
+                                        <p:strVal val="visible"/>
+                                      </p:to>
+                                    </p:set>
+                                  </p:childTnLst>
+                                </p:cTn>
+                              </p:par>
+                            </p:childTnLst>
+                          </p:cTn>
+                        </p:par>
+                      </p:childTnLst>
+                    </p:cTn>
+                  </p:par>
+                </p:childTnLst>
+              </p:cTn>
+              <p:prevCondLst>
+                <p:cond evt="onPrev" delay="0">
+                  <p:tgtEl>
+                    <p:sldTgt/>
+                  </p:tgtEl>
+                </p:cond>
+              </p:prevCondLst>
+              <p:nextCondLst>
+                <p:cond evt="onNext" delay="0">
+                  <p:tgtEl>
+                    <p:sldTgt/>
+                  </p:tgtEl>
+                </p:cond>
+              </p:nextCondLst>
+            </p:seq>
+          </p:childTnLst>
+        </p:cTn>
+      </p:par>
+    </p:tnLst>
+    <p:bldLst>
+      <p:bldP spid="3" grpId="0" build="p"/>
+    </p:bldLst>
+  </p:timing>
+</p:sld>
+</file>
+
+<file path=ppt/slides/slide12.xml><?xml version="1.0" encoding="utf-8"?>
+<p:sld xmlns:a="http://schemas.openxmlformats.org/drawingml/2006/main" xmlns:r="http://schemas.openxmlformats.org/officeDocument/2006/relationships" xmlns:p="http://schemas.openxmlformats.org/presentationml/2006/main">
+  <p:cSld>
+    <p:spTree>
+      <p:nvGrpSpPr>
+        <p:cNvPr id="1" name=""/>
+        <p:cNvGrpSpPr/>
+        <p:nvPr/>
+      </p:nvGrpSpPr>
+      <p:grpSpPr>
+        <a:xfrm>
+          <a:off x="0" y="0"/>
+          <a:ext cx="0" cy="0"/>
+          <a:chOff x="0" y="0"/>
+          <a:chExt cx="0" cy="0"/>
+        </a:xfrm>
+      </p:grpSpPr>
+      <p:sp>
+        <p:nvSpPr>
+          <p:cNvPr id="2" name="Title 1">
+            <a:extLst>
+              <a:ext uri="{FF2B5EF4-FFF2-40B4-BE49-F238E27FC236}">
+                <a16:creationId xmlns:a16="http://schemas.microsoft.com/office/drawing/2014/main" id="{F247DA98-1682-4917-8123-DE3DE1986779}"/>
+              </a:ext>
+            </a:extLst>
+          </p:cNvPr>
+          <p:cNvSpPr>
+            <a:spLocks noGrp="1"/>
+          </p:cNvSpPr>
+          <p:nvPr>
+            <p:ph type="title"/>
+          </p:nvPr>
+        </p:nvSpPr>
+        <p:spPr/>
+        <p:txBody>
+          <a:bodyPr/>
+          <a:lstStyle/>
+          <a:p>
+            <a:r>
+              <a:rPr lang="en-US" sz="3200" dirty="0"/>
+              <a:t>Embedded systems moving from hardware- to software-centric</a:t>
+            </a:r>
+          </a:p>
+        </p:txBody>
+      </p:sp>
+      <p:sp>
+        <p:nvSpPr>
+          <p:cNvPr id="3" name="Content Placeholder 2">
+            <a:extLst>
+              <a:ext uri="{FF2B5EF4-FFF2-40B4-BE49-F238E27FC236}">
+                <a16:creationId xmlns:a16="http://schemas.microsoft.com/office/drawing/2014/main" id="{15EB824C-798A-4260-AB79-B52FD0DDB0A3}"/>
+              </a:ext>
+            </a:extLst>
+          </p:cNvPr>
+          <p:cNvSpPr>
+            <a:spLocks noGrp="1"/>
+          </p:cNvSpPr>
+          <p:nvPr>
+            <p:ph idx="1"/>
+          </p:nvPr>
+        </p:nvSpPr>
+        <p:spPr>
+          <a:xfrm>
+            <a:off x="152400" y="1446210"/>
+            <a:ext cx="8839200" cy="5030789"/>
+          </a:xfrm>
+        </p:spPr>
+        <p:txBody>
+          <a:bodyPr>
+            <a:noAutofit/>
+          </a:bodyPr>
+          <a:lstStyle/>
+          <a:p>
+            <a:r>
+              <a:rPr lang="en-US" sz="2800" dirty="0"/>
+              <a:t>Early embedded systems</a:t>
+            </a:r>
+          </a:p>
+          <a:p>
+            <a:pPr lvl="1"/>
+            <a:r>
+              <a:rPr lang="en-US" sz="2400" dirty="0"/>
+              <a:t>Fixed hardware behavior</a:t>
+            </a:r>
+          </a:p>
+          <a:p>
+            <a:pPr lvl="1"/>
+            <a:r>
+              <a:rPr lang="en-US" sz="2400" dirty="0"/>
+              <a:t>Minimal software, largely for UI</a:t>
+            </a:r>
+          </a:p>
+          <a:p>
+            <a:r>
+              <a:rPr lang="en-US" sz="2800" dirty="0"/>
+              <a:t>Modern embedded systems</a:t>
+            </a:r>
+          </a:p>
+          <a:p>
+            <a:pPr lvl="1"/>
+            <a:r>
+              <a:rPr lang="en-US" sz="2400" dirty="0"/>
+              <a:t>Generic hardware</a:t>
+            </a:r>
+          </a:p>
+          <a:p>
+            <a:pPr lvl="1"/>
+            <a:r>
+              <a:rPr lang="en-US" sz="2400" dirty="0"/>
+              <a:t>Complex software behavior</a:t>
+            </a:r>
+          </a:p>
+          <a:p>
+            <a:pPr lvl="1"/>
+            <a:r>
+              <a:rPr lang="en-US" sz="2400" dirty="0"/>
+              <a:t>Updates and reconfigurability</a:t>
+            </a:r>
+          </a:p>
+          <a:p>
+            <a:pPr lvl="1"/>
+            <a:endParaRPr lang="en-US" sz="2400" dirty="0"/>
+          </a:p>
+          <a:p>
+            <a:r>
+              <a:rPr lang="en-US" sz="2800" dirty="0"/>
+              <a:t>Hardware executes, software decides</a:t>
+            </a:r>
+          </a:p>
+          <a:p>
+            <a:r>
+              <a:rPr lang="en-US" sz="2800" dirty="0"/>
+              <a:t>Responsibilities largely shifted to software!</a:t>
+            </a:r>
+          </a:p>
+        </p:txBody>
+      </p:sp>
+      <p:sp>
+        <p:nvSpPr>
+          <p:cNvPr id="4" name="Date Placeholder 3">
+            <a:extLst>
+              <a:ext uri="{FF2B5EF4-FFF2-40B4-BE49-F238E27FC236}">
+                <a16:creationId xmlns:a16="http://schemas.microsoft.com/office/drawing/2014/main" id="{98E91D78-4A5E-423A-96DB-D2C13BD5333E}"/>
+              </a:ext>
+            </a:extLst>
+          </p:cNvPr>
+          <p:cNvSpPr>
+            <a:spLocks noGrp="1"/>
+          </p:cNvSpPr>
+          <p:nvPr>
+            <p:ph type="dt" sz="half" idx="10"/>
+          </p:nvPr>
+        </p:nvSpPr>
+        <p:spPr/>
+        <p:txBody>
+          <a:bodyPr/>
+          <a:lstStyle/>
+          <a:p>
+            <a:pPr>
+              <a:defRPr/>
+            </a:pPr>
+            <a:r>
+              <a:rPr lang="en-US"/>
+              <a:t>21/12/2020</a:t>
+            </a:r>
+          </a:p>
+        </p:txBody>
+      </p:sp>
+      <p:sp>
+        <p:nvSpPr>
+          <p:cNvPr id="5" name="Slide Number Placeholder 4">
+            <a:extLst>
+              <a:ext uri="{FF2B5EF4-FFF2-40B4-BE49-F238E27FC236}">
+                <a16:creationId xmlns:a16="http://schemas.microsoft.com/office/drawing/2014/main" id="{43BC9731-90FB-4B25-B57F-CE23BB149018}"/>
+              </a:ext>
+            </a:extLst>
+          </p:cNvPr>
+          <p:cNvSpPr>
+            <a:spLocks noGrp="1"/>
+          </p:cNvSpPr>
+          <p:nvPr>
+            <p:ph type="sldNum" sz="quarter" idx="12"/>
+          </p:nvPr>
+        </p:nvSpPr>
+        <p:spPr/>
+        <p:txBody>
+          <a:bodyPr/>
+          <a:lstStyle/>
+          <a:p>
+            <a:pPr>
+              <a:defRPr/>
+            </a:pPr>
+            <a:fld id="{CA887A73-1AE0-46F8-856A-18EA1CF30A1B}" type="slidenum">
+              <a:rPr lang="en-US" altLang="en-US" smtClean="0"/>
+              <a:pPr>
+                <a:defRPr/>
+              </a:pPr>
+              <a:t>12</a:t>
+            </a:fld>
+            <a:endParaRPr lang="en-US" altLang="en-US"/>
+          </a:p>
+        </p:txBody>
+      </p:sp>
+    </p:spTree>
+    <p:extLst>
+      <p:ext uri="{BB962C8B-B14F-4D97-AF65-F5344CB8AC3E}">
+        <p14:creationId xmlns:p14="http://schemas.microsoft.com/office/powerpoint/2010/main" val="800131290"/>
+      </p:ext>
+    </p:extLst>
+  </p:cSld>
+  <p:clrMapOvr>
+    <a:masterClrMapping/>
+  </p:clrMapOvr>
+  <p:timing>
+    <p:tnLst>
+      <p:par>
+        <p:cTn id="1" dur="indefinite" restart="never" nodeType="tmRoot">
+          <p:childTnLst>
+            <p:seq concurrent="1" nextAc="seek">
+              <p:cTn id="2" dur="indefinite" nodeType="mainSeq">
+                <p:childTnLst>
+                  <p:par>
+                    <p:cTn id="3" fill="hold">
+                      <p:stCondLst>
+                        <p:cond delay="indefinite"/>
+                      </p:stCondLst>
+                      <p:childTnLst>
+                        <p:par>
+                          <p:cTn id="4" fill="hold">
+                            <p:stCondLst>
+                              <p:cond delay="0"/>
+                            </p:stCondLst>
+                            <p:childTnLst>
+                              <p:par>
+                                <p:cTn id="5" presetID="1" presetClass="entr" presetSubtype="0" fill="hold" grpId="0" nodeType="clickEffect">
+                                  <p:stCondLst>
+                                    <p:cond delay="0"/>
+                                  </p:stCondLst>
+                                  <p:childTnLst>
+                                    <p:set>
+                                      <p:cBhvr>
+                                        <p:cTn id="6" dur="1" fill="hold">
+                                          <p:stCondLst>
+                                            <p:cond delay="0"/>
+                                          </p:stCondLst>
+                                        </p:cTn>
+                                        <p:tgtEl>
+                                          <p:spTgt spid="3">
+                                            <p:txEl>
+                                              <p:pRg st="0" end="0"/>
+                                            </p:txEl>
+                                          </p:spTgt>
+                                        </p:tgtEl>
+                                        <p:attrNameLst>
+                                          <p:attrName>style.visibility</p:attrName>
+                                        </p:attrNameLst>
+                                      </p:cBhvr>
+                                      <p:to>
+                                        <p:strVal val="visible"/>
+                                      </p:to>
+                                    </p:set>
+                                  </p:childTnLst>
+                                </p:cTn>
+                              </p:par>
+                              <p:par>
+                                <p:cTn id="7" presetID="1" presetClass="entr" presetSubtype="0" fill="hold" grpId="0" nodeType="withEffect">
+                                  <p:stCondLst>
+                                    <p:cond delay="0"/>
+                                  </p:stCondLst>
+                                  <p:childTnLst>
+                                    <p:set>
+                                      <p:cBhvr>
+                                        <p:cTn id="8" dur="1" fill="hold">
+                                          <p:stCondLst>
+                                            <p:cond delay="0"/>
+                                          </p:stCondLst>
+                                        </p:cTn>
+                                        <p:tgtEl>
+                                          <p:spTgt spid="3">
+                                            <p:txEl>
+                                              <p:pRg st="1" end="1"/>
+                                            </p:txEl>
+                                          </p:spTgt>
+                                        </p:tgtEl>
+                                        <p:attrNameLst>
+                                          <p:attrName>style.visibility</p:attrName>
+                                        </p:attrNameLst>
+                                      </p:cBhvr>
+                                      <p:to>
+                                        <p:strVal val="visible"/>
+                                      </p:to>
+                                    </p:set>
+                                  </p:childTnLst>
+                                </p:cTn>
+                              </p:par>
+                              <p:par>
+                                <p:cTn id="9" presetID="1" presetClass="entr" presetSubtype="0" fill="hold" grpId="0" nodeType="withEffect">
+                                  <p:stCondLst>
+                                    <p:cond delay="0"/>
+                                  </p:stCondLst>
+                                  <p:childTnLst>
+                                    <p:set>
+                                      <p:cBhvr>
+                                        <p:cTn id="10" dur="1" fill="hold">
+                                          <p:stCondLst>
+                                            <p:cond delay="0"/>
+                                          </p:stCondLst>
+                                        </p:cTn>
+                                        <p:tgtEl>
+                                          <p:spTgt spid="3">
+                                            <p:txEl>
+                                              <p:pRg st="2" end="2"/>
+                                            </p:txEl>
+                                          </p:spTgt>
+                                        </p:tgtEl>
+                                        <p:attrNameLst>
+                                          <p:attrName>style.visibility</p:attrName>
+                                        </p:attrNameLst>
+                                      </p:cBhvr>
+                                      <p:to>
+                                        <p:strVal val="visible"/>
+                                      </p:to>
+                                    </p:set>
+                                  </p:childTnLst>
+                                </p:cTn>
+                              </p:par>
+                            </p:childTnLst>
+                          </p:cTn>
+                        </p:par>
+                      </p:childTnLst>
+                    </p:cTn>
+                  </p:par>
+                  <p:par>
+                    <p:cTn id="11" fill="hold">
+                      <p:stCondLst>
+                        <p:cond delay="indefinite"/>
+                      </p:stCondLst>
+                      <p:childTnLst>
+                        <p:par>
+                          <p:cTn id="12" fill="hold">
+                            <p:stCondLst>
+                              <p:cond delay="0"/>
+                            </p:stCondLst>
+                            <p:childTnLst>
+                              <p:par>
+                                <p:cTn id="13" presetID="1" presetClass="entr" presetSubtype="0" fill="hold" grpId="0" nodeType="clickEffect">
+                                  <p:stCondLst>
+                                    <p:cond delay="0"/>
+                                  </p:stCondLst>
+                                  <p:childTnLst>
+                                    <p:set>
+                                      <p:cBhvr>
+                                        <p:cTn id="14" dur="1" fill="hold">
+                                          <p:stCondLst>
+                                            <p:cond delay="0"/>
+                                          </p:stCondLst>
+                                        </p:cTn>
+                                        <p:tgtEl>
+                                          <p:spTgt spid="3">
+                                            <p:txEl>
+                                              <p:pRg st="3" end="3"/>
+                                            </p:txEl>
+                                          </p:spTgt>
+                                        </p:tgtEl>
+                                        <p:attrNameLst>
+                                          <p:attrName>style.visibility</p:attrName>
+                                        </p:attrNameLst>
+                                      </p:cBhvr>
+                                      <p:to>
+                                        <p:strVal val="visible"/>
+                                      </p:to>
+                                    </p:set>
+                                  </p:childTnLst>
+                                </p:cTn>
+                              </p:par>
+                              <p:par>
+                                <p:cTn id="15" presetID="1" presetClass="entr" presetSubtype="0" fill="hold" grpId="0" nodeType="withEffect">
+                                  <p:stCondLst>
+                                    <p:cond delay="0"/>
+                                  </p:stCondLst>
+                                  <p:childTnLst>
+                                    <p:set>
+                                      <p:cBhvr>
+                                        <p:cTn id="16" dur="1" fill="hold">
+                                          <p:stCondLst>
+                                            <p:cond delay="0"/>
+                                          </p:stCondLst>
+                                        </p:cTn>
+                                        <p:tgtEl>
+                                          <p:spTgt spid="3">
+                                            <p:txEl>
+                                              <p:pRg st="4" end="4"/>
+                                            </p:txEl>
+                                          </p:spTgt>
+                                        </p:tgtEl>
+                                        <p:attrNameLst>
+                                          <p:attrName>style.visibility</p:attrName>
+                                        </p:attrNameLst>
+                                      </p:cBhvr>
+                                      <p:to>
+                                        <p:strVal val="visible"/>
+                                      </p:to>
+                                    </p:set>
+                                  </p:childTnLst>
+                                </p:cTn>
+                              </p:par>
+                              <p:par>
+                                <p:cTn id="17" presetID="1" presetClass="entr" presetSubtype="0" fill="hold" grpId="0" nodeType="withEffect">
+                                  <p:stCondLst>
+                                    <p:cond delay="0"/>
+                                  </p:stCondLst>
+                                  <p:childTnLst>
+                                    <p:set>
+                                      <p:cBhvr>
+                                        <p:cTn id="18" dur="1" fill="hold">
+                                          <p:stCondLst>
+                                            <p:cond delay="0"/>
+                                          </p:stCondLst>
+                                        </p:cTn>
+                                        <p:tgtEl>
+                                          <p:spTgt spid="3">
+                                            <p:txEl>
+                                              <p:pRg st="5" end="5"/>
+                                            </p:txEl>
+                                          </p:spTgt>
+                                        </p:tgtEl>
+                                        <p:attrNameLst>
+                                          <p:attrName>style.visibility</p:attrName>
+                                        </p:attrNameLst>
+                                      </p:cBhvr>
+                                      <p:to>
+                                        <p:strVal val="visible"/>
+                                      </p:to>
+                                    </p:set>
+                                  </p:childTnLst>
+                                </p:cTn>
+                              </p:par>
+                              <p:par>
+                                <p:cTn id="19" presetID="1" presetClass="entr" presetSubtype="0" fill="hold" grpId="0" nodeType="withEffect">
+                                  <p:stCondLst>
+                                    <p:cond delay="0"/>
+                                  </p:stCondLst>
+                                  <p:childTnLst>
+                                    <p:set>
+                                      <p:cBhvr>
+                                        <p:cTn id="20" dur="1" fill="hold">
+                                          <p:stCondLst>
+                                            <p:cond delay="0"/>
+                                          </p:stCondLst>
+                                        </p:cTn>
+                                        <p:tgtEl>
+                                          <p:spTgt spid="3">
+                                            <p:txEl>
+                                              <p:pRg st="6" end="6"/>
+                                            </p:txEl>
+                                          </p:spTgt>
+                                        </p:tgtEl>
+                                        <p:attrNameLst>
+                                          <p:attrName>style.visibility</p:attrName>
+                                        </p:attrNameLst>
+                                      </p:cBhvr>
+                                      <p:to>
+                                        <p:strVal val="visible"/>
+                                      </p:to>
+                                    </p:set>
+                                  </p:childTnLst>
+                                </p:cTn>
+                              </p:par>
+                            </p:childTnLst>
+                          </p:cTn>
+                        </p:par>
+                      </p:childTnLst>
+                    </p:cTn>
+                  </p:par>
+                  <p:par>
+                    <p:cTn id="21" fill="hold">
+                      <p:stCondLst>
+                        <p:cond delay="indefinite"/>
+                      </p:stCondLst>
+                      <p:childTnLst>
+                        <p:par>
+                          <p:cTn id="22" fill="hold">
+                            <p:stCondLst>
+                              <p:cond delay="0"/>
+                            </p:stCondLst>
+                            <p:childTnLst>
+                              <p:par>
+                                <p:cTn id="23" presetID="1" presetClass="entr" presetSubtype="0" fill="hold" grpId="0" nodeType="clickEffect">
+                                  <p:stCondLst>
+                                    <p:cond delay="0"/>
+                                  </p:stCondLst>
+                                  <p:childTnLst>
+                                    <p:set>
+                                      <p:cBhvr>
+                                        <p:cTn id="24" dur="1" fill="hold">
+                                          <p:stCondLst>
+                                            <p:cond delay="0"/>
+                                          </p:stCondLst>
+                                        </p:cTn>
+                                        <p:tgtEl>
+                                          <p:spTgt spid="3">
+                                            <p:txEl>
+                                              <p:pRg st="8" end="8"/>
+                                            </p:txEl>
+                                          </p:spTgt>
+                                        </p:tgtEl>
+                                        <p:attrNameLst>
+                                          <p:attrName>style.visibility</p:attrName>
+                                        </p:attrNameLst>
+                                      </p:cBhvr>
+                                      <p:to>
+                                        <p:strVal val="visible"/>
+                                      </p:to>
+                                    </p:set>
+                                  </p:childTnLst>
+                                </p:cTn>
+                              </p:par>
+                            </p:childTnLst>
+                          </p:cTn>
+                        </p:par>
+                      </p:childTnLst>
+                    </p:cTn>
+                  </p:par>
+                  <p:par>
+                    <p:cTn id="25" fill="hold">
+                      <p:stCondLst>
+                        <p:cond delay="indefinite"/>
+                      </p:stCondLst>
+                      <p:childTnLst>
+                        <p:par>
+                          <p:cTn id="26" fill="hold">
+                            <p:stCondLst>
+                              <p:cond delay="0"/>
+                            </p:stCondLst>
+                            <p:childTnLst>
+                              <p:par>
+                                <p:cTn id="27" presetID="1" presetClass="entr" presetSubtype="0" fill="hold" grpId="0" nodeType="clickEffect">
+                                  <p:stCondLst>
+                                    <p:cond delay="0"/>
+                                  </p:stCondLst>
+                                  <p:childTnLst>
+                                    <p:set>
+                                      <p:cBhvr>
+                                        <p:cTn id="28" dur="1" fill="hold">
+                                          <p:stCondLst>
+                                            <p:cond delay="0"/>
+                                          </p:stCondLst>
+                                        </p:cTn>
+                                        <p:tgtEl>
+                                          <p:spTgt spid="3">
+                                            <p:txEl>
+                                              <p:pRg st="9" end="9"/>
+                                            </p:txEl>
+                                          </p:spTgt>
+                                        </p:tgtEl>
+                                        <p:attrNameLst>
+                                          <p:attrName>style.visibility</p:attrName>
+                                        </p:attrNameLst>
+                                      </p:cBhvr>
+                                      <p:to>
+                                        <p:strVal val="visible"/>
+                                      </p:to>
+                                    </p:set>
+                                  </p:childTnLst>
+                                </p:cTn>
+                              </p:par>
+                            </p:childTnLst>
+                          </p:cTn>
+                        </p:par>
+                      </p:childTnLst>
+                    </p:cTn>
+                  </p:par>
+                </p:childTnLst>
+              </p:cTn>
+              <p:prevCondLst>
+                <p:cond evt="onPrev" delay="0">
+                  <p:tgtEl>
+                    <p:sldTgt/>
+                  </p:tgtEl>
+                </p:cond>
+              </p:prevCondLst>
+              <p:nextCondLst>
+                <p:cond evt="onNext" delay="0">
+                  <p:tgtEl>
+                    <p:sldTgt/>
+                  </p:tgtEl>
+                </p:cond>
+              </p:nextCondLst>
+            </p:seq>
+          </p:childTnLst>
+        </p:cTn>
+      </p:par>
+    </p:tnLst>
+    <p:bldLst>
+      <p:bldP spid="3" grpId="0" build="p"/>
+    </p:bldLst>
+  </p:timing>
+</p:sld>
+</file>
+
+<file path=ppt/slides/slide13.xml><?xml version="1.0" encoding="utf-8"?>
+<p:sld xmlns:a="http://schemas.openxmlformats.org/drawingml/2006/main" xmlns:r="http://schemas.openxmlformats.org/officeDocument/2006/relationships" xmlns:p="http://schemas.openxmlformats.org/presentationml/2006/main">
+  <p:cSld>
+    <p:spTree>
+      <p:nvGrpSpPr>
+        <p:cNvPr id="1" name=""/>
+        <p:cNvGrpSpPr/>
+        <p:nvPr/>
+      </p:nvGrpSpPr>
+      <p:grpSpPr>
+        <a:xfrm>
+          <a:off x="0" y="0"/>
+          <a:ext cx="0" cy="0"/>
+          <a:chOff x="0" y="0"/>
+          <a:chExt cx="0" cy="0"/>
+        </a:xfrm>
+      </p:grpSpPr>
+      <p:sp>
+        <p:nvSpPr>
+          <p:cNvPr id="2" name="Title 1">
+            <a:extLst>
+              <a:ext uri="{FF2B5EF4-FFF2-40B4-BE49-F238E27FC236}">
+                <a16:creationId xmlns:a16="http://schemas.microsoft.com/office/drawing/2014/main" id="{9010139D-4C3F-4D77-ABE1-776CEAF46CA0}"/>
+              </a:ext>
+            </a:extLst>
+          </p:cNvPr>
+          <p:cNvSpPr>
+            <a:spLocks noGrp="1"/>
+          </p:cNvSpPr>
+          <p:nvPr>
+            <p:ph type="title"/>
+          </p:nvPr>
+        </p:nvSpPr>
+        <p:spPr/>
+        <p:txBody>
+          <a:bodyPr/>
+          <a:lstStyle/>
+          <a:p>
+            <a:r>
+              <a:rPr lang="en-US" dirty="0"/>
+              <a:t>Embedded vs general-purpose software</a:t>
+            </a:r>
+          </a:p>
+        </p:txBody>
+      </p:sp>
+      <p:sp>
+        <p:nvSpPr>
+          <p:cNvPr id="3" name="Content Placeholder 2">
+            <a:extLst>
+              <a:ext uri="{FF2B5EF4-FFF2-40B4-BE49-F238E27FC236}">
+                <a16:creationId xmlns:a16="http://schemas.microsoft.com/office/drawing/2014/main" id="{98C721B5-9670-420A-BAD0-352ABC2B8666}"/>
+              </a:ext>
+            </a:extLst>
+          </p:cNvPr>
+          <p:cNvSpPr>
+            <a:spLocks noGrp="1"/>
+          </p:cNvSpPr>
+          <p:nvPr>
+            <p:ph idx="1"/>
+          </p:nvPr>
+        </p:nvSpPr>
+        <p:spPr>
+          <a:xfrm>
+            <a:off x="152400" y="5280819"/>
+            <a:ext cx="8839200" cy="990600"/>
+          </a:xfrm>
+        </p:spPr>
+        <p:txBody>
+          <a:bodyPr/>
+          <a:lstStyle/>
+          <a:p>
+            <a:pPr marL="0" indent="0">
+              <a:buNone/>
+            </a:pPr>
+            <a:r>
+              <a:rPr lang="en-US" dirty="0"/>
+              <a:t>Embedded software must be predictable, not just correct!</a:t>
+            </a:r>
+          </a:p>
+        </p:txBody>
+      </p:sp>
+      <p:sp>
+        <p:nvSpPr>
+          <p:cNvPr id="4" name="Date Placeholder 3">
+            <a:extLst>
+              <a:ext uri="{FF2B5EF4-FFF2-40B4-BE49-F238E27FC236}">
+                <a16:creationId xmlns:a16="http://schemas.microsoft.com/office/drawing/2014/main" id="{D20442F2-7B7B-4476-8CF4-A3E51ED92A22}"/>
+              </a:ext>
+            </a:extLst>
+          </p:cNvPr>
+          <p:cNvSpPr>
+            <a:spLocks noGrp="1"/>
+          </p:cNvSpPr>
+          <p:nvPr>
+            <p:ph type="dt" sz="half" idx="10"/>
+          </p:nvPr>
+        </p:nvSpPr>
+        <p:spPr/>
+        <p:txBody>
+          <a:bodyPr/>
+          <a:lstStyle/>
+          <a:p>
+            <a:pPr>
+              <a:defRPr/>
+            </a:pPr>
+            <a:r>
+              <a:rPr lang="en-US"/>
+              <a:t>21/12/2020</a:t>
+            </a:r>
+          </a:p>
+        </p:txBody>
+      </p:sp>
+      <p:sp>
+        <p:nvSpPr>
+          <p:cNvPr id="5" name="Slide Number Placeholder 4">
+            <a:extLst>
+              <a:ext uri="{FF2B5EF4-FFF2-40B4-BE49-F238E27FC236}">
+                <a16:creationId xmlns:a16="http://schemas.microsoft.com/office/drawing/2014/main" id="{E731EB86-64F1-463D-8F3D-A8F5A525ED5E}"/>
+              </a:ext>
+            </a:extLst>
+          </p:cNvPr>
+          <p:cNvSpPr>
+            <a:spLocks noGrp="1"/>
+          </p:cNvSpPr>
+          <p:nvPr>
+            <p:ph type="sldNum" sz="quarter" idx="12"/>
+          </p:nvPr>
+        </p:nvSpPr>
+        <p:spPr/>
+        <p:txBody>
+          <a:bodyPr/>
+          <a:lstStyle/>
+          <a:p>
+            <a:pPr>
+              <a:defRPr/>
+            </a:pPr>
+            <a:fld id="{CA887A73-1AE0-46F8-856A-18EA1CF30A1B}" type="slidenum">
+              <a:rPr lang="en-US" altLang="en-US" smtClean="0"/>
+              <a:pPr>
+                <a:defRPr/>
+              </a:pPr>
+              <a:t>13</a:t>
+            </a:fld>
+            <a:endParaRPr lang="en-US" altLang="en-US"/>
+          </a:p>
+        </p:txBody>
+      </p:sp>
+      <p:pic>
+        <p:nvPicPr>
+          <p:cNvPr id="8" name="Picture 7">
+            <a:extLst>
+              <a:ext uri="{FF2B5EF4-FFF2-40B4-BE49-F238E27FC236}">
+                <a16:creationId xmlns:a16="http://schemas.microsoft.com/office/drawing/2014/main" id="{2DEA5E78-0E78-480F-A131-C24A4697C2A3}"/>
+              </a:ext>
+            </a:extLst>
+          </p:cNvPr>
+          <p:cNvPicPr>
+            <a:picLocks noChangeAspect="1"/>
+          </p:cNvPicPr>
+          <p:nvPr/>
+        </p:nvPicPr>
+        <p:blipFill rotWithShape="1">
+          <a:blip r:embed="rId2"/>
+          <a:srcRect b="86980"/>
+          <a:stretch/>
+        </p:blipFill>
+        <p:spPr>
+          <a:xfrm>
+            <a:off x="188976" y="1447800"/>
+            <a:ext cx="8839966" cy="457200"/>
+          </a:xfrm>
+          <a:prstGeom prst="rect">
+            <a:avLst/>
+          </a:prstGeom>
+        </p:spPr>
+      </p:pic>
+      <p:pic>
+        <p:nvPicPr>
+          <p:cNvPr id="9" name="Picture 8">
+            <a:extLst>
+              <a:ext uri="{FF2B5EF4-FFF2-40B4-BE49-F238E27FC236}">
+                <a16:creationId xmlns:a16="http://schemas.microsoft.com/office/drawing/2014/main" id="{719C83DF-0DA0-4F20-BF4A-40E36E7942B6}"/>
+              </a:ext>
+            </a:extLst>
+          </p:cNvPr>
+          <p:cNvPicPr>
+            <a:picLocks noChangeAspect="1"/>
+          </p:cNvPicPr>
+          <p:nvPr/>
+        </p:nvPicPr>
+        <p:blipFill rotWithShape="1">
+          <a:blip r:embed="rId2"/>
+          <a:srcRect t="13018" r="72821" b="182"/>
+          <a:stretch/>
+        </p:blipFill>
+        <p:spPr>
+          <a:xfrm>
+            <a:off x="188210" y="1905000"/>
+            <a:ext cx="2402590" cy="3048000"/>
+          </a:xfrm>
+          <a:prstGeom prst="rect">
+            <a:avLst/>
+          </a:prstGeom>
+        </p:spPr>
+      </p:pic>
+      <p:pic>
+        <p:nvPicPr>
+          <p:cNvPr id="10" name="Picture 9">
+            <a:extLst>
+              <a:ext uri="{FF2B5EF4-FFF2-40B4-BE49-F238E27FC236}">
+                <a16:creationId xmlns:a16="http://schemas.microsoft.com/office/drawing/2014/main" id="{28C8B82A-2424-41A4-B736-3A56C2DEE4FD}"/>
+              </a:ext>
+            </a:extLst>
+          </p:cNvPr>
+          <p:cNvPicPr>
+            <a:picLocks noChangeAspect="1"/>
+          </p:cNvPicPr>
+          <p:nvPr/>
+        </p:nvPicPr>
+        <p:blipFill rotWithShape="1">
+          <a:blip r:embed="rId2"/>
+          <a:srcRect l="-1" t="13018" r="413" b="69622"/>
+          <a:stretch/>
+        </p:blipFill>
+        <p:spPr>
+          <a:xfrm>
+            <a:off x="188210" y="1905000"/>
+            <a:ext cx="8803390" cy="609600"/>
+          </a:xfrm>
+          <a:prstGeom prst="rect">
+            <a:avLst/>
+          </a:prstGeom>
+        </p:spPr>
+      </p:pic>
+      <p:pic>
+        <p:nvPicPr>
+          <p:cNvPr id="11" name="Picture 10">
+            <a:extLst>
+              <a:ext uri="{FF2B5EF4-FFF2-40B4-BE49-F238E27FC236}">
+                <a16:creationId xmlns:a16="http://schemas.microsoft.com/office/drawing/2014/main" id="{FECFDE5F-B40C-4C9A-9992-95D0C8D12B62}"/>
+              </a:ext>
+            </a:extLst>
+          </p:cNvPr>
+          <p:cNvPicPr>
+            <a:picLocks noChangeAspect="1"/>
+          </p:cNvPicPr>
+          <p:nvPr/>
+        </p:nvPicPr>
+        <p:blipFill rotWithShape="1">
+          <a:blip r:embed="rId2"/>
+          <a:srcRect l="-1" t="13018" r="413" b="58772"/>
+          <a:stretch/>
+        </p:blipFill>
+        <p:spPr>
+          <a:xfrm>
+            <a:off x="188210" y="1905000"/>
+            <a:ext cx="8803390" cy="990600"/>
+          </a:xfrm>
+          <a:prstGeom prst="rect">
+            <a:avLst/>
+          </a:prstGeom>
+        </p:spPr>
+      </p:pic>
+      <p:pic>
+        <p:nvPicPr>
+          <p:cNvPr id="12" name="Picture 11">
+            <a:extLst>
+              <a:ext uri="{FF2B5EF4-FFF2-40B4-BE49-F238E27FC236}">
+                <a16:creationId xmlns:a16="http://schemas.microsoft.com/office/drawing/2014/main" id="{3ACABD1A-3394-4AF3-868F-8F60B162A876}"/>
+              </a:ext>
+            </a:extLst>
+          </p:cNvPr>
+          <p:cNvPicPr>
+            <a:picLocks noChangeAspect="1"/>
+          </p:cNvPicPr>
+          <p:nvPr/>
+        </p:nvPicPr>
+        <p:blipFill rotWithShape="1">
+          <a:blip r:embed="rId2"/>
+          <a:srcRect l="-1" t="41228" r="413" b="41367"/>
+          <a:stretch/>
+        </p:blipFill>
+        <p:spPr>
+          <a:xfrm>
+            <a:off x="188210" y="2895600"/>
+            <a:ext cx="8803390" cy="611188"/>
+          </a:xfrm>
+          <a:prstGeom prst="rect">
+            <a:avLst/>
+          </a:prstGeom>
+        </p:spPr>
+      </p:pic>
+      <p:pic>
+        <p:nvPicPr>
+          <p:cNvPr id="13" name="Picture 12">
+            <a:extLst>
+              <a:ext uri="{FF2B5EF4-FFF2-40B4-BE49-F238E27FC236}">
+                <a16:creationId xmlns:a16="http://schemas.microsoft.com/office/drawing/2014/main" id="{F5E36C20-F1B5-432C-A492-E908DC8B10F0}"/>
+              </a:ext>
+            </a:extLst>
+          </p:cNvPr>
+          <p:cNvPicPr>
+            <a:picLocks noChangeAspect="1"/>
+          </p:cNvPicPr>
+          <p:nvPr/>
+        </p:nvPicPr>
+        <p:blipFill rotWithShape="1">
+          <a:blip r:embed="rId2"/>
+          <a:srcRect l="-1" t="58634" r="413" b="31466"/>
+          <a:stretch/>
+        </p:blipFill>
+        <p:spPr>
+          <a:xfrm>
+            <a:off x="188210" y="3506788"/>
+            <a:ext cx="8803390" cy="347662"/>
+          </a:xfrm>
+          <a:prstGeom prst="rect">
+            <a:avLst/>
+          </a:prstGeom>
+        </p:spPr>
+      </p:pic>
+      <p:pic>
+        <p:nvPicPr>
+          <p:cNvPr id="14" name="Picture 13">
+            <a:extLst>
+              <a:ext uri="{FF2B5EF4-FFF2-40B4-BE49-F238E27FC236}">
+                <a16:creationId xmlns:a16="http://schemas.microsoft.com/office/drawing/2014/main" id="{EABDCFFB-D319-47E8-92FF-422BBBCFA802}"/>
+              </a:ext>
+            </a:extLst>
+          </p:cNvPr>
+          <p:cNvPicPr>
+            <a:picLocks noChangeAspect="1"/>
+          </p:cNvPicPr>
+          <p:nvPr/>
+        </p:nvPicPr>
+        <p:blipFill rotWithShape="1">
+          <a:blip r:embed="rId2"/>
+          <a:srcRect l="-1" t="68285" r="413" b="13407"/>
+          <a:stretch/>
+        </p:blipFill>
+        <p:spPr>
+          <a:xfrm>
+            <a:off x="188210" y="3854450"/>
+            <a:ext cx="8803390" cy="642938"/>
+          </a:xfrm>
+          <a:prstGeom prst="rect">
+            <a:avLst/>
+          </a:prstGeom>
+        </p:spPr>
+      </p:pic>
+      <p:pic>
+        <p:nvPicPr>
+          <p:cNvPr id="15" name="Picture 14">
+            <a:extLst>
+              <a:ext uri="{FF2B5EF4-FFF2-40B4-BE49-F238E27FC236}">
+                <a16:creationId xmlns:a16="http://schemas.microsoft.com/office/drawing/2014/main" id="{F7018D01-92C6-4C20-BC0D-148B12A9CDC7}"/>
+              </a:ext>
+            </a:extLst>
+          </p:cNvPr>
+          <p:cNvPicPr>
+            <a:picLocks noChangeAspect="1"/>
+          </p:cNvPicPr>
+          <p:nvPr/>
+        </p:nvPicPr>
+        <p:blipFill rotWithShape="1">
+          <a:blip r:embed="rId2"/>
+          <a:srcRect l="-1" t="86722" r="413" b="304"/>
+          <a:stretch/>
+        </p:blipFill>
+        <p:spPr>
+          <a:xfrm>
+            <a:off x="188210" y="4497388"/>
+            <a:ext cx="8803390" cy="455612"/>
+          </a:xfrm>
+          <a:prstGeom prst="rect">
+            <a:avLst/>
+          </a:prstGeom>
+        </p:spPr>
+      </p:pic>
+    </p:spTree>
+    <p:extLst>
+      <p:ext uri="{BB962C8B-B14F-4D97-AF65-F5344CB8AC3E}">
+        <p14:creationId xmlns:p14="http://schemas.microsoft.com/office/powerpoint/2010/main" val="2999232257"/>
+      </p:ext>
+    </p:extLst>
+  </p:cSld>
+  <p:clrMapOvr>
+    <a:masterClrMapping/>
+  </p:clrMapOvr>
+  <p:timing>
+    <p:tnLst>
+      <p:par>
+        <p:cTn id="1" dur="indefinite" restart="never" nodeType="tmRoot">
+          <p:childTnLst>
+            <p:seq concurrent="1" nextAc="seek">
+              <p:cTn id="2" dur="indefinite" nodeType="mainSeq">
+                <p:childTnLst>
+                  <p:par>
+                    <p:cTn id="3" fill="hold">
+                      <p:stCondLst>
+                        <p:cond delay="indefinite"/>
+                      </p:stCondLst>
+                      <p:childTnLst>
+                        <p:par>
+                          <p:cTn id="4" fill="hold">
+                            <p:stCondLst>
+                              <p:cond delay="0"/>
+                            </p:stCondLst>
+                            <p:childTnLst>
+                              <p:par>
+                                <p:cTn id="5" presetID="1" presetClass="entr" presetSubtype="0" fill="hold" nodeType="clickEffect">
+                                  <p:stCondLst>
+                                    <p:cond delay="0"/>
+                                  </p:stCondLst>
+                                  <p:childTnLst>
+                                    <p:set>
+                                      <p:cBhvr>
+                                        <p:cTn id="6" dur="1" fill="hold">
+                                          <p:stCondLst>
+                                            <p:cond delay="0"/>
+                                          </p:stCondLst>
+                                        </p:cTn>
+                                        <p:tgtEl>
+                                          <p:spTgt spid="10"/>
+                                        </p:tgtEl>
+                                        <p:attrNameLst>
+                                          <p:attrName>style.visibility</p:attrName>
+                                        </p:attrNameLst>
+                                      </p:cBhvr>
+                                      <p:to>
+                                        <p:strVal val="visible"/>
+                                      </p:to>
+                                    </p:set>
+                                  </p:childTnLst>
+                                </p:cTn>
+                              </p:par>
+                            </p:childTnLst>
+                          </p:cTn>
+                        </p:par>
+                      </p:childTnLst>
+                    </p:cTn>
+                  </p:par>
+                  <p:par>
+                    <p:cTn id="7" fill="hold">
+                      <p:stCondLst>
+                        <p:cond delay="indefinite"/>
+                      </p:stCondLst>
+                      <p:childTnLst>
+                        <p:par>
+                          <p:cTn id="8" fill="hold">
+                            <p:stCondLst>
+                              <p:cond delay="0"/>
+                            </p:stCondLst>
+                            <p:childTnLst>
+                              <p:par>
+                                <p:cTn id="9" presetID="1" presetClass="entr" presetSubtype="0" fill="hold" nodeType="clickEffect">
+                                  <p:stCondLst>
+                                    <p:cond delay="0"/>
+                                  </p:stCondLst>
+                                  <p:childTnLst>
+                                    <p:set>
+                                      <p:cBhvr>
+                                        <p:cTn id="10" dur="1" fill="hold">
+                                          <p:stCondLst>
+                                            <p:cond delay="0"/>
+                                          </p:stCondLst>
+                                        </p:cTn>
+                                        <p:tgtEl>
+                                          <p:spTgt spid="11"/>
+                                        </p:tgtEl>
+                                        <p:attrNameLst>
+                                          <p:attrName>style.visibility</p:attrName>
+                                        </p:attrNameLst>
+                                      </p:cBhvr>
+                                      <p:to>
+                                        <p:strVal val="visible"/>
+                                      </p:to>
+                                    </p:set>
+                                  </p:childTnLst>
+                                </p:cTn>
+                              </p:par>
+                            </p:childTnLst>
+                          </p:cTn>
+                        </p:par>
+                      </p:childTnLst>
+                    </p:cTn>
+                  </p:par>
+                  <p:par>
+                    <p:cTn id="11" fill="hold">
+                      <p:stCondLst>
+                        <p:cond delay="indefinite"/>
+                      </p:stCondLst>
+                      <p:childTnLst>
+                        <p:par>
+                          <p:cTn id="12" fill="hold">
+                            <p:stCondLst>
+                              <p:cond delay="0"/>
+                            </p:stCondLst>
+                            <p:childTnLst>
+                              <p:par>
+                                <p:cTn id="13" presetID="1" presetClass="entr" presetSubtype="0" fill="hold" nodeType="clickEffect">
+                                  <p:stCondLst>
+                                    <p:cond delay="0"/>
+                                  </p:stCondLst>
+                                  <p:childTnLst>
+                                    <p:set>
+                                      <p:cBhvr>
+                                        <p:cTn id="14" dur="1" fill="hold">
+                                          <p:stCondLst>
+                                            <p:cond delay="0"/>
+                                          </p:stCondLst>
+                                        </p:cTn>
+                                        <p:tgtEl>
+                                          <p:spTgt spid="12"/>
+                                        </p:tgtEl>
+                                        <p:attrNameLst>
+                                          <p:attrName>style.visibility</p:attrName>
+                                        </p:attrNameLst>
+                                      </p:cBhvr>
+                                      <p:to>
+                                        <p:strVal val="visible"/>
+                                      </p:to>
+                                    </p:set>
+                                  </p:childTnLst>
+                                </p:cTn>
+                              </p:par>
+                            </p:childTnLst>
+                          </p:cTn>
+                        </p:par>
+                      </p:childTnLst>
+                    </p:cTn>
+                  </p:par>
+                  <p:par>
+                    <p:cTn id="15" fill="hold">
+                      <p:stCondLst>
+                        <p:cond delay="indefinite"/>
+                      </p:stCondLst>
+                      <p:childTnLst>
+                        <p:par>
+                          <p:cTn id="16" fill="hold">
+                            <p:stCondLst>
+                              <p:cond delay="0"/>
+                            </p:stCondLst>
+                            <p:childTnLst>
+                              <p:par>
+                                <p:cTn id="17" presetID="1" presetClass="entr" presetSubtype="0" fill="hold" nodeType="clickEffect">
+                                  <p:stCondLst>
+                                    <p:cond delay="0"/>
+                                  </p:stCondLst>
+                                  <p:childTnLst>
+                                    <p:set>
+                                      <p:cBhvr>
+                                        <p:cTn id="18" dur="1" fill="hold">
+                                          <p:stCondLst>
+                                            <p:cond delay="0"/>
+                                          </p:stCondLst>
+                                        </p:cTn>
+                                        <p:tgtEl>
+                                          <p:spTgt spid="13"/>
+                                        </p:tgtEl>
+                                        <p:attrNameLst>
+                                          <p:attrName>style.visibility</p:attrName>
+                                        </p:attrNameLst>
+                                      </p:cBhvr>
+                                      <p:to>
+                                        <p:strVal val="visible"/>
+                                      </p:to>
+                                    </p:set>
+                                  </p:childTnLst>
+                                </p:cTn>
+                              </p:par>
+                            </p:childTnLst>
+                          </p:cTn>
+                        </p:par>
+                      </p:childTnLst>
+                    </p:cTn>
+                  </p:par>
+                  <p:par>
+                    <p:cTn id="19" fill="hold">
+                      <p:stCondLst>
+                        <p:cond delay="indefinite"/>
+                      </p:stCondLst>
+                      <p:childTnLst>
+                        <p:par>
+                          <p:cTn id="20" fill="hold">
+                            <p:stCondLst>
+                              <p:cond delay="0"/>
+                            </p:stCondLst>
+                            <p:childTnLst>
+                              <p:par>
+                                <p:cTn id="21" presetID="1" presetClass="entr" presetSubtype="0" fill="hold" nodeType="clickEffect">
+                                  <p:stCondLst>
+                                    <p:cond delay="0"/>
+                                  </p:stCondLst>
+                                  <p:childTnLst>
+                                    <p:set>
+                                      <p:cBhvr>
+                                        <p:cTn id="22" dur="1" fill="hold">
+                                          <p:stCondLst>
+                                            <p:cond delay="0"/>
+                                          </p:stCondLst>
+                                        </p:cTn>
+                                        <p:tgtEl>
+                                          <p:spTgt spid="14"/>
+                                        </p:tgtEl>
+                                        <p:attrNameLst>
+                                          <p:attrName>style.visibility</p:attrName>
+                                        </p:attrNameLst>
+                                      </p:cBhvr>
+                                      <p:to>
+                                        <p:strVal val="visible"/>
+                                      </p:to>
+                                    </p:set>
+                                  </p:childTnLst>
+                                </p:cTn>
+                              </p:par>
+                            </p:childTnLst>
+                          </p:cTn>
+                        </p:par>
+                      </p:childTnLst>
+                    </p:cTn>
+                  </p:par>
+                  <p:par>
+                    <p:cTn id="23" fill="hold">
+                      <p:stCondLst>
+                        <p:cond delay="indefinite"/>
+                      </p:stCondLst>
+                      <p:childTnLst>
+                        <p:par>
+                          <p:cTn id="24" fill="hold">
+                            <p:stCondLst>
+                              <p:cond delay="0"/>
+                            </p:stCondLst>
+                            <p:childTnLst>
+                              <p:par>
+                                <p:cTn id="25" presetID="1" presetClass="entr" presetSubtype="0" fill="hold" nodeType="clickEffect">
+                                  <p:stCondLst>
+                                    <p:cond delay="0"/>
+                                  </p:stCondLst>
+                                  <p:childTnLst>
+                                    <p:set>
+                                      <p:cBhvr>
+                                        <p:cTn id="26" dur="1" fill="hold">
+                                          <p:stCondLst>
+                                            <p:cond delay="0"/>
+                                          </p:stCondLst>
+                                        </p:cTn>
+                                        <p:tgtEl>
+                                          <p:spTgt spid="15"/>
+                                        </p:tgtEl>
+                                        <p:attrNameLst>
+                                          <p:attrName>style.visibility</p:attrName>
+                                        </p:attrNameLst>
+                                      </p:cBhvr>
+                                      <p:to>
+                                        <p:strVal val="visible"/>
+                                      </p:to>
+                                    </p:set>
+                                  </p:childTnLst>
+                                </p:cTn>
+                              </p:par>
+                            </p:childTnLst>
+                          </p:cTn>
+                        </p:par>
+                      </p:childTnLst>
+                    </p:cTn>
+                  </p:par>
+                  <p:par>
+                    <p:cTn id="27" fill="hold">
+                      <p:stCondLst>
+                        <p:cond delay="indefinite"/>
+                      </p:stCondLst>
+                      <p:childTnLst>
+                        <p:par>
+                          <p:cTn id="28" fill="hold">
+                            <p:stCondLst>
+                              <p:cond delay="0"/>
+                            </p:stCondLst>
+                            <p:childTnLst>
+                              <p:par>
+                                <p:cTn id="29" presetID="1" presetClass="entr" presetSubtype="0" fill="hold" grpId="0" nodeType="clickEffect">
+                                  <p:stCondLst>
+                                    <p:cond delay="0"/>
+                                  </p:stCondLst>
+                                  <p:childTnLst>
+                                    <p:set>
+                                      <p:cBhvr>
+                                        <p:cTn id="30" dur="1" fill="hold">
+                                          <p:stCondLst>
+                                            <p:cond delay="0"/>
+                                          </p:stCondLst>
+                                        </p:cTn>
+                                        <p:tgtEl>
+                                          <p:spTgt spid="3">
+                                            <p:txEl>
+                                              <p:pRg st="0" end="0"/>
+                                            </p:txEl>
+                                          </p:spTgt>
+                                        </p:tgtEl>
+                                        <p:attrNameLst>
+                                          <p:attrName>style.visibility</p:attrName>
+                                        </p:attrNameLst>
+                                      </p:cBhvr>
+                                      <p:to>
+                                        <p:strVal val="visible"/>
+                                      </p:to>
+                                    </p:set>
+                                  </p:childTnLst>
+                                </p:cTn>
+                              </p:par>
+                            </p:childTnLst>
+                          </p:cTn>
+                        </p:par>
+                      </p:childTnLst>
+                    </p:cTn>
+                  </p:par>
+                </p:childTnLst>
+              </p:cTn>
+              <p:prevCondLst>
+                <p:cond evt="onPrev" delay="0">
+                  <p:tgtEl>
+                    <p:sldTgt/>
+                  </p:tgtEl>
+                </p:cond>
+              </p:prevCondLst>
+              <p:nextCondLst>
+                <p:cond evt="onNext" delay="0">
+                  <p:tgtEl>
+                    <p:sldTgt/>
+                  </p:tgtEl>
+                </p:cond>
+              </p:nextCondLst>
+            </p:seq>
+          </p:childTnLst>
+        </p:cTn>
+      </p:par>
+    </p:tnLst>
+    <p:bldLst>
+      <p:bldP spid="3" grpId="0" build="p"/>
+    </p:bldLst>
+  </p:timing>
+</p:sld>
+</file>
+
+<file path=ppt/slides/slide14.xml><?xml version="1.0" encoding="utf-8"?>
+<p:sld xmlns:a="http://schemas.openxmlformats.org/drawingml/2006/main" xmlns:r="http://schemas.openxmlformats.org/officeDocument/2006/relationships" xmlns:p="http://schemas.openxmlformats.org/presentationml/2006/main">
+  <p:cSld>
+    <p:spTree>
+      <p:nvGrpSpPr>
+        <p:cNvPr id="1" name=""/>
+        <p:cNvGrpSpPr/>
+        <p:nvPr/>
+      </p:nvGrpSpPr>
+      <p:grpSpPr>
+        <a:xfrm>
+          <a:off x="0" y="0"/>
+          <a:ext cx="0" cy="0"/>
+          <a:chOff x="0" y="0"/>
+          <a:chExt cx="0" cy="0"/>
+        </a:xfrm>
+      </p:grpSpPr>
+      <p:sp>
+        <p:nvSpPr>
+          <p:cNvPr id="2" name="Title 1">
+            <a:extLst>
+              <a:ext uri="{FF2B5EF4-FFF2-40B4-BE49-F238E27FC236}">
+                <a16:creationId xmlns:a16="http://schemas.microsoft.com/office/drawing/2014/main" id="{46BCBB2E-35A7-4BF8-9B3C-E6C4D31192B5}"/>
+              </a:ext>
+            </a:extLst>
+          </p:cNvPr>
+          <p:cNvSpPr>
+            <a:spLocks noGrp="1"/>
+          </p:cNvSpPr>
+          <p:nvPr>
+            <p:ph type="title"/>
+          </p:nvPr>
+        </p:nvSpPr>
+        <p:spPr/>
+        <p:txBody>
+          <a:bodyPr/>
+          <a:lstStyle/>
+          <a:p>
+            <a:r>
+              <a:rPr lang="en-US" dirty="0"/>
+              <a:t>Embedded vs general-purpose software: example</a:t>
+            </a:r>
+          </a:p>
+        </p:txBody>
+      </p:sp>
+      <p:sp>
+        <p:nvSpPr>
+          <p:cNvPr id="3" name="Content Placeholder 2">
+            <a:extLst>
+              <a:ext uri="{FF2B5EF4-FFF2-40B4-BE49-F238E27FC236}">
+                <a16:creationId xmlns:a16="http://schemas.microsoft.com/office/drawing/2014/main" id="{BBF82C45-436B-498F-8E81-1CBAC9AA05F2}"/>
+              </a:ext>
+            </a:extLst>
+          </p:cNvPr>
+          <p:cNvSpPr>
+            <a:spLocks noGrp="1"/>
+          </p:cNvSpPr>
+          <p:nvPr>
+            <p:ph idx="1"/>
+          </p:nvPr>
+        </p:nvSpPr>
+        <p:spPr/>
+        <p:txBody>
+          <a:bodyPr/>
+          <a:lstStyle/>
+          <a:p>
+            <a:pPr marL="0" indent="0">
+              <a:buNone/>
+            </a:pPr>
+            <a:r>
+              <a:rPr lang="en-US" dirty="0"/>
+              <a:t>Handling temperature data</a:t>
+            </a:r>
+          </a:p>
+          <a:p>
+            <a:r>
+              <a:rPr lang="en-US" dirty="0"/>
+              <a:t>General software:</a:t>
+            </a:r>
+          </a:p>
+          <a:p>
+            <a:pPr lvl="1"/>
+            <a:r>
+              <a:rPr lang="en-US" dirty="0"/>
+              <a:t>Read temperature</a:t>
+            </a:r>
+          </a:p>
+          <a:p>
+            <a:pPr lvl="1"/>
+            <a:r>
+              <a:rPr lang="en-US" dirty="0"/>
+              <a:t>Display on screen</a:t>
+            </a:r>
+          </a:p>
+          <a:p>
+            <a:pPr lvl="1"/>
+            <a:r>
+              <a:rPr lang="en-US" dirty="0"/>
+              <a:t>Delay == annoyance</a:t>
+            </a:r>
+          </a:p>
+          <a:p>
+            <a:r>
+              <a:rPr lang="en-US" dirty="0"/>
+              <a:t>Embedded software:</a:t>
+            </a:r>
+          </a:p>
+          <a:p>
+            <a:pPr lvl="1"/>
+            <a:r>
+              <a:rPr lang="en-US" dirty="0"/>
+              <a:t>Read temperature</a:t>
+            </a:r>
+          </a:p>
+          <a:p>
+            <a:pPr lvl="1"/>
+            <a:r>
+              <a:rPr lang="en-US" dirty="0"/>
+              <a:t>Control heater</a:t>
+            </a:r>
+          </a:p>
+          <a:p>
+            <a:pPr lvl="1"/>
+            <a:r>
+              <a:rPr lang="en-US" dirty="0"/>
+              <a:t>Delay == overheating, accidents etc.</a:t>
+            </a:r>
+          </a:p>
+        </p:txBody>
+      </p:sp>
+      <p:sp>
+        <p:nvSpPr>
+          <p:cNvPr id="4" name="Date Placeholder 3">
+            <a:extLst>
+              <a:ext uri="{FF2B5EF4-FFF2-40B4-BE49-F238E27FC236}">
+                <a16:creationId xmlns:a16="http://schemas.microsoft.com/office/drawing/2014/main" id="{0EFADFD2-A1D6-48B2-84D5-955D44046213}"/>
+              </a:ext>
+            </a:extLst>
+          </p:cNvPr>
+          <p:cNvSpPr>
+            <a:spLocks noGrp="1"/>
+          </p:cNvSpPr>
+          <p:nvPr>
+            <p:ph type="dt" sz="half" idx="10"/>
+          </p:nvPr>
+        </p:nvSpPr>
+        <p:spPr/>
+        <p:txBody>
+          <a:bodyPr/>
+          <a:lstStyle/>
+          <a:p>
+            <a:pPr>
+              <a:defRPr/>
+            </a:pPr>
+            <a:r>
+              <a:rPr lang="en-US"/>
+              <a:t>21/12/2020</a:t>
+            </a:r>
+          </a:p>
+        </p:txBody>
+      </p:sp>
+      <p:sp>
+        <p:nvSpPr>
+          <p:cNvPr id="5" name="Slide Number Placeholder 4">
+            <a:extLst>
+              <a:ext uri="{FF2B5EF4-FFF2-40B4-BE49-F238E27FC236}">
+                <a16:creationId xmlns:a16="http://schemas.microsoft.com/office/drawing/2014/main" id="{80ABBD02-7C3D-4F09-A2FA-EC43F992DBA7}"/>
+              </a:ext>
+            </a:extLst>
+          </p:cNvPr>
+          <p:cNvSpPr>
+            <a:spLocks noGrp="1"/>
+          </p:cNvSpPr>
+          <p:nvPr>
+            <p:ph type="sldNum" sz="quarter" idx="12"/>
+          </p:nvPr>
+        </p:nvSpPr>
+        <p:spPr/>
+        <p:txBody>
+          <a:bodyPr/>
+          <a:lstStyle/>
+          <a:p>
+            <a:pPr>
+              <a:defRPr/>
+            </a:pPr>
+            <a:fld id="{CA887A73-1AE0-46F8-856A-18EA1CF30A1B}" type="slidenum">
+              <a:rPr lang="en-US" altLang="en-US" smtClean="0"/>
+              <a:pPr>
+                <a:defRPr/>
+              </a:pPr>
+              <a:t>14</a:t>
+            </a:fld>
+            <a:endParaRPr lang="en-US" altLang="en-US"/>
+          </a:p>
+        </p:txBody>
+      </p:sp>
+    </p:spTree>
+    <p:extLst>
+      <p:ext uri="{BB962C8B-B14F-4D97-AF65-F5344CB8AC3E}">
+        <p14:creationId xmlns:p14="http://schemas.microsoft.com/office/powerpoint/2010/main" val="845081439"/>
+      </p:ext>
+    </p:extLst>
+  </p:cSld>
+  <p:clrMapOvr>
+    <a:masterClrMapping/>
+  </p:clrMapOvr>
+  <p:timing>
+    <p:tnLst>
+      <p:par>
+        <p:cTn id="1" dur="indefinite" restart="never" nodeType="tmRoot">
+          <p:childTnLst>
+            <p:seq concurrent="1" nextAc="seek">
+              <p:cTn id="2" dur="indefinite" nodeType="mainSeq">
+                <p:childTnLst>
+                  <p:par>
+                    <p:cTn id="3" fill="hold">
+                      <p:stCondLst>
+                        <p:cond delay="indefinite"/>
+                      </p:stCondLst>
+                      <p:childTnLst>
+                        <p:par>
+                          <p:cTn id="4" fill="hold">
+                            <p:stCondLst>
+                              <p:cond delay="0"/>
+                            </p:stCondLst>
+                            <p:childTnLst>
+                              <p:par>
+                                <p:cTn id="5" presetID="1" presetClass="entr" presetSubtype="0" fill="hold" grpId="0" nodeType="clickEffect">
+                                  <p:stCondLst>
+                                    <p:cond delay="0"/>
+                                  </p:stCondLst>
+                                  <p:childTnLst>
+                                    <p:set>
+                                      <p:cBhvr>
+                                        <p:cTn id="6" dur="1" fill="hold">
+                                          <p:stCondLst>
+                                            <p:cond delay="0"/>
+                                          </p:stCondLst>
+                                        </p:cTn>
+                                        <p:tgtEl>
+                                          <p:spTgt spid="3">
+                                            <p:txEl>
+                                              <p:pRg st="0" end="0"/>
+                                            </p:txEl>
+                                          </p:spTgt>
+                                        </p:tgtEl>
+                                        <p:attrNameLst>
+                                          <p:attrName>style.visibility</p:attrName>
+                                        </p:attrNameLst>
+                                      </p:cBhvr>
+                                      <p:to>
+                                        <p:strVal val="visible"/>
+                                      </p:to>
+                                    </p:set>
+                                  </p:childTnLst>
+                                </p:cTn>
+                              </p:par>
+                            </p:childTnLst>
+                          </p:cTn>
+                        </p:par>
+                      </p:childTnLst>
+                    </p:cTn>
+                  </p:par>
+                  <p:par>
+                    <p:cTn id="7" fill="hold">
+                      <p:stCondLst>
+                        <p:cond delay="indefinite"/>
+                      </p:stCondLst>
+                      <p:childTnLst>
+                        <p:par>
+                          <p:cTn id="8" fill="hold">
+                            <p:stCondLst>
+                              <p:cond delay="0"/>
+                            </p:stCondLst>
+                            <p:childTnLst>
+                              <p:par>
+                                <p:cTn id="9" presetID="1" presetClass="entr" presetSubtype="0" fill="hold" grpId="0" nodeType="clickEffect">
+                                  <p:stCondLst>
+                                    <p:cond delay="0"/>
+                                  </p:stCondLst>
+                                  <p:childTnLst>
+                                    <p:set>
+                                      <p:cBhvr>
+                                        <p:cTn id="10" dur="1" fill="hold">
+                                          <p:stCondLst>
+                                            <p:cond delay="0"/>
+                                          </p:stCondLst>
+                                        </p:cTn>
+                                        <p:tgtEl>
+                                          <p:spTgt spid="3">
+                                            <p:txEl>
+                                              <p:pRg st="1" end="1"/>
+                                            </p:txEl>
+                                          </p:spTgt>
+                                        </p:tgtEl>
+                                        <p:attrNameLst>
+                                          <p:attrName>style.visibility</p:attrName>
+                                        </p:attrNameLst>
+                                      </p:cBhvr>
+                                      <p:to>
+                                        <p:strVal val="visible"/>
+                                      </p:to>
+                                    </p:set>
+                                  </p:childTnLst>
+                                </p:cTn>
+                              </p:par>
+                              <p:par>
+                                <p:cTn id="11" presetID="1" presetClass="entr" presetSubtype="0" fill="hold" grpId="0" nodeType="withEffect">
+                                  <p:stCondLst>
+                                    <p:cond delay="0"/>
+                                  </p:stCondLst>
+                                  <p:childTnLst>
+                                    <p:set>
+                                      <p:cBhvr>
+                                        <p:cTn id="12" dur="1" fill="hold">
+                                          <p:stCondLst>
+                                            <p:cond delay="0"/>
+                                          </p:stCondLst>
+                                        </p:cTn>
+                                        <p:tgtEl>
+                                          <p:spTgt spid="3">
+                                            <p:txEl>
+                                              <p:pRg st="2" end="2"/>
+                                            </p:txEl>
+                                          </p:spTgt>
+                                        </p:tgtEl>
+                                        <p:attrNameLst>
+                                          <p:attrName>style.visibility</p:attrName>
+                                        </p:attrNameLst>
+                                      </p:cBhvr>
+                                      <p:to>
+                                        <p:strVal val="visible"/>
+                                      </p:to>
+                                    </p:set>
+                                  </p:childTnLst>
+                                </p:cTn>
+                              </p:par>
+                              <p:par>
+                                <p:cTn id="13" presetID="1" presetClass="entr" presetSubtype="0" fill="hold" grpId="0" nodeType="withEffect">
+                                  <p:stCondLst>
+                                    <p:cond delay="0"/>
+                                  </p:stCondLst>
+                                  <p:childTnLst>
+                                    <p:set>
+                                      <p:cBhvr>
+                                        <p:cTn id="14" dur="1" fill="hold">
+                                          <p:stCondLst>
+                                            <p:cond delay="0"/>
+                                          </p:stCondLst>
+                                        </p:cTn>
+                                        <p:tgtEl>
+                                          <p:spTgt spid="3">
+                                            <p:txEl>
+                                              <p:pRg st="3" end="3"/>
+                                            </p:txEl>
+                                          </p:spTgt>
+                                        </p:tgtEl>
+                                        <p:attrNameLst>
+                                          <p:attrName>style.visibility</p:attrName>
+                                        </p:attrNameLst>
+                                      </p:cBhvr>
+                                      <p:to>
+                                        <p:strVal val="visible"/>
+                                      </p:to>
+                                    </p:set>
+                                  </p:childTnLst>
+                                </p:cTn>
+                              </p:par>
+                              <p:par>
+                                <p:cTn id="15" presetID="1" presetClass="entr" presetSubtype="0" fill="hold" grpId="0" nodeType="withEffect">
+                                  <p:stCondLst>
+                                    <p:cond delay="0"/>
+                                  </p:stCondLst>
+                                  <p:childTnLst>
+                                    <p:set>
+                                      <p:cBhvr>
+                                        <p:cTn id="16" dur="1" fill="hold">
+                                          <p:stCondLst>
+                                            <p:cond delay="0"/>
+                                          </p:stCondLst>
+                                        </p:cTn>
+                                        <p:tgtEl>
+                                          <p:spTgt spid="3">
+                                            <p:txEl>
+                                              <p:pRg st="4" end="4"/>
+                                            </p:txEl>
+                                          </p:spTgt>
+                                        </p:tgtEl>
+                                        <p:attrNameLst>
+                                          <p:attrName>style.visibility</p:attrName>
+                                        </p:attrNameLst>
+                                      </p:cBhvr>
+                                      <p:to>
+                                        <p:strVal val="visible"/>
+                                      </p:to>
+                                    </p:set>
+                                  </p:childTnLst>
+                                </p:cTn>
+                              </p:par>
+                            </p:childTnLst>
+                          </p:cTn>
+                        </p:par>
+                      </p:childTnLst>
+                    </p:cTn>
+                  </p:par>
+                  <p:par>
+                    <p:cTn id="17" fill="hold">
+                      <p:stCondLst>
+                        <p:cond delay="indefinite"/>
+                      </p:stCondLst>
+                      <p:childTnLst>
+                        <p:par>
+                          <p:cTn id="18" fill="hold">
+                            <p:stCondLst>
+                              <p:cond delay="0"/>
+                            </p:stCondLst>
+                            <p:childTnLst>
+                              <p:par>
+                                <p:cTn id="19" presetID="1" presetClass="entr" presetSubtype="0" fill="hold" grpId="0" nodeType="clickEffect">
+                                  <p:stCondLst>
+                                    <p:cond delay="0"/>
+                                  </p:stCondLst>
+                                  <p:childTnLst>
+                                    <p:set>
+                                      <p:cBhvr>
+                                        <p:cTn id="20" dur="1" fill="hold">
+                                          <p:stCondLst>
+                                            <p:cond delay="0"/>
+                                          </p:stCondLst>
+                                        </p:cTn>
+                                        <p:tgtEl>
+                                          <p:spTgt spid="3">
+                                            <p:txEl>
+                                              <p:pRg st="5" end="5"/>
+                                            </p:txEl>
+                                          </p:spTgt>
+                                        </p:tgtEl>
+                                        <p:attrNameLst>
+                                          <p:attrName>style.visibility</p:attrName>
+                                        </p:attrNameLst>
+                                      </p:cBhvr>
+                                      <p:to>
+                                        <p:strVal val="visible"/>
+                                      </p:to>
+                                    </p:set>
+                                  </p:childTnLst>
+                                </p:cTn>
+                              </p:par>
+                              <p:par>
+                                <p:cTn id="21" presetID="1" presetClass="entr" presetSubtype="0" fill="hold" grpId="0" nodeType="withEffect">
+                                  <p:stCondLst>
+                                    <p:cond delay="0"/>
+                                  </p:stCondLst>
+                                  <p:childTnLst>
+                                    <p:set>
+                                      <p:cBhvr>
+                                        <p:cTn id="22" dur="1" fill="hold">
+                                          <p:stCondLst>
+                                            <p:cond delay="0"/>
+                                          </p:stCondLst>
+                                        </p:cTn>
+                                        <p:tgtEl>
+                                          <p:spTgt spid="3">
+                                            <p:txEl>
+                                              <p:pRg st="6" end="6"/>
+                                            </p:txEl>
+                                          </p:spTgt>
+                                        </p:tgtEl>
+                                        <p:attrNameLst>
+                                          <p:attrName>style.visibility</p:attrName>
+                                        </p:attrNameLst>
+                                      </p:cBhvr>
+                                      <p:to>
+                                        <p:strVal val="visible"/>
+                                      </p:to>
+                                    </p:set>
+                                  </p:childTnLst>
+                                </p:cTn>
+                              </p:par>
+                              <p:par>
+                                <p:cTn id="23" presetID="1" presetClass="entr" presetSubtype="0" fill="hold" grpId="0" nodeType="withEffect">
+                                  <p:stCondLst>
+                                    <p:cond delay="0"/>
+                                  </p:stCondLst>
+                                  <p:childTnLst>
+                                    <p:set>
+                                      <p:cBhvr>
+                                        <p:cTn id="24" dur="1" fill="hold">
+                                          <p:stCondLst>
+                                            <p:cond delay="0"/>
+                                          </p:stCondLst>
+                                        </p:cTn>
+                                        <p:tgtEl>
+                                          <p:spTgt spid="3">
+                                            <p:txEl>
+                                              <p:pRg st="7" end="7"/>
+                                            </p:txEl>
+                                          </p:spTgt>
+                                        </p:tgtEl>
+                                        <p:attrNameLst>
+                                          <p:attrName>style.visibility</p:attrName>
+                                        </p:attrNameLst>
+                                      </p:cBhvr>
+                                      <p:to>
+                                        <p:strVal val="visible"/>
+                                      </p:to>
+                                    </p:set>
+                                  </p:childTnLst>
+                                </p:cTn>
+                              </p:par>
+                              <p:par>
+                                <p:cTn id="25" presetID="1" presetClass="entr" presetSubtype="0" fill="hold" grpId="0" nodeType="withEffect">
+                                  <p:stCondLst>
+                                    <p:cond delay="0"/>
+                                  </p:stCondLst>
+                                  <p:childTnLst>
+                                    <p:set>
+                                      <p:cBhvr>
+                                        <p:cTn id="26" dur="1" fill="hold">
+                                          <p:stCondLst>
+                                            <p:cond delay="0"/>
+                                          </p:stCondLst>
+                                        </p:cTn>
+                                        <p:tgtEl>
+                                          <p:spTgt spid="3">
+                                            <p:txEl>
+                                              <p:pRg st="8" end="8"/>
+                                            </p:txEl>
+                                          </p:spTgt>
+                                        </p:tgtEl>
+                                        <p:attrNameLst>
+                                          <p:attrName>style.visibility</p:attrName>
+                                        </p:attrNameLst>
+                                      </p:cBhvr>
+                                      <p:to>
+                                        <p:strVal val="visible"/>
+                                      </p:to>
+                                    </p:set>
+                                  </p:childTnLst>
+                                </p:cTn>
+                              </p:par>
+                            </p:childTnLst>
+                          </p:cTn>
+                        </p:par>
+                      </p:childTnLst>
+                    </p:cTn>
+                  </p:par>
+                </p:childTnLst>
+              </p:cTn>
+              <p:prevCondLst>
+                <p:cond evt="onPrev" delay="0">
+                  <p:tgtEl>
+                    <p:sldTgt/>
+                  </p:tgtEl>
+                </p:cond>
+              </p:prevCondLst>
+              <p:nextCondLst>
+                <p:cond evt="onNext" delay="0">
+                  <p:tgtEl>
+                    <p:sldTgt/>
+                  </p:tgtEl>
+                </p:cond>
+              </p:nextCondLst>
+            </p:seq>
+          </p:childTnLst>
+        </p:cTn>
+      </p:par>
+    </p:tnLst>
+    <p:bldLst>
+      <p:bldP spid="3" grpId="0" build="p"/>
+    </p:bldLst>
+  </p:timing>
+</p:sld>
+</file>
+
+<file path=ppt/slides/slide15.xml><?xml version="1.0" encoding="utf-8"?>
+<p:sld xmlns:a="http://schemas.openxmlformats.org/drawingml/2006/main" xmlns:r="http://schemas.openxmlformats.org/officeDocument/2006/relationships" xmlns:p="http://schemas.openxmlformats.org/presentationml/2006/main">
+  <p:cSld>
+    <p:spTree>
+      <p:nvGrpSpPr>
+        <p:cNvPr id="1" name=""/>
+        <p:cNvGrpSpPr/>
+        <p:nvPr/>
+      </p:nvGrpSpPr>
+      <p:grpSpPr>
+        <a:xfrm>
+          <a:off x="0" y="0"/>
+          <a:ext cx="0" cy="0"/>
+          <a:chOff x="0" y="0"/>
+          <a:chExt cx="0" cy="0"/>
+        </a:xfrm>
+      </p:grpSpPr>
+      <p:sp>
+        <p:nvSpPr>
+          <p:cNvPr id="2" name="Title 1">
+            <a:extLst>
+              <a:ext uri="{FF2B5EF4-FFF2-40B4-BE49-F238E27FC236}">
+                <a16:creationId xmlns:a16="http://schemas.microsoft.com/office/drawing/2014/main" id="{D82A171A-F3D3-4AAA-BDED-B26AE81C4C2B}"/>
+              </a:ext>
+            </a:extLst>
+          </p:cNvPr>
+          <p:cNvSpPr>
+            <a:spLocks noGrp="1"/>
+          </p:cNvSpPr>
+          <p:nvPr>
+            <p:ph type="title"/>
+          </p:nvPr>
+        </p:nvSpPr>
+        <p:spPr/>
+        <p:txBody>
+          <a:bodyPr/>
+          <a:lstStyle/>
+          <a:p>
+            <a:r>
+              <a:rPr lang="en-US" dirty="0"/>
+              <a:t>What this means</a:t>
+            </a:r>
+          </a:p>
+        </p:txBody>
+      </p:sp>
+      <p:sp>
+        <p:nvSpPr>
+          <p:cNvPr id="3" name="Content Placeholder 2">
+            <a:extLst>
+              <a:ext uri="{FF2B5EF4-FFF2-40B4-BE49-F238E27FC236}">
+                <a16:creationId xmlns:a16="http://schemas.microsoft.com/office/drawing/2014/main" id="{224DCE7D-90F0-4921-849F-9B6427E57D48}"/>
+              </a:ext>
+            </a:extLst>
+          </p:cNvPr>
+          <p:cNvSpPr>
+            <a:spLocks noGrp="1"/>
+          </p:cNvSpPr>
+          <p:nvPr>
+            <p:ph idx="1"/>
+          </p:nvPr>
+        </p:nvSpPr>
+        <p:spPr/>
+        <p:txBody>
+          <a:bodyPr>
+            <a:normAutofit fontScale="92500" lnSpcReduction="10000"/>
+          </a:bodyPr>
+          <a:lstStyle/>
+          <a:p>
+            <a:r>
+              <a:rPr lang="en-US" dirty="0"/>
+              <a:t>Much more careful design</a:t>
+            </a:r>
+          </a:p>
+          <a:p>
+            <a:r>
+              <a:rPr lang="en-US" dirty="0"/>
+              <a:t>Defensive programming</a:t>
+            </a:r>
+          </a:p>
+          <a:p>
+            <a:r>
+              <a:rPr lang="en-US" dirty="0"/>
+              <a:t>Emphasis on verification</a:t>
+            </a:r>
+          </a:p>
+          <a:p>
+            <a:r>
+              <a:rPr lang="en-US" dirty="0"/>
+              <a:t>Disciplined coding and testing</a:t>
+            </a:r>
+          </a:p>
+          <a:p>
+            <a:r>
+              <a:rPr lang="en-US" dirty="0"/>
+              <a:t>Stricter requirements</a:t>
+            </a:r>
+          </a:p>
+          <a:p>
+            <a:r>
+              <a:rPr lang="en-US" dirty="0"/>
+              <a:t>Modeling</a:t>
+            </a:r>
+          </a:p>
+          <a:p>
+            <a:r>
+              <a:rPr lang="en-US" dirty="0"/>
+              <a:t>Real-time operating systems</a:t>
+            </a:r>
+          </a:p>
+          <a:p>
+            <a:endParaRPr lang="en-US" dirty="0"/>
+          </a:p>
+          <a:p>
+            <a:r>
+              <a:rPr lang="en-US" dirty="0"/>
+              <a:t>Embedded software is not just software with limited memory!</a:t>
+            </a:r>
+          </a:p>
+        </p:txBody>
+      </p:sp>
+      <p:sp>
+        <p:nvSpPr>
+          <p:cNvPr id="4" name="Date Placeholder 3">
+            <a:extLst>
+              <a:ext uri="{FF2B5EF4-FFF2-40B4-BE49-F238E27FC236}">
+                <a16:creationId xmlns:a16="http://schemas.microsoft.com/office/drawing/2014/main" id="{29D01935-5640-4173-B24F-6A1F0DDD8DC0}"/>
+              </a:ext>
+            </a:extLst>
+          </p:cNvPr>
+          <p:cNvSpPr>
+            <a:spLocks noGrp="1"/>
+          </p:cNvSpPr>
+          <p:nvPr>
+            <p:ph type="dt" sz="half" idx="10"/>
+          </p:nvPr>
+        </p:nvSpPr>
+        <p:spPr/>
+        <p:txBody>
+          <a:bodyPr/>
+          <a:lstStyle/>
+          <a:p>
+            <a:pPr>
+              <a:defRPr/>
+            </a:pPr>
+            <a:r>
+              <a:rPr lang="en-US"/>
+              <a:t>21/12/2020</a:t>
+            </a:r>
+          </a:p>
+        </p:txBody>
+      </p:sp>
+      <p:sp>
+        <p:nvSpPr>
+          <p:cNvPr id="5" name="Slide Number Placeholder 4">
+            <a:extLst>
+              <a:ext uri="{FF2B5EF4-FFF2-40B4-BE49-F238E27FC236}">
+                <a16:creationId xmlns:a16="http://schemas.microsoft.com/office/drawing/2014/main" id="{536F2D8F-E47F-49ED-A436-04209B10DE07}"/>
+              </a:ext>
+            </a:extLst>
+          </p:cNvPr>
+          <p:cNvSpPr>
+            <a:spLocks noGrp="1"/>
+          </p:cNvSpPr>
+          <p:nvPr>
+            <p:ph type="sldNum" sz="quarter" idx="12"/>
+          </p:nvPr>
+        </p:nvSpPr>
+        <p:spPr/>
+        <p:txBody>
+          <a:bodyPr/>
+          <a:lstStyle/>
+          <a:p>
+            <a:pPr>
+              <a:defRPr/>
+            </a:pPr>
+            <a:fld id="{CA887A73-1AE0-46F8-856A-18EA1CF30A1B}" type="slidenum">
+              <a:rPr lang="en-US" altLang="en-US" smtClean="0"/>
+              <a:pPr>
+                <a:defRPr/>
+              </a:pPr>
+              <a:t>15</a:t>
+            </a:fld>
+            <a:endParaRPr lang="en-US" altLang="en-US"/>
+          </a:p>
+        </p:txBody>
+      </p:sp>
+    </p:spTree>
+    <p:extLst>
+      <p:ext uri="{BB962C8B-B14F-4D97-AF65-F5344CB8AC3E}">
+        <p14:creationId xmlns:p14="http://schemas.microsoft.com/office/powerpoint/2010/main" val="2530443417"/>
+      </p:ext>
+    </p:extLst>
+  </p:cSld>
+  <p:clrMapOvr>
+    <a:masterClrMapping/>
+  </p:clrMapOvr>
+  <p:timing>
+    <p:tnLst>
+      <p:par>
+        <p:cTn id="1" dur="indefinite" restart="never" nodeType="tmRoot">
+          <p:childTnLst>
+            <p:seq concurrent="1" nextAc="seek">
+              <p:cTn id="2" dur="indefinite" nodeType="mainSeq">
+                <p:childTnLst>
+                  <p:par>
+                    <p:cTn id="3" fill="hold">
+                      <p:stCondLst>
+                        <p:cond delay="indefinite"/>
+                      </p:stCondLst>
+                      <p:childTnLst>
+                        <p:par>
+                          <p:cTn id="4" fill="hold">
+                            <p:stCondLst>
+                              <p:cond delay="0"/>
+                            </p:stCondLst>
+                            <p:childTnLst>
+                              <p:par>
+                                <p:cTn id="5" presetID="1" presetClass="entr" presetSubtype="0" fill="hold" grpId="0" nodeType="clickEffect">
+                                  <p:stCondLst>
+                                    <p:cond delay="0"/>
+                                  </p:stCondLst>
+                                  <p:childTnLst>
+                                    <p:set>
+                                      <p:cBhvr>
+                                        <p:cTn id="6" dur="1" fill="hold">
+                                          <p:stCondLst>
+                                            <p:cond delay="0"/>
+                                          </p:stCondLst>
+                                        </p:cTn>
+                                        <p:tgtEl>
+                                          <p:spTgt spid="3">
+                                            <p:txEl>
+                                              <p:pRg st="0" end="0"/>
+                                            </p:txEl>
+                                          </p:spTgt>
+                                        </p:tgtEl>
+                                        <p:attrNameLst>
+                                          <p:attrName>style.visibility</p:attrName>
+                                        </p:attrNameLst>
+                                      </p:cBhvr>
+                                      <p:to>
+                                        <p:strVal val="visible"/>
+                                      </p:to>
+                                    </p:set>
+                                  </p:childTnLst>
+                                </p:cTn>
+                              </p:par>
+                            </p:childTnLst>
+                          </p:cTn>
+                        </p:par>
+                      </p:childTnLst>
+                    </p:cTn>
+                  </p:par>
+                  <p:par>
+                    <p:cTn id="7" fill="hold">
+                      <p:stCondLst>
+                        <p:cond delay="indefinite"/>
+                      </p:stCondLst>
+                      <p:childTnLst>
+                        <p:par>
+                          <p:cTn id="8" fill="hold">
+                            <p:stCondLst>
+                              <p:cond delay="0"/>
+                            </p:stCondLst>
+                            <p:childTnLst>
+                              <p:par>
+                                <p:cTn id="9" presetID="1" presetClass="entr" presetSubtype="0" fill="hold" grpId="0" nodeType="clickEffect">
+                                  <p:stCondLst>
+                                    <p:cond delay="0"/>
+                                  </p:stCondLst>
+                                  <p:childTnLst>
+                                    <p:set>
+                                      <p:cBhvr>
+                                        <p:cTn id="10" dur="1" fill="hold">
+                                          <p:stCondLst>
+                                            <p:cond delay="0"/>
+                                          </p:stCondLst>
+                                        </p:cTn>
+                                        <p:tgtEl>
+                                          <p:spTgt spid="3">
+                                            <p:txEl>
+                                              <p:pRg st="1" end="1"/>
+                                            </p:txEl>
+                                          </p:spTgt>
+                                        </p:tgtEl>
+                                        <p:attrNameLst>
+                                          <p:attrName>style.visibility</p:attrName>
+                                        </p:attrNameLst>
+                                      </p:cBhvr>
+                                      <p:to>
+                                        <p:strVal val="visible"/>
+                                      </p:to>
+                                    </p:set>
+                                  </p:childTnLst>
+                                </p:cTn>
+                              </p:par>
+                            </p:childTnLst>
+                          </p:cTn>
+                        </p:par>
+                      </p:childTnLst>
+                    </p:cTn>
+                  </p:par>
+                  <p:par>
+                    <p:cTn id="11" fill="hold">
+                      <p:stCondLst>
+                        <p:cond delay="indefinite"/>
+                      </p:stCondLst>
+                      <p:childTnLst>
+                        <p:par>
+                          <p:cTn id="12" fill="hold">
+                            <p:stCondLst>
+                              <p:cond delay="0"/>
+                            </p:stCondLst>
+                            <p:childTnLst>
+                              <p:par>
+                                <p:cTn id="13" presetID="1" presetClass="entr" presetSubtype="0" fill="hold" grpId="0" nodeType="clickEffect">
+                                  <p:stCondLst>
+                                    <p:cond delay="0"/>
+                                  </p:stCondLst>
+                                  <p:childTnLst>
+                                    <p:set>
+                                      <p:cBhvr>
+                                        <p:cTn id="14" dur="1" fill="hold">
+                                          <p:stCondLst>
+                                            <p:cond delay="0"/>
+                                          </p:stCondLst>
+                                        </p:cTn>
+                                        <p:tgtEl>
+                                          <p:spTgt spid="3">
+                                            <p:txEl>
+                                              <p:pRg st="2" end="2"/>
+                                            </p:txEl>
+                                          </p:spTgt>
+                                        </p:tgtEl>
+                                        <p:attrNameLst>
+                                          <p:attrName>style.visibility</p:attrName>
+                                        </p:attrNameLst>
+                                      </p:cBhvr>
+                                      <p:to>
+                                        <p:strVal val="visible"/>
+                                      </p:to>
+                                    </p:set>
+                                  </p:childTnLst>
+                                </p:cTn>
+                              </p:par>
+                            </p:childTnLst>
+                          </p:cTn>
+                        </p:par>
+                      </p:childTnLst>
+                    </p:cTn>
+                  </p:par>
+                  <p:par>
+                    <p:cTn id="15" fill="hold">
+                      <p:stCondLst>
+                        <p:cond delay="indefinite"/>
+                      </p:stCondLst>
+                      <p:childTnLst>
+                        <p:par>
+                          <p:cTn id="16" fill="hold">
+                            <p:stCondLst>
+                              <p:cond delay="0"/>
+                            </p:stCondLst>
+                            <p:childTnLst>
+                              <p:par>
+                                <p:cTn id="17" presetID="1" presetClass="entr" presetSubtype="0" fill="hold" grpId="0" nodeType="clickEffect">
+                                  <p:stCondLst>
+                                    <p:cond delay="0"/>
+                                  </p:stCondLst>
+                                  <p:childTnLst>
+                                    <p:set>
+                                      <p:cBhvr>
+                                        <p:cTn id="18" dur="1" fill="hold">
+                                          <p:stCondLst>
+                                            <p:cond delay="0"/>
+                                          </p:stCondLst>
+                                        </p:cTn>
+                                        <p:tgtEl>
+                                          <p:spTgt spid="3">
+                                            <p:txEl>
+                                              <p:pRg st="3" end="3"/>
+                                            </p:txEl>
+                                          </p:spTgt>
+                                        </p:tgtEl>
+                                        <p:attrNameLst>
+                                          <p:attrName>style.visibility</p:attrName>
+                                        </p:attrNameLst>
+                                      </p:cBhvr>
+                                      <p:to>
+                                        <p:strVal val="visible"/>
+                                      </p:to>
+                                    </p:set>
+                                  </p:childTnLst>
+                                </p:cTn>
+                              </p:par>
+                            </p:childTnLst>
+                          </p:cTn>
+                        </p:par>
+                      </p:childTnLst>
+                    </p:cTn>
+                  </p:par>
+                  <p:par>
+                    <p:cTn id="19" fill="hold">
+                      <p:stCondLst>
+                        <p:cond delay="indefinite"/>
+                      </p:stCondLst>
+                      <p:childTnLst>
+                        <p:par>
+                          <p:cTn id="20" fill="hold">
+                            <p:stCondLst>
+                              <p:cond delay="0"/>
+                            </p:stCondLst>
+                            <p:childTnLst>
+                              <p:par>
+                                <p:cTn id="21" presetID="1" presetClass="entr" presetSubtype="0" fill="hold" grpId="0" nodeType="clickEffect">
+                                  <p:stCondLst>
+                                    <p:cond delay="0"/>
+                                  </p:stCondLst>
+                                  <p:childTnLst>
+                                    <p:set>
+                                      <p:cBhvr>
+                                        <p:cTn id="22" dur="1" fill="hold">
+                                          <p:stCondLst>
+                                            <p:cond delay="0"/>
+                                          </p:stCondLst>
+                                        </p:cTn>
+                                        <p:tgtEl>
+                                          <p:spTgt spid="3">
+                                            <p:txEl>
+                                              <p:pRg st="4" end="4"/>
+                                            </p:txEl>
+                                          </p:spTgt>
+                                        </p:tgtEl>
+                                        <p:attrNameLst>
+                                          <p:attrName>style.visibility</p:attrName>
+                                        </p:attrNameLst>
+                                      </p:cBhvr>
+                                      <p:to>
+                                        <p:strVal val="visible"/>
+                                      </p:to>
+                                    </p:set>
+                                  </p:childTnLst>
+                                </p:cTn>
+                              </p:par>
+                            </p:childTnLst>
+                          </p:cTn>
+                        </p:par>
+                      </p:childTnLst>
+                    </p:cTn>
+                  </p:par>
+                  <p:par>
+                    <p:cTn id="23" fill="hold">
+                      <p:stCondLst>
+                        <p:cond delay="indefinite"/>
+                      </p:stCondLst>
+                      <p:childTnLst>
+                        <p:par>
+                          <p:cTn id="24" fill="hold">
+                            <p:stCondLst>
+                              <p:cond delay="0"/>
+                            </p:stCondLst>
+                            <p:childTnLst>
+                              <p:par>
+                                <p:cTn id="25" presetID="1" presetClass="entr" presetSubtype="0" fill="hold" grpId="0" nodeType="clickEffect">
+                                  <p:stCondLst>
+                                    <p:cond delay="0"/>
+                                  </p:stCondLst>
+                                  <p:childTnLst>
+                                    <p:set>
+                                      <p:cBhvr>
+                                        <p:cTn id="26" dur="1" fill="hold">
+                                          <p:stCondLst>
+                                            <p:cond delay="0"/>
+                                          </p:stCondLst>
+                                        </p:cTn>
+                                        <p:tgtEl>
+                                          <p:spTgt spid="3">
+                                            <p:txEl>
+                                              <p:pRg st="5" end="5"/>
+                                            </p:txEl>
+                                          </p:spTgt>
+                                        </p:tgtEl>
+                                        <p:attrNameLst>
+                                          <p:attrName>style.visibility</p:attrName>
+                                        </p:attrNameLst>
+                                      </p:cBhvr>
+                                      <p:to>
+                                        <p:strVal val="visible"/>
+                                      </p:to>
+                                    </p:set>
+                                  </p:childTnLst>
+                                </p:cTn>
+                              </p:par>
+                            </p:childTnLst>
+                          </p:cTn>
+                        </p:par>
+                      </p:childTnLst>
+                    </p:cTn>
+                  </p:par>
+                  <p:par>
+                    <p:cTn id="27" fill="hold">
+                      <p:stCondLst>
+                        <p:cond delay="indefinite"/>
+                      </p:stCondLst>
+                      <p:childTnLst>
+                        <p:par>
+                          <p:cTn id="28" fill="hold">
+                            <p:stCondLst>
+                              <p:cond delay="0"/>
+                            </p:stCondLst>
+                            <p:childTnLst>
+                              <p:par>
+                                <p:cTn id="29" presetID="1" presetClass="entr" presetSubtype="0" fill="hold" grpId="0" nodeType="clickEffect">
+                                  <p:stCondLst>
+                                    <p:cond delay="0"/>
+                                  </p:stCondLst>
+                                  <p:childTnLst>
+                                    <p:set>
+                                      <p:cBhvr>
+                                        <p:cTn id="30" dur="1" fill="hold">
+                                          <p:stCondLst>
+                                            <p:cond delay="0"/>
+                                          </p:stCondLst>
+                                        </p:cTn>
+                                        <p:tgtEl>
+                                          <p:spTgt spid="3">
+                                            <p:txEl>
+                                              <p:pRg st="6" end="6"/>
+                                            </p:txEl>
+                                          </p:spTgt>
+                                        </p:tgtEl>
+                                        <p:attrNameLst>
+                                          <p:attrName>style.visibility</p:attrName>
+                                        </p:attrNameLst>
+                                      </p:cBhvr>
+                                      <p:to>
+                                        <p:strVal val="visible"/>
+                                      </p:to>
+                                    </p:set>
+                                  </p:childTnLst>
+                                </p:cTn>
+                              </p:par>
+                            </p:childTnLst>
+                          </p:cTn>
+                        </p:par>
+                      </p:childTnLst>
+                    </p:cTn>
+                  </p:par>
+                  <p:par>
+                    <p:cTn id="31" fill="hold">
+                      <p:stCondLst>
+                        <p:cond delay="indefinite"/>
+                      </p:stCondLst>
+                      <p:childTnLst>
+                        <p:par>
+                          <p:cTn id="32" fill="hold">
+                            <p:stCondLst>
+                              <p:cond delay="0"/>
+                            </p:stCondLst>
+                            <p:childTnLst>
+                              <p:par>
+                                <p:cTn id="33" presetID="1" presetClass="entr" presetSubtype="0" fill="hold" grpId="0" nodeType="clickEffect">
+                                  <p:stCondLst>
+                                    <p:cond delay="0"/>
+                                  </p:stCondLst>
+                                  <p:childTnLst>
+                                    <p:set>
+                                      <p:cBhvr>
+                                        <p:cTn id="34" dur="1" fill="hold">
+                                          <p:stCondLst>
+                                            <p:cond delay="0"/>
+                                          </p:stCondLst>
+                                        </p:cTn>
+                                        <p:tgtEl>
+                                          <p:spTgt spid="3">
+                                            <p:txEl>
+                                              <p:pRg st="8" end="8"/>
+                                            </p:txEl>
+                                          </p:spTgt>
+                                        </p:tgtEl>
+                                        <p:attrNameLst>
+                                          <p:attrName>style.visibility</p:attrName>
+                                        </p:attrNameLst>
+                                      </p:cBhvr>
+                                      <p:to>
+                                        <p:strVal val="visible"/>
+                                      </p:to>
+                                    </p:set>
+                                  </p:childTnLst>
+                                </p:cTn>
+                              </p:par>
+                            </p:childTnLst>
+                          </p:cTn>
+                        </p:par>
+                      </p:childTnLst>
+                    </p:cTn>
+                  </p:par>
+                </p:childTnLst>
+              </p:cTn>
+              <p:prevCondLst>
+                <p:cond evt="onPrev" delay="0">
+                  <p:tgtEl>
+                    <p:sldTgt/>
+                  </p:tgtEl>
+                </p:cond>
+              </p:prevCondLst>
+              <p:nextCondLst>
+                <p:cond evt="onNext" delay="0">
+                  <p:tgtEl>
+                    <p:sldTgt/>
+                  </p:tgtEl>
+                </p:cond>
+              </p:nextCondLst>
+            </p:seq>
+          </p:childTnLst>
+        </p:cTn>
+      </p:par>
+    </p:tnLst>
+    <p:bldLst>
+      <p:bldP spid="3" grpId="0" build="p"/>
+    </p:bldLst>
+  </p:timing>
+</p:sld>
+</file>
+
+<file path=ppt/slides/slide16.xml><?xml version="1.0" encoding="utf-8"?>
+<p:sld xmlns:a="http://schemas.openxmlformats.org/drawingml/2006/main" xmlns:r="http://schemas.openxmlformats.org/officeDocument/2006/relationships" xmlns:p="http://schemas.openxmlformats.org/presentationml/2006/main">
+  <p:cSld>
+    <p:spTree>
+      <p:nvGrpSpPr>
+        <p:cNvPr id="1" name=""/>
+        <p:cNvGrpSpPr/>
+        <p:nvPr/>
+      </p:nvGrpSpPr>
+      <p:grpSpPr>
+        <a:xfrm>
+          <a:off x="0" y="0"/>
+          <a:ext cx="0" cy="0"/>
+          <a:chOff x="0" y="0"/>
+          <a:chExt cx="0" cy="0"/>
+        </a:xfrm>
+      </p:grpSpPr>
+      <p:sp>
+        <p:nvSpPr>
+          <p:cNvPr id="2" name="Title 1">
+            <a:extLst>
+              <a:ext uri="{FF2B5EF4-FFF2-40B4-BE49-F238E27FC236}">
+                <a16:creationId xmlns:a16="http://schemas.microsoft.com/office/drawing/2014/main" id="{A992AC2B-454C-454B-B33B-AC7101154B12}"/>
+              </a:ext>
+            </a:extLst>
+          </p:cNvPr>
+          <p:cNvSpPr>
+            <a:spLocks noGrp="1"/>
+          </p:cNvSpPr>
+          <p:nvPr>
+            <p:ph type="title"/>
+          </p:nvPr>
+        </p:nvSpPr>
+        <p:spPr/>
+        <p:txBody>
+          <a:bodyPr/>
+          <a:lstStyle/>
+          <a:p>
+            <a:r>
+              <a:rPr lang="en-US" dirty="0"/>
+              <a:t>Software – hardware interaction</a:t>
+            </a:r>
+          </a:p>
+        </p:txBody>
+      </p:sp>
+      <p:sp>
+        <p:nvSpPr>
+          <p:cNvPr id="3" name="Content Placeholder 2">
+            <a:extLst>
+              <a:ext uri="{FF2B5EF4-FFF2-40B4-BE49-F238E27FC236}">
+                <a16:creationId xmlns:a16="http://schemas.microsoft.com/office/drawing/2014/main" id="{A1D49361-F1D7-4BB8-A000-2F635B74C6AD}"/>
+              </a:ext>
+            </a:extLst>
+          </p:cNvPr>
+          <p:cNvSpPr>
+            <a:spLocks noGrp="1"/>
+          </p:cNvSpPr>
+          <p:nvPr>
+            <p:ph idx="1"/>
+          </p:nvPr>
+        </p:nvSpPr>
+        <p:spPr>
+          <a:xfrm>
+            <a:off x="152400" y="1446211"/>
+            <a:ext cx="5257800" cy="5014912"/>
+          </a:xfrm>
+        </p:spPr>
+        <p:txBody>
+          <a:bodyPr/>
+          <a:lstStyle/>
+          <a:p>
+            <a:r>
+              <a:rPr lang="en-US" sz="2800" dirty="0"/>
+              <a:t>Embedded software is not hardware-independent!</a:t>
+            </a:r>
+          </a:p>
+          <a:p>
+            <a:r>
+              <a:rPr lang="en-US" sz="2800" dirty="0"/>
+              <a:t>Needs understanding of the hardware</a:t>
+            </a:r>
+          </a:p>
+          <a:p>
+            <a:r>
+              <a:rPr lang="en-US" sz="2800" dirty="0"/>
+              <a:t>Asynchronous external events; but software is sequential</a:t>
+            </a:r>
+          </a:p>
+          <a:p>
+            <a:r>
+              <a:rPr lang="en-US" sz="2800" dirty="0"/>
+              <a:t>Response to asynchronous event needs to be time-bound</a:t>
+            </a:r>
+          </a:p>
+          <a:p>
+            <a:r>
+              <a:rPr lang="en-US" sz="2800" dirty="0"/>
+              <a:t>Concurrency – many simultaneous event sources and actuator requirements to handle</a:t>
+            </a:r>
+          </a:p>
+        </p:txBody>
+      </p:sp>
+      <p:sp>
+        <p:nvSpPr>
+          <p:cNvPr id="4" name="Date Placeholder 3">
+            <a:extLst>
+              <a:ext uri="{FF2B5EF4-FFF2-40B4-BE49-F238E27FC236}">
+                <a16:creationId xmlns:a16="http://schemas.microsoft.com/office/drawing/2014/main" id="{03B2D8E4-4482-4645-ACC0-5DC020F358E5}"/>
+              </a:ext>
+            </a:extLst>
+          </p:cNvPr>
+          <p:cNvSpPr>
+            <a:spLocks noGrp="1"/>
+          </p:cNvSpPr>
+          <p:nvPr>
+            <p:ph type="dt" sz="half" idx="10"/>
+          </p:nvPr>
+        </p:nvSpPr>
+        <p:spPr/>
+        <p:txBody>
+          <a:bodyPr/>
+          <a:lstStyle/>
+          <a:p>
+            <a:pPr>
+              <a:defRPr/>
+            </a:pPr>
+            <a:r>
+              <a:rPr lang="en-US"/>
+              <a:t>21/12/2020</a:t>
+            </a:r>
+          </a:p>
+        </p:txBody>
+      </p:sp>
+      <p:sp>
+        <p:nvSpPr>
+          <p:cNvPr id="5" name="Slide Number Placeholder 4">
+            <a:extLst>
+              <a:ext uri="{FF2B5EF4-FFF2-40B4-BE49-F238E27FC236}">
+                <a16:creationId xmlns:a16="http://schemas.microsoft.com/office/drawing/2014/main" id="{6B84818F-A739-42B8-BA6F-9E18DAF2354D}"/>
+              </a:ext>
+            </a:extLst>
+          </p:cNvPr>
+          <p:cNvSpPr>
+            <a:spLocks noGrp="1"/>
+          </p:cNvSpPr>
+          <p:nvPr>
+            <p:ph type="sldNum" sz="quarter" idx="12"/>
+          </p:nvPr>
+        </p:nvSpPr>
+        <p:spPr/>
+        <p:txBody>
+          <a:bodyPr/>
+          <a:lstStyle/>
+          <a:p>
+            <a:pPr>
+              <a:defRPr/>
+            </a:pPr>
+            <a:fld id="{CA887A73-1AE0-46F8-856A-18EA1CF30A1B}" type="slidenum">
+              <a:rPr lang="en-US" altLang="en-US" smtClean="0"/>
+              <a:pPr>
+                <a:defRPr/>
+              </a:pPr>
+              <a:t>16</a:t>
+            </a:fld>
+            <a:endParaRPr lang="en-US" altLang="en-US"/>
+          </a:p>
+        </p:txBody>
+      </p:sp>
+      <p:pic>
+        <p:nvPicPr>
+          <p:cNvPr id="7" name="Picture 6">
+            <a:extLst>
+              <a:ext uri="{FF2B5EF4-FFF2-40B4-BE49-F238E27FC236}">
+                <a16:creationId xmlns:a16="http://schemas.microsoft.com/office/drawing/2014/main" id="{3D02F2DB-1AA6-4308-A9D8-2C0605C54758}"/>
+              </a:ext>
+            </a:extLst>
+          </p:cNvPr>
+          <p:cNvPicPr>
+            <a:picLocks noChangeAspect="1"/>
+          </p:cNvPicPr>
+          <p:nvPr/>
+        </p:nvPicPr>
+        <p:blipFill>
+          <a:blip r:embed="rId2"/>
+          <a:stretch>
+            <a:fillRect/>
+          </a:stretch>
+        </p:blipFill>
+        <p:spPr>
+          <a:xfrm>
+            <a:off x="5541471" y="1458403"/>
+            <a:ext cx="3373930" cy="2656397"/>
+          </a:xfrm>
+          <a:prstGeom prst="rect">
+            <a:avLst/>
+          </a:prstGeom>
+        </p:spPr>
+      </p:pic>
+      <p:sp>
+        <p:nvSpPr>
+          <p:cNvPr id="8" name="Title 1">
+            <a:extLst>
+              <a:ext uri="{FF2B5EF4-FFF2-40B4-BE49-F238E27FC236}">
+                <a16:creationId xmlns:a16="http://schemas.microsoft.com/office/drawing/2014/main" id="{F1A6BBBD-C5BB-47F1-ADB5-1693FE9A1D48}"/>
+              </a:ext>
+            </a:extLst>
+          </p:cNvPr>
+          <p:cNvSpPr txBox="1">
+            <a:spLocks/>
+          </p:cNvSpPr>
+          <p:nvPr/>
+        </p:nvSpPr>
+        <p:spPr bwMode="auto">
+          <a:xfrm>
+            <a:off x="5541471" y="4323843"/>
+            <a:ext cx="3373930" cy="2137280"/>
+          </a:xfrm>
+          <a:prstGeom prst="rect">
+            <a:avLst/>
+          </a:prstGeom>
+          <a:noFill/>
+          <a:ln>
+            <a:noFill/>
+          </a:ln>
+          <a:extLst>
+            <a:ext uri="{909E8E84-426E-40DD-AFC4-6F175D3DCCD1}">
+              <a14:hiddenFill xmlns:a14="http://schemas.microsoft.com/office/drawing/2010/main">
+                <a:solidFill>
+                  <a:srgbClr val="FFFFFF"/>
+                </a:solidFill>
+              </a14:hiddenFill>
+            </a:ext>
+            <a:ext uri="{91240B29-F687-4F45-9708-019B960494DF}">
+              <a14:hiddenLine xmlns:a14="http://schemas.microsoft.com/office/drawing/2010/main" w="9525">
+                <a:solidFill>
+                  <a:srgbClr val="000000"/>
+                </a:solidFill>
+                <a:miter lim="800000"/>
+                <a:headEnd/>
+                <a:tailEnd/>
+              </a14:hiddenLine>
+            </a:ext>
+          </a:extLst>
+        </p:spPr>
+        <p:txBody>
+          <a:bodyPr vert="horz" wrap="square" lIns="91440" tIns="45720" rIns="91440" bIns="45720" numCol="1" anchor="ctr" anchorCtr="0" compatLnSpc="1">
+            <a:prstTxWarp prst="textNoShape">
+              <a:avLst/>
+            </a:prstTxWarp>
+          </a:bodyPr>
+          <a:lstStyle>
+            <a:lvl1pPr algn="l" rtl="0" eaLnBrk="0" fontAlgn="base" hangingPunct="0">
+              <a:spcBef>
+                <a:spcPct val="0"/>
+              </a:spcBef>
+              <a:spcAft>
+                <a:spcPct val="0"/>
+              </a:spcAft>
+              <a:defRPr sz="3600" b="1" kern="1200">
+                <a:solidFill>
+                  <a:srgbClr val="FFC000"/>
+                </a:solidFill>
+                <a:latin typeface="+mj-lt"/>
+                <a:ea typeface="+mj-ea"/>
+                <a:cs typeface="+mj-cs"/>
+              </a:defRPr>
+            </a:lvl1pPr>
+            <a:lvl2pPr algn="ctr" rtl="0" eaLnBrk="0" fontAlgn="base" hangingPunct="0">
+              <a:spcBef>
+                <a:spcPct val="0"/>
+              </a:spcBef>
+              <a:spcAft>
+                <a:spcPct val="0"/>
+              </a:spcAft>
+              <a:defRPr sz="4400">
+                <a:solidFill>
+                  <a:schemeClr val="tx1"/>
+                </a:solidFill>
+                <a:latin typeface="Calibri" pitchFamily="34" charset="0"/>
+              </a:defRPr>
+            </a:lvl2pPr>
+            <a:lvl3pPr algn="ctr" rtl="0" eaLnBrk="0" fontAlgn="base" hangingPunct="0">
+              <a:spcBef>
+                <a:spcPct val="0"/>
+              </a:spcBef>
+              <a:spcAft>
+                <a:spcPct val="0"/>
+              </a:spcAft>
+              <a:defRPr sz="4400">
+                <a:solidFill>
+                  <a:schemeClr val="tx1"/>
+                </a:solidFill>
+                <a:latin typeface="Calibri" pitchFamily="34" charset="0"/>
+              </a:defRPr>
+            </a:lvl3pPr>
+            <a:lvl4pPr algn="ctr" rtl="0" eaLnBrk="0" fontAlgn="base" hangingPunct="0">
+              <a:spcBef>
+                <a:spcPct val="0"/>
+              </a:spcBef>
+              <a:spcAft>
+                <a:spcPct val="0"/>
+              </a:spcAft>
+              <a:defRPr sz="4400">
+                <a:solidFill>
+                  <a:schemeClr val="tx1"/>
+                </a:solidFill>
+                <a:latin typeface="Calibri" pitchFamily="34" charset="0"/>
+              </a:defRPr>
+            </a:lvl4pPr>
+            <a:lvl5pPr algn="ctr" rtl="0" eaLnBrk="0" fontAlgn="base" hangingPunct="0">
+              <a:spcBef>
+                <a:spcPct val="0"/>
+              </a:spcBef>
+              <a:spcAft>
+                <a:spcPct val="0"/>
+              </a:spcAft>
+              <a:defRPr sz="4400">
+                <a:solidFill>
+                  <a:schemeClr val="tx1"/>
+                </a:solidFill>
+                <a:latin typeface="Calibri" pitchFamily="34" charset="0"/>
+              </a:defRPr>
+            </a:lvl5pPr>
+            <a:lvl6pPr marL="457200" algn="ctr" rtl="0" fontAlgn="base">
+              <a:spcBef>
+                <a:spcPct val="0"/>
+              </a:spcBef>
+              <a:spcAft>
+                <a:spcPct val="0"/>
+              </a:spcAft>
+              <a:defRPr sz="4400">
+                <a:solidFill>
+                  <a:schemeClr val="tx1"/>
+                </a:solidFill>
+                <a:latin typeface="Calibri" pitchFamily="34" charset="0"/>
+              </a:defRPr>
+            </a:lvl6pPr>
+            <a:lvl7pPr marL="914400" algn="ctr" rtl="0" fontAlgn="base">
+              <a:spcBef>
+                <a:spcPct val="0"/>
+              </a:spcBef>
+              <a:spcAft>
+                <a:spcPct val="0"/>
+              </a:spcAft>
+              <a:defRPr sz="4400">
+                <a:solidFill>
+                  <a:schemeClr val="tx1"/>
+                </a:solidFill>
+                <a:latin typeface="Calibri" pitchFamily="34" charset="0"/>
+              </a:defRPr>
+            </a:lvl7pPr>
+            <a:lvl8pPr marL="1371600" algn="ctr" rtl="0" fontAlgn="base">
+              <a:spcBef>
+                <a:spcPct val="0"/>
+              </a:spcBef>
+              <a:spcAft>
+                <a:spcPct val="0"/>
+              </a:spcAft>
+              <a:defRPr sz="4400">
+                <a:solidFill>
+                  <a:schemeClr val="tx1"/>
+                </a:solidFill>
+                <a:latin typeface="Calibri" pitchFamily="34" charset="0"/>
+              </a:defRPr>
+            </a:lvl8pPr>
+            <a:lvl9pPr marL="1828800" algn="ctr" rtl="0" fontAlgn="base">
+              <a:spcBef>
+                <a:spcPct val="0"/>
+              </a:spcBef>
+              <a:spcAft>
+                <a:spcPct val="0"/>
+              </a:spcAft>
+              <a:defRPr sz="4400">
+                <a:solidFill>
+                  <a:schemeClr val="tx1"/>
+                </a:solidFill>
+                <a:latin typeface="Calibri" pitchFamily="34" charset="0"/>
+              </a:defRPr>
+            </a:lvl9pPr>
+          </a:lstStyle>
+          <a:p>
+            <a:r>
+              <a:rPr lang="en-US" dirty="0">
+                <a:solidFill>
+                  <a:srgbClr val="72C3E8"/>
+                </a:solidFill>
+              </a:rPr>
+              <a:t>Embedded software is primarily event-driven</a:t>
+            </a:r>
+          </a:p>
+        </p:txBody>
+      </p:sp>
+    </p:spTree>
+    <p:extLst>
+      <p:ext uri="{BB962C8B-B14F-4D97-AF65-F5344CB8AC3E}">
+        <p14:creationId xmlns:p14="http://schemas.microsoft.com/office/powerpoint/2010/main" val="3199497688"/>
+      </p:ext>
+    </p:extLst>
+  </p:cSld>
+  <p:clrMapOvr>
+    <a:masterClrMapping/>
+  </p:clrMapOvr>
+  <p:timing>
+    <p:tnLst>
+      <p:par>
+        <p:cTn id="1" dur="indefinite" restart="never" nodeType="tmRoot">
+          <p:childTnLst>
+            <p:seq concurrent="1" nextAc="seek">
+              <p:cTn id="2" dur="indefinite" nodeType="mainSeq">
+                <p:childTnLst>
+                  <p:par>
+                    <p:cTn id="3" fill="hold">
+                      <p:stCondLst>
+                        <p:cond delay="indefinite"/>
+                      </p:stCondLst>
+                      <p:childTnLst>
+                        <p:par>
+                          <p:cTn id="4" fill="hold">
+                            <p:stCondLst>
+                              <p:cond delay="0"/>
+                            </p:stCondLst>
+                            <p:childTnLst>
+                              <p:par>
+                                <p:cTn id="5" presetID="1" presetClass="entr" presetSubtype="0" fill="hold" nodeType="clickEffect">
+                                  <p:stCondLst>
+                                    <p:cond delay="0"/>
+                                  </p:stCondLst>
+                                  <p:childTnLst>
+                                    <p:set>
+                                      <p:cBhvr>
+                                        <p:cTn id="6" dur="1" fill="hold">
+                                          <p:stCondLst>
+                                            <p:cond delay="0"/>
+                                          </p:stCondLst>
+                                        </p:cTn>
+                                        <p:tgtEl>
+                                          <p:spTgt spid="7"/>
+                                        </p:tgtEl>
+                                        <p:attrNameLst>
+                                          <p:attrName>style.visibility</p:attrName>
+                                        </p:attrNameLst>
+                                      </p:cBhvr>
+                                      <p:to>
+                                        <p:strVal val="visible"/>
+                                      </p:to>
+                                    </p:set>
+                                  </p:childTnLst>
+                                </p:cTn>
+                              </p:par>
+                            </p:childTnLst>
+                          </p:cTn>
+                        </p:par>
+                      </p:childTnLst>
+                    </p:cTn>
+                  </p:par>
+                  <p:par>
+                    <p:cTn id="7" fill="hold">
+                      <p:stCondLst>
+                        <p:cond delay="indefinite"/>
+                      </p:stCondLst>
+                      <p:childTnLst>
+                        <p:par>
+                          <p:cTn id="8" fill="hold">
+                            <p:stCondLst>
+                              <p:cond delay="0"/>
+                            </p:stCondLst>
+                            <p:childTnLst>
+                              <p:par>
+                                <p:cTn id="9" presetID="1" presetClass="entr" presetSubtype="0" fill="hold" grpId="0" nodeType="clickEffect">
+                                  <p:stCondLst>
+                                    <p:cond delay="0"/>
+                                  </p:stCondLst>
+                                  <p:childTnLst>
+                                    <p:set>
+                                      <p:cBhvr>
+                                        <p:cTn id="10" dur="1" fill="hold">
+                                          <p:stCondLst>
+                                            <p:cond delay="0"/>
+                                          </p:stCondLst>
+                                        </p:cTn>
+                                        <p:tgtEl>
+                                          <p:spTgt spid="3">
+                                            <p:txEl>
+                                              <p:pRg st="0" end="0"/>
+                                            </p:txEl>
+                                          </p:spTgt>
+                                        </p:tgtEl>
+                                        <p:attrNameLst>
+                                          <p:attrName>style.visibility</p:attrName>
+                                        </p:attrNameLst>
+                                      </p:cBhvr>
+                                      <p:to>
+                                        <p:strVal val="visible"/>
+                                      </p:to>
+                                    </p:set>
+                                  </p:childTnLst>
+                                </p:cTn>
+                              </p:par>
+                            </p:childTnLst>
+                          </p:cTn>
+                        </p:par>
+                      </p:childTnLst>
+                    </p:cTn>
+                  </p:par>
+                  <p:par>
+                    <p:cTn id="11" fill="hold">
+                      <p:stCondLst>
+                        <p:cond delay="indefinite"/>
+                      </p:stCondLst>
+                      <p:childTnLst>
+                        <p:par>
+                          <p:cTn id="12" fill="hold">
+                            <p:stCondLst>
+                              <p:cond delay="0"/>
+                            </p:stCondLst>
+                            <p:childTnLst>
+                              <p:par>
+                                <p:cTn id="13" presetID="1" presetClass="entr" presetSubtype="0" fill="hold" grpId="0" nodeType="clickEffect">
+                                  <p:stCondLst>
+                                    <p:cond delay="0"/>
+                                  </p:stCondLst>
+                                  <p:childTnLst>
+                                    <p:set>
+                                      <p:cBhvr>
+                                        <p:cTn id="14" dur="1" fill="hold">
+                                          <p:stCondLst>
+                                            <p:cond delay="0"/>
+                                          </p:stCondLst>
+                                        </p:cTn>
+                                        <p:tgtEl>
+                                          <p:spTgt spid="3">
+                                            <p:txEl>
+                                              <p:pRg st="1" end="1"/>
+                                            </p:txEl>
+                                          </p:spTgt>
+                                        </p:tgtEl>
+                                        <p:attrNameLst>
+                                          <p:attrName>style.visibility</p:attrName>
+                                        </p:attrNameLst>
+                                      </p:cBhvr>
+                                      <p:to>
+                                        <p:strVal val="visible"/>
+                                      </p:to>
+                                    </p:set>
+                                  </p:childTnLst>
+                                </p:cTn>
+                              </p:par>
+                            </p:childTnLst>
+                          </p:cTn>
+                        </p:par>
+                      </p:childTnLst>
+                    </p:cTn>
+                  </p:par>
+                  <p:par>
+                    <p:cTn id="15" fill="hold">
+                      <p:stCondLst>
+                        <p:cond delay="indefinite"/>
+                      </p:stCondLst>
+                      <p:childTnLst>
+                        <p:par>
+                          <p:cTn id="16" fill="hold">
+                            <p:stCondLst>
+                              <p:cond delay="0"/>
+                            </p:stCondLst>
+                            <p:childTnLst>
+                              <p:par>
+                                <p:cTn id="17" presetID="1" presetClass="entr" presetSubtype="0" fill="hold" grpId="0" nodeType="clickEffect">
+                                  <p:stCondLst>
+                                    <p:cond delay="0"/>
+                                  </p:stCondLst>
+                                  <p:childTnLst>
+                                    <p:set>
+                                      <p:cBhvr>
+                                        <p:cTn id="18" dur="1" fill="hold">
+                                          <p:stCondLst>
+                                            <p:cond delay="0"/>
+                                          </p:stCondLst>
+                                        </p:cTn>
+                                        <p:tgtEl>
+                                          <p:spTgt spid="3">
+                                            <p:txEl>
+                                              <p:pRg st="2" end="2"/>
+                                            </p:txEl>
+                                          </p:spTgt>
+                                        </p:tgtEl>
+                                        <p:attrNameLst>
+                                          <p:attrName>style.visibility</p:attrName>
+                                        </p:attrNameLst>
+                                      </p:cBhvr>
+                                      <p:to>
+                                        <p:strVal val="visible"/>
+                                      </p:to>
+                                    </p:set>
+                                  </p:childTnLst>
+                                </p:cTn>
+                              </p:par>
+                            </p:childTnLst>
+                          </p:cTn>
+                        </p:par>
+                      </p:childTnLst>
+                    </p:cTn>
+                  </p:par>
+                  <p:par>
+                    <p:cTn id="19" fill="hold">
+                      <p:stCondLst>
+                        <p:cond delay="indefinite"/>
+                      </p:stCondLst>
+                      <p:childTnLst>
+                        <p:par>
+                          <p:cTn id="20" fill="hold">
+                            <p:stCondLst>
+                              <p:cond delay="0"/>
+                            </p:stCondLst>
+                            <p:childTnLst>
+                              <p:par>
+                                <p:cTn id="21" presetID="1" presetClass="entr" presetSubtype="0" fill="hold" grpId="0" nodeType="clickEffect">
+                                  <p:stCondLst>
+                                    <p:cond delay="0"/>
+                                  </p:stCondLst>
+                                  <p:childTnLst>
+                                    <p:set>
+                                      <p:cBhvr>
+                                        <p:cTn id="22" dur="1" fill="hold">
+                                          <p:stCondLst>
+                                            <p:cond delay="0"/>
+                                          </p:stCondLst>
+                                        </p:cTn>
+                                        <p:tgtEl>
+                                          <p:spTgt spid="3">
+                                            <p:txEl>
+                                              <p:pRg st="3" end="3"/>
+                                            </p:txEl>
+                                          </p:spTgt>
+                                        </p:tgtEl>
+                                        <p:attrNameLst>
+                                          <p:attrName>style.visibility</p:attrName>
+                                        </p:attrNameLst>
+                                      </p:cBhvr>
+                                      <p:to>
+                                        <p:strVal val="visible"/>
+                                      </p:to>
+                                    </p:set>
+                                  </p:childTnLst>
+                                </p:cTn>
+                              </p:par>
+                            </p:childTnLst>
+                          </p:cTn>
+                        </p:par>
+                      </p:childTnLst>
+                    </p:cTn>
+                  </p:par>
+                  <p:par>
+                    <p:cTn id="23" fill="hold">
+                      <p:stCondLst>
+                        <p:cond delay="indefinite"/>
+                      </p:stCondLst>
+                      <p:childTnLst>
+                        <p:par>
+                          <p:cTn id="24" fill="hold">
+                            <p:stCondLst>
+                              <p:cond delay="0"/>
+                            </p:stCondLst>
+                            <p:childTnLst>
+                              <p:par>
+                                <p:cTn id="25" presetID="1" presetClass="entr" presetSubtype="0" fill="hold" grpId="0" nodeType="clickEffect">
+                                  <p:stCondLst>
+                                    <p:cond delay="0"/>
+                                  </p:stCondLst>
+                                  <p:childTnLst>
+                                    <p:set>
+                                      <p:cBhvr>
+                                        <p:cTn id="26" dur="1" fill="hold">
+                                          <p:stCondLst>
+                                            <p:cond delay="0"/>
+                                          </p:stCondLst>
+                                        </p:cTn>
+                                        <p:tgtEl>
+                                          <p:spTgt spid="3">
+                                            <p:txEl>
+                                              <p:pRg st="4" end="4"/>
+                                            </p:txEl>
+                                          </p:spTgt>
+                                        </p:tgtEl>
+                                        <p:attrNameLst>
+                                          <p:attrName>style.visibility</p:attrName>
+                                        </p:attrNameLst>
+                                      </p:cBhvr>
+                                      <p:to>
+                                        <p:strVal val="visible"/>
+                                      </p:to>
+                                    </p:set>
+                                  </p:childTnLst>
+                                </p:cTn>
+                              </p:par>
+                            </p:childTnLst>
+                          </p:cTn>
+                        </p:par>
+                      </p:childTnLst>
+                    </p:cTn>
+                  </p:par>
+                  <p:par>
+                    <p:cTn id="27" fill="hold">
+                      <p:stCondLst>
+                        <p:cond delay="indefinite"/>
+                      </p:stCondLst>
+                      <p:childTnLst>
+                        <p:par>
+                          <p:cTn id="28" fill="hold">
+                            <p:stCondLst>
+                              <p:cond delay="0"/>
+                            </p:stCondLst>
+                            <p:childTnLst>
+                              <p:par>
+                                <p:cTn id="29" presetID="1" presetClass="entr" presetSubtype="0" fill="hold" grpId="0" nodeType="clickEffect">
+                                  <p:stCondLst>
+                                    <p:cond delay="0"/>
+                                  </p:stCondLst>
+                                  <p:childTnLst>
+                                    <p:set>
+                                      <p:cBhvr>
+                                        <p:cTn id="30" dur="1" fill="hold">
+                                          <p:stCondLst>
+                                            <p:cond delay="0"/>
+                                          </p:stCondLst>
+                                        </p:cTn>
+                                        <p:tgtEl>
+                                          <p:spTgt spid="8"/>
+                                        </p:tgtEl>
+                                        <p:attrNameLst>
+                                          <p:attrName>style.visibility</p:attrName>
+                                        </p:attrNameLst>
+                                      </p:cBhvr>
+                                      <p:to>
+                                        <p:strVal val="visible"/>
+                                      </p:to>
+                                    </p:set>
+                                  </p:childTnLst>
+                                </p:cTn>
+                              </p:par>
+                            </p:childTnLst>
+                          </p:cTn>
+                        </p:par>
+                      </p:childTnLst>
+                    </p:cTn>
+                  </p:par>
+                </p:childTnLst>
+              </p:cTn>
+              <p:prevCondLst>
+                <p:cond evt="onPrev" delay="0">
+                  <p:tgtEl>
+                    <p:sldTgt/>
+                  </p:tgtEl>
+                </p:cond>
+              </p:prevCondLst>
+              <p:nextCondLst>
+                <p:cond evt="onNext" delay="0">
+                  <p:tgtEl>
+                    <p:sldTgt/>
+                  </p:tgtEl>
+                </p:cond>
+              </p:nextCondLst>
+            </p:seq>
+          </p:childTnLst>
+        </p:cTn>
+      </p:par>
+    </p:tnLst>
+    <p:bldLst>
+      <p:bldP spid="3" grpId="0" uiExpand="1" build="p"/>
+      <p:bldP spid="8" grpId="0"/>
+    </p:bldLst>
+  </p:timing>
+</p:sld>
+</file>
+
+<file path=ppt/slides/slide17.xml><?xml version="1.0" encoding="utf-8"?>
+<p:sld xmlns:a="http://schemas.openxmlformats.org/drawingml/2006/main" xmlns:r="http://schemas.openxmlformats.org/officeDocument/2006/relationships" xmlns:p="http://schemas.openxmlformats.org/presentationml/2006/main">
+  <p:cSld>
+    <p:spTree>
+      <p:nvGrpSpPr>
+        <p:cNvPr id="1" name=""/>
+        <p:cNvGrpSpPr/>
+        <p:nvPr/>
+      </p:nvGrpSpPr>
+      <p:grpSpPr>
+        <a:xfrm>
+          <a:off x="0" y="0"/>
+          <a:ext cx="0" cy="0"/>
+          <a:chOff x="0" y="0"/>
+          <a:chExt cx="0" cy="0"/>
+        </a:xfrm>
+      </p:grpSpPr>
+      <p:sp>
+        <p:nvSpPr>
+          <p:cNvPr id="2" name="Title 1">
+            <a:extLst>
+              <a:ext uri="{FF2B5EF4-FFF2-40B4-BE49-F238E27FC236}">
+                <a16:creationId xmlns:a16="http://schemas.microsoft.com/office/drawing/2014/main" id="{E5A206B1-1263-42FF-8C9F-988DD14B4BE7}"/>
+              </a:ext>
+            </a:extLst>
+          </p:cNvPr>
+          <p:cNvSpPr>
+            <a:spLocks noGrp="1"/>
+          </p:cNvSpPr>
+          <p:nvPr>
+            <p:ph type="title"/>
+          </p:nvPr>
+        </p:nvSpPr>
+        <p:spPr/>
+        <p:txBody>
+          <a:bodyPr/>
+          <a:lstStyle/>
+          <a:p>
+            <a:r>
+              <a:rPr lang="en-US" dirty="0"/>
+              <a:t>State-dependent behavior in embedded software</a:t>
+            </a:r>
+          </a:p>
+        </p:txBody>
+      </p:sp>
+      <p:sp>
+        <p:nvSpPr>
+          <p:cNvPr id="3" name="Content Placeholder 2">
+            <a:extLst>
+              <a:ext uri="{FF2B5EF4-FFF2-40B4-BE49-F238E27FC236}">
+                <a16:creationId xmlns:a16="http://schemas.microsoft.com/office/drawing/2014/main" id="{B4514DA7-6066-4414-8967-CB9568529B01}"/>
+              </a:ext>
+            </a:extLst>
+          </p:cNvPr>
+          <p:cNvSpPr>
+            <a:spLocks noGrp="1"/>
+          </p:cNvSpPr>
+          <p:nvPr>
+            <p:ph idx="1"/>
+          </p:nvPr>
+        </p:nvSpPr>
+        <p:spPr/>
+        <p:txBody>
+          <a:bodyPr/>
+          <a:lstStyle/>
+          <a:p>
+            <a:r>
+              <a:rPr lang="en-US" sz="2800" dirty="0"/>
+              <a:t>Response to the same event can be different depending on the state / system context</a:t>
+            </a:r>
+          </a:p>
+          <a:p>
+            <a:r>
+              <a:rPr lang="en-US" sz="2800" dirty="0"/>
+              <a:t>State changes must be explicit and controlled</a:t>
+            </a:r>
+          </a:p>
+          <a:p>
+            <a:r>
+              <a:rPr lang="en-US" sz="2800" dirty="0"/>
+              <a:t>Hidden states can lead to bugs</a:t>
+            </a:r>
+          </a:p>
+          <a:p>
+            <a:r>
+              <a:rPr lang="en-US" sz="2800" dirty="0"/>
+              <a:t>Example: Button press</a:t>
+            </a:r>
+          </a:p>
+          <a:p>
+            <a:pPr lvl="1"/>
+            <a:r>
+              <a:rPr lang="en-US" sz="2400" dirty="0"/>
+              <a:t>Idle state </a:t>
+            </a:r>
+            <a:r>
+              <a:rPr lang="en-US" sz="2400" dirty="0">
+                <a:sym typeface="Wingdings" panose="05000000000000000000" pitchFamily="2" charset="2"/>
+              </a:rPr>
+              <a:t> start operation</a:t>
+            </a:r>
+          </a:p>
+          <a:p>
+            <a:pPr lvl="1"/>
+            <a:r>
+              <a:rPr lang="en-US" sz="2400" dirty="0">
+                <a:sym typeface="Wingdings" panose="05000000000000000000" pitchFamily="2" charset="2"/>
+              </a:rPr>
+              <a:t>Running state  stop operation</a:t>
+            </a:r>
+          </a:p>
+          <a:p>
+            <a:pPr lvl="1"/>
+            <a:r>
+              <a:rPr lang="en-US" sz="2400" dirty="0">
+                <a:sym typeface="Wingdings" panose="05000000000000000000" pitchFamily="2" charset="2"/>
+              </a:rPr>
+              <a:t>Fault state  ignore / raise alarm</a:t>
+            </a:r>
+          </a:p>
+          <a:p>
+            <a:pPr lvl="1"/>
+            <a:endParaRPr lang="en-US" sz="1400" dirty="0">
+              <a:sym typeface="Wingdings" panose="05000000000000000000" pitchFamily="2" charset="2"/>
+            </a:endParaRPr>
+          </a:p>
+          <a:p>
+            <a:r>
+              <a:rPr lang="en-US" sz="2800" dirty="0">
+                <a:sym typeface="Wingdings" panose="05000000000000000000" pitchFamily="2" charset="2"/>
+              </a:rPr>
+              <a:t>Behavioral modeling to cover all possibilities systematically</a:t>
+            </a:r>
+            <a:endParaRPr lang="en-US" sz="2800" dirty="0"/>
+          </a:p>
+        </p:txBody>
+      </p:sp>
+      <p:sp>
+        <p:nvSpPr>
+          <p:cNvPr id="4" name="Date Placeholder 3">
+            <a:extLst>
+              <a:ext uri="{FF2B5EF4-FFF2-40B4-BE49-F238E27FC236}">
+                <a16:creationId xmlns:a16="http://schemas.microsoft.com/office/drawing/2014/main" id="{95C65A4C-8706-414B-9237-A82AF7C0BED8}"/>
+              </a:ext>
+            </a:extLst>
+          </p:cNvPr>
+          <p:cNvSpPr>
+            <a:spLocks noGrp="1"/>
+          </p:cNvSpPr>
+          <p:nvPr>
+            <p:ph type="dt" sz="half" idx="10"/>
+          </p:nvPr>
+        </p:nvSpPr>
+        <p:spPr/>
+        <p:txBody>
+          <a:bodyPr/>
+          <a:lstStyle/>
+          <a:p>
+            <a:pPr>
+              <a:defRPr/>
+            </a:pPr>
+            <a:r>
+              <a:rPr lang="en-US"/>
+              <a:t>21/12/2020</a:t>
+            </a:r>
+          </a:p>
+        </p:txBody>
+      </p:sp>
+      <p:sp>
+        <p:nvSpPr>
+          <p:cNvPr id="5" name="Slide Number Placeholder 4">
+            <a:extLst>
+              <a:ext uri="{FF2B5EF4-FFF2-40B4-BE49-F238E27FC236}">
+                <a16:creationId xmlns:a16="http://schemas.microsoft.com/office/drawing/2014/main" id="{508A9C8E-D6CA-45A7-A147-8B47D1D05B2F}"/>
+              </a:ext>
+            </a:extLst>
+          </p:cNvPr>
+          <p:cNvSpPr>
+            <a:spLocks noGrp="1"/>
+          </p:cNvSpPr>
+          <p:nvPr>
+            <p:ph type="sldNum" sz="quarter" idx="12"/>
+          </p:nvPr>
+        </p:nvSpPr>
+        <p:spPr/>
+        <p:txBody>
+          <a:bodyPr/>
+          <a:lstStyle/>
+          <a:p>
+            <a:pPr>
+              <a:defRPr/>
+            </a:pPr>
+            <a:fld id="{CA887A73-1AE0-46F8-856A-18EA1CF30A1B}" type="slidenum">
+              <a:rPr lang="en-US" altLang="en-US" smtClean="0"/>
+              <a:pPr>
+                <a:defRPr/>
+              </a:pPr>
+              <a:t>17</a:t>
+            </a:fld>
+            <a:endParaRPr lang="en-US" altLang="en-US"/>
+          </a:p>
+        </p:txBody>
+      </p:sp>
+    </p:spTree>
+    <p:extLst>
+      <p:ext uri="{BB962C8B-B14F-4D97-AF65-F5344CB8AC3E}">
+        <p14:creationId xmlns:p14="http://schemas.microsoft.com/office/powerpoint/2010/main" val="3967039340"/>
+      </p:ext>
+    </p:extLst>
+  </p:cSld>
+  <p:clrMapOvr>
+    <a:masterClrMapping/>
+  </p:clrMapOvr>
+  <p:timing>
+    <p:tnLst>
+      <p:par>
+        <p:cTn id="1" dur="indefinite" restart="never" nodeType="tmRoot">
+          <p:childTnLst>
+            <p:seq concurrent="1" nextAc="seek">
+              <p:cTn id="2" dur="indefinite" nodeType="mainSeq">
+                <p:childTnLst>
+                  <p:par>
+                    <p:cTn id="3" fill="hold">
+                      <p:stCondLst>
+                        <p:cond delay="indefinite"/>
+                      </p:stCondLst>
+                      <p:childTnLst>
+                        <p:par>
+                          <p:cTn id="4" fill="hold">
+                            <p:stCondLst>
+                              <p:cond delay="0"/>
+                            </p:stCondLst>
+                            <p:childTnLst>
+                              <p:par>
+                                <p:cTn id="5" presetID="1" presetClass="entr" presetSubtype="0" fill="hold" grpId="0" nodeType="clickEffect">
+                                  <p:stCondLst>
+                                    <p:cond delay="0"/>
+                                  </p:stCondLst>
+                                  <p:childTnLst>
+                                    <p:set>
+                                      <p:cBhvr>
+                                        <p:cTn id="6" dur="1" fill="hold">
+                                          <p:stCondLst>
+                                            <p:cond delay="0"/>
+                                          </p:stCondLst>
+                                        </p:cTn>
+                                        <p:tgtEl>
+                                          <p:spTgt spid="3">
+                                            <p:txEl>
+                                              <p:pRg st="0" end="0"/>
+                                            </p:txEl>
+                                          </p:spTgt>
+                                        </p:tgtEl>
+                                        <p:attrNameLst>
+                                          <p:attrName>style.visibility</p:attrName>
+                                        </p:attrNameLst>
+                                      </p:cBhvr>
+                                      <p:to>
+                                        <p:strVal val="visible"/>
+                                      </p:to>
+                                    </p:set>
+                                  </p:childTnLst>
+                                </p:cTn>
+                              </p:par>
+                            </p:childTnLst>
+                          </p:cTn>
+                        </p:par>
+                      </p:childTnLst>
+                    </p:cTn>
+                  </p:par>
+                  <p:par>
+                    <p:cTn id="7" fill="hold">
+                      <p:stCondLst>
+                        <p:cond delay="indefinite"/>
+                      </p:stCondLst>
+                      <p:childTnLst>
+                        <p:par>
+                          <p:cTn id="8" fill="hold">
+                            <p:stCondLst>
+                              <p:cond delay="0"/>
+                            </p:stCondLst>
+                            <p:childTnLst>
+                              <p:par>
+                                <p:cTn id="9" presetID="1" presetClass="entr" presetSubtype="0" fill="hold" grpId="0" nodeType="clickEffect">
+                                  <p:stCondLst>
+                                    <p:cond delay="0"/>
+                                  </p:stCondLst>
+                                  <p:childTnLst>
+                                    <p:set>
+                                      <p:cBhvr>
+                                        <p:cTn id="10" dur="1" fill="hold">
+                                          <p:stCondLst>
+                                            <p:cond delay="0"/>
+                                          </p:stCondLst>
+                                        </p:cTn>
+                                        <p:tgtEl>
+                                          <p:spTgt spid="3">
+                                            <p:txEl>
+                                              <p:pRg st="1" end="1"/>
+                                            </p:txEl>
+                                          </p:spTgt>
+                                        </p:tgtEl>
+                                        <p:attrNameLst>
+                                          <p:attrName>style.visibility</p:attrName>
+                                        </p:attrNameLst>
+                                      </p:cBhvr>
+                                      <p:to>
+                                        <p:strVal val="visible"/>
+                                      </p:to>
+                                    </p:set>
+                                  </p:childTnLst>
+                                </p:cTn>
+                              </p:par>
+                            </p:childTnLst>
+                          </p:cTn>
+                        </p:par>
+                      </p:childTnLst>
+                    </p:cTn>
+                  </p:par>
+                  <p:par>
+                    <p:cTn id="11" fill="hold">
+                      <p:stCondLst>
+                        <p:cond delay="indefinite"/>
+                      </p:stCondLst>
+                      <p:childTnLst>
+                        <p:par>
+                          <p:cTn id="12" fill="hold">
+                            <p:stCondLst>
+                              <p:cond delay="0"/>
+                            </p:stCondLst>
+                            <p:childTnLst>
+                              <p:par>
+                                <p:cTn id="13" presetID="1" presetClass="entr" presetSubtype="0" fill="hold" grpId="0" nodeType="clickEffect">
+                                  <p:stCondLst>
+                                    <p:cond delay="0"/>
+                                  </p:stCondLst>
+                                  <p:childTnLst>
+                                    <p:set>
+                                      <p:cBhvr>
+                                        <p:cTn id="14" dur="1" fill="hold">
+                                          <p:stCondLst>
+                                            <p:cond delay="0"/>
+                                          </p:stCondLst>
+                                        </p:cTn>
+                                        <p:tgtEl>
+                                          <p:spTgt spid="3">
+                                            <p:txEl>
+                                              <p:pRg st="2" end="2"/>
+                                            </p:txEl>
+                                          </p:spTgt>
+                                        </p:tgtEl>
+                                        <p:attrNameLst>
+                                          <p:attrName>style.visibility</p:attrName>
+                                        </p:attrNameLst>
+                                      </p:cBhvr>
+                                      <p:to>
+                                        <p:strVal val="visible"/>
+                                      </p:to>
+                                    </p:set>
+                                  </p:childTnLst>
+                                </p:cTn>
+                              </p:par>
+                            </p:childTnLst>
+                          </p:cTn>
+                        </p:par>
+                      </p:childTnLst>
+                    </p:cTn>
+                  </p:par>
+                  <p:par>
+                    <p:cTn id="15" fill="hold">
+                      <p:stCondLst>
+                        <p:cond delay="indefinite"/>
+                      </p:stCondLst>
+                      <p:childTnLst>
+                        <p:par>
+                          <p:cTn id="16" fill="hold">
+                            <p:stCondLst>
+                              <p:cond delay="0"/>
+                            </p:stCondLst>
+                            <p:childTnLst>
+                              <p:par>
+                                <p:cTn id="17" presetID="1" presetClass="entr" presetSubtype="0" fill="hold" grpId="0" nodeType="clickEffect">
+                                  <p:stCondLst>
+                                    <p:cond delay="0"/>
+                                  </p:stCondLst>
+                                  <p:childTnLst>
+                                    <p:set>
+                                      <p:cBhvr>
+                                        <p:cTn id="18" dur="1" fill="hold">
+                                          <p:stCondLst>
+                                            <p:cond delay="0"/>
+                                          </p:stCondLst>
+                                        </p:cTn>
+                                        <p:tgtEl>
+                                          <p:spTgt spid="3">
+                                            <p:txEl>
+                                              <p:pRg st="3" end="3"/>
+                                            </p:txEl>
+                                          </p:spTgt>
+                                        </p:tgtEl>
+                                        <p:attrNameLst>
+                                          <p:attrName>style.visibility</p:attrName>
+                                        </p:attrNameLst>
+                                      </p:cBhvr>
+                                      <p:to>
+                                        <p:strVal val="visible"/>
+                                      </p:to>
+                                    </p:set>
+                                  </p:childTnLst>
+                                </p:cTn>
+                              </p:par>
+                              <p:par>
+                                <p:cTn id="19" presetID="1" presetClass="entr" presetSubtype="0" fill="hold" grpId="0" nodeType="withEffect">
+                                  <p:stCondLst>
+                                    <p:cond delay="0"/>
+                                  </p:stCondLst>
+                                  <p:childTnLst>
+                                    <p:set>
+                                      <p:cBhvr>
+                                        <p:cTn id="20" dur="1" fill="hold">
+                                          <p:stCondLst>
+                                            <p:cond delay="0"/>
+                                          </p:stCondLst>
+                                        </p:cTn>
+                                        <p:tgtEl>
+                                          <p:spTgt spid="3">
+                                            <p:txEl>
+                                              <p:pRg st="4" end="4"/>
+                                            </p:txEl>
+                                          </p:spTgt>
+                                        </p:tgtEl>
+                                        <p:attrNameLst>
+                                          <p:attrName>style.visibility</p:attrName>
+                                        </p:attrNameLst>
+                                      </p:cBhvr>
+                                      <p:to>
+                                        <p:strVal val="visible"/>
+                                      </p:to>
+                                    </p:set>
+                                  </p:childTnLst>
+                                </p:cTn>
+                              </p:par>
+                              <p:par>
+                                <p:cTn id="21" presetID="1" presetClass="entr" presetSubtype="0" fill="hold" grpId="0" nodeType="withEffect">
+                                  <p:stCondLst>
+                                    <p:cond delay="0"/>
+                                  </p:stCondLst>
+                                  <p:childTnLst>
+                                    <p:set>
+                                      <p:cBhvr>
+                                        <p:cTn id="22" dur="1" fill="hold">
+                                          <p:stCondLst>
+                                            <p:cond delay="0"/>
+                                          </p:stCondLst>
+                                        </p:cTn>
+                                        <p:tgtEl>
+                                          <p:spTgt spid="3">
+                                            <p:txEl>
+                                              <p:pRg st="5" end="5"/>
+                                            </p:txEl>
+                                          </p:spTgt>
+                                        </p:tgtEl>
+                                        <p:attrNameLst>
+                                          <p:attrName>style.visibility</p:attrName>
+                                        </p:attrNameLst>
+                                      </p:cBhvr>
+                                      <p:to>
+                                        <p:strVal val="visible"/>
+                                      </p:to>
+                                    </p:set>
+                                  </p:childTnLst>
+                                </p:cTn>
+                              </p:par>
+                              <p:par>
+                                <p:cTn id="23" presetID="1" presetClass="entr" presetSubtype="0" fill="hold" grpId="0" nodeType="withEffect">
+                                  <p:stCondLst>
+                                    <p:cond delay="0"/>
+                                  </p:stCondLst>
+                                  <p:childTnLst>
+                                    <p:set>
+                                      <p:cBhvr>
+                                        <p:cTn id="24" dur="1" fill="hold">
+                                          <p:stCondLst>
+                                            <p:cond delay="0"/>
+                                          </p:stCondLst>
+                                        </p:cTn>
+                                        <p:tgtEl>
+                                          <p:spTgt spid="3">
+                                            <p:txEl>
+                                              <p:pRg st="6" end="6"/>
+                                            </p:txEl>
+                                          </p:spTgt>
+                                        </p:tgtEl>
+                                        <p:attrNameLst>
+                                          <p:attrName>style.visibility</p:attrName>
+                                        </p:attrNameLst>
+                                      </p:cBhvr>
+                                      <p:to>
+                                        <p:strVal val="visible"/>
+                                      </p:to>
+                                    </p:set>
+                                  </p:childTnLst>
+                                </p:cTn>
+                              </p:par>
+                            </p:childTnLst>
+                          </p:cTn>
+                        </p:par>
+                      </p:childTnLst>
+                    </p:cTn>
+                  </p:par>
+                  <p:par>
+                    <p:cTn id="25" fill="hold">
+                      <p:stCondLst>
+                        <p:cond delay="indefinite"/>
+                      </p:stCondLst>
+                      <p:childTnLst>
+                        <p:par>
+                          <p:cTn id="26" fill="hold">
+                            <p:stCondLst>
+                              <p:cond delay="0"/>
+                            </p:stCondLst>
+                            <p:childTnLst>
+                              <p:par>
+                                <p:cTn id="27" presetID="1" presetClass="entr" presetSubtype="0" fill="hold" grpId="0" nodeType="clickEffect">
+                                  <p:stCondLst>
+                                    <p:cond delay="0"/>
+                                  </p:stCondLst>
+                                  <p:childTnLst>
+                                    <p:set>
+                                      <p:cBhvr>
+                                        <p:cTn id="28" dur="1" fill="hold">
+                                          <p:stCondLst>
+                                            <p:cond delay="0"/>
+                                          </p:stCondLst>
+                                        </p:cTn>
+                                        <p:tgtEl>
+                                          <p:spTgt spid="3">
+                                            <p:txEl>
+                                              <p:pRg st="8" end="8"/>
+                                            </p:txEl>
+                                          </p:spTgt>
+                                        </p:tgtEl>
+                                        <p:attrNameLst>
+                                          <p:attrName>style.visibility</p:attrName>
+                                        </p:attrNameLst>
+                                      </p:cBhvr>
+                                      <p:to>
+                                        <p:strVal val="visible"/>
+                                      </p:to>
+                                    </p:set>
+                                  </p:childTnLst>
+                                </p:cTn>
+                              </p:par>
+                            </p:childTnLst>
+                          </p:cTn>
+                        </p:par>
+                      </p:childTnLst>
+                    </p:cTn>
+                  </p:par>
+                </p:childTnLst>
+              </p:cTn>
+              <p:prevCondLst>
+                <p:cond evt="onPrev" delay="0">
+                  <p:tgtEl>
+                    <p:sldTgt/>
+                  </p:tgtEl>
+                </p:cond>
+              </p:prevCondLst>
+              <p:nextCondLst>
+                <p:cond evt="onNext" delay="0">
+                  <p:tgtEl>
+                    <p:sldTgt/>
+                  </p:tgtEl>
+                </p:cond>
+              </p:nextCondLst>
+            </p:seq>
+          </p:childTnLst>
+        </p:cTn>
+      </p:par>
+    </p:tnLst>
+    <p:bldLst>
+      <p:bldP spid="3" grpId="0" build="p"/>
+    </p:bldLst>
+  </p:timing>
+</p:sld>
+</file>
+
+<file path=ppt/slides/slide18.xml><?xml version="1.0" encoding="utf-8"?>
+<p:sld xmlns:a="http://schemas.openxmlformats.org/drawingml/2006/main" xmlns:r="http://schemas.openxmlformats.org/officeDocument/2006/relationships" xmlns:p="http://schemas.openxmlformats.org/presentationml/2006/main">
+  <p:cSld>
+    <p:spTree>
+      <p:nvGrpSpPr>
+        <p:cNvPr id="1" name=""/>
+        <p:cNvGrpSpPr/>
+        <p:nvPr/>
+      </p:nvGrpSpPr>
+      <p:grpSpPr>
+        <a:xfrm>
+          <a:off x="0" y="0"/>
+          <a:ext cx="0" cy="0"/>
+          <a:chOff x="0" y="0"/>
+          <a:chExt cx="0" cy="0"/>
+        </a:xfrm>
+      </p:grpSpPr>
+      <p:sp>
+        <p:nvSpPr>
+          <p:cNvPr id="2" name="Title 1">
+            <a:extLst>
+              <a:ext uri="{FF2B5EF4-FFF2-40B4-BE49-F238E27FC236}">
+                <a16:creationId xmlns:a16="http://schemas.microsoft.com/office/drawing/2014/main" id="{A187E8C5-71DC-4833-9A46-B13A3B78C545}"/>
+              </a:ext>
+            </a:extLst>
+          </p:cNvPr>
+          <p:cNvSpPr>
+            <a:spLocks noGrp="1"/>
+          </p:cNvSpPr>
+          <p:nvPr>
+            <p:ph type="title"/>
+          </p:nvPr>
+        </p:nvSpPr>
+        <p:spPr/>
+        <p:txBody>
+          <a:bodyPr/>
+          <a:lstStyle/>
+          <a:p>
+            <a:r>
+              <a:rPr lang="en-US" dirty="0"/>
+              <a:t>Emphasis of safety</a:t>
+            </a:r>
+          </a:p>
+        </p:txBody>
+      </p:sp>
+      <p:sp>
+        <p:nvSpPr>
+          <p:cNvPr id="3" name="Content Placeholder 2">
+            <a:extLst>
+              <a:ext uri="{FF2B5EF4-FFF2-40B4-BE49-F238E27FC236}">
+                <a16:creationId xmlns:a16="http://schemas.microsoft.com/office/drawing/2014/main" id="{E4008B63-8CF6-4D34-BD7A-C3AE73924054}"/>
+              </a:ext>
+            </a:extLst>
+          </p:cNvPr>
+          <p:cNvSpPr>
+            <a:spLocks noGrp="1"/>
+          </p:cNvSpPr>
+          <p:nvPr>
+            <p:ph idx="1"/>
+          </p:nvPr>
+        </p:nvSpPr>
+        <p:spPr/>
+        <p:txBody>
+          <a:bodyPr/>
+          <a:lstStyle/>
+          <a:p>
+            <a:r>
+              <a:rPr lang="en-US" sz="2800" dirty="0"/>
+              <a:t>Cannot afford software crashes (or ensure safety in spite of crashes)</a:t>
+            </a:r>
+          </a:p>
+          <a:p>
+            <a:r>
+              <a:rPr lang="en-US" sz="2800" dirty="0"/>
+              <a:t>Software running fine does not ensure safety</a:t>
+            </a:r>
+          </a:p>
+          <a:p>
+            <a:pPr lvl="1"/>
+            <a:r>
+              <a:rPr lang="en-US" sz="2400" dirty="0"/>
+              <a:t>For example, an elevator controller software might not crash, but could ignore a sensor and crush a hand!</a:t>
+            </a:r>
+          </a:p>
+          <a:p>
+            <a:r>
+              <a:rPr lang="en-US" sz="2800" dirty="0"/>
+              <a:t>Identify potential hazardous conditions during design</a:t>
+            </a:r>
+          </a:p>
+          <a:p>
+            <a:r>
+              <a:rPr lang="en-US" sz="2800" dirty="0"/>
+              <a:t>Must be designed to handle external faults (sensors failing, unexpected inputs etc.)</a:t>
+            </a:r>
+          </a:p>
+          <a:p>
+            <a:r>
+              <a:rPr lang="en-US" sz="2800" dirty="0"/>
+              <a:t>Prepare the system for the unexpected (safe states)!</a:t>
+            </a:r>
+          </a:p>
+        </p:txBody>
+      </p:sp>
+      <p:sp>
+        <p:nvSpPr>
+          <p:cNvPr id="4" name="Date Placeholder 3">
+            <a:extLst>
+              <a:ext uri="{FF2B5EF4-FFF2-40B4-BE49-F238E27FC236}">
+                <a16:creationId xmlns:a16="http://schemas.microsoft.com/office/drawing/2014/main" id="{B7323C82-772D-4599-9E9B-A9E836D2BE1F}"/>
+              </a:ext>
+            </a:extLst>
+          </p:cNvPr>
+          <p:cNvSpPr>
+            <a:spLocks noGrp="1"/>
+          </p:cNvSpPr>
+          <p:nvPr>
+            <p:ph type="dt" sz="half" idx="10"/>
+          </p:nvPr>
+        </p:nvSpPr>
+        <p:spPr/>
+        <p:txBody>
+          <a:bodyPr/>
+          <a:lstStyle/>
+          <a:p>
+            <a:pPr>
+              <a:defRPr/>
+            </a:pPr>
+            <a:r>
+              <a:rPr lang="en-US"/>
+              <a:t>21/12/2020</a:t>
+            </a:r>
+          </a:p>
+        </p:txBody>
+      </p:sp>
+      <p:sp>
+        <p:nvSpPr>
+          <p:cNvPr id="5" name="Slide Number Placeholder 4">
+            <a:extLst>
+              <a:ext uri="{FF2B5EF4-FFF2-40B4-BE49-F238E27FC236}">
+                <a16:creationId xmlns:a16="http://schemas.microsoft.com/office/drawing/2014/main" id="{7C7C1E1B-DEB4-4D29-9C41-4D6A42696EE2}"/>
+              </a:ext>
+            </a:extLst>
+          </p:cNvPr>
+          <p:cNvSpPr>
+            <a:spLocks noGrp="1"/>
+          </p:cNvSpPr>
+          <p:nvPr>
+            <p:ph type="sldNum" sz="quarter" idx="12"/>
+          </p:nvPr>
+        </p:nvSpPr>
+        <p:spPr/>
+        <p:txBody>
+          <a:bodyPr/>
+          <a:lstStyle/>
+          <a:p>
+            <a:pPr>
+              <a:defRPr/>
+            </a:pPr>
+            <a:fld id="{CA887A73-1AE0-46F8-856A-18EA1CF30A1B}" type="slidenum">
+              <a:rPr lang="en-US" altLang="en-US" smtClean="0"/>
+              <a:pPr>
+                <a:defRPr/>
+              </a:pPr>
+              <a:t>18</a:t>
+            </a:fld>
+            <a:endParaRPr lang="en-US" altLang="en-US"/>
+          </a:p>
+        </p:txBody>
+      </p:sp>
+    </p:spTree>
+    <p:extLst>
+      <p:ext uri="{BB962C8B-B14F-4D97-AF65-F5344CB8AC3E}">
+        <p14:creationId xmlns:p14="http://schemas.microsoft.com/office/powerpoint/2010/main" val="61143242"/>
+      </p:ext>
+    </p:extLst>
+  </p:cSld>
+  <p:clrMapOvr>
+    <a:masterClrMapping/>
+  </p:clrMapOvr>
+  <p:timing>
+    <p:tnLst>
+      <p:par>
+        <p:cTn id="1" dur="indefinite" restart="never" nodeType="tmRoot">
+          <p:childTnLst>
+            <p:seq concurrent="1" nextAc="seek">
+              <p:cTn id="2" dur="indefinite" nodeType="mainSeq">
+                <p:childTnLst>
+                  <p:par>
+                    <p:cTn id="3" fill="hold">
+                      <p:stCondLst>
+                        <p:cond delay="indefinite"/>
+                      </p:stCondLst>
+                      <p:childTnLst>
+                        <p:par>
+                          <p:cTn id="4" fill="hold">
+                            <p:stCondLst>
+                              <p:cond delay="0"/>
+                            </p:stCondLst>
+                            <p:childTnLst>
+                              <p:par>
+                                <p:cTn id="5" presetID="1" presetClass="entr" presetSubtype="0" fill="hold" grpId="0" nodeType="clickEffect">
+                                  <p:stCondLst>
+                                    <p:cond delay="0"/>
+                                  </p:stCondLst>
+                                  <p:childTnLst>
+                                    <p:set>
+                                      <p:cBhvr>
+                                        <p:cTn id="6" dur="1" fill="hold">
+                                          <p:stCondLst>
+                                            <p:cond delay="0"/>
+                                          </p:stCondLst>
+                                        </p:cTn>
+                                        <p:tgtEl>
+                                          <p:spTgt spid="3">
+                                            <p:txEl>
+                                              <p:pRg st="0" end="0"/>
+                                            </p:txEl>
+                                          </p:spTgt>
+                                        </p:tgtEl>
+                                        <p:attrNameLst>
+                                          <p:attrName>style.visibility</p:attrName>
+                                        </p:attrNameLst>
+                                      </p:cBhvr>
+                                      <p:to>
+                                        <p:strVal val="visible"/>
+                                      </p:to>
+                                    </p:set>
+                                  </p:childTnLst>
+                                </p:cTn>
+                              </p:par>
+                            </p:childTnLst>
+                          </p:cTn>
+                        </p:par>
+                      </p:childTnLst>
+                    </p:cTn>
+                  </p:par>
+                  <p:par>
+                    <p:cTn id="7" fill="hold">
+                      <p:stCondLst>
+                        <p:cond delay="indefinite"/>
+                      </p:stCondLst>
+                      <p:childTnLst>
+                        <p:par>
+                          <p:cTn id="8" fill="hold">
+                            <p:stCondLst>
+                              <p:cond delay="0"/>
+                            </p:stCondLst>
+                            <p:childTnLst>
+                              <p:par>
+                                <p:cTn id="9" presetID="1" presetClass="entr" presetSubtype="0" fill="hold" grpId="0" nodeType="clickEffect">
+                                  <p:stCondLst>
+                                    <p:cond delay="0"/>
+                                  </p:stCondLst>
+                                  <p:childTnLst>
+                                    <p:set>
+                                      <p:cBhvr>
+                                        <p:cTn id="10" dur="1" fill="hold">
+                                          <p:stCondLst>
+                                            <p:cond delay="0"/>
+                                          </p:stCondLst>
+                                        </p:cTn>
+                                        <p:tgtEl>
+                                          <p:spTgt spid="3">
+                                            <p:txEl>
+                                              <p:pRg st="1" end="1"/>
+                                            </p:txEl>
+                                          </p:spTgt>
+                                        </p:tgtEl>
+                                        <p:attrNameLst>
+                                          <p:attrName>style.visibility</p:attrName>
+                                        </p:attrNameLst>
+                                      </p:cBhvr>
+                                      <p:to>
+                                        <p:strVal val="visible"/>
+                                      </p:to>
+                                    </p:set>
+                                  </p:childTnLst>
+                                </p:cTn>
+                              </p:par>
+                              <p:par>
+                                <p:cTn id="11" presetID="1" presetClass="entr" presetSubtype="0" fill="hold" grpId="0" nodeType="withEffect">
+                                  <p:stCondLst>
+                                    <p:cond delay="0"/>
+                                  </p:stCondLst>
+                                  <p:childTnLst>
+                                    <p:set>
+                                      <p:cBhvr>
+                                        <p:cTn id="12" dur="1" fill="hold">
+                                          <p:stCondLst>
+                                            <p:cond delay="0"/>
+                                          </p:stCondLst>
+                                        </p:cTn>
+                                        <p:tgtEl>
+                                          <p:spTgt spid="3">
+                                            <p:txEl>
+                                              <p:pRg st="2" end="2"/>
+                                            </p:txEl>
+                                          </p:spTgt>
+                                        </p:tgtEl>
+                                        <p:attrNameLst>
+                                          <p:attrName>style.visibility</p:attrName>
+                                        </p:attrNameLst>
+                                      </p:cBhvr>
+                                      <p:to>
+                                        <p:strVal val="visible"/>
+                                      </p:to>
+                                    </p:set>
+                                  </p:childTnLst>
+                                </p:cTn>
+                              </p:par>
+                            </p:childTnLst>
+                          </p:cTn>
+                        </p:par>
+                      </p:childTnLst>
+                    </p:cTn>
+                  </p:par>
+                  <p:par>
+                    <p:cTn id="13" fill="hold">
+                      <p:stCondLst>
+                        <p:cond delay="indefinite"/>
+                      </p:stCondLst>
+                      <p:childTnLst>
+                        <p:par>
+                          <p:cTn id="14" fill="hold">
+                            <p:stCondLst>
+                              <p:cond delay="0"/>
+                            </p:stCondLst>
+                            <p:childTnLst>
+                              <p:par>
+                                <p:cTn id="15" presetID="1" presetClass="entr" presetSubtype="0" fill="hold" grpId="0" nodeType="clickEffect">
+                                  <p:stCondLst>
+                                    <p:cond delay="0"/>
+                                  </p:stCondLst>
+                                  <p:childTnLst>
+                                    <p:set>
+                                      <p:cBhvr>
+                                        <p:cTn id="16" dur="1" fill="hold">
+                                          <p:stCondLst>
+                                            <p:cond delay="0"/>
+                                          </p:stCondLst>
+                                        </p:cTn>
+                                        <p:tgtEl>
+                                          <p:spTgt spid="3">
+                                            <p:txEl>
+                                              <p:pRg st="3" end="3"/>
+                                            </p:txEl>
+                                          </p:spTgt>
+                                        </p:tgtEl>
+                                        <p:attrNameLst>
+                                          <p:attrName>style.visibility</p:attrName>
+                                        </p:attrNameLst>
+                                      </p:cBhvr>
+                                      <p:to>
+                                        <p:strVal val="visible"/>
+                                      </p:to>
+                                    </p:set>
+                                  </p:childTnLst>
+                                </p:cTn>
+                              </p:par>
+                            </p:childTnLst>
+                          </p:cTn>
+                        </p:par>
+                      </p:childTnLst>
+                    </p:cTn>
+                  </p:par>
+                  <p:par>
+                    <p:cTn id="17" fill="hold">
+                      <p:stCondLst>
+                        <p:cond delay="indefinite"/>
+                      </p:stCondLst>
+                      <p:childTnLst>
+                        <p:par>
+                          <p:cTn id="18" fill="hold">
+                            <p:stCondLst>
+                              <p:cond delay="0"/>
+                            </p:stCondLst>
+                            <p:childTnLst>
+                              <p:par>
+                                <p:cTn id="19" presetID="1" presetClass="entr" presetSubtype="0" fill="hold" grpId="0" nodeType="clickEffect">
+                                  <p:stCondLst>
+                                    <p:cond delay="0"/>
+                                  </p:stCondLst>
+                                  <p:childTnLst>
+                                    <p:set>
+                                      <p:cBhvr>
+                                        <p:cTn id="20" dur="1" fill="hold">
+                                          <p:stCondLst>
+                                            <p:cond delay="0"/>
+                                          </p:stCondLst>
+                                        </p:cTn>
+                                        <p:tgtEl>
+                                          <p:spTgt spid="3">
+                                            <p:txEl>
+                                              <p:pRg st="4" end="4"/>
+                                            </p:txEl>
+                                          </p:spTgt>
+                                        </p:tgtEl>
+                                        <p:attrNameLst>
+                                          <p:attrName>style.visibility</p:attrName>
+                                        </p:attrNameLst>
+                                      </p:cBhvr>
+                                      <p:to>
+                                        <p:strVal val="visible"/>
+                                      </p:to>
+                                    </p:set>
+                                  </p:childTnLst>
+                                </p:cTn>
+                              </p:par>
+                            </p:childTnLst>
+                          </p:cTn>
+                        </p:par>
+                      </p:childTnLst>
+                    </p:cTn>
+                  </p:par>
+                  <p:par>
+                    <p:cTn id="21" fill="hold">
+                      <p:stCondLst>
+                        <p:cond delay="indefinite"/>
+                      </p:stCondLst>
+                      <p:childTnLst>
+                        <p:par>
+                          <p:cTn id="22" fill="hold">
+                            <p:stCondLst>
+                              <p:cond delay="0"/>
+                            </p:stCondLst>
+                            <p:childTnLst>
+                              <p:par>
+                                <p:cTn id="23" presetID="1" presetClass="entr" presetSubtype="0" fill="hold" grpId="0" nodeType="clickEffect">
+                                  <p:stCondLst>
+                                    <p:cond delay="0"/>
+                                  </p:stCondLst>
+                                  <p:childTnLst>
+                                    <p:set>
+                                      <p:cBhvr>
+                                        <p:cTn id="24" dur="1" fill="hold">
+                                          <p:stCondLst>
+                                            <p:cond delay="0"/>
+                                          </p:stCondLst>
+                                        </p:cTn>
+                                        <p:tgtEl>
+                                          <p:spTgt spid="3">
+                                            <p:txEl>
+                                              <p:pRg st="5" end="5"/>
+                                            </p:txEl>
+                                          </p:spTgt>
+                                        </p:tgtEl>
+                                        <p:attrNameLst>
+                                          <p:attrName>style.visibility</p:attrName>
+                                        </p:attrNameLst>
+                                      </p:cBhvr>
+                                      <p:to>
+                                        <p:strVal val="visible"/>
+                                      </p:to>
+                                    </p:set>
+                                  </p:childTnLst>
+                                </p:cTn>
+                              </p:par>
+                            </p:childTnLst>
+                          </p:cTn>
+                        </p:par>
+                      </p:childTnLst>
+                    </p:cTn>
+                  </p:par>
+                </p:childTnLst>
+              </p:cTn>
+              <p:prevCondLst>
+                <p:cond evt="onPrev" delay="0">
+                  <p:tgtEl>
+                    <p:sldTgt/>
+                  </p:tgtEl>
+                </p:cond>
+              </p:prevCondLst>
+              <p:nextCondLst>
+                <p:cond evt="onNext" delay="0">
+                  <p:tgtEl>
+                    <p:sldTgt/>
+                  </p:tgtEl>
+                </p:cond>
+              </p:nextCondLst>
+            </p:seq>
+          </p:childTnLst>
+        </p:cTn>
+      </p:par>
+    </p:tnLst>
+    <p:bldLst>
+      <p:bldP spid="3" grpId="0" build="p"/>
+    </p:bldLst>
+  </p:timing>
+</p:sld>
+</file>
+
+<file path=ppt/slides/slide19.xml><?xml version="1.0" encoding="utf-8"?>
+<p:sld xmlns:a="http://schemas.openxmlformats.org/drawingml/2006/main" xmlns:r="http://schemas.openxmlformats.org/officeDocument/2006/relationships" xmlns:p="http://schemas.openxmlformats.org/presentationml/2006/main">
+  <p:cSld>
+    <p:spTree>
+      <p:nvGrpSpPr>
+        <p:cNvPr id="1" name=""/>
+        <p:cNvGrpSpPr/>
+        <p:nvPr/>
+      </p:nvGrpSpPr>
+      <p:grpSpPr>
+        <a:xfrm>
+          <a:off x="0" y="0"/>
+          <a:ext cx="0" cy="0"/>
+          <a:chOff x="0" y="0"/>
+          <a:chExt cx="0" cy="0"/>
+        </a:xfrm>
+      </p:grpSpPr>
+      <p:sp>
+        <p:nvSpPr>
+          <p:cNvPr id="2" name="Title 1">
+            <a:extLst>
+              <a:ext uri="{FF2B5EF4-FFF2-40B4-BE49-F238E27FC236}">
+                <a16:creationId xmlns:a16="http://schemas.microsoft.com/office/drawing/2014/main" id="{B78FDAB9-B03B-4E6F-B224-B0E52C818F10}"/>
+              </a:ext>
+            </a:extLst>
+          </p:cNvPr>
+          <p:cNvSpPr>
+            <a:spLocks noGrp="1"/>
+          </p:cNvSpPr>
+          <p:nvPr>
+            <p:ph type="title"/>
+          </p:nvPr>
+        </p:nvSpPr>
+        <p:spPr/>
+        <p:txBody>
+          <a:bodyPr/>
+          <a:lstStyle/>
+          <a:p>
+            <a:r>
+              <a:rPr lang="en-US" dirty="0"/>
+              <a:t>Disciplined system design and coding</a:t>
+            </a:r>
+          </a:p>
+        </p:txBody>
+      </p:sp>
+      <p:sp>
+        <p:nvSpPr>
+          <p:cNvPr id="3" name="Content Placeholder 2">
+            <a:extLst>
+              <a:ext uri="{FF2B5EF4-FFF2-40B4-BE49-F238E27FC236}">
+                <a16:creationId xmlns:a16="http://schemas.microsoft.com/office/drawing/2014/main" id="{481942E4-4E92-41C6-9A42-7A6845F57A8F}"/>
+              </a:ext>
+            </a:extLst>
+          </p:cNvPr>
+          <p:cNvSpPr>
+            <a:spLocks noGrp="1"/>
+          </p:cNvSpPr>
+          <p:nvPr>
+            <p:ph idx="1"/>
+          </p:nvPr>
+        </p:nvSpPr>
+        <p:spPr/>
+        <p:txBody>
+          <a:bodyPr/>
+          <a:lstStyle/>
+          <a:p>
+            <a:r>
+              <a:rPr lang="en-US" sz="2800" dirty="0"/>
+              <a:t>Ad hoc code </a:t>
+            </a:r>
+            <a:r>
+              <a:rPr lang="en-US" sz="2800" dirty="0">
+                <a:sym typeface="Wingdings" panose="05000000000000000000" pitchFamily="2" charset="2"/>
+              </a:rPr>
+              <a:t> implicit assumptions  late discovery of faults</a:t>
+            </a:r>
+          </a:p>
+          <a:p>
+            <a:r>
+              <a:rPr lang="en-US" sz="2800" dirty="0">
+                <a:sym typeface="Wingdings" panose="05000000000000000000" pitchFamily="2" charset="2"/>
+              </a:rPr>
+              <a:t>With discipline: predictable behavior, early detection of errors, verifiable safety</a:t>
+            </a:r>
+          </a:p>
+          <a:p>
+            <a:r>
+              <a:rPr lang="en-US" sz="2800" dirty="0">
+                <a:sym typeface="Wingdings" panose="05000000000000000000" pitchFamily="2" charset="2"/>
+              </a:rPr>
+              <a:t>In this course</a:t>
+            </a:r>
+          </a:p>
+          <a:p>
+            <a:pPr lvl="1"/>
+            <a:r>
+              <a:rPr lang="en-US" sz="2400" dirty="0"/>
+              <a:t>Requirements engineering → clarity</a:t>
+            </a:r>
+          </a:p>
+          <a:p>
+            <a:pPr lvl="1"/>
+            <a:r>
+              <a:rPr lang="en-US" sz="2400" dirty="0"/>
+              <a:t>Modeling (UML) → behavioral reasoning</a:t>
+            </a:r>
+          </a:p>
+          <a:p>
+            <a:pPr lvl="1"/>
+            <a:r>
+              <a:rPr lang="en-US" sz="2400" dirty="0"/>
+              <a:t>Architecture → structure and separation</a:t>
+            </a:r>
+          </a:p>
+          <a:p>
+            <a:pPr lvl="1"/>
+            <a:r>
+              <a:rPr lang="en-US" sz="2400" dirty="0"/>
+              <a:t>RTOS &amp; scheduling → timing guarantees</a:t>
+            </a:r>
+          </a:p>
+          <a:p>
+            <a:pPr lvl="1"/>
+            <a:r>
+              <a:rPr lang="en-US" sz="2400" dirty="0"/>
+              <a:t>Verification &amp; testing → confidence</a:t>
+            </a:r>
+          </a:p>
+        </p:txBody>
+      </p:sp>
+      <p:sp>
+        <p:nvSpPr>
+          <p:cNvPr id="4" name="Date Placeholder 3">
+            <a:extLst>
+              <a:ext uri="{FF2B5EF4-FFF2-40B4-BE49-F238E27FC236}">
+                <a16:creationId xmlns:a16="http://schemas.microsoft.com/office/drawing/2014/main" id="{4B575ECC-39C3-4E75-9352-EA93AE76B068}"/>
+              </a:ext>
+            </a:extLst>
+          </p:cNvPr>
+          <p:cNvSpPr>
+            <a:spLocks noGrp="1"/>
+          </p:cNvSpPr>
+          <p:nvPr>
+            <p:ph type="dt" sz="half" idx="10"/>
+          </p:nvPr>
+        </p:nvSpPr>
+        <p:spPr/>
+        <p:txBody>
+          <a:bodyPr/>
+          <a:lstStyle/>
+          <a:p>
+            <a:pPr>
+              <a:defRPr/>
+            </a:pPr>
+            <a:r>
+              <a:rPr lang="en-US"/>
+              <a:t>21/12/2020</a:t>
+            </a:r>
+          </a:p>
+        </p:txBody>
+      </p:sp>
+      <p:sp>
+        <p:nvSpPr>
+          <p:cNvPr id="5" name="Slide Number Placeholder 4">
+            <a:extLst>
+              <a:ext uri="{FF2B5EF4-FFF2-40B4-BE49-F238E27FC236}">
+                <a16:creationId xmlns:a16="http://schemas.microsoft.com/office/drawing/2014/main" id="{3171C6B5-0A4E-4B0A-880D-09CBC81090B5}"/>
+              </a:ext>
+            </a:extLst>
+          </p:cNvPr>
+          <p:cNvSpPr>
+            <a:spLocks noGrp="1"/>
+          </p:cNvSpPr>
+          <p:nvPr>
+            <p:ph type="sldNum" sz="quarter" idx="12"/>
+          </p:nvPr>
+        </p:nvSpPr>
+        <p:spPr/>
+        <p:txBody>
+          <a:bodyPr/>
+          <a:lstStyle/>
+          <a:p>
+            <a:pPr>
+              <a:defRPr/>
+            </a:pPr>
+            <a:fld id="{CA887A73-1AE0-46F8-856A-18EA1CF30A1B}" type="slidenum">
+              <a:rPr lang="en-US" altLang="en-US" smtClean="0"/>
+              <a:pPr>
+                <a:defRPr/>
+              </a:pPr>
+              <a:t>19</a:t>
+            </a:fld>
+            <a:endParaRPr lang="en-US" altLang="en-US"/>
+          </a:p>
+        </p:txBody>
+      </p:sp>
+    </p:spTree>
+    <p:extLst>
+      <p:ext uri="{BB962C8B-B14F-4D97-AF65-F5344CB8AC3E}">
+        <p14:creationId xmlns:p14="http://schemas.microsoft.com/office/powerpoint/2010/main" val="1661237002"/>
+      </p:ext>
+    </p:extLst>
+  </p:cSld>
+  <p:clrMapOvr>
+    <a:masterClrMapping/>
+  </p:clrMapOvr>
+  <p:timing>
+    <p:tnLst>
+      <p:par>
+        <p:cTn id="1" dur="indefinite" restart="never" nodeType="tmRoot">
+          <p:childTnLst>
+            <p:seq concurrent="1" nextAc="seek">
+              <p:cTn id="2" dur="indefinite" nodeType="mainSeq">
+                <p:childTnLst>
+                  <p:par>
+                    <p:cTn id="3" fill="hold">
+                      <p:stCondLst>
+                        <p:cond delay="indefinite"/>
+                      </p:stCondLst>
+                      <p:childTnLst>
+                        <p:par>
+                          <p:cTn id="4" fill="hold">
+                            <p:stCondLst>
+                              <p:cond delay="0"/>
+                            </p:stCondLst>
+                            <p:childTnLst>
+                              <p:par>
+                                <p:cTn id="5" presetID="1" presetClass="entr" presetSubtype="0" fill="hold" grpId="0" nodeType="clickEffect">
+                                  <p:stCondLst>
+                                    <p:cond delay="0"/>
+                                  </p:stCondLst>
+                                  <p:childTnLst>
+                                    <p:set>
+                                      <p:cBhvr>
+                                        <p:cTn id="6" dur="1" fill="hold">
+                                          <p:stCondLst>
+                                            <p:cond delay="0"/>
+                                          </p:stCondLst>
+                                        </p:cTn>
+                                        <p:tgtEl>
+                                          <p:spTgt spid="3">
+                                            <p:txEl>
+                                              <p:pRg st="0" end="0"/>
+                                            </p:txEl>
+                                          </p:spTgt>
+                                        </p:tgtEl>
+                                        <p:attrNameLst>
+                                          <p:attrName>style.visibility</p:attrName>
+                                        </p:attrNameLst>
+                                      </p:cBhvr>
+                                      <p:to>
+                                        <p:strVal val="visible"/>
+                                      </p:to>
+                                    </p:set>
+                                  </p:childTnLst>
+                                </p:cTn>
+                              </p:par>
+                            </p:childTnLst>
+                          </p:cTn>
+                        </p:par>
+                      </p:childTnLst>
+                    </p:cTn>
+                  </p:par>
+                  <p:par>
+                    <p:cTn id="7" fill="hold">
+                      <p:stCondLst>
+                        <p:cond delay="indefinite"/>
+                      </p:stCondLst>
+                      <p:childTnLst>
+                        <p:par>
+                          <p:cTn id="8" fill="hold">
+                            <p:stCondLst>
+                              <p:cond delay="0"/>
+                            </p:stCondLst>
+                            <p:childTnLst>
+                              <p:par>
+                                <p:cTn id="9" presetID="1" presetClass="entr" presetSubtype="0" fill="hold" grpId="0" nodeType="clickEffect">
+                                  <p:stCondLst>
+                                    <p:cond delay="0"/>
+                                  </p:stCondLst>
+                                  <p:childTnLst>
+                                    <p:set>
+                                      <p:cBhvr>
+                                        <p:cTn id="10" dur="1" fill="hold">
+                                          <p:stCondLst>
+                                            <p:cond delay="0"/>
+                                          </p:stCondLst>
+                                        </p:cTn>
+                                        <p:tgtEl>
+                                          <p:spTgt spid="3">
+                                            <p:txEl>
+                                              <p:pRg st="1" end="1"/>
+                                            </p:txEl>
+                                          </p:spTgt>
+                                        </p:tgtEl>
+                                        <p:attrNameLst>
+                                          <p:attrName>style.visibility</p:attrName>
+                                        </p:attrNameLst>
+                                      </p:cBhvr>
+                                      <p:to>
+                                        <p:strVal val="visible"/>
+                                      </p:to>
+                                    </p:set>
+                                  </p:childTnLst>
+                                </p:cTn>
+                              </p:par>
+                            </p:childTnLst>
+                          </p:cTn>
+                        </p:par>
+                      </p:childTnLst>
+                    </p:cTn>
+                  </p:par>
+                  <p:par>
+                    <p:cTn id="11" fill="hold">
+                      <p:stCondLst>
+                        <p:cond delay="indefinite"/>
+                      </p:stCondLst>
+                      <p:childTnLst>
+                        <p:par>
+                          <p:cTn id="12" fill="hold">
+                            <p:stCondLst>
+                              <p:cond delay="0"/>
+                            </p:stCondLst>
+                            <p:childTnLst>
+                              <p:par>
+                                <p:cTn id="13" presetID="1" presetClass="entr" presetSubtype="0" fill="hold" grpId="0" nodeType="clickEffect">
+                                  <p:stCondLst>
+                                    <p:cond delay="0"/>
+                                  </p:stCondLst>
+                                  <p:childTnLst>
+                                    <p:set>
+                                      <p:cBhvr>
+                                        <p:cTn id="14" dur="1" fill="hold">
+                                          <p:stCondLst>
+                                            <p:cond delay="0"/>
+                                          </p:stCondLst>
+                                        </p:cTn>
+                                        <p:tgtEl>
+                                          <p:spTgt spid="3">
+                                            <p:txEl>
+                                              <p:pRg st="2" end="2"/>
+                                            </p:txEl>
+                                          </p:spTgt>
+                                        </p:tgtEl>
+                                        <p:attrNameLst>
+                                          <p:attrName>style.visibility</p:attrName>
+                                        </p:attrNameLst>
+                                      </p:cBhvr>
+                                      <p:to>
+                                        <p:strVal val="visible"/>
+                                      </p:to>
+                                    </p:set>
+                                  </p:childTnLst>
+                                </p:cTn>
+                              </p:par>
+                            </p:childTnLst>
+                          </p:cTn>
+                        </p:par>
+                      </p:childTnLst>
+                    </p:cTn>
+                  </p:par>
+                  <p:par>
+                    <p:cTn id="15" fill="hold">
+                      <p:stCondLst>
+                        <p:cond delay="indefinite"/>
+                      </p:stCondLst>
+                      <p:childTnLst>
+                        <p:par>
+                          <p:cTn id="16" fill="hold">
+                            <p:stCondLst>
+                              <p:cond delay="0"/>
+                            </p:stCondLst>
+                            <p:childTnLst>
+                              <p:par>
+                                <p:cTn id="17" presetID="1" presetClass="entr" presetSubtype="0" fill="hold" grpId="0" nodeType="clickEffect">
+                                  <p:stCondLst>
+                                    <p:cond delay="0"/>
+                                  </p:stCondLst>
+                                  <p:childTnLst>
+                                    <p:set>
+                                      <p:cBhvr>
+                                        <p:cTn id="18" dur="1" fill="hold">
+                                          <p:stCondLst>
+                                            <p:cond delay="0"/>
+                                          </p:stCondLst>
+                                        </p:cTn>
+                                        <p:tgtEl>
+                                          <p:spTgt spid="3">
+                                            <p:txEl>
+                                              <p:pRg st="3" end="3"/>
+                                            </p:txEl>
+                                          </p:spTgt>
+                                        </p:tgtEl>
+                                        <p:attrNameLst>
+                                          <p:attrName>style.visibility</p:attrName>
+                                        </p:attrNameLst>
+                                      </p:cBhvr>
+                                      <p:to>
+                                        <p:strVal val="visible"/>
+                                      </p:to>
+                                    </p:set>
+                                  </p:childTnLst>
+                                </p:cTn>
+                              </p:par>
+                            </p:childTnLst>
+                          </p:cTn>
+                        </p:par>
+                      </p:childTnLst>
+                    </p:cTn>
+                  </p:par>
+                  <p:par>
+                    <p:cTn id="19" fill="hold">
+                      <p:stCondLst>
+                        <p:cond delay="indefinite"/>
+                      </p:stCondLst>
+                      <p:childTnLst>
+                        <p:par>
+                          <p:cTn id="20" fill="hold">
+                            <p:stCondLst>
+                              <p:cond delay="0"/>
+                            </p:stCondLst>
+                            <p:childTnLst>
+                              <p:par>
+                                <p:cTn id="21" presetID="1" presetClass="entr" presetSubtype="0" fill="hold" grpId="0" nodeType="clickEffect">
+                                  <p:stCondLst>
+                                    <p:cond delay="0"/>
+                                  </p:stCondLst>
+                                  <p:childTnLst>
+                                    <p:set>
+                                      <p:cBhvr>
+                                        <p:cTn id="22" dur="1" fill="hold">
+                                          <p:stCondLst>
+                                            <p:cond delay="0"/>
+                                          </p:stCondLst>
+                                        </p:cTn>
+                                        <p:tgtEl>
+                                          <p:spTgt spid="3">
+                                            <p:txEl>
+                                              <p:pRg st="4" end="4"/>
+                                            </p:txEl>
+                                          </p:spTgt>
+                                        </p:tgtEl>
+                                        <p:attrNameLst>
+                                          <p:attrName>style.visibility</p:attrName>
+                                        </p:attrNameLst>
+                                      </p:cBhvr>
+                                      <p:to>
+                                        <p:strVal val="visible"/>
+                                      </p:to>
+                                    </p:set>
+                                  </p:childTnLst>
+                                </p:cTn>
+                              </p:par>
+                            </p:childTnLst>
+                          </p:cTn>
+                        </p:par>
+                      </p:childTnLst>
+                    </p:cTn>
+                  </p:par>
+                  <p:par>
+                    <p:cTn id="23" fill="hold">
+                      <p:stCondLst>
+                        <p:cond delay="indefinite"/>
+                      </p:stCondLst>
+                      <p:childTnLst>
+                        <p:par>
+                          <p:cTn id="24" fill="hold">
+                            <p:stCondLst>
+                              <p:cond delay="0"/>
+                            </p:stCondLst>
+                            <p:childTnLst>
+                              <p:par>
+                                <p:cTn id="25" presetID="1" presetClass="entr" presetSubtype="0" fill="hold" grpId="0" nodeType="clickEffect">
+                                  <p:stCondLst>
+                                    <p:cond delay="0"/>
+                                  </p:stCondLst>
+                                  <p:childTnLst>
+                                    <p:set>
+                                      <p:cBhvr>
+                                        <p:cTn id="26" dur="1" fill="hold">
+                                          <p:stCondLst>
+                                            <p:cond delay="0"/>
+                                          </p:stCondLst>
+                                        </p:cTn>
+                                        <p:tgtEl>
+                                          <p:spTgt spid="3">
+                                            <p:txEl>
+                                              <p:pRg st="5" end="5"/>
+                                            </p:txEl>
+                                          </p:spTgt>
+                                        </p:tgtEl>
+                                        <p:attrNameLst>
+                                          <p:attrName>style.visibility</p:attrName>
+                                        </p:attrNameLst>
+                                      </p:cBhvr>
+                                      <p:to>
+                                        <p:strVal val="visible"/>
+                                      </p:to>
+                                    </p:set>
+                                  </p:childTnLst>
+                                </p:cTn>
+                              </p:par>
+                            </p:childTnLst>
+                          </p:cTn>
+                        </p:par>
+                      </p:childTnLst>
+                    </p:cTn>
+                  </p:par>
+                  <p:par>
+                    <p:cTn id="27" fill="hold">
+                      <p:stCondLst>
+                        <p:cond delay="indefinite"/>
+                      </p:stCondLst>
+                      <p:childTnLst>
+                        <p:par>
+                          <p:cTn id="28" fill="hold">
+                            <p:stCondLst>
+                              <p:cond delay="0"/>
+                            </p:stCondLst>
+                            <p:childTnLst>
+                              <p:par>
+                                <p:cTn id="29" presetID="1" presetClass="entr" presetSubtype="0" fill="hold" grpId="0" nodeType="clickEffect">
+                                  <p:stCondLst>
+                                    <p:cond delay="0"/>
+                                  </p:stCondLst>
+                                  <p:childTnLst>
+                                    <p:set>
+                                      <p:cBhvr>
+                                        <p:cTn id="30" dur="1" fill="hold">
+                                          <p:stCondLst>
+                                            <p:cond delay="0"/>
+                                          </p:stCondLst>
+                                        </p:cTn>
+                                        <p:tgtEl>
+                                          <p:spTgt spid="3">
+                                            <p:txEl>
+                                              <p:pRg st="6" end="6"/>
+                                            </p:txEl>
+                                          </p:spTgt>
+                                        </p:tgtEl>
+                                        <p:attrNameLst>
+                                          <p:attrName>style.visibility</p:attrName>
+                                        </p:attrNameLst>
+                                      </p:cBhvr>
+                                      <p:to>
+                                        <p:strVal val="visible"/>
+                                      </p:to>
+                                    </p:set>
+                                  </p:childTnLst>
+                                </p:cTn>
+                              </p:par>
+                            </p:childTnLst>
+                          </p:cTn>
+                        </p:par>
+                      </p:childTnLst>
+                    </p:cTn>
+                  </p:par>
+                  <p:par>
+                    <p:cTn id="31" fill="hold">
+                      <p:stCondLst>
+                        <p:cond delay="indefinite"/>
+                      </p:stCondLst>
+                      <p:childTnLst>
+                        <p:par>
+                          <p:cTn id="32" fill="hold">
+                            <p:stCondLst>
+                              <p:cond delay="0"/>
+                            </p:stCondLst>
+                            <p:childTnLst>
+                              <p:par>
+                                <p:cTn id="33" presetID="1" presetClass="entr" presetSubtype="0" fill="hold" grpId="0" nodeType="clickEffect">
+                                  <p:stCondLst>
+                                    <p:cond delay="0"/>
+                                  </p:stCondLst>
+                                  <p:childTnLst>
+                                    <p:set>
+                                      <p:cBhvr>
+                                        <p:cTn id="34" dur="1" fill="hold">
+                                          <p:stCondLst>
+                                            <p:cond delay="0"/>
+                                          </p:stCondLst>
+                                        </p:cTn>
+                                        <p:tgtEl>
+                                          <p:spTgt spid="3">
+                                            <p:txEl>
+                                              <p:pRg st="7" end="7"/>
+                                            </p:txEl>
+                                          </p:spTgt>
+                                        </p:tgtEl>
+                                        <p:attrNameLst>
+                                          <p:attrName>style.visibility</p:attrName>
+                                        </p:attrNameLst>
+                                      </p:cBhvr>
+                                      <p:to>
+                                        <p:strVal val="visible"/>
+                                      </p:to>
+                                    </p:set>
+                                  </p:childTnLst>
+                                </p:cTn>
+                              </p:par>
+                            </p:childTnLst>
+                          </p:cTn>
+                        </p:par>
+                      </p:childTnLst>
+                    </p:cTn>
+                  </p:par>
+                </p:childTnLst>
+              </p:cTn>
+              <p:prevCondLst>
+                <p:cond evt="onPrev" delay="0">
+                  <p:tgtEl>
+                    <p:sldTgt/>
+                  </p:tgtEl>
+                </p:cond>
+              </p:prevCondLst>
+              <p:nextCondLst>
+                <p:cond evt="onNext" delay="0">
+                  <p:tgtEl>
+                    <p:sldTgt/>
+                  </p:tgtEl>
+                </p:cond>
+              </p:nextCondLst>
+            </p:seq>
+          </p:childTnLst>
+        </p:cTn>
+      </p:par>
+    </p:tnLst>
+    <p:bldLst>
+      <p:bldP spid="3" grpId="0" uiExpand="1" build="p"/>
+    </p:bldLst>
+  </p:timing>
+</p:sld>
+</file>
+
 <file path=ppt/slides/slide2.xml><?xml version="1.0" encoding="utf-8"?>
 <p:sld xmlns:a="http://schemas.openxmlformats.org/drawingml/2006/main" xmlns:r="http://schemas.openxmlformats.org/officeDocument/2006/relationships" xmlns:p="http://schemas.openxmlformats.org/presentationml/2006/main">
   <p:cSld>
@@ -5971,6 +12132,1211 @@
     <p:extLst>
       <p:ext uri="{BB962C8B-B14F-4D97-AF65-F5344CB8AC3E}">
         <p14:creationId xmlns:p14="http://schemas.microsoft.com/office/powerpoint/2010/main" val="898264126"/>
+      </p:ext>
+    </p:extLst>
+  </p:cSld>
+  <p:clrMapOvr>
+    <a:masterClrMapping/>
+  </p:clrMapOvr>
+</p:sld>
+</file>
+
+<file path=ppt/slides/slide20.xml><?xml version="1.0" encoding="utf-8"?>
+<p:sld xmlns:a="http://schemas.openxmlformats.org/drawingml/2006/main" xmlns:r="http://schemas.openxmlformats.org/officeDocument/2006/relationships" xmlns:p="http://schemas.openxmlformats.org/presentationml/2006/main">
+  <p:cSld>
+    <p:spTree>
+      <p:nvGrpSpPr>
+        <p:cNvPr id="1" name=""/>
+        <p:cNvGrpSpPr/>
+        <p:nvPr/>
+      </p:nvGrpSpPr>
+      <p:grpSpPr>
+        <a:xfrm>
+          <a:off x="0" y="0"/>
+          <a:ext cx="0" cy="0"/>
+          <a:chOff x="0" y="0"/>
+          <a:chExt cx="0" cy="0"/>
+        </a:xfrm>
+      </p:grpSpPr>
+      <p:sp>
+        <p:nvSpPr>
+          <p:cNvPr id="2" name="Title 1">
+            <a:extLst>
+              <a:ext uri="{FF2B5EF4-FFF2-40B4-BE49-F238E27FC236}">
+                <a16:creationId xmlns:a16="http://schemas.microsoft.com/office/drawing/2014/main" id="{FEEBA08F-9821-4D80-A108-D803738377F4}"/>
+              </a:ext>
+            </a:extLst>
+          </p:cNvPr>
+          <p:cNvSpPr>
+            <a:spLocks noGrp="1"/>
+          </p:cNvSpPr>
+          <p:nvPr>
+            <p:ph type="title"/>
+          </p:nvPr>
+        </p:nvSpPr>
+        <p:spPr/>
+        <p:txBody>
+          <a:bodyPr/>
+          <a:lstStyle/>
+          <a:p>
+            <a:r>
+              <a:rPr lang="en-US" dirty="0"/>
+              <a:t>Functional responsibilities</a:t>
+            </a:r>
+          </a:p>
+        </p:txBody>
+      </p:sp>
+      <p:sp>
+        <p:nvSpPr>
+          <p:cNvPr id="3" name="Content Placeholder 2">
+            <a:extLst>
+              <a:ext uri="{FF2B5EF4-FFF2-40B4-BE49-F238E27FC236}">
+                <a16:creationId xmlns:a16="http://schemas.microsoft.com/office/drawing/2014/main" id="{DCA24C14-C931-4DC4-8542-63929069F426}"/>
+              </a:ext>
+            </a:extLst>
+          </p:cNvPr>
+          <p:cNvSpPr>
+            <a:spLocks noGrp="1"/>
+          </p:cNvSpPr>
+          <p:nvPr>
+            <p:ph idx="1"/>
+          </p:nvPr>
+        </p:nvSpPr>
+        <p:spPr/>
+        <p:txBody>
+          <a:bodyPr/>
+          <a:lstStyle/>
+          <a:p>
+            <a:pPr marL="0" indent="0">
+              <a:buNone/>
+            </a:pPr>
+            <a:r>
+              <a:rPr lang="en-US" dirty="0"/>
+              <a:t>Needed to make the system work</a:t>
+            </a:r>
+          </a:p>
+          <a:p>
+            <a:r>
+              <a:rPr lang="en-US" dirty="0"/>
+              <a:t>Control logic</a:t>
+            </a:r>
+          </a:p>
+          <a:p>
+            <a:r>
+              <a:rPr lang="en-US" dirty="0"/>
+              <a:t>Data acquisition and processing</a:t>
+            </a:r>
+          </a:p>
+          <a:p>
+            <a:r>
+              <a:rPr lang="en-US" dirty="0"/>
+              <a:t>State-based behavior</a:t>
+            </a:r>
+          </a:p>
+          <a:p>
+            <a:r>
+              <a:rPr lang="en-US" dirty="0"/>
+              <a:t>Coordination between subsystems</a:t>
+            </a:r>
+          </a:p>
+          <a:p>
+            <a:endParaRPr lang="en-US" dirty="0"/>
+          </a:p>
+          <a:p>
+            <a:r>
+              <a:rPr lang="en-US" dirty="0"/>
+              <a:t>What are the functional responsibilities of an elevator controller?</a:t>
+            </a:r>
+          </a:p>
+        </p:txBody>
+      </p:sp>
+      <p:sp>
+        <p:nvSpPr>
+          <p:cNvPr id="4" name="Date Placeholder 3">
+            <a:extLst>
+              <a:ext uri="{FF2B5EF4-FFF2-40B4-BE49-F238E27FC236}">
+                <a16:creationId xmlns:a16="http://schemas.microsoft.com/office/drawing/2014/main" id="{07691024-1FD3-4DAE-8731-0D94F21F3090}"/>
+              </a:ext>
+            </a:extLst>
+          </p:cNvPr>
+          <p:cNvSpPr>
+            <a:spLocks noGrp="1"/>
+          </p:cNvSpPr>
+          <p:nvPr>
+            <p:ph type="dt" sz="half" idx="10"/>
+          </p:nvPr>
+        </p:nvSpPr>
+        <p:spPr/>
+        <p:txBody>
+          <a:bodyPr/>
+          <a:lstStyle/>
+          <a:p>
+            <a:pPr>
+              <a:defRPr/>
+            </a:pPr>
+            <a:r>
+              <a:rPr lang="en-US"/>
+              <a:t>21/12/2020</a:t>
+            </a:r>
+          </a:p>
+        </p:txBody>
+      </p:sp>
+      <p:sp>
+        <p:nvSpPr>
+          <p:cNvPr id="5" name="Slide Number Placeholder 4">
+            <a:extLst>
+              <a:ext uri="{FF2B5EF4-FFF2-40B4-BE49-F238E27FC236}">
+                <a16:creationId xmlns:a16="http://schemas.microsoft.com/office/drawing/2014/main" id="{3C39780E-5850-49F3-9E24-60528ABF7A8C}"/>
+              </a:ext>
+            </a:extLst>
+          </p:cNvPr>
+          <p:cNvSpPr>
+            <a:spLocks noGrp="1"/>
+          </p:cNvSpPr>
+          <p:nvPr>
+            <p:ph type="sldNum" sz="quarter" idx="12"/>
+          </p:nvPr>
+        </p:nvSpPr>
+        <p:spPr/>
+        <p:txBody>
+          <a:bodyPr/>
+          <a:lstStyle/>
+          <a:p>
+            <a:pPr>
+              <a:defRPr/>
+            </a:pPr>
+            <a:fld id="{CA887A73-1AE0-46F8-856A-18EA1CF30A1B}" type="slidenum">
+              <a:rPr lang="en-US" altLang="en-US" smtClean="0"/>
+              <a:pPr>
+                <a:defRPr/>
+              </a:pPr>
+              <a:t>20</a:t>
+            </a:fld>
+            <a:endParaRPr lang="en-US" altLang="en-US"/>
+          </a:p>
+        </p:txBody>
+      </p:sp>
+    </p:spTree>
+    <p:extLst>
+      <p:ext uri="{BB962C8B-B14F-4D97-AF65-F5344CB8AC3E}">
+        <p14:creationId xmlns:p14="http://schemas.microsoft.com/office/powerpoint/2010/main" val="4028032088"/>
+      </p:ext>
+    </p:extLst>
+  </p:cSld>
+  <p:clrMapOvr>
+    <a:masterClrMapping/>
+  </p:clrMapOvr>
+  <p:timing>
+    <p:tnLst>
+      <p:par>
+        <p:cTn id="1" dur="indefinite" restart="never" nodeType="tmRoot">
+          <p:childTnLst>
+            <p:seq concurrent="1" nextAc="seek">
+              <p:cTn id="2" dur="indefinite" nodeType="mainSeq">
+                <p:childTnLst>
+                  <p:par>
+                    <p:cTn id="3" fill="hold">
+                      <p:stCondLst>
+                        <p:cond delay="indefinite"/>
+                      </p:stCondLst>
+                      <p:childTnLst>
+                        <p:par>
+                          <p:cTn id="4" fill="hold">
+                            <p:stCondLst>
+                              <p:cond delay="0"/>
+                            </p:stCondLst>
+                            <p:childTnLst>
+                              <p:par>
+                                <p:cTn id="5" presetID="1" presetClass="entr" presetSubtype="0" fill="hold" grpId="0" nodeType="clickEffect">
+                                  <p:stCondLst>
+                                    <p:cond delay="0"/>
+                                  </p:stCondLst>
+                                  <p:childTnLst>
+                                    <p:set>
+                                      <p:cBhvr>
+                                        <p:cTn id="6" dur="1" fill="hold">
+                                          <p:stCondLst>
+                                            <p:cond delay="0"/>
+                                          </p:stCondLst>
+                                        </p:cTn>
+                                        <p:tgtEl>
+                                          <p:spTgt spid="3">
+                                            <p:txEl>
+                                              <p:pRg st="0" end="0"/>
+                                            </p:txEl>
+                                          </p:spTgt>
+                                        </p:tgtEl>
+                                        <p:attrNameLst>
+                                          <p:attrName>style.visibility</p:attrName>
+                                        </p:attrNameLst>
+                                      </p:cBhvr>
+                                      <p:to>
+                                        <p:strVal val="visible"/>
+                                      </p:to>
+                                    </p:set>
+                                  </p:childTnLst>
+                                </p:cTn>
+                              </p:par>
+                            </p:childTnLst>
+                          </p:cTn>
+                        </p:par>
+                      </p:childTnLst>
+                    </p:cTn>
+                  </p:par>
+                  <p:par>
+                    <p:cTn id="7" fill="hold">
+                      <p:stCondLst>
+                        <p:cond delay="indefinite"/>
+                      </p:stCondLst>
+                      <p:childTnLst>
+                        <p:par>
+                          <p:cTn id="8" fill="hold">
+                            <p:stCondLst>
+                              <p:cond delay="0"/>
+                            </p:stCondLst>
+                            <p:childTnLst>
+                              <p:par>
+                                <p:cTn id="9" presetID="1" presetClass="entr" presetSubtype="0" fill="hold" grpId="0" nodeType="clickEffect">
+                                  <p:stCondLst>
+                                    <p:cond delay="0"/>
+                                  </p:stCondLst>
+                                  <p:childTnLst>
+                                    <p:set>
+                                      <p:cBhvr>
+                                        <p:cTn id="10" dur="1" fill="hold">
+                                          <p:stCondLst>
+                                            <p:cond delay="0"/>
+                                          </p:stCondLst>
+                                        </p:cTn>
+                                        <p:tgtEl>
+                                          <p:spTgt spid="3">
+                                            <p:txEl>
+                                              <p:pRg st="1" end="1"/>
+                                            </p:txEl>
+                                          </p:spTgt>
+                                        </p:tgtEl>
+                                        <p:attrNameLst>
+                                          <p:attrName>style.visibility</p:attrName>
+                                        </p:attrNameLst>
+                                      </p:cBhvr>
+                                      <p:to>
+                                        <p:strVal val="visible"/>
+                                      </p:to>
+                                    </p:set>
+                                  </p:childTnLst>
+                                </p:cTn>
+                              </p:par>
+                            </p:childTnLst>
+                          </p:cTn>
+                        </p:par>
+                      </p:childTnLst>
+                    </p:cTn>
+                  </p:par>
+                  <p:par>
+                    <p:cTn id="11" fill="hold">
+                      <p:stCondLst>
+                        <p:cond delay="indefinite"/>
+                      </p:stCondLst>
+                      <p:childTnLst>
+                        <p:par>
+                          <p:cTn id="12" fill="hold">
+                            <p:stCondLst>
+                              <p:cond delay="0"/>
+                            </p:stCondLst>
+                            <p:childTnLst>
+                              <p:par>
+                                <p:cTn id="13" presetID="1" presetClass="entr" presetSubtype="0" fill="hold" grpId="0" nodeType="clickEffect">
+                                  <p:stCondLst>
+                                    <p:cond delay="0"/>
+                                  </p:stCondLst>
+                                  <p:childTnLst>
+                                    <p:set>
+                                      <p:cBhvr>
+                                        <p:cTn id="14" dur="1" fill="hold">
+                                          <p:stCondLst>
+                                            <p:cond delay="0"/>
+                                          </p:stCondLst>
+                                        </p:cTn>
+                                        <p:tgtEl>
+                                          <p:spTgt spid="3">
+                                            <p:txEl>
+                                              <p:pRg st="2" end="2"/>
+                                            </p:txEl>
+                                          </p:spTgt>
+                                        </p:tgtEl>
+                                        <p:attrNameLst>
+                                          <p:attrName>style.visibility</p:attrName>
+                                        </p:attrNameLst>
+                                      </p:cBhvr>
+                                      <p:to>
+                                        <p:strVal val="visible"/>
+                                      </p:to>
+                                    </p:set>
+                                  </p:childTnLst>
+                                </p:cTn>
+                              </p:par>
+                            </p:childTnLst>
+                          </p:cTn>
+                        </p:par>
+                      </p:childTnLst>
+                    </p:cTn>
+                  </p:par>
+                  <p:par>
+                    <p:cTn id="15" fill="hold">
+                      <p:stCondLst>
+                        <p:cond delay="indefinite"/>
+                      </p:stCondLst>
+                      <p:childTnLst>
+                        <p:par>
+                          <p:cTn id="16" fill="hold">
+                            <p:stCondLst>
+                              <p:cond delay="0"/>
+                            </p:stCondLst>
+                            <p:childTnLst>
+                              <p:par>
+                                <p:cTn id="17" presetID="1" presetClass="entr" presetSubtype="0" fill="hold" grpId="0" nodeType="clickEffect">
+                                  <p:stCondLst>
+                                    <p:cond delay="0"/>
+                                  </p:stCondLst>
+                                  <p:childTnLst>
+                                    <p:set>
+                                      <p:cBhvr>
+                                        <p:cTn id="18" dur="1" fill="hold">
+                                          <p:stCondLst>
+                                            <p:cond delay="0"/>
+                                          </p:stCondLst>
+                                        </p:cTn>
+                                        <p:tgtEl>
+                                          <p:spTgt spid="3">
+                                            <p:txEl>
+                                              <p:pRg st="3" end="3"/>
+                                            </p:txEl>
+                                          </p:spTgt>
+                                        </p:tgtEl>
+                                        <p:attrNameLst>
+                                          <p:attrName>style.visibility</p:attrName>
+                                        </p:attrNameLst>
+                                      </p:cBhvr>
+                                      <p:to>
+                                        <p:strVal val="visible"/>
+                                      </p:to>
+                                    </p:set>
+                                  </p:childTnLst>
+                                </p:cTn>
+                              </p:par>
+                            </p:childTnLst>
+                          </p:cTn>
+                        </p:par>
+                      </p:childTnLst>
+                    </p:cTn>
+                  </p:par>
+                  <p:par>
+                    <p:cTn id="19" fill="hold">
+                      <p:stCondLst>
+                        <p:cond delay="indefinite"/>
+                      </p:stCondLst>
+                      <p:childTnLst>
+                        <p:par>
+                          <p:cTn id="20" fill="hold">
+                            <p:stCondLst>
+                              <p:cond delay="0"/>
+                            </p:stCondLst>
+                            <p:childTnLst>
+                              <p:par>
+                                <p:cTn id="21" presetID="1" presetClass="entr" presetSubtype="0" fill="hold" grpId="0" nodeType="clickEffect">
+                                  <p:stCondLst>
+                                    <p:cond delay="0"/>
+                                  </p:stCondLst>
+                                  <p:childTnLst>
+                                    <p:set>
+                                      <p:cBhvr>
+                                        <p:cTn id="22" dur="1" fill="hold">
+                                          <p:stCondLst>
+                                            <p:cond delay="0"/>
+                                          </p:stCondLst>
+                                        </p:cTn>
+                                        <p:tgtEl>
+                                          <p:spTgt spid="3">
+                                            <p:txEl>
+                                              <p:pRg st="4" end="4"/>
+                                            </p:txEl>
+                                          </p:spTgt>
+                                        </p:tgtEl>
+                                        <p:attrNameLst>
+                                          <p:attrName>style.visibility</p:attrName>
+                                        </p:attrNameLst>
+                                      </p:cBhvr>
+                                      <p:to>
+                                        <p:strVal val="visible"/>
+                                      </p:to>
+                                    </p:set>
+                                  </p:childTnLst>
+                                </p:cTn>
+                              </p:par>
+                            </p:childTnLst>
+                          </p:cTn>
+                        </p:par>
+                      </p:childTnLst>
+                    </p:cTn>
+                  </p:par>
+                  <p:par>
+                    <p:cTn id="23" fill="hold">
+                      <p:stCondLst>
+                        <p:cond delay="indefinite"/>
+                      </p:stCondLst>
+                      <p:childTnLst>
+                        <p:par>
+                          <p:cTn id="24" fill="hold">
+                            <p:stCondLst>
+                              <p:cond delay="0"/>
+                            </p:stCondLst>
+                            <p:childTnLst>
+                              <p:par>
+                                <p:cTn id="25" presetID="1" presetClass="entr" presetSubtype="0" fill="hold" grpId="0" nodeType="clickEffect">
+                                  <p:stCondLst>
+                                    <p:cond delay="0"/>
+                                  </p:stCondLst>
+                                  <p:childTnLst>
+                                    <p:set>
+                                      <p:cBhvr>
+                                        <p:cTn id="26" dur="1" fill="hold">
+                                          <p:stCondLst>
+                                            <p:cond delay="0"/>
+                                          </p:stCondLst>
+                                        </p:cTn>
+                                        <p:tgtEl>
+                                          <p:spTgt spid="3">
+                                            <p:txEl>
+                                              <p:pRg st="6" end="6"/>
+                                            </p:txEl>
+                                          </p:spTgt>
+                                        </p:tgtEl>
+                                        <p:attrNameLst>
+                                          <p:attrName>style.visibility</p:attrName>
+                                        </p:attrNameLst>
+                                      </p:cBhvr>
+                                      <p:to>
+                                        <p:strVal val="visible"/>
+                                      </p:to>
+                                    </p:set>
+                                  </p:childTnLst>
+                                </p:cTn>
+                              </p:par>
+                            </p:childTnLst>
+                          </p:cTn>
+                        </p:par>
+                      </p:childTnLst>
+                    </p:cTn>
+                  </p:par>
+                </p:childTnLst>
+              </p:cTn>
+              <p:prevCondLst>
+                <p:cond evt="onPrev" delay="0">
+                  <p:tgtEl>
+                    <p:sldTgt/>
+                  </p:tgtEl>
+                </p:cond>
+              </p:prevCondLst>
+              <p:nextCondLst>
+                <p:cond evt="onNext" delay="0">
+                  <p:tgtEl>
+                    <p:sldTgt/>
+                  </p:tgtEl>
+                </p:cond>
+              </p:nextCondLst>
+            </p:seq>
+          </p:childTnLst>
+        </p:cTn>
+      </p:par>
+    </p:tnLst>
+    <p:bldLst>
+      <p:bldP spid="3" grpId="0" build="p"/>
+    </p:bldLst>
+  </p:timing>
+</p:sld>
+</file>
+
+<file path=ppt/slides/slide21.xml><?xml version="1.0" encoding="utf-8"?>
+<p:sld xmlns:a="http://schemas.openxmlformats.org/drawingml/2006/main" xmlns:r="http://schemas.openxmlformats.org/officeDocument/2006/relationships" xmlns:p="http://schemas.openxmlformats.org/presentationml/2006/main">
+  <p:cSld>
+    <p:spTree>
+      <p:nvGrpSpPr>
+        <p:cNvPr id="1" name=""/>
+        <p:cNvGrpSpPr/>
+        <p:nvPr/>
+      </p:nvGrpSpPr>
+      <p:grpSpPr>
+        <a:xfrm>
+          <a:off x="0" y="0"/>
+          <a:ext cx="0" cy="0"/>
+          <a:chOff x="0" y="0"/>
+          <a:chExt cx="0" cy="0"/>
+        </a:xfrm>
+      </p:grpSpPr>
+      <p:sp>
+        <p:nvSpPr>
+          <p:cNvPr id="2" name="Title 1">
+            <a:extLst>
+              <a:ext uri="{FF2B5EF4-FFF2-40B4-BE49-F238E27FC236}">
+                <a16:creationId xmlns:a16="http://schemas.microsoft.com/office/drawing/2014/main" id="{B0823004-BE65-4D50-8D46-7E2D72739AAC}"/>
+              </a:ext>
+            </a:extLst>
+          </p:cNvPr>
+          <p:cNvSpPr>
+            <a:spLocks noGrp="1"/>
+          </p:cNvSpPr>
+          <p:nvPr>
+            <p:ph type="title"/>
+          </p:nvPr>
+        </p:nvSpPr>
+        <p:spPr/>
+        <p:txBody>
+          <a:bodyPr/>
+          <a:lstStyle/>
+          <a:p>
+            <a:r>
+              <a:rPr lang="en-US" dirty="0"/>
+              <a:t>Non-functional responsibilities</a:t>
+            </a:r>
+          </a:p>
+        </p:txBody>
+      </p:sp>
+      <p:sp>
+        <p:nvSpPr>
+          <p:cNvPr id="3" name="Content Placeholder 2">
+            <a:extLst>
+              <a:ext uri="{FF2B5EF4-FFF2-40B4-BE49-F238E27FC236}">
+                <a16:creationId xmlns:a16="http://schemas.microsoft.com/office/drawing/2014/main" id="{52990EF9-A827-41CE-96B4-16AEC6039877}"/>
+              </a:ext>
+            </a:extLst>
+          </p:cNvPr>
+          <p:cNvSpPr>
+            <a:spLocks noGrp="1"/>
+          </p:cNvSpPr>
+          <p:nvPr>
+            <p:ph idx="1"/>
+          </p:nvPr>
+        </p:nvSpPr>
+        <p:spPr/>
+        <p:txBody>
+          <a:bodyPr/>
+          <a:lstStyle/>
+          <a:p>
+            <a:pPr marL="0" indent="0">
+              <a:buNone/>
+            </a:pPr>
+            <a:r>
+              <a:rPr lang="en-US" dirty="0"/>
+              <a:t>Needed to make the system work </a:t>
+            </a:r>
+            <a:r>
+              <a:rPr lang="en-US" i="1" dirty="0"/>
+              <a:t>well</a:t>
+            </a:r>
+          </a:p>
+          <a:p>
+            <a:r>
+              <a:rPr lang="en-US" dirty="0"/>
+              <a:t>Timing correctness</a:t>
+            </a:r>
+          </a:p>
+          <a:p>
+            <a:r>
+              <a:rPr lang="en-US" dirty="0"/>
+              <a:t>Safety, security and fault handling</a:t>
+            </a:r>
+          </a:p>
+          <a:p>
+            <a:r>
+              <a:rPr lang="en-US" dirty="0"/>
+              <a:t>Resource usage (CPU, memory, power)</a:t>
+            </a:r>
+          </a:p>
+          <a:p>
+            <a:r>
+              <a:rPr lang="en-US" dirty="0"/>
+              <a:t>Reliability over long lifetimes</a:t>
+            </a:r>
+          </a:p>
+          <a:p>
+            <a:endParaRPr lang="en-US" dirty="0"/>
+          </a:p>
+          <a:p>
+            <a:r>
+              <a:rPr lang="en-US" dirty="0"/>
+              <a:t>What can be non-functional responsibilities of an elevator controller?</a:t>
+            </a:r>
+          </a:p>
+        </p:txBody>
+      </p:sp>
+      <p:sp>
+        <p:nvSpPr>
+          <p:cNvPr id="4" name="Date Placeholder 3">
+            <a:extLst>
+              <a:ext uri="{FF2B5EF4-FFF2-40B4-BE49-F238E27FC236}">
+                <a16:creationId xmlns:a16="http://schemas.microsoft.com/office/drawing/2014/main" id="{6C045D41-AB28-4FC5-B1AB-8E9370D98CC5}"/>
+              </a:ext>
+            </a:extLst>
+          </p:cNvPr>
+          <p:cNvSpPr>
+            <a:spLocks noGrp="1"/>
+          </p:cNvSpPr>
+          <p:nvPr>
+            <p:ph type="dt" sz="half" idx="10"/>
+          </p:nvPr>
+        </p:nvSpPr>
+        <p:spPr/>
+        <p:txBody>
+          <a:bodyPr/>
+          <a:lstStyle/>
+          <a:p>
+            <a:pPr>
+              <a:defRPr/>
+            </a:pPr>
+            <a:r>
+              <a:rPr lang="en-US"/>
+              <a:t>21/12/2020</a:t>
+            </a:r>
+          </a:p>
+        </p:txBody>
+      </p:sp>
+      <p:sp>
+        <p:nvSpPr>
+          <p:cNvPr id="5" name="Slide Number Placeholder 4">
+            <a:extLst>
+              <a:ext uri="{FF2B5EF4-FFF2-40B4-BE49-F238E27FC236}">
+                <a16:creationId xmlns:a16="http://schemas.microsoft.com/office/drawing/2014/main" id="{CE101CED-5829-44BA-B556-3A8F6B85FE68}"/>
+              </a:ext>
+            </a:extLst>
+          </p:cNvPr>
+          <p:cNvSpPr>
+            <a:spLocks noGrp="1"/>
+          </p:cNvSpPr>
+          <p:nvPr>
+            <p:ph type="sldNum" sz="quarter" idx="12"/>
+          </p:nvPr>
+        </p:nvSpPr>
+        <p:spPr/>
+        <p:txBody>
+          <a:bodyPr/>
+          <a:lstStyle/>
+          <a:p>
+            <a:pPr>
+              <a:defRPr/>
+            </a:pPr>
+            <a:fld id="{CA887A73-1AE0-46F8-856A-18EA1CF30A1B}" type="slidenum">
+              <a:rPr lang="en-US" altLang="en-US" smtClean="0"/>
+              <a:pPr>
+                <a:defRPr/>
+              </a:pPr>
+              <a:t>21</a:t>
+            </a:fld>
+            <a:endParaRPr lang="en-US" altLang="en-US"/>
+          </a:p>
+        </p:txBody>
+      </p:sp>
+    </p:spTree>
+    <p:extLst>
+      <p:ext uri="{BB962C8B-B14F-4D97-AF65-F5344CB8AC3E}">
+        <p14:creationId xmlns:p14="http://schemas.microsoft.com/office/powerpoint/2010/main" val="4207414178"/>
+      </p:ext>
+    </p:extLst>
+  </p:cSld>
+  <p:clrMapOvr>
+    <a:masterClrMapping/>
+  </p:clrMapOvr>
+  <p:timing>
+    <p:tnLst>
+      <p:par>
+        <p:cTn id="1" dur="indefinite" restart="never" nodeType="tmRoot">
+          <p:childTnLst>
+            <p:seq concurrent="1" nextAc="seek">
+              <p:cTn id="2" dur="indefinite" nodeType="mainSeq">
+                <p:childTnLst>
+                  <p:par>
+                    <p:cTn id="3" fill="hold">
+                      <p:stCondLst>
+                        <p:cond delay="indefinite"/>
+                      </p:stCondLst>
+                      <p:childTnLst>
+                        <p:par>
+                          <p:cTn id="4" fill="hold">
+                            <p:stCondLst>
+                              <p:cond delay="0"/>
+                            </p:stCondLst>
+                            <p:childTnLst>
+                              <p:par>
+                                <p:cTn id="5" presetID="1" presetClass="entr" presetSubtype="0" fill="hold" grpId="0" nodeType="clickEffect">
+                                  <p:stCondLst>
+                                    <p:cond delay="0"/>
+                                  </p:stCondLst>
+                                  <p:childTnLst>
+                                    <p:set>
+                                      <p:cBhvr>
+                                        <p:cTn id="6" dur="1" fill="hold">
+                                          <p:stCondLst>
+                                            <p:cond delay="0"/>
+                                          </p:stCondLst>
+                                        </p:cTn>
+                                        <p:tgtEl>
+                                          <p:spTgt spid="3">
+                                            <p:txEl>
+                                              <p:pRg st="0" end="0"/>
+                                            </p:txEl>
+                                          </p:spTgt>
+                                        </p:tgtEl>
+                                        <p:attrNameLst>
+                                          <p:attrName>style.visibility</p:attrName>
+                                        </p:attrNameLst>
+                                      </p:cBhvr>
+                                      <p:to>
+                                        <p:strVal val="visible"/>
+                                      </p:to>
+                                    </p:set>
+                                  </p:childTnLst>
+                                </p:cTn>
+                              </p:par>
+                            </p:childTnLst>
+                          </p:cTn>
+                        </p:par>
+                      </p:childTnLst>
+                    </p:cTn>
+                  </p:par>
+                  <p:par>
+                    <p:cTn id="7" fill="hold">
+                      <p:stCondLst>
+                        <p:cond delay="indefinite"/>
+                      </p:stCondLst>
+                      <p:childTnLst>
+                        <p:par>
+                          <p:cTn id="8" fill="hold">
+                            <p:stCondLst>
+                              <p:cond delay="0"/>
+                            </p:stCondLst>
+                            <p:childTnLst>
+                              <p:par>
+                                <p:cTn id="9" presetID="1" presetClass="entr" presetSubtype="0" fill="hold" grpId="0" nodeType="clickEffect">
+                                  <p:stCondLst>
+                                    <p:cond delay="0"/>
+                                  </p:stCondLst>
+                                  <p:childTnLst>
+                                    <p:set>
+                                      <p:cBhvr>
+                                        <p:cTn id="10" dur="1" fill="hold">
+                                          <p:stCondLst>
+                                            <p:cond delay="0"/>
+                                          </p:stCondLst>
+                                        </p:cTn>
+                                        <p:tgtEl>
+                                          <p:spTgt spid="3">
+                                            <p:txEl>
+                                              <p:pRg st="1" end="1"/>
+                                            </p:txEl>
+                                          </p:spTgt>
+                                        </p:tgtEl>
+                                        <p:attrNameLst>
+                                          <p:attrName>style.visibility</p:attrName>
+                                        </p:attrNameLst>
+                                      </p:cBhvr>
+                                      <p:to>
+                                        <p:strVal val="visible"/>
+                                      </p:to>
+                                    </p:set>
+                                  </p:childTnLst>
+                                </p:cTn>
+                              </p:par>
+                            </p:childTnLst>
+                          </p:cTn>
+                        </p:par>
+                      </p:childTnLst>
+                    </p:cTn>
+                  </p:par>
+                  <p:par>
+                    <p:cTn id="11" fill="hold">
+                      <p:stCondLst>
+                        <p:cond delay="indefinite"/>
+                      </p:stCondLst>
+                      <p:childTnLst>
+                        <p:par>
+                          <p:cTn id="12" fill="hold">
+                            <p:stCondLst>
+                              <p:cond delay="0"/>
+                            </p:stCondLst>
+                            <p:childTnLst>
+                              <p:par>
+                                <p:cTn id="13" presetID="1" presetClass="entr" presetSubtype="0" fill="hold" grpId="0" nodeType="clickEffect">
+                                  <p:stCondLst>
+                                    <p:cond delay="0"/>
+                                  </p:stCondLst>
+                                  <p:childTnLst>
+                                    <p:set>
+                                      <p:cBhvr>
+                                        <p:cTn id="14" dur="1" fill="hold">
+                                          <p:stCondLst>
+                                            <p:cond delay="0"/>
+                                          </p:stCondLst>
+                                        </p:cTn>
+                                        <p:tgtEl>
+                                          <p:spTgt spid="3">
+                                            <p:txEl>
+                                              <p:pRg st="2" end="2"/>
+                                            </p:txEl>
+                                          </p:spTgt>
+                                        </p:tgtEl>
+                                        <p:attrNameLst>
+                                          <p:attrName>style.visibility</p:attrName>
+                                        </p:attrNameLst>
+                                      </p:cBhvr>
+                                      <p:to>
+                                        <p:strVal val="visible"/>
+                                      </p:to>
+                                    </p:set>
+                                  </p:childTnLst>
+                                </p:cTn>
+                              </p:par>
+                            </p:childTnLst>
+                          </p:cTn>
+                        </p:par>
+                      </p:childTnLst>
+                    </p:cTn>
+                  </p:par>
+                  <p:par>
+                    <p:cTn id="15" fill="hold">
+                      <p:stCondLst>
+                        <p:cond delay="indefinite"/>
+                      </p:stCondLst>
+                      <p:childTnLst>
+                        <p:par>
+                          <p:cTn id="16" fill="hold">
+                            <p:stCondLst>
+                              <p:cond delay="0"/>
+                            </p:stCondLst>
+                            <p:childTnLst>
+                              <p:par>
+                                <p:cTn id="17" presetID="1" presetClass="entr" presetSubtype="0" fill="hold" grpId="0" nodeType="clickEffect">
+                                  <p:stCondLst>
+                                    <p:cond delay="0"/>
+                                  </p:stCondLst>
+                                  <p:childTnLst>
+                                    <p:set>
+                                      <p:cBhvr>
+                                        <p:cTn id="18" dur="1" fill="hold">
+                                          <p:stCondLst>
+                                            <p:cond delay="0"/>
+                                          </p:stCondLst>
+                                        </p:cTn>
+                                        <p:tgtEl>
+                                          <p:spTgt spid="3">
+                                            <p:txEl>
+                                              <p:pRg st="3" end="3"/>
+                                            </p:txEl>
+                                          </p:spTgt>
+                                        </p:tgtEl>
+                                        <p:attrNameLst>
+                                          <p:attrName>style.visibility</p:attrName>
+                                        </p:attrNameLst>
+                                      </p:cBhvr>
+                                      <p:to>
+                                        <p:strVal val="visible"/>
+                                      </p:to>
+                                    </p:set>
+                                  </p:childTnLst>
+                                </p:cTn>
+                              </p:par>
+                            </p:childTnLst>
+                          </p:cTn>
+                        </p:par>
+                      </p:childTnLst>
+                    </p:cTn>
+                  </p:par>
+                  <p:par>
+                    <p:cTn id="19" fill="hold">
+                      <p:stCondLst>
+                        <p:cond delay="indefinite"/>
+                      </p:stCondLst>
+                      <p:childTnLst>
+                        <p:par>
+                          <p:cTn id="20" fill="hold">
+                            <p:stCondLst>
+                              <p:cond delay="0"/>
+                            </p:stCondLst>
+                            <p:childTnLst>
+                              <p:par>
+                                <p:cTn id="21" presetID="1" presetClass="entr" presetSubtype="0" fill="hold" grpId="0" nodeType="clickEffect">
+                                  <p:stCondLst>
+                                    <p:cond delay="0"/>
+                                  </p:stCondLst>
+                                  <p:childTnLst>
+                                    <p:set>
+                                      <p:cBhvr>
+                                        <p:cTn id="22" dur="1" fill="hold">
+                                          <p:stCondLst>
+                                            <p:cond delay="0"/>
+                                          </p:stCondLst>
+                                        </p:cTn>
+                                        <p:tgtEl>
+                                          <p:spTgt spid="3">
+                                            <p:txEl>
+                                              <p:pRg st="4" end="4"/>
+                                            </p:txEl>
+                                          </p:spTgt>
+                                        </p:tgtEl>
+                                        <p:attrNameLst>
+                                          <p:attrName>style.visibility</p:attrName>
+                                        </p:attrNameLst>
+                                      </p:cBhvr>
+                                      <p:to>
+                                        <p:strVal val="visible"/>
+                                      </p:to>
+                                    </p:set>
+                                  </p:childTnLst>
+                                </p:cTn>
+                              </p:par>
+                            </p:childTnLst>
+                          </p:cTn>
+                        </p:par>
+                      </p:childTnLst>
+                    </p:cTn>
+                  </p:par>
+                  <p:par>
+                    <p:cTn id="23" fill="hold">
+                      <p:stCondLst>
+                        <p:cond delay="indefinite"/>
+                      </p:stCondLst>
+                      <p:childTnLst>
+                        <p:par>
+                          <p:cTn id="24" fill="hold">
+                            <p:stCondLst>
+                              <p:cond delay="0"/>
+                            </p:stCondLst>
+                            <p:childTnLst>
+                              <p:par>
+                                <p:cTn id="25" presetID="1" presetClass="entr" presetSubtype="0" fill="hold" grpId="0" nodeType="clickEffect">
+                                  <p:stCondLst>
+                                    <p:cond delay="0"/>
+                                  </p:stCondLst>
+                                  <p:childTnLst>
+                                    <p:set>
+                                      <p:cBhvr>
+                                        <p:cTn id="26" dur="1" fill="hold">
+                                          <p:stCondLst>
+                                            <p:cond delay="0"/>
+                                          </p:stCondLst>
+                                        </p:cTn>
+                                        <p:tgtEl>
+                                          <p:spTgt spid="3">
+                                            <p:txEl>
+                                              <p:pRg st="6" end="6"/>
+                                            </p:txEl>
+                                          </p:spTgt>
+                                        </p:tgtEl>
+                                        <p:attrNameLst>
+                                          <p:attrName>style.visibility</p:attrName>
+                                        </p:attrNameLst>
+                                      </p:cBhvr>
+                                      <p:to>
+                                        <p:strVal val="visible"/>
+                                      </p:to>
+                                    </p:set>
+                                  </p:childTnLst>
+                                </p:cTn>
+                              </p:par>
+                            </p:childTnLst>
+                          </p:cTn>
+                        </p:par>
+                      </p:childTnLst>
+                    </p:cTn>
+                  </p:par>
+                </p:childTnLst>
+              </p:cTn>
+              <p:prevCondLst>
+                <p:cond evt="onPrev" delay="0">
+                  <p:tgtEl>
+                    <p:sldTgt/>
+                  </p:tgtEl>
+                </p:cond>
+              </p:prevCondLst>
+              <p:nextCondLst>
+                <p:cond evt="onNext" delay="0">
+                  <p:tgtEl>
+                    <p:sldTgt/>
+                  </p:tgtEl>
+                </p:cond>
+              </p:nextCondLst>
+            </p:seq>
+          </p:childTnLst>
+        </p:cTn>
+      </p:par>
+    </p:tnLst>
+    <p:bldLst>
+      <p:bldP spid="3" grpId="0" build="p"/>
+    </p:bldLst>
+  </p:timing>
+</p:sld>
+</file>
+
+<file path=ppt/slides/slide22.xml><?xml version="1.0" encoding="utf-8"?>
+<p:sld xmlns:a="http://schemas.openxmlformats.org/drawingml/2006/main" xmlns:r="http://schemas.openxmlformats.org/officeDocument/2006/relationships" xmlns:p="http://schemas.openxmlformats.org/presentationml/2006/main">
+  <p:cSld>
+    <p:spTree>
+      <p:nvGrpSpPr>
+        <p:cNvPr id="1" name=""/>
+        <p:cNvGrpSpPr/>
+        <p:nvPr/>
+      </p:nvGrpSpPr>
+      <p:grpSpPr>
+        <a:xfrm>
+          <a:off x="0" y="0"/>
+          <a:ext cx="0" cy="0"/>
+          <a:chOff x="0" y="0"/>
+          <a:chExt cx="0" cy="0"/>
+        </a:xfrm>
+      </p:grpSpPr>
+      <p:sp>
+        <p:nvSpPr>
+          <p:cNvPr id="2" name="Title 1">
+            <a:extLst>
+              <a:ext uri="{FF2B5EF4-FFF2-40B4-BE49-F238E27FC236}">
+                <a16:creationId xmlns:a16="http://schemas.microsoft.com/office/drawing/2014/main" id="{5235A339-EFE9-4829-89D1-E1172E682FE4}"/>
+              </a:ext>
+            </a:extLst>
+          </p:cNvPr>
+          <p:cNvSpPr>
+            <a:spLocks noGrp="1"/>
+          </p:cNvSpPr>
+          <p:nvPr>
+            <p:ph type="title"/>
+          </p:nvPr>
+        </p:nvSpPr>
+        <p:spPr/>
+        <p:txBody>
+          <a:bodyPr/>
+          <a:lstStyle/>
+          <a:p>
+            <a:r>
+              <a:rPr lang="en-US" sz="3200" dirty="0"/>
+              <a:t>Important to understand and distinguish the two responsibilities</a:t>
+            </a:r>
+          </a:p>
+        </p:txBody>
+      </p:sp>
+      <p:sp>
+        <p:nvSpPr>
+          <p:cNvPr id="4" name="Date Placeholder 3">
+            <a:extLst>
+              <a:ext uri="{FF2B5EF4-FFF2-40B4-BE49-F238E27FC236}">
+                <a16:creationId xmlns:a16="http://schemas.microsoft.com/office/drawing/2014/main" id="{C0FA31A0-A595-4EC2-931A-643CD3539471}"/>
+              </a:ext>
+            </a:extLst>
+          </p:cNvPr>
+          <p:cNvSpPr>
+            <a:spLocks noGrp="1"/>
+          </p:cNvSpPr>
+          <p:nvPr>
+            <p:ph type="dt" sz="half" idx="10"/>
+          </p:nvPr>
+        </p:nvSpPr>
+        <p:spPr/>
+        <p:txBody>
+          <a:bodyPr/>
+          <a:lstStyle/>
+          <a:p>
+            <a:pPr>
+              <a:defRPr/>
+            </a:pPr>
+            <a:r>
+              <a:rPr lang="en-US"/>
+              <a:t>21/12/2020</a:t>
+            </a:r>
+          </a:p>
+        </p:txBody>
+      </p:sp>
+      <p:sp>
+        <p:nvSpPr>
+          <p:cNvPr id="5" name="Slide Number Placeholder 4">
+            <a:extLst>
+              <a:ext uri="{FF2B5EF4-FFF2-40B4-BE49-F238E27FC236}">
+                <a16:creationId xmlns:a16="http://schemas.microsoft.com/office/drawing/2014/main" id="{9DB7BE3A-77C5-41E2-AEBA-655058D2BA3D}"/>
+              </a:ext>
+            </a:extLst>
+          </p:cNvPr>
+          <p:cNvSpPr>
+            <a:spLocks noGrp="1"/>
+          </p:cNvSpPr>
+          <p:nvPr>
+            <p:ph type="sldNum" sz="quarter" idx="12"/>
+          </p:nvPr>
+        </p:nvSpPr>
+        <p:spPr/>
+        <p:txBody>
+          <a:bodyPr/>
+          <a:lstStyle/>
+          <a:p>
+            <a:pPr>
+              <a:defRPr/>
+            </a:pPr>
+            <a:fld id="{CA887A73-1AE0-46F8-856A-18EA1CF30A1B}" type="slidenum">
+              <a:rPr lang="en-US" altLang="en-US" smtClean="0"/>
+              <a:pPr>
+                <a:defRPr/>
+              </a:pPr>
+              <a:t>22</a:t>
+            </a:fld>
+            <a:endParaRPr lang="en-US" altLang="en-US"/>
+          </a:p>
+        </p:txBody>
+      </p:sp>
+      <p:pic>
+        <p:nvPicPr>
+          <p:cNvPr id="3074" name="Picture 2" descr="Functional vs Nonfunctional Requirements: what is the difference [with  Examples] | DDI Development">
+            <a:extLst>
+              <a:ext uri="{FF2B5EF4-FFF2-40B4-BE49-F238E27FC236}">
+                <a16:creationId xmlns:a16="http://schemas.microsoft.com/office/drawing/2014/main" id="{65AF73D9-985D-4484-BB08-93C8A2A245F0}"/>
+              </a:ext>
+            </a:extLst>
+          </p:cNvPr>
+          <p:cNvPicPr>
+            <a:picLocks noGrp="1" noChangeAspect="1" noChangeArrowheads="1"/>
+          </p:cNvPicPr>
+          <p:nvPr>
+            <p:ph idx="1"/>
+          </p:nvPr>
+        </p:nvPicPr>
+        <p:blipFill rotWithShape="1">
+          <a:blip r:embed="rId2">
+            <a:extLst>
+              <a:ext uri="{28A0092B-C50C-407E-A947-70E740481C1C}">
+                <a14:useLocalDpi xmlns:a14="http://schemas.microsoft.com/office/drawing/2010/main" val="0"/>
+              </a:ext>
+            </a:extLst>
+          </a:blip>
+          <a:srcRect t="15225" b="5762"/>
+          <a:stretch/>
+        </p:blipFill>
+        <p:spPr bwMode="auto">
+          <a:xfrm>
+            <a:off x="1143000" y="1371600"/>
+            <a:ext cx="6858000" cy="5095054"/>
+          </a:xfrm>
+          <a:prstGeom prst="rect">
+            <a:avLst/>
+          </a:prstGeom>
+          <a:noFill/>
+          <a:extLst>
+            <a:ext uri="{909E8E84-426E-40DD-AFC4-6F175D3DCCD1}">
+              <a14:hiddenFill xmlns:a14="http://schemas.microsoft.com/office/drawing/2010/main">
+                <a:solidFill>
+                  <a:srgbClr val="FFFFFF"/>
+                </a:solidFill>
+              </a14:hiddenFill>
+            </a:ext>
+          </a:extLst>
+        </p:spPr>
+      </p:pic>
+    </p:spTree>
+    <p:extLst>
+      <p:ext uri="{BB962C8B-B14F-4D97-AF65-F5344CB8AC3E}">
+        <p14:creationId xmlns:p14="http://schemas.microsoft.com/office/powerpoint/2010/main" val="3889755492"/>
       </p:ext>
     </p:extLst>
   </p:cSld>
@@ -7870,7 +15236,7 @@
     <p:controls>
       <mc:AlternateContent xmlns:mc="http://schemas.openxmlformats.org/markup-compatibility/2006">
         <mc:Choice xmlns:v="urn:schemas-microsoft-com:vml" Requires="v">
-          <p:control spid="1028" name="TextBox1" r:id="rId2" imgW="3002400" imgH="3337560"/>
+          <p:control spid="1032" name="TextBox1" r:id="rId2" imgW="3002400" imgH="3337560"/>
         </mc:Choice>
         <mc:Fallback>
           <p:control name="TextBox1" r:id="rId2" imgW="3002400" imgH="3337560">
@@ -7909,7 +15275,7 @@
       </mc:AlternateContent>
       <mc:AlternateContent xmlns:mc="http://schemas.openxmlformats.org/markup-compatibility/2006">
         <mc:Choice xmlns:v="urn:schemas-microsoft-com:vml" Requires="v">
-          <p:control spid="1029" name="TextBox2" r:id="rId3" imgW="3002400" imgH="3337560"/>
+          <p:control spid="1033" name="TextBox2" r:id="rId3" imgW="3002400" imgH="3337560"/>
         </mc:Choice>
         <mc:Fallback>
           <p:control name="TextBox2" r:id="rId3" imgW="3002400" imgH="3337560">
@@ -8955,28 +16321,25 @@
               <a:buChar char="-"/>
             </a:pPr>
             <a:r>
+              <a:rPr lang="en-US" sz="2000" dirty="0"/>
+              <a:t>…fill out </a:t>
+            </a:r>
+            <a:r>
               <a:rPr lang="en-US" sz="2000" dirty="0">
-                <a:solidFill>
-                  <a:schemeClr val="tx1">
-                    <a:lumMod val="50000"/>
-                    <a:lumOff val="50000"/>
-                  </a:schemeClr>
-                </a:solidFill>
+                <a:hlinkClick r:id="rId2">
+                  <a:extLst>
+                    <a:ext uri="{A12FA001-AC4F-418D-AE19-62706E023703}">
+                      <ahyp:hlinkClr xmlns:ahyp="http://schemas.microsoft.com/office/drawing/2018/hyperlinkcolor" val="tx"/>
+                    </a:ext>
+                  </a:extLst>
+                </a:hlinkClick>
               </a:rPr>
-              <a:t>…</a:t>
+              <a:t>lab schedule poll</a:t>
             </a:r>
             <a:r>
               <a:rPr lang="en-US" sz="2000" dirty="0"/>
-              <a:t>fill out lab schedule poll (mark as many times as possible)</a:t>
-            </a:r>
-            <a:endParaRPr lang="en-US" sz="2000" dirty="0">
-              <a:solidFill>
-                <a:schemeClr val="tx1">
-                  <a:lumMod val="50000"/>
-                  <a:lumOff val="50000"/>
-                </a:schemeClr>
-              </a:solidFill>
-            </a:endParaRPr>
+              <a:t> (mark as many times as possible)</a:t>
+            </a:r>
           </a:p>
         </p:txBody>
       </p:sp>
@@ -9048,10 +16411,10 @@
       </p:sp>
       <p:pic>
         <p:nvPicPr>
-          <p:cNvPr id="9" name="Picture 8">
+          <p:cNvPr id="7" name="Picture 6">
             <a:extLst>
               <a:ext uri="{FF2B5EF4-FFF2-40B4-BE49-F238E27FC236}">
-                <a16:creationId xmlns:a16="http://schemas.microsoft.com/office/drawing/2014/main" id="{E5D321A5-3ABD-4634-A36D-AC57027BB995}"/>
+                <a16:creationId xmlns:a16="http://schemas.microsoft.com/office/drawing/2014/main" id="{8A27350D-4494-47B0-ACDA-E871C09311DD}"/>
               </a:ext>
             </a:extLst>
           </p:cNvPr>
@@ -9061,7 +16424,7 @@
           <p:nvPr/>
         </p:nvPicPr>
         <p:blipFill>
-          <a:blip r:embed="rId2">
+          <a:blip r:embed="rId3">
             <a:extLst>
               <a:ext uri="{28A0092B-C50C-407E-A947-70E740481C1C}">
                 <a14:useLocalDpi xmlns:a14="http://schemas.microsoft.com/office/drawing/2010/main" val="0"/>
@@ -9074,8 +16437,8 @@
         </p:blipFill>
         <p:spPr>
           <a:xfrm>
-            <a:off x="5781675" y="3092702"/>
-            <a:ext cx="3362325" cy="3362325"/>
+            <a:off x="2928937" y="3142341"/>
+            <a:ext cx="3286125" cy="3286125"/>
           </a:xfrm>
           <a:prstGeom prst="rect">
             <a:avLst/>
@@ -9345,6 +16708,1001 @@
                       </p:childTnLst>
                     </p:cTn>
                   </p:par>
+                </p:childTnLst>
+              </p:cTn>
+              <p:prevCondLst>
+                <p:cond evt="onPrev" delay="0">
+                  <p:tgtEl>
+                    <p:sldTgt/>
+                  </p:tgtEl>
+                </p:cond>
+              </p:prevCondLst>
+              <p:nextCondLst>
+                <p:cond evt="onNext" delay="0">
+                  <p:tgtEl>
+                    <p:sldTgt/>
+                  </p:tgtEl>
+                </p:cond>
+              </p:nextCondLst>
+            </p:seq>
+          </p:childTnLst>
+        </p:cTn>
+      </p:par>
+    </p:tnLst>
+    <p:bldLst>
+      <p:bldP spid="3" grpId="0" build="p"/>
+    </p:bldLst>
+  </p:timing>
+</p:sld>
+</file>
+
+<file path=ppt/slides/slide8.xml><?xml version="1.0" encoding="utf-8"?>
+<p:sld xmlns:a="http://schemas.openxmlformats.org/drawingml/2006/main" xmlns:r="http://schemas.openxmlformats.org/officeDocument/2006/relationships" xmlns:p="http://schemas.openxmlformats.org/presentationml/2006/main">
+  <p:cSld>
+    <p:spTree>
+      <p:nvGrpSpPr>
+        <p:cNvPr id="1" name=""/>
+        <p:cNvGrpSpPr/>
+        <p:nvPr/>
+      </p:nvGrpSpPr>
+      <p:grpSpPr>
+        <a:xfrm>
+          <a:off x="0" y="0"/>
+          <a:ext cx="0" cy="0"/>
+          <a:chOff x="0" y="0"/>
+          <a:chExt cx="0" cy="0"/>
+        </a:xfrm>
+      </p:grpSpPr>
+      <p:sp>
+        <p:nvSpPr>
+          <p:cNvPr id="2" name="Title 1">
+            <a:extLst>
+              <a:ext uri="{FF2B5EF4-FFF2-40B4-BE49-F238E27FC236}">
+                <a16:creationId xmlns:a16="http://schemas.microsoft.com/office/drawing/2014/main" id="{8D8B88B3-3B06-4E95-AF9C-02FCB1272937}"/>
+              </a:ext>
+            </a:extLst>
+          </p:cNvPr>
+          <p:cNvSpPr>
+            <a:spLocks noGrp="1"/>
+          </p:cNvSpPr>
+          <p:nvPr>
+            <p:ph type="title"/>
+          </p:nvPr>
+        </p:nvSpPr>
+        <p:spPr>
+          <a:xfrm>
+            <a:off x="685800" y="1752600"/>
+            <a:ext cx="7772400" cy="1362075"/>
+          </a:xfrm>
+        </p:spPr>
+        <p:txBody>
+          <a:bodyPr/>
+          <a:lstStyle/>
+          <a:p>
+            <a:r>
+              <a:rPr lang="en-US" dirty="0"/>
+              <a:t>The role of software in embedded systems</a:t>
+            </a:r>
+          </a:p>
+        </p:txBody>
+      </p:sp>
+      <p:sp>
+        <p:nvSpPr>
+          <p:cNvPr id="6" name="Text Placeholder 5">
+            <a:extLst>
+              <a:ext uri="{FF2B5EF4-FFF2-40B4-BE49-F238E27FC236}">
+                <a16:creationId xmlns:a16="http://schemas.microsoft.com/office/drawing/2014/main" id="{2DE09265-F63B-4728-9FDF-3DA93EF6C96D}"/>
+              </a:ext>
+            </a:extLst>
+          </p:cNvPr>
+          <p:cNvSpPr>
+            <a:spLocks noGrp="1"/>
+          </p:cNvSpPr>
+          <p:nvPr>
+            <p:ph type="body" idx="4294967295"/>
+          </p:nvPr>
+        </p:nvSpPr>
+        <p:spPr>
+          <a:xfrm>
+            <a:off x="685800" y="3429000"/>
+            <a:ext cx="7772400" cy="2590800"/>
+          </a:xfrm>
+        </p:spPr>
+        <p:txBody>
+          <a:bodyPr>
+            <a:normAutofit fontScale="70000" lnSpcReduction="20000"/>
+          </a:bodyPr>
+          <a:lstStyle/>
+          <a:p>
+            <a:r>
+              <a:rPr lang="en-US" dirty="0"/>
+              <a:t>Responsibilities of embedded software</a:t>
+            </a:r>
+          </a:p>
+          <a:p>
+            <a:r>
+              <a:rPr lang="en-US" dirty="0"/>
+              <a:t>Software is central to embedded systems</a:t>
+            </a:r>
+          </a:p>
+          <a:p>
+            <a:r>
+              <a:rPr lang="en-US" dirty="0"/>
+              <a:t>Embedded vs general purpose software</a:t>
+            </a:r>
+          </a:p>
+          <a:p>
+            <a:r>
+              <a:rPr lang="en-US" dirty="0"/>
+              <a:t>Software-hardware interaction</a:t>
+            </a:r>
+          </a:p>
+          <a:p>
+            <a:r>
+              <a:rPr lang="en-US" dirty="0"/>
+              <a:t>Event-driven nature of embedded systems</a:t>
+            </a:r>
+          </a:p>
+          <a:p>
+            <a:r>
+              <a:rPr lang="en-US" dirty="0"/>
+              <a:t>Embedded software safety</a:t>
+            </a:r>
+          </a:p>
+          <a:p>
+            <a:r>
+              <a:rPr lang="en-US" dirty="0"/>
+              <a:t>The need for discipline in developing embedded software</a:t>
+            </a:r>
+          </a:p>
+        </p:txBody>
+      </p:sp>
+    </p:spTree>
+    <p:extLst>
+      <p:ext uri="{BB962C8B-B14F-4D97-AF65-F5344CB8AC3E}">
+        <p14:creationId xmlns:p14="http://schemas.microsoft.com/office/powerpoint/2010/main" val="98521971"/>
+      </p:ext>
+    </p:extLst>
+  </p:cSld>
+  <p:clrMapOvr>
+    <a:masterClrMapping/>
+  </p:clrMapOvr>
+</p:sld>
+</file>
+
+<file path=ppt/slides/slide9.xml><?xml version="1.0" encoding="utf-8"?>
+<p:sld xmlns:a="http://schemas.openxmlformats.org/drawingml/2006/main" xmlns:r="http://schemas.openxmlformats.org/officeDocument/2006/relationships" xmlns:p="http://schemas.openxmlformats.org/presentationml/2006/main">
+  <p:cSld>
+    <p:spTree>
+      <p:nvGrpSpPr>
+        <p:cNvPr id="1" name=""/>
+        <p:cNvGrpSpPr/>
+        <p:nvPr/>
+      </p:nvGrpSpPr>
+      <p:grpSpPr>
+        <a:xfrm>
+          <a:off x="0" y="0"/>
+          <a:ext cx="0" cy="0"/>
+          <a:chOff x="0" y="0"/>
+          <a:chExt cx="0" cy="0"/>
+        </a:xfrm>
+      </p:grpSpPr>
+      <p:sp>
+        <p:nvSpPr>
+          <p:cNvPr id="2" name="Title 1">
+            <a:extLst>
+              <a:ext uri="{FF2B5EF4-FFF2-40B4-BE49-F238E27FC236}">
+                <a16:creationId xmlns:a16="http://schemas.microsoft.com/office/drawing/2014/main" id="{F247DA98-1682-4917-8123-DE3DE1986779}"/>
+              </a:ext>
+            </a:extLst>
+          </p:cNvPr>
+          <p:cNvSpPr>
+            <a:spLocks noGrp="1"/>
+          </p:cNvSpPr>
+          <p:nvPr>
+            <p:ph type="title"/>
+          </p:nvPr>
+        </p:nvSpPr>
+        <p:spPr/>
+        <p:txBody>
+          <a:bodyPr/>
+          <a:lstStyle/>
+          <a:p>
+            <a:r>
+              <a:rPr lang="en-US" sz="3200" dirty="0"/>
+              <a:t>Embedded system responsibilities</a:t>
+            </a:r>
+          </a:p>
+        </p:txBody>
+      </p:sp>
+      <p:sp>
+        <p:nvSpPr>
+          <p:cNvPr id="3" name="Content Placeholder 2">
+            <a:extLst>
+              <a:ext uri="{FF2B5EF4-FFF2-40B4-BE49-F238E27FC236}">
+                <a16:creationId xmlns:a16="http://schemas.microsoft.com/office/drawing/2014/main" id="{15EB824C-798A-4260-AB79-B52FD0DDB0A3}"/>
+              </a:ext>
+            </a:extLst>
+          </p:cNvPr>
+          <p:cNvSpPr>
+            <a:spLocks noGrp="1"/>
+          </p:cNvSpPr>
+          <p:nvPr>
+            <p:ph idx="1"/>
+          </p:nvPr>
+        </p:nvSpPr>
+        <p:spPr>
+          <a:xfrm>
+            <a:off x="152400" y="4632327"/>
+            <a:ext cx="4191000" cy="687389"/>
+          </a:xfrm>
+        </p:spPr>
+        <p:txBody>
+          <a:bodyPr/>
+          <a:lstStyle/>
+          <a:p>
+            <a:pPr marL="0" indent="0">
+              <a:buNone/>
+            </a:pPr>
+            <a:r>
+              <a:rPr lang="en-US" dirty="0"/>
+              <a:t>Embedded system design directly affects</a:t>
+            </a:r>
+          </a:p>
+        </p:txBody>
+      </p:sp>
+      <p:sp>
+        <p:nvSpPr>
+          <p:cNvPr id="4" name="Date Placeholder 3">
+            <a:extLst>
+              <a:ext uri="{FF2B5EF4-FFF2-40B4-BE49-F238E27FC236}">
+                <a16:creationId xmlns:a16="http://schemas.microsoft.com/office/drawing/2014/main" id="{98E91D78-4A5E-423A-96DB-D2C13BD5333E}"/>
+              </a:ext>
+            </a:extLst>
+          </p:cNvPr>
+          <p:cNvSpPr>
+            <a:spLocks noGrp="1"/>
+          </p:cNvSpPr>
+          <p:nvPr>
+            <p:ph type="dt" sz="half" idx="10"/>
+          </p:nvPr>
+        </p:nvSpPr>
+        <p:spPr/>
+        <p:txBody>
+          <a:bodyPr/>
+          <a:lstStyle/>
+          <a:p>
+            <a:pPr>
+              <a:defRPr/>
+            </a:pPr>
+            <a:r>
+              <a:rPr lang="en-US"/>
+              <a:t>21/12/2020</a:t>
+            </a:r>
+          </a:p>
+        </p:txBody>
+      </p:sp>
+      <p:sp>
+        <p:nvSpPr>
+          <p:cNvPr id="5" name="Slide Number Placeholder 4">
+            <a:extLst>
+              <a:ext uri="{FF2B5EF4-FFF2-40B4-BE49-F238E27FC236}">
+                <a16:creationId xmlns:a16="http://schemas.microsoft.com/office/drawing/2014/main" id="{43BC9731-90FB-4B25-B57F-CE23BB149018}"/>
+              </a:ext>
+            </a:extLst>
+          </p:cNvPr>
+          <p:cNvSpPr>
+            <a:spLocks noGrp="1"/>
+          </p:cNvSpPr>
+          <p:nvPr>
+            <p:ph type="sldNum" sz="quarter" idx="12"/>
+          </p:nvPr>
+        </p:nvSpPr>
+        <p:spPr/>
+        <p:txBody>
+          <a:bodyPr/>
+          <a:lstStyle/>
+          <a:p>
+            <a:pPr>
+              <a:defRPr/>
+            </a:pPr>
+            <a:fld id="{CA887A73-1AE0-46F8-856A-18EA1CF30A1B}" type="slidenum">
+              <a:rPr lang="en-US" altLang="en-US" smtClean="0"/>
+              <a:pPr>
+                <a:defRPr/>
+              </a:pPr>
+              <a:t>9</a:t>
+            </a:fld>
+            <a:endParaRPr lang="en-US" altLang="en-US"/>
+          </a:p>
+        </p:txBody>
+      </p:sp>
+      <p:sp>
+        <p:nvSpPr>
+          <p:cNvPr id="7" name="TextBox 6">
+            <a:extLst>
+              <a:ext uri="{FF2B5EF4-FFF2-40B4-BE49-F238E27FC236}">
+                <a16:creationId xmlns:a16="http://schemas.microsoft.com/office/drawing/2014/main" id="{61CD7EA2-2F2A-401F-8553-75A2D84D843C}"/>
+              </a:ext>
+            </a:extLst>
+          </p:cNvPr>
+          <p:cNvSpPr txBox="1"/>
+          <p:nvPr/>
+        </p:nvSpPr>
+        <p:spPr>
+          <a:xfrm>
+            <a:off x="152400" y="5769114"/>
+            <a:ext cx="3162634" cy="707886"/>
+          </a:xfrm>
+          <a:prstGeom prst="rect">
+            <a:avLst/>
+          </a:prstGeom>
+          <a:noFill/>
+        </p:spPr>
+        <p:txBody>
+          <a:bodyPr wrap="square">
+            <a:spAutoFit/>
+          </a:bodyPr>
+          <a:lstStyle/>
+          <a:p>
+            <a:pPr marL="285750" indent="-285750">
+              <a:buFont typeface="Arial" panose="020B0604020202020204" pitchFamily="34" charset="0"/>
+              <a:buChar char="•"/>
+            </a:pPr>
+            <a:r>
+              <a:rPr lang="en-US" sz="2000" dirty="0">
+                <a:solidFill>
+                  <a:schemeClr val="tx1">
+                    <a:lumMod val="50000"/>
+                    <a:lumOff val="50000"/>
+                  </a:schemeClr>
+                </a:solidFill>
+              </a:rPr>
+              <a:t>Safety</a:t>
+            </a:r>
+          </a:p>
+          <a:p>
+            <a:pPr marL="285750" indent="-285750">
+              <a:buFont typeface="Arial" panose="020B0604020202020204" pitchFamily="34" charset="0"/>
+              <a:buChar char="•"/>
+            </a:pPr>
+            <a:r>
+              <a:rPr lang="en-US" sz="2000" dirty="0">
+                <a:solidFill>
+                  <a:schemeClr val="tx1">
+                    <a:lumMod val="50000"/>
+                    <a:lumOff val="50000"/>
+                  </a:schemeClr>
+                </a:solidFill>
+              </a:rPr>
+              <a:t>Reliability</a:t>
+            </a:r>
+          </a:p>
+        </p:txBody>
+      </p:sp>
+      <p:sp>
+        <p:nvSpPr>
+          <p:cNvPr id="9" name="TextBox 8">
+            <a:extLst>
+              <a:ext uri="{FF2B5EF4-FFF2-40B4-BE49-F238E27FC236}">
+                <a16:creationId xmlns:a16="http://schemas.microsoft.com/office/drawing/2014/main" id="{E483868F-0849-4B06-AE96-C6F38F707BAE}"/>
+              </a:ext>
+            </a:extLst>
+          </p:cNvPr>
+          <p:cNvSpPr txBox="1"/>
+          <p:nvPr/>
+        </p:nvSpPr>
+        <p:spPr>
+          <a:xfrm>
+            <a:off x="2095166" y="5769114"/>
+            <a:ext cx="3162634" cy="707886"/>
+          </a:xfrm>
+          <a:prstGeom prst="rect">
+            <a:avLst/>
+          </a:prstGeom>
+          <a:noFill/>
+        </p:spPr>
+        <p:txBody>
+          <a:bodyPr wrap="square">
+            <a:spAutoFit/>
+          </a:bodyPr>
+          <a:lstStyle/>
+          <a:p>
+            <a:pPr marL="285750" indent="-285750">
+              <a:buFont typeface="Arial" panose="020B0604020202020204" pitchFamily="34" charset="0"/>
+              <a:buChar char="•"/>
+            </a:pPr>
+            <a:r>
+              <a:rPr lang="en-US" sz="2000" dirty="0">
+                <a:solidFill>
+                  <a:schemeClr val="tx1">
+                    <a:lumMod val="50000"/>
+                    <a:lumOff val="50000"/>
+                  </a:schemeClr>
+                </a:solidFill>
+              </a:rPr>
+              <a:t>Power</a:t>
+            </a:r>
+          </a:p>
+          <a:p>
+            <a:pPr marL="285750" indent="-285750">
+              <a:buFont typeface="Arial" panose="020B0604020202020204" pitchFamily="34" charset="0"/>
+              <a:buChar char="•"/>
+            </a:pPr>
+            <a:r>
+              <a:rPr lang="en-US" sz="2000" dirty="0">
+                <a:solidFill>
+                  <a:schemeClr val="tx1">
+                    <a:lumMod val="50000"/>
+                    <a:lumOff val="50000"/>
+                  </a:schemeClr>
+                </a:solidFill>
+              </a:rPr>
+              <a:t>Timing</a:t>
+            </a:r>
+          </a:p>
+        </p:txBody>
+      </p:sp>
+      <p:sp>
+        <p:nvSpPr>
+          <p:cNvPr id="10" name="Content Placeholder 2">
+            <a:extLst>
+              <a:ext uri="{FF2B5EF4-FFF2-40B4-BE49-F238E27FC236}">
+                <a16:creationId xmlns:a16="http://schemas.microsoft.com/office/drawing/2014/main" id="{40B85E6C-5460-49DB-8822-5B55F9AD883A}"/>
+              </a:ext>
+            </a:extLst>
+          </p:cNvPr>
+          <p:cNvSpPr txBox="1">
+            <a:spLocks/>
+          </p:cNvSpPr>
+          <p:nvPr/>
+        </p:nvSpPr>
+        <p:spPr bwMode="auto">
+          <a:xfrm>
+            <a:off x="152400" y="1377949"/>
+            <a:ext cx="8839200" cy="3032122"/>
+          </a:xfrm>
+          <a:prstGeom prst="rect">
+            <a:avLst/>
+          </a:prstGeom>
+          <a:noFill/>
+          <a:ln>
+            <a:noFill/>
+          </a:ln>
+          <a:extLst>
+            <a:ext uri="{909E8E84-426E-40DD-AFC4-6F175D3DCCD1}">
+              <a14:hiddenFill xmlns:a14="http://schemas.microsoft.com/office/drawing/2010/main">
+                <a:solidFill>
+                  <a:srgbClr val="FFFFFF"/>
+                </a:solidFill>
+              </a14:hiddenFill>
+            </a:ext>
+            <a:ext uri="{91240B29-F687-4F45-9708-019B960494DF}">
+              <a14:hiddenLine xmlns:a14="http://schemas.microsoft.com/office/drawing/2010/main" w="9525">
+                <a:solidFill>
+                  <a:srgbClr val="000000"/>
+                </a:solidFill>
+                <a:miter lim="800000"/>
+                <a:headEnd/>
+                <a:tailEnd/>
+              </a14:hiddenLine>
+            </a:ext>
+          </a:extLst>
+        </p:spPr>
+        <p:txBody>
+          <a:bodyPr vert="horz" wrap="square" lIns="91440" tIns="45720" rIns="91440" bIns="45720" numCol="1" anchor="t" anchorCtr="0" compatLnSpc="1">
+            <a:prstTxWarp prst="textNoShape">
+              <a:avLst/>
+            </a:prstTxWarp>
+          </a:bodyPr>
+          <a:lstStyle>
+            <a:lvl1pPr marL="342900" indent="-342900" algn="l" rtl="0" eaLnBrk="0" fontAlgn="base" hangingPunct="0">
+              <a:spcBef>
+                <a:spcPct val="20000"/>
+              </a:spcBef>
+              <a:spcAft>
+                <a:spcPct val="0"/>
+              </a:spcAft>
+              <a:buFont typeface="Arial" panose="020B0604020202020204" pitchFamily="34" charset="0"/>
+              <a:buChar char="•"/>
+              <a:defRPr sz="3200" kern="1200">
+                <a:solidFill>
+                  <a:schemeClr val="tx1">
+                    <a:lumMod val="50000"/>
+                    <a:lumOff val="50000"/>
+                  </a:schemeClr>
+                </a:solidFill>
+                <a:latin typeface="+mn-lt"/>
+                <a:ea typeface="+mn-ea"/>
+                <a:cs typeface="+mn-cs"/>
+              </a:defRPr>
+            </a:lvl1pPr>
+            <a:lvl2pPr marL="742950" indent="-285750" algn="l" rtl="0" eaLnBrk="0" fontAlgn="base" hangingPunct="0">
+              <a:spcBef>
+                <a:spcPct val="20000"/>
+              </a:spcBef>
+              <a:spcAft>
+                <a:spcPct val="0"/>
+              </a:spcAft>
+              <a:buFont typeface="Arial" panose="020B0604020202020204" pitchFamily="34" charset="0"/>
+              <a:buChar char="–"/>
+              <a:defRPr sz="2800" kern="1200">
+                <a:solidFill>
+                  <a:schemeClr val="tx1">
+                    <a:lumMod val="50000"/>
+                    <a:lumOff val="50000"/>
+                  </a:schemeClr>
+                </a:solidFill>
+                <a:latin typeface="+mn-lt"/>
+                <a:ea typeface="+mn-ea"/>
+                <a:cs typeface="+mn-cs"/>
+              </a:defRPr>
+            </a:lvl2pPr>
+            <a:lvl3pPr marL="1143000" indent="-228600" algn="l" rtl="0" eaLnBrk="0" fontAlgn="base" hangingPunct="0">
+              <a:spcBef>
+                <a:spcPct val="20000"/>
+              </a:spcBef>
+              <a:spcAft>
+                <a:spcPct val="0"/>
+              </a:spcAft>
+              <a:buFont typeface="Arial" panose="020B0604020202020204" pitchFamily="34" charset="0"/>
+              <a:buChar char="•"/>
+              <a:defRPr sz="2400" kern="1200">
+                <a:solidFill>
+                  <a:schemeClr val="tx1">
+                    <a:lumMod val="50000"/>
+                    <a:lumOff val="50000"/>
+                  </a:schemeClr>
+                </a:solidFill>
+                <a:latin typeface="+mn-lt"/>
+                <a:ea typeface="+mn-ea"/>
+                <a:cs typeface="+mn-cs"/>
+              </a:defRPr>
+            </a:lvl3pPr>
+            <a:lvl4pPr marL="1600200" indent="-228600" algn="l" rtl="0" eaLnBrk="0" fontAlgn="base" hangingPunct="0">
+              <a:spcBef>
+                <a:spcPct val="20000"/>
+              </a:spcBef>
+              <a:spcAft>
+                <a:spcPct val="0"/>
+              </a:spcAft>
+              <a:buFont typeface="Arial" panose="020B0604020202020204" pitchFamily="34" charset="0"/>
+              <a:buChar char="–"/>
+              <a:defRPr sz="2000" kern="1200">
+                <a:solidFill>
+                  <a:schemeClr val="tx1">
+                    <a:lumMod val="50000"/>
+                    <a:lumOff val="50000"/>
+                  </a:schemeClr>
+                </a:solidFill>
+                <a:latin typeface="+mn-lt"/>
+                <a:ea typeface="+mn-ea"/>
+                <a:cs typeface="+mn-cs"/>
+              </a:defRPr>
+            </a:lvl4pPr>
+            <a:lvl5pPr marL="2057400" indent="-228600" algn="l" rtl="0" eaLnBrk="0" fontAlgn="base" hangingPunct="0">
+              <a:spcBef>
+                <a:spcPct val="20000"/>
+              </a:spcBef>
+              <a:spcAft>
+                <a:spcPct val="0"/>
+              </a:spcAft>
+              <a:buFont typeface="Arial" panose="020B0604020202020204" pitchFamily="34" charset="0"/>
+              <a:buChar char="»"/>
+              <a:defRPr sz="2000" kern="1200">
+                <a:solidFill>
+                  <a:schemeClr val="tx1">
+                    <a:lumMod val="50000"/>
+                    <a:lumOff val="50000"/>
+                  </a:schemeClr>
+                </a:solidFill>
+                <a:latin typeface="+mn-lt"/>
+                <a:ea typeface="+mn-ea"/>
+                <a:cs typeface="+mn-cs"/>
+              </a:defRPr>
+            </a:lvl5pPr>
+            <a:lvl6pPr marL="2514600" indent="-228600" algn="l" defTabSz="914400" rtl="0" eaLnBrk="1" latinLnBrk="0" hangingPunct="1">
+              <a:spcBef>
+                <a:spcPct val="20000"/>
+              </a:spcBef>
+              <a:buFont typeface="Arial" pitchFamily="34" charset="0"/>
+              <a:buChar char="•"/>
+              <a:defRPr sz="2000" kern="1200">
+                <a:solidFill>
+                  <a:schemeClr val="tx1"/>
+                </a:solidFill>
+                <a:latin typeface="+mn-lt"/>
+                <a:ea typeface="+mn-ea"/>
+                <a:cs typeface="+mn-cs"/>
+              </a:defRPr>
+            </a:lvl6pPr>
+            <a:lvl7pPr marL="2971800" indent="-228600" algn="l" defTabSz="914400" rtl="0" eaLnBrk="1" latinLnBrk="0" hangingPunct="1">
+              <a:spcBef>
+                <a:spcPct val="20000"/>
+              </a:spcBef>
+              <a:buFont typeface="Arial" pitchFamily="34" charset="0"/>
+              <a:buChar char="•"/>
+              <a:defRPr sz="2000" kern="1200">
+                <a:solidFill>
+                  <a:schemeClr val="tx1"/>
+                </a:solidFill>
+                <a:latin typeface="+mn-lt"/>
+                <a:ea typeface="+mn-ea"/>
+                <a:cs typeface="+mn-cs"/>
+              </a:defRPr>
+            </a:lvl7pPr>
+            <a:lvl8pPr marL="3429000" indent="-228600" algn="l" defTabSz="914400" rtl="0" eaLnBrk="1" latinLnBrk="0" hangingPunct="1">
+              <a:spcBef>
+                <a:spcPct val="20000"/>
+              </a:spcBef>
+              <a:buFont typeface="Arial" pitchFamily="34" charset="0"/>
+              <a:buChar char="•"/>
+              <a:defRPr sz="2000" kern="1200">
+                <a:solidFill>
+                  <a:schemeClr val="tx1"/>
+                </a:solidFill>
+                <a:latin typeface="+mn-lt"/>
+                <a:ea typeface="+mn-ea"/>
+                <a:cs typeface="+mn-cs"/>
+              </a:defRPr>
+            </a:lvl8pPr>
+            <a:lvl9pPr marL="3886200" indent="-228600" algn="l" defTabSz="914400" rtl="0" eaLnBrk="1" latinLnBrk="0" hangingPunct="1">
+              <a:spcBef>
+                <a:spcPct val="20000"/>
+              </a:spcBef>
+              <a:buFont typeface="Arial" pitchFamily="34" charset="0"/>
+              <a:buChar char="•"/>
+              <a:defRPr sz="2000" kern="1200">
+                <a:solidFill>
+                  <a:schemeClr val="tx1"/>
+                </a:solidFill>
+                <a:latin typeface="+mn-lt"/>
+                <a:ea typeface="+mn-ea"/>
+                <a:cs typeface="+mn-cs"/>
+              </a:defRPr>
+            </a:lvl9pPr>
+          </a:lstStyle>
+          <a:p>
+            <a:pPr marL="0" indent="0">
+              <a:buNone/>
+            </a:pPr>
+            <a:r>
+              <a:rPr lang="en-US" dirty="0"/>
+              <a:t>Responsibilities:</a:t>
+            </a:r>
+          </a:p>
+          <a:p>
+            <a:r>
+              <a:rPr lang="en-US" dirty="0"/>
+              <a:t>Interpreting inputs from the physical world</a:t>
+            </a:r>
+          </a:p>
+          <a:p>
+            <a:r>
+              <a:rPr lang="en-US" dirty="0"/>
+              <a:t>Making control decisions</a:t>
+            </a:r>
+          </a:p>
+          <a:p>
+            <a:r>
+              <a:rPr lang="en-US" dirty="0"/>
+              <a:t>Driving actuators</a:t>
+            </a:r>
+          </a:p>
+          <a:p>
+            <a:r>
+              <a:rPr lang="en-US" dirty="0"/>
+              <a:t>Enforcing safety and constraints</a:t>
+            </a:r>
+          </a:p>
+        </p:txBody>
+      </p:sp>
+      <p:pic>
+        <p:nvPicPr>
+          <p:cNvPr id="2050" name="Picture 2" descr="Figure 2. Embedded system with sensors and actuators and input or output  human-machine devices : Model Based Design of Embedded Systems : Science  and Education Publishing">
+            <a:extLst>
+              <a:ext uri="{FF2B5EF4-FFF2-40B4-BE49-F238E27FC236}">
+                <a16:creationId xmlns:a16="http://schemas.microsoft.com/office/drawing/2014/main" id="{28367FA7-04C9-4AC1-84A4-63516A9F11F5}"/>
+              </a:ext>
+            </a:extLst>
+          </p:cNvPr>
+          <p:cNvPicPr>
+            <a:picLocks noChangeAspect="1" noChangeArrowheads="1"/>
+          </p:cNvPicPr>
+          <p:nvPr/>
+        </p:nvPicPr>
+        <p:blipFill>
+          <a:blip r:embed="rId2">
+            <a:extLst>
+              <a:ext uri="{28A0092B-C50C-407E-A947-70E740481C1C}">
+                <a14:useLocalDpi xmlns:a14="http://schemas.microsoft.com/office/drawing/2010/main" val="0"/>
+              </a:ext>
+            </a:extLst>
+          </a:blip>
+          <a:srcRect/>
+          <a:stretch>
+            <a:fillRect/>
+          </a:stretch>
+        </p:blipFill>
+        <p:spPr bwMode="auto">
+          <a:xfrm>
+            <a:off x="4191000" y="4267200"/>
+            <a:ext cx="4800600" cy="2031023"/>
+          </a:xfrm>
+          <a:prstGeom prst="rect">
+            <a:avLst/>
+          </a:prstGeom>
+          <a:noFill/>
+          <a:extLst>
+            <a:ext uri="{909E8E84-426E-40DD-AFC4-6F175D3DCCD1}">
+              <a14:hiddenFill xmlns:a14="http://schemas.microsoft.com/office/drawing/2010/main">
+                <a:solidFill>
+                  <a:srgbClr val="FFFFFF"/>
+                </a:solidFill>
+              </a14:hiddenFill>
+            </a:ext>
+          </a:extLst>
+        </p:spPr>
+      </p:pic>
+    </p:spTree>
+    <p:extLst>
+      <p:ext uri="{BB962C8B-B14F-4D97-AF65-F5344CB8AC3E}">
+        <p14:creationId xmlns:p14="http://schemas.microsoft.com/office/powerpoint/2010/main" val="1163394722"/>
+      </p:ext>
+    </p:extLst>
+  </p:cSld>
+  <p:clrMapOvr>
+    <a:masterClrMapping/>
+  </p:clrMapOvr>
+  <p:timing>
+    <p:tnLst>
+      <p:par>
+        <p:cTn id="1" dur="indefinite" restart="never" nodeType="tmRoot">
+          <p:childTnLst>
+            <p:seq concurrent="1" nextAc="seek">
+              <p:cTn id="2" dur="indefinite" nodeType="mainSeq">
+                <p:childTnLst>
+                  <p:par>
+                    <p:cTn id="3" fill="hold">
+                      <p:stCondLst>
+                        <p:cond delay="indefinite"/>
+                      </p:stCondLst>
+                      <p:childTnLst>
+                        <p:par>
+                          <p:cTn id="4" fill="hold">
+                            <p:stCondLst>
+                              <p:cond delay="0"/>
+                            </p:stCondLst>
+                            <p:childTnLst>
+                              <p:par>
+                                <p:cTn id="5" presetID="1" presetClass="entr" presetSubtype="0" fill="hold" grpId="0" nodeType="clickEffect">
+                                  <p:stCondLst>
+                                    <p:cond delay="0"/>
+                                  </p:stCondLst>
+                                  <p:childTnLst>
+                                    <p:set>
+                                      <p:cBhvr>
+                                        <p:cTn id="6" dur="1" fill="hold">
+                                          <p:stCondLst>
+                                            <p:cond delay="0"/>
+                                          </p:stCondLst>
+                                        </p:cTn>
+                                        <p:tgtEl>
+                                          <p:spTgt spid="10">
+                                            <p:txEl>
+                                              <p:pRg st="0" end="0"/>
+                                            </p:txEl>
+                                          </p:spTgt>
+                                        </p:tgtEl>
+                                        <p:attrNameLst>
+                                          <p:attrName>style.visibility</p:attrName>
+                                        </p:attrNameLst>
+                                      </p:cBhvr>
+                                      <p:to>
+                                        <p:strVal val="visible"/>
+                                      </p:to>
+                                    </p:set>
+                                  </p:childTnLst>
+                                </p:cTn>
+                              </p:par>
+                            </p:childTnLst>
+                          </p:cTn>
+                        </p:par>
+                      </p:childTnLst>
+                    </p:cTn>
+                  </p:par>
+                  <p:par>
+                    <p:cTn id="7" fill="hold">
+                      <p:stCondLst>
+                        <p:cond delay="indefinite"/>
+                      </p:stCondLst>
+                      <p:childTnLst>
+                        <p:par>
+                          <p:cTn id="8" fill="hold">
+                            <p:stCondLst>
+                              <p:cond delay="0"/>
+                            </p:stCondLst>
+                            <p:childTnLst>
+                              <p:par>
+                                <p:cTn id="9" presetID="1" presetClass="entr" presetSubtype="0" fill="hold" nodeType="clickEffect">
+                                  <p:stCondLst>
+                                    <p:cond delay="0"/>
+                                  </p:stCondLst>
+                                  <p:childTnLst>
+                                    <p:set>
+                                      <p:cBhvr>
+                                        <p:cTn id="10" dur="1" fill="hold">
+                                          <p:stCondLst>
+                                            <p:cond delay="0"/>
+                                          </p:stCondLst>
+                                        </p:cTn>
+                                        <p:tgtEl>
+                                          <p:spTgt spid="2050"/>
+                                        </p:tgtEl>
+                                        <p:attrNameLst>
+                                          <p:attrName>style.visibility</p:attrName>
+                                        </p:attrNameLst>
+                                      </p:cBhvr>
+                                      <p:to>
+                                        <p:strVal val="visible"/>
+                                      </p:to>
+                                    </p:set>
+                                  </p:childTnLst>
+                                </p:cTn>
+                              </p:par>
+                            </p:childTnLst>
+                          </p:cTn>
+                        </p:par>
+                      </p:childTnLst>
+                    </p:cTn>
+                  </p:par>
+                  <p:par>
+                    <p:cTn id="11" fill="hold">
+                      <p:stCondLst>
+                        <p:cond delay="indefinite"/>
+                      </p:stCondLst>
+                      <p:childTnLst>
+                        <p:par>
+                          <p:cTn id="12" fill="hold">
+                            <p:stCondLst>
+                              <p:cond delay="0"/>
+                            </p:stCondLst>
+                            <p:childTnLst>
+                              <p:par>
+                                <p:cTn id="13" presetID="1" presetClass="entr" presetSubtype="0" fill="hold" grpId="0" nodeType="clickEffect">
+                                  <p:stCondLst>
+                                    <p:cond delay="0"/>
+                                  </p:stCondLst>
+                                  <p:childTnLst>
+                                    <p:set>
+                                      <p:cBhvr>
+                                        <p:cTn id="14" dur="1" fill="hold">
+                                          <p:stCondLst>
+                                            <p:cond delay="0"/>
+                                          </p:stCondLst>
+                                        </p:cTn>
+                                        <p:tgtEl>
+                                          <p:spTgt spid="10">
+                                            <p:txEl>
+                                              <p:pRg st="1" end="1"/>
+                                            </p:txEl>
+                                          </p:spTgt>
+                                        </p:tgtEl>
+                                        <p:attrNameLst>
+                                          <p:attrName>style.visibility</p:attrName>
+                                        </p:attrNameLst>
+                                      </p:cBhvr>
+                                      <p:to>
+                                        <p:strVal val="visible"/>
+                                      </p:to>
+                                    </p:set>
+                                  </p:childTnLst>
+                                </p:cTn>
+                              </p:par>
+                            </p:childTnLst>
+                          </p:cTn>
+                        </p:par>
+                      </p:childTnLst>
+                    </p:cTn>
+                  </p:par>
+                  <p:par>
+                    <p:cTn id="15" fill="hold">
+                      <p:stCondLst>
+                        <p:cond delay="indefinite"/>
+                      </p:stCondLst>
+                      <p:childTnLst>
+                        <p:par>
+                          <p:cTn id="16" fill="hold">
+                            <p:stCondLst>
+                              <p:cond delay="0"/>
+                            </p:stCondLst>
+                            <p:childTnLst>
+                              <p:par>
+                                <p:cTn id="17" presetID="1" presetClass="entr" presetSubtype="0" fill="hold" grpId="0" nodeType="clickEffect">
+                                  <p:stCondLst>
+                                    <p:cond delay="0"/>
+                                  </p:stCondLst>
+                                  <p:childTnLst>
+                                    <p:set>
+                                      <p:cBhvr>
+                                        <p:cTn id="18" dur="1" fill="hold">
+                                          <p:stCondLst>
+                                            <p:cond delay="0"/>
+                                          </p:stCondLst>
+                                        </p:cTn>
+                                        <p:tgtEl>
+                                          <p:spTgt spid="10">
+                                            <p:txEl>
+                                              <p:pRg st="2" end="2"/>
+                                            </p:txEl>
+                                          </p:spTgt>
+                                        </p:tgtEl>
+                                        <p:attrNameLst>
+                                          <p:attrName>style.visibility</p:attrName>
+                                        </p:attrNameLst>
+                                      </p:cBhvr>
+                                      <p:to>
+                                        <p:strVal val="visible"/>
+                                      </p:to>
+                                    </p:set>
+                                  </p:childTnLst>
+                                </p:cTn>
+                              </p:par>
+                            </p:childTnLst>
+                          </p:cTn>
+                        </p:par>
+                      </p:childTnLst>
+                    </p:cTn>
+                  </p:par>
+                  <p:par>
+                    <p:cTn id="19" fill="hold">
+                      <p:stCondLst>
+                        <p:cond delay="indefinite"/>
+                      </p:stCondLst>
+                      <p:childTnLst>
+                        <p:par>
+                          <p:cTn id="20" fill="hold">
+                            <p:stCondLst>
+                              <p:cond delay="0"/>
+                            </p:stCondLst>
+                            <p:childTnLst>
+                              <p:par>
+                                <p:cTn id="21" presetID="1" presetClass="entr" presetSubtype="0" fill="hold" grpId="0" nodeType="clickEffect">
+                                  <p:stCondLst>
+                                    <p:cond delay="0"/>
+                                  </p:stCondLst>
+                                  <p:childTnLst>
+                                    <p:set>
+                                      <p:cBhvr>
+                                        <p:cTn id="22" dur="1" fill="hold">
+                                          <p:stCondLst>
+                                            <p:cond delay="0"/>
+                                          </p:stCondLst>
+                                        </p:cTn>
+                                        <p:tgtEl>
+                                          <p:spTgt spid="10">
+                                            <p:txEl>
+                                              <p:pRg st="3" end="3"/>
+                                            </p:txEl>
+                                          </p:spTgt>
+                                        </p:tgtEl>
+                                        <p:attrNameLst>
+                                          <p:attrName>style.visibility</p:attrName>
+                                        </p:attrNameLst>
+                                      </p:cBhvr>
+                                      <p:to>
+                                        <p:strVal val="visible"/>
+                                      </p:to>
+                                    </p:set>
+                                  </p:childTnLst>
+                                </p:cTn>
+                              </p:par>
+                            </p:childTnLst>
+                          </p:cTn>
+                        </p:par>
+                      </p:childTnLst>
+                    </p:cTn>
+                  </p:par>
                   <p:par>
                     <p:cTn id="23" fill="hold">
                       <p:stCondLst>
@@ -9358,7 +17716,7 @@
                             </p:stCondLst>
                             <p:childTnLst>
                               <p:par>
-                                <p:cTn id="25" presetID="1" presetClass="entr" presetSubtype="0" fill="hold" nodeType="clickEffect">
+                                <p:cTn id="25" presetID="1" presetClass="entr" presetSubtype="0" fill="hold" grpId="0" nodeType="clickEffect">
                                   <p:stCondLst>
                                     <p:cond delay="0"/>
                                   </p:stCondLst>
@@ -9366,6 +17724,131 @@
                                     <p:set>
                                       <p:cBhvr>
                                         <p:cTn id="26" dur="1" fill="hold">
+                                          <p:stCondLst>
+                                            <p:cond delay="0"/>
+                                          </p:stCondLst>
+                                        </p:cTn>
+                                        <p:tgtEl>
+                                          <p:spTgt spid="10">
+                                            <p:txEl>
+                                              <p:pRg st="4" end="4"/>
+                                            </p:txEl>
+                                          </p:spTgt>
+                                        </p:tgtEl>
+                                        <p:attrNameLst>
+                                          <p:attrName>style.visibility</p:attrName>
+                                        </p:attrNameLst>
+                                      </p:cBhvr>
+                                      <p:to>
+                                        <p:strVal val="visible"/>
+                                      </p:to>
+                                    </p:set>
+                                  </p:childTnLst>
+                                </p:cTn>
+                              </p:par>
+                            </p:childTnLst>
+                          </p:cTn>
+                        </p:par>
+                      </p:childTnLst>
+                    </p:cTn>
+                  </p:par>
+                  <p:par>
+                    <p:cTn id="27" fill="hold">
+                      <p:stCondLst>
+                        <p:cond delay="indefinite"/>
+                      </p:stCondLst>
+                      <p:childTnLst>
+                        <p:par>
+                          <p:cTn id="28" fill="hold">
+                            <p:stCondLst>
+                              <p:cond delay="0"/>
+                            </p:stCondLst>
+                            <p:childTnLst>
+                              <p:par>
+                                <p:cTn id="29" presetID="1" presetClass="entr" presetSubtype="0" fill="hold" grpId="0" nodeType="clickEffect">
+                                  <p:stCondLst>
+                                    <p:cond delay="0"/>
+                                  </p:stCondLst>
+                                  <p:childTnLst>
+                                    <p:set>
+                                      <p:cBhvr>
+                                        <p:cTn id="30" dur="1" fill="hold">
+                                          <p:stCondLst>
+                                            <p:cond delay="0"/>
+                                          </p:stCondLst>
+                                        </p:cTn>
+                                        <p:tgtEl>
+                                          <p:spTgt spid="3">
+                                            <p:txEl>
+                                              <p:pRg st="0" end="0"/>
+                                            </p:txEl>
+                                          </p:spTgt>
+                                        </p:tgtEl>
+                                        <p:attrNameLst>
+                                          <p:attrName>style.visibility</p:attrName>
+                                        </p:attrNameLst>
+                                      </p:cBhvr>
+                                      <p:to>
+                                        <p:strVal val="visible"/>
+                                      </p:to>
+                                    </p:set>
+                                  </p:childTnLst>
+                                </p:cTn>
+                              </p:par>
+                            </p:childTnLst>
+                          </p:cTn>
+                        </p:par>
+                      </p:childTnLst>
+                    </p:cTn>
+                  </p:par>
+                  <p:par>
+                    <p:cTn id="31" fill="hold">
+                      <p:stCondLst>
+                        <p:cond delay="indefinite"/>
+                      </p:stCondLst>
+                      <p:childTnLst>
+                        <p:par>
+                          <p:cTn id="32" fill="hold">
+                            <p:stCondLst>
+                              <p:cond delay="0"/>
+                            </p:stCondLst>
+                            <p:childTnLst>
+                              <p:par>
+                                <p:cTn id="33" presetID="1" presetClass="entr" presetSubtype="0" fill="hold" grpId="0" nodeType="clickEffect">
+                                  <p:stCondLst>
+                                    <p:cond delay="0"/>
+                                  </p:stCondLst>
+                                  <p:childTnLst>
+                                    <p:set>
+                                      <p:cBhvr>
+                                        <p:cTn id="34" dur="1" fill="hold">
+                                          <p:stCondLst>
+                                            <p:cond delay="0"/>
+                                          </p:stCondLst>
+                                        </p:cTn>
+                                        <p:tgtEl>
+                                          <p:spTgt spid="7"/>
+                                        </p:tgtEl>
+                                        <p:attrNameLst>
+                                          <p:attrName>style.visibility</p:attrName>
+                                        </p:attrNameLst>
+                                      </p:cBhvr>
+                                      <p:to>
+                                        <p:strVal val="visible"/>
+                                      </p:to>
+                                    </p:set>
+                                  </p:childTnLst>
+                                </p:cTn>
+                              </p:par>
+                              <p:par>
+                                <p:cTn id="35" presetID="1" presetClass="entr" presetSubtype="0" fill="hold" grpId="0" nodeType="withEffect">
+                                  <p:stCondLst>
+                                    <p:cond delay="0"/>
+                                  </p:stCondLst>
+                                  <p:childTnLst>
+                                    <p:set>
+                                      <p:cBhvr>
+                                        <p:cTn id="36" dur="1" fill="hold">
                                           <p:stCondLst>
                                             <p:cond delay="0"/>
                                           </p:stCondLst>
@@ -9413,6 +17896,9 @@
     </p:tnLst>
     <p:bldLst>
       <p:bldP spid="3" grpId="0" build="p"/>
+      <p:bldP spid="7" grpId="0"/>
+      <p:bldP spid="9" grpId="0"/>
+      <p:bldP spid="10" grpId="0" uiExpand="1" build="p"/>
     </p:bldLst>
   </p:timing>
 </p:sld>

--- a/Lec-1-3-Intro.pptx
+++ b/Lec-1-3-Intro.pptx
@@ -5,7 +5,7 @@
     <p:sldMasterId id="2147483648" r:id="rId1"/>
   </p:sldMasterIdLst>
   <p:notesMasterIdLst>
-    <p:notesMasterId r:id="rId24"/>
+    <p:notesMasterId r:id="rId40"/>
   </p:notesMasterIdLst>
   <p:sldIdLst>
     <p:sldId id="337" r:id="rId2"/>
@@ -27,9 +27,25 @@
     <p:sldId id="357" r:id="rId18"/>
     <p:sldId id="358" r:id="rId19"/>
     <p:sldId id="359" r:id="rId20"/>
-    <p:sldId id="350" r:id="rId21"/>
-    <p:sldId id="351" r:id="rId22"/>
-    <p:sldId id="352" r:id="rId23"/>
+    <p:sldId id="360" r:id="rId21"/>
+    <p:sldId id="362" r:id="rId22"/>
+    <p:sldId id="361" r:id="rId23"/>
+    <p:sldId id="363" r:id="rId24"/>
+    <p:sldId id="364" r:id="rId25"/>
+    <p:sldId id="365" r:id="rId26"/>
+    <p:sldId id="366" r:id="rId27"/>
+    <p:sldId id="368" r:id="rId28"/>
+    <p:sldId id="369" r:id="rId29"/>
+    <p:sldId id="367" r:id="rId30"/>
+    <p:sldId id="370" r:id="rId31"/>
+    <p:sldId id="371" r:id="rId32"/>
+    <p:sldId id="372" r:id="rId33"/>
+    <p:sldId id="373" r:id="rId34"/>
+    <p:sldId id="374" r:id="rId35"/>
+    <p:sldId id="375" r:id="rId36"/>
+    <p:sldId id="350" r:id="rId37"/>
+    <p:sldId id="351" r:id="rId38"/>
+    <p:sldId id="352" r:id="rId39"/>
   </p:sldIdLst>
   <p:sldSz cx="9144000" cy="6858000" type="screen4x3"/>
   <p:notesSz cx="6858000" cy="9144000"/>
@@ -927,6 +943,105 @@
         </p:txBody>
       </p:sp>
     </p:spTree>
+  </p:cSld>
+  <p:clrMapOvr>
+    <a:masterClrMapping/>
+  </p:clrMapOvr>
+</p:notes>
+</file>
+
+<file path=ppt/notesSlides/notesSlide2.xml><?xml version="1.0" encoding="utf-8"?>
+<p:notes xmlns:a="http://schemas.openxmlformats.org/drawingml/2006/main" xmlns:r="http://schemas.openxmlformats.org/officeDocument/2006/relationships" xmlns:p="http://schemas.openxmlformats.org/presentationml/2006/main">
+  <p:cSld>
+    <p:spTree>
+      <p:nvGrpSpPr>
+        <p:cNvPr id="1" name=""/>
+        <p:cNvGrpSpPr/>
+        <p:nvPr/>
+      </p:nvGrpSpPr>
+      <p:grpSpPr>
+        <a:xfrm>
+          <a:off x="0" y="0"/>
+          <a:ext cx="0" cy="0"/>
+          <a:chOff x="0" y="0"/>
+          <a:chExt cx="0" cy="0"/>
+        </a:xfrm>
+      </p:grpSpPr>
+      <p:sp>
+        <p:nvSpPr>
+          <p:cNvPr id="2" name="Slide Image Placeholder 1"/>
+          <p:cNvSpPr>
+            <a:spLocks noGrp="1" noRot="1" noChangeAspect="1"/>
+          </p:cNvSpPr>
+          <p:nvPr>
+            <p:ph type="sldImg"/>
+          </p:nvPr>
+        </p:nvSpPr>
+        <p:spPr/>
+      </p:sp>
+      <p:sp>
+        <p:nvSpPr>
+          <p:cNvPr id="3" name="Notes Placeholder 2"/>
+          <p:cNvSpPr>
+            <a:spLocks noGrp="1"/>
+          </p:cNvSpPr>
+          <p:nvPr>
+            <p:ph type="body" idx="1"/>
+          </p:nvPr>
+        </p:nvSpPr>
+        <p:spPr/>
+        <p:txBody>
+          <a:bodyPr/>
+          <a:lstStyle/>
+          <a:p>
+            <a:r>
+              <a:rPr lang="en-US" dirty="0"/>
+              <a:t>Adult vs pediatric</a:t>
+            </a:r>
+          </a:p>
+          <a:p>
+            <a:r>
+              <a:rPr lang="en-US" dirty="0"/>
+              <a:t>Different countries might have dosage regulations</a:t>
+            </a:r>
+          </a:p>
+        </p:txBody>
+      </p:sp>
+      <p:sp>
+        <p:nvSpPr>
+          <p:cNvPr id="4" name="Slide Number Placeholder 3"/>
+          <p:cNvSpPr>
+            <a:spLocks noGrp="1"/>
+          </p:cNvSpPr>
+          <p:nvPr>
+            <p:ph type="sldNum" sz="quarter" idx="5"/>
+          </p:nvPr>
+        </p:nvSpPr>
+        <p:spPr/>
+        <p:txBody>
+          <a:bodyPr/>
+          <a:lstStyle/>
+          <a:p>
+            <a:pPr>
+              <a:defRPr/>
+            </a:pPr>
+            <a:fld id="{082BB320-F13B-41AF-BB84-306DCE92248C}" type="slidenum">
+              <a:rPr lang="en-US" altLang="en-US" smtClean="0"/>
+              <a:pPr>
+                <a:defRPr/>
+              </a:pPr>
+              <a:t>31</a:t>
+            </a:fld>
+            <a:endParaRPr lang="en-US" altLang="en-US"/>
+          </a:p>
+        </p:txBody>
+      </p:sp>
+    </p:spTree>
+    <p:extLst>
+      <p:ext uri="{BB962C8B-B14F-4D97-AF65-F5344CB8AC3E}">
+        <p14:creationId xmlns:p14="http://schemas.microsoft.com/office/powerpoint/2010/main" val="1527323424"/>
+      </p:ext>
+    </p:extLst>
   </p:cSld>
   <p:clrMapOvr>
     <a:masterClrMapping/>
@@ -12163,7 +12278,7 @@
           <p:cNvPr id="2" name="Title 1">
             <a:extLst>
               <a:ext uri="{FF2B5EF4-FFF2-40B4-BE49-F238E27FC236}">
-                <a16:creationId xmlns:a16="http://schemas.microsoft.com/office/drawing/2014/main" id="{FEEBA08F-9821-4D80-A108-D803738377F4}"/>
+                <a16:creationId xmlns:a16="http://schemas.microsoft.com/office/drawing/2014/main" id="{D4D6A7F4-A08A-4B6A-9E9E-6F5E5854C120}"/>
               </a:ext>
             </a:extLst>
           </p:cNvPr>
@@ -12181,7 +12296,7 @@
           <a:p>
             <a:r>
               <a:rPr lang="en-US" dirty="0"/>
-              <a:t>Functional responsibilities</a:t>
+              <a:t>Review questions</a:t>
             </a:r>
           </a:p>
         </p:txBody>
@@ -12191,7 +12306,7 @@
           <p:cNvPr id="3" name="Content Placeholder 2">
             <a:extLst>
               <a:ext uri="{FF2B5EF4-FFF2-40B4-BE49-F238E27FC236}">
-                <a16:creationId xmlns:a16="http://schemas.microsoft.com/office/drawing/2014/main" id="{DCA24C14-C931-4DC4-8542-63929069F426}"/>
+                <a16:creationId xmlns:a16="http://schemas.microsoft.com/office/drawing/2014/main" id="{7D9DA3B1-34E2-4DF4-AA4F-DDFA37D2642E}"/>
               </a:ext>
             </a:extLst>
           </p:cNvPr>
@@ -12204,48 +12319,86 @@
         </p:nvSpPr>
         <p:spPr/>
         <p:txBody>
-          <a:bodyPr/>
+          <a:bodyPr>
+            <a:normAutofit fontScale="92500" lnSpcReduction="20000"/>
+          </a:bodyPr>
           <a:lstStyle/>
           <a:p>
-            <a:pPr marL="0" indent="0">
-              <a:buNone/>
+            <a:pPr marL="514350" indent="-514350">
+              <a:spcBef>
+                <a:spcPts val="1000"/>
+              </a:spcBef>
+              <a:buAutoNum type="arabicPeriod"/>
             </a:pPr>
             <a:r>
-              <a:rPr lang="en-US" dirty="0"/>
-              <a:t>Needed to make the system work</a:t>
-            </a:r>
-          </a:p>
-          <a:p>
-            <a:r>
-              <a:rPr lang="en-US" dirty="0"/>
-              <a:t>Control logic</a:t>
-            </a:r>
-          </a:p>
-          <a:p>
-            <a:r>
-              <a:rPr lang="en-US" dirty="0"/>
-              <a:t>Data acquisition and processing</a:t>
-            </a:r>
-          </a:p>
-          <a:p>
-            <a:r>
-              <a:rPr lang="en-US" dirty="0"/>
-              <a:t>State-based behavior</a:t>
-            </a:r>
-          </a:p>
-          <a:p>
-            <a:r>
-              <a:rPr lang="en-US" dirty="0"/>
-              <a:t>Coordination between subsystems</a:t>
-            </a:r>
-          </a:p>
-          <a:p>
-            <a:endParaRPr lang="en-US" dirty="0"/>
-          </a:p>
-          <a:p>
-            <a:r>
-              <a:rPr lang="en-US" dirty="0"/>
-              <a:t>What are the functional responsibilities of an elevator controller?</a:t>
+              <a:rPr lang="en-US" b="0" i="0" dirty="0">
+                <a:effectLst/>
+                <a:latin typeface="ui-sans-serif"/>
+              </a:rPr>
+              <a:t>Which of the following are characteristics of embedded systems?</a:t>
+            </a:r>
+          </a:p>
+          <a:p>
+            <a:pPr marL="514350" indent="-514350">
+              <a:spcBef>
+                <a:spcPts val="1000"/>
+              </a:spcBef>
+              <a:buAutoNum type="arabicPeriod"/>
+            </a:pPr>
+            <a:r>
+              <a:rPr lang="en-US" b="0" i="0" dirty="0">
+                <a:effectLst/>
+                <a:latin typeface="ui-sans-serif"/>
+              </a:rPr>
+              <a:t>What defines correctness in embedded software?</a:t>
+            </a:r>
+          </a:p>
+          <a:p>
+            <a:pPr marL="514350" indent="-514350">
+              <a:spcBef>
+                <a:spcPts val="1000"/>
+              </a:spcBef>
+              <a:buAutoNum type="arabicPeriod"/>
+            </a:pPr>
+            <a:r>
+              <a:rPr lang="en-US" b="0" i="0" dirty="0">
+                <a:effectLst/>
+                <a:latin typeface="ui-sans-serif"/>
+              </a:rPr>
+              <a:t>Which statement best explains why embedded software is typically event-driven?</a:t>
+            </a:r>
+            <a:endParaRPr lang="en-US" dirty="0">
+              <a:latin typeface="ui-sans-serif"/>
+            </a:endParaRPr>
+          </a:p>
+          <a:p>
+            <a:pPr marL="514350" indent="-514350">
+              <a:spcBef>
+                <a:spcPts val="1000"/>
+              </a:spcBef>
+              <a:buAutoNum type="arabicPeriod"/>
+            </a:pPr>
+            <a:r>
+              <a:rPr lang="en-US" b="0" i="0" dirty="0">
+                <a:effectLst/>
+                <a:latin typeface="ui-sans-serif"/>
+              </a:rPr>
+              <a:t>Which distinction most clearly differentiates embedded software from general-purpose software?</a:t>
+            </a:r>
+          </a:p>
+          <a:p>
+            <a:pPr marL="514350" indent="-514350">
+              <a:spcBef>
+                <a:spcPts val="1000"/>
+              </a:spcBef>
+              <a:buAutoNum type="arabicPeriod"/>
+            </a:pPr>
+            <a:r>
+              <a:rPr lang="en-US" b="0" i="0" dirty="0">
+                <a:effectLst/>
+                <a:latin typeface="ui-sans-serif"/>
+              </a:rPr>
+              <a:t>An embedded system continues running without crashing, but an actuator keeps operating after a sensor failure, causing physical damage. Which statement is most accurate?</a:t>
             </a:r>
           </a:p>
         </p:txBody>
@@ -12255,7 +12408,7 @@
           <p:cNvPr id="4" name="Date Placeholder 3">
             <a:extLst>
               <a:ext uri="{FF2B5EF4-FFF2-40B4-BE49-F238E27FC236}">
-                <a16:creationId xmlns:a16="http://schemas.microsoft.com/office/drawing/2014/main" id="{07691024-1FD3-4DAE-8731-0D94F21F3090}"/>
+                <a16:creationId xmlns:a16="http://schemas.microsoft.com/office/drawing/2014/main" id="{9DFC6ACC-3EA8-4DF2-8DEB-D33A95D55DE4}"/>
               </a:ext>
             </a:extLst>
           </p:cNvPr>
@@ -12286,7 +12439,7 @@
           <p:cNvPr id="5" name="Slide Number Placeholder 4">
             <a:extLst>
               <a:ext uri="{FF2B5EF4-FFF2-40B4-BE49-F238E27FC236}">
-                <a16:creationId xmlns:a16="http://schemas.microsoft.com/office/drawing/2014/main" id="{3C39780E-5850-49F3-9E24-60528ABF7A8C}"/>
+                <a16:creationId xmlns:a16="http://schemas.microsoft.com/office/drawing/2014/main" id="{F983EC2E-6C12-491F-9A15-66C2973122F9}"/>
               </a:ext>
             </a:extLst>
           </p:cNvPr>
@@ -12319,7 +12472,845 @@
     </p:spTree>
     <p:extLst>
       <p:ext uri="{BB962C8B-B14F-4D97-AF65-F5344CB8AC3E}">
-        <p14:creationId xmlns:p14="http://schemas.microsoft.com/office/powerpoint/2010/main" val="4028032088"/>
+        <p14:creationId xmlns:p14="http://schemas.microsoft.com/office/powerpoint/2010/main" val="4179787409"/>
+      </p:ext>
+    </p:extLst>
+  </p:cSld>
+  <p:clrMapOvr>
+    <a:masterClrMapping/>
+  </p:clrMapOvr>
+  <p:timing>
+    <p:tnLst>
+      <p:par>
+        <p:cTn id="1" dur="indefinite" restart="never" nodeType="tmRoot">
+          <p:childTnLst>
+            <p:seq concurrent="1" nextAc="seek">
+              <p:cTn id="2" dur="indefinite" nodeType="mainSeq">
+                <p:childTnLst>
+                  <p:par>
+                    <p:cTn id="3" fill="hold">
+                      <p:stCondLst>
+                        <p:cond delay="indefinite"/>
+                      </p:stCondLst>
+                      <p:childTnLst>
+                        <p:par>
+                          <p:cTn id="4" fill="hold">
+                            <p:stCondLst>
+                              <p:cond delay="0"/>
+                            </p:stCondLst>
+                            <p:childTnLst>
+                              <p:par>
+                                <p:cTn id="5" presetID="1" presetClass="entr" presetSubtype="0" fill="hold" grpId="0" nodeType="clickEffect">
+                                  <p:stCondLst>
+                                    <p:cond delay="0"/>
+                                  </p:stCondLst>
+                                  <p:childTnLst>
+                                    <p:set>
+                                      <p:cBhvr>
+                                        <p:cTn id="6" dur="1" fill="hold">
+                                          <p:stCondLst>
+                                            <p:cond delay="0"/>
+                                          </p:stCondLst>
+                                        </p:cTn>
+                                        <p:tgtEl>
+                                          <p:spTgt spid="3">
+                                            <p:txEl>
+                                              <p:pRg st="0" end="0"/>
+                                            </p:txEl>
+                                          </p:spTgt>
+                                        </p:tgtEl>
+                                        <p:attrNameLst>
+                                          <p:attrName>style.visibility</p:attrName>
+                                        </p:attrNameLst>
+                                      </p:cBhvr>
+                                      <p:to>
+                                        <p:strVal val="visible"/>
+                                      </p:to>
+                                    </p:set>
+                                  </p:childTnLst>
+                                </p:cTn>
+                              </p:par>
+                            </p:childTnLst>
+                          </p:cTn>
+                        </p:par>
+                      </p:childTnLst>
+                    </p:cTn>
+                  </p:par>
+                  <p:par>
+                    <p:cTn id="7" fill="hold">
+                      <p:stCondLst>
+                        <p:cond delay="indefinite"/>
+                      </p:stCondLst>
+                      <p:childTnLst>
+                        <p:par>
+                          <p:cTn id="8" fill="hold">
+                            <p:stCondLst>
+                              <p:cond delay="0"/>
+                            </p:stCondLst>
+                            <p:childTnLst>
+                              <p:par>
+                                <p:cTn id="9" presetID="1" presetClass="entr" presetSubtype="0" fill="hold" grpId="0" nodeType="clickEffect">
+                                  <p:stCondLst>
+                                    <p:cond delay="0"/>
+                                  </p:stCondLst>
+                                  <p:childTnLst>
+                                    <p:set>
+                                      <p:cBhvr>
+                                        <p:cTn id="10" dur="1" fill="hold">
+                                          <p:stCondLst>
+                                            <p:cond delay="0"/>
+                                          </p:stCondLst>
+                                        </p:cTn>
+                                        <p:tgtEl>
+                                          <p:spTgt spid="3">
+                                            <p:txEl>
+                                              <p:pRg st="1" end="1"/>
+                                            </p:txEl>
+                                          </p:spTgt>
+                                        </p:tgtEl>
+                                        <p:attrNameLst>
+                                          <p:attrName>style.visibility</p:attrName>
+                                        </p:attrNameLst>
+                                      </p:cBhvr>
+                                      <p:to>
+                                        <p:strVal val="visible"/>
+                                      </p:to>
+                                    </p:set>
+                                  </p:childTnLst>
+                                </p:cTn>
+                              </p:par>
+                            </p:childTnLst>
+                          </p:cTn>
+                        </p:par>
+                      </p:childTnLst>
+                    </p:cTn>
+                  </p:par>
+                  <p:par>
+                    <p:cTn id="11" fill="hold">
+                      <p:stCondLst>
+                        <p:cond delay="indefinite"/>
+                      </p:stCondLst>
+                      <p:childTnLst>
+                        <p:par>
+                          <p:cTn id="12" fill="hold">
+                            <p:stCondLst>
+                              <p:cond delay="0"/>
+                            </p:stCondLst>
+                            <p:childTnLst>
+                              <p:par>
+                                <p:cTn id="13" presetID="1" presetClass="entr" presetSubtype="0" fill="hold" grpId="0" nodeType="clickEffect">
+                                  <p:stCondLst>
+                                    <p:cond delay="0"/>
+                                  </p:stCondLst>
+                                  <p:childTnLst>
+                                    <p:set>
+                                      <p:cBhvr>
+                                        <p:cTn id="14" dur="1" fill="hold">
+                                          <p:stCondLst>
+                                            <p:cond delay="0"/>
+                                          </p:stCondLst>
+                                        </p:cTn>
+                                        <p:tgtEl>
+                                          <p:spTgt spid="3">
+                                            <p:txEl>
+                                              <p:pRg st="2" end="2"/>
+                                            </p:txEl>
+                                          </p:spTgt>
+                                        </p:tgtEl>
+                                        <p:attrNameLst>
+                                          <p:attrName>style.visibility</p:attrName>
+                                        </p:attrNameLst>
+                                      </p:cBhvr>
+                                      <p:to>
+                                        <p:strVal val="visible"/>
+                                      </p:to>
+                                    </p:set>
+                                  </p:childTnLst>
+                                </p:cTn>
+                              </p:par>
+                            </p:childTnLst>
+                          </p:cTn>
+                        </p:par>
+                      </p:childTnLst>
+                    </p:cTn>
+                  </p:par>
+                  <p:par>
+                    <p:cTn id="15" fill="hold">
+                      <p:stCondLst>
+                        <p:cond delay="indefinite"/>
+                      </p:stCondLst>
+                      <p:childTnLst>
+                        <p:par>
+                          <p:cTn id="16" fill="hold">
+                            <p:stCondLst>
+                              <p:cond delay="0"/>
+                            </p:stCondLst>
+                            <p:childTnLst>
+                              <p:par>
+                                <p:cTn id="17" presetID="1" presetClass="entr" presetSubtype="0" fill="hold" grpId="0" nodeType="clickEffect">
+                                  <p:stCondLst>
+                                    <p:cond delay="0"/>
+                                  </p:stCondLst>
+                                  <p:childTnLst>
+                                    <p:set>
+                                      <p:cBhvr>
+                                        <p:cTn id="18" dur="1" fill="hold">
+                                          <p:stCondLst>
+                                            <p:cond delay="0"/>
+                                          </p:stCondLst>
+                                        </p:cTn>
+                                        <p:tgtEl>
+                                          <p:spTgt spid="3">
+                                            <p:txEl>
+                                              <p:pRg st="3" end="3"/>
+                                            </p:txEl>
+                                          </p:spTgt>
+                                        </p:tgtEl>
+                                        <p:attrNameLst>
+                                          <p:attrName>style.visibility</p:attrName>
+                                        </p:attrNameLst>
+                                      </p:cBhvr>
+                                      <p:to>
+                                        <p:strVal val="visible"/>
+                                      </p:to>
+                                    </p:set>
+                                  </p:childTnLst>
+                                </p:cTn>
+                              </p:par>
+                            </p:childTnLst>
+                          </p:cTn>
+                        </p:par>
+                      </p:childTnLst>
+                    </p:cTn>
+                  </p:par>
+                  <p:par>
+                    <p:cTn id="19" fill="hold">
+                      <p:stCondLst>
+                        <p:cond delay="indefinite"/>
+                      </p:stCondLst>
+                      <p:childTnLst>
+                        <p:par>
+                          <p:cTn id="20" fill="hold">
+                            <p:stCondLst>
+                              <p:cond delay="0"/>
+                            </p:stCondLst>
+                            <p:childTnLst>
+                              <p:par>
+                                <p:cTn id="21" presetID="1" presetClass="entr" presetSubtype="0" fill="hold" grpId="0" nodeType="clickEffect">
+                                  <p:stCondLst>
+                                    <p:cond delay="0"/>
+                                  </p:stCondLst>
+                                  <p:childTnLst>
+                                    <p:set>
+                                      <p:cBhvr>
+                                        <p:cTn id="22" dur="1" fill="hold">
+                                          <p:stCondLst>
+                                            <p:cond delay="0"/>
+                                          </p:stCondLst>
+                                        </p:cTn>
+                                        <p:tgtEl>
+                                          <p:spTgt spid="3">
+                                            <p:txEl>
+                                              <p:pRg st="4" end="4"/>
+                                            </p:txEl>
+                                          </p:spTgt>
+                                        </p:tgtEl>
+                                        <p:attrNameLst>
+                                          <p:attrName>style.visibility</p:attrName>
+                                        </p:attrNameLst>
+                                      </p:cBhvr>
+                                      <p:to>
+                                        <p:strVal val="visible"/>
+                                      </p:to>
+                                    </p:set>
+                                  </p:childTnLst>
+                                </p:cTn>
+                              </p:par>
+                            </p:childTnLst>
+                          </p:cTn>
+                        </p:par>
+                      </p:childTnLst>
+                    </p:cTn>
+                  </p:par>
+                </p:childTnLst>
+              </p:cTn>
+              <p:prevCondLst>
+                <p:cond evt="onPrev" delay="0">
+                  <p:tgtEl>
+                    <p:sldTgt/>
+                  </p:tgtEl>
+                </p:cond>
+              </p:prevCondLst>
+              <p:nextCondLst>
+                <p:cond evt="onNext" delay="0">
+                  <p:tgtEl>
+                    <p:sldTgt/>
+                  </p:tgtEl>
+                </p:cond>
+              </p:nextCondLst>
+            </p:seq>
+          </p:childTnLst>
+        </p:cTn>
+      </p:par>
+    </p:tnLst>
+    <p:bldLst>
+      <p:bldP spid="3" grpId="0" build="p"/>
+    </p:bldLst>
+  </p:timing>
+</p:sld>
+</file>
+
+<file path=ppt/slides/slide21.xml><?xml version="1.0" encoding="utf-8"?>
+<p:sld xmlns:a="http://schemas.openxmlformats.org/drawingml/2006/main" xmlns:r="http://schemas.openxmlformats.org/officeDocument/2006/relationships" xmlns:p="http://schemas.openxmlformats.org/presentationml/2006/main">
+  <p:cSld>
+    <p:spTree>
+      <p:nvGrpSpPr>
+        <p:cNvPr id="1" name=""/>
+        <p:cNvGrpSpPr/>
+        <p:nvPr/>
+      </p:nvGrpSpPr>
+      <p:grpSpPr>
+        <a:xfrm>
+          <a:off x="0" y="0"/>
+          <a:ext cx="0" cy="0"/>
+          <a:chOff x="0" y="0"/>
+          <a:chExt cx="0" cy="0"/>
+        </a:xfrm>
+      </p:grpSpPr>
+      <p:sp>
+        <p:nvSpPr>
+          <p:cNvPr id="2" name="Title 1">
+            <a:extLst>
+              <a:ext uri="{FF2B5EF4-FFF2-40B4-BE49-F238E27FC236}">
+                <a16:creationId xmlns:a16="http://schemas.microsoft.com/office/drawing/2014/main" id="{382EC380-3A71-436F-AF85-106A4B1CAFCC}"/>
+              </a:ext>
+            </a:extLst>
+          </p:cNvPr>
+          <p:cNvSpPr>
+            <a:spLocks noGrp="1"/>
+          </p:cNvSpPr>
+          <p:nvPr>
+            <p:ph type="title"/>
+          </p:nvPr>
+        </p:nvSpPr>
+        <p:spPr>
+          <a:xfrm>
+            <a:off x="685800" y="2066925"/>
+            <a:ext cx="7924800" cy="1362075"/>
+          </a:xfrm>
+        </p:spPr>
+        <p:txBody>
+          <a:bodyPr/>
+          <a:lstStyle/>
+          <a:p>
+            <a:r>
+              <a:rPr lang="en-US" sz="3600" dirty="0"/>
+              <a:t>Lifecycle and Evolution Constraints in Embedded Software</a:t>
+            </a:r>
+          </a:p>
+        </p:txBody>
+      </p:sp>
+      <p:sp>
+        <p:nvSpPr>
+          <p:cNvPr id="3" name="Date Placeholder 2">
+            <a:extLst>
+              <a:ext uri="{FF2B5EF4-FFF2-40B4-BE49-F238E27FC236}">
+                <a16:creationId xmlns:a16="http://schemas.microsoft.com/office/drawing/2014/main" id="{CCD238BF-8103-48BF-B754-41500EC09FC0}"/>
+              </a:ext>
+            </a:extLst>
+          </p:cNvPr>
+          <p:cNvSpPr>
+            <a:spLocks noGrp="1"/>
+          </p:cNvSpPr>
+          <p:nvPr>
+            <p:ph type="dt" sz="half" idx="10"/>
+          </p:nvPr>
+        </p:nvSpPr>
+        <p:spPr/>
+        <p:txBody>
+          <a:bodyPr/>
+          <a:lstStyle/>
+          <a:p>
+            <a:pPr>
+              <a:defRPr/>
+            </a:pPr>
+            <a:r>
+              <a:rPr lang="en-US"/>
+              <a:t>21/12/2020</a:t>
+            </a:r>
+          </a:p>
+        </p:txBody>
+      </p:sp>
+      <p:sp>
+        <p:nvSpPr>
+          <p:cNvPr id="4" name="Slide Number Placeholder 3">
+            <a:extLst>
+              <a:ext uri="{FF2B5EF4-FFF2-40B4-BE49-F238E27FC236}">
+                <a16:creationId xmlns:a16="http://schemas.microsoft.com/office/drawing/2014/main" id="{8F3FDAD1-D15A-4F0E-9EFD-0A5342793EDF}"/>
+              </a:ext>
+            </a:extLst>
+          </p:cNvPr>
+          <p:cNvSpPr>
+            <a:spLocks noGrp="1"/>
+          </p:cNvSpPr>
+          <p:nvPr>
+            <p:ph type="sldNum" sz="quarter" idx="12"/>
+          </p:nvPr>
+        </p:nvSpPr>
+        <p:spPr/>
+        <p:txBody>
+          <a:bodyPr/>
+          <a:lstStyle/>
+          <a:p>
+            <a:pPr>
+              <a:defRPr/>
+            </a:pPr>
+            <a:fld id="{E79D9D01-1391-45E0-A9C5-C04635A43651}" type="slidenum">
+              <a:rPr lang="en-US" altLang="en-US" smtClean="0"/>
+              <a:pPr>
+                <a:defRPr/>
+              </a:pPr>
+              <a:t>21</a:t>
+            </a:fld>
+            <a:endParaRPr lang="en-US" altLang="en-US"/>
+          </a:p>
+        </p:txBody>
+      </p:sp>
+      <p:sp>
+        <p:nvSpPr>
+          <p:cNvPr id="5" name="Text Placeholder 4">
+            <a:extLst>
+              <a:ext uri="{FF2B5EF4-FFF2-40B4-BE49-F238E27FC236}">
+                <a16:creationId xmlns:a16="http://schemas.microsoft.com/office/drawing/2014/main" id="{9B991CA3-F3C5-4644-A2FF-2E077507CBB6}"/>
+              </a:ext>
+            </a:extLst>
+          </p:cNvPr>
+          <p:cNvSpPr>
+            <a:spLocks noGrp="1"/>
+          </p:cNvSpPr>
+          <p:nvPr>
+            <p:ph type="body" sz="quarter" idx="13"/>
+          </p:nvPr>
+        </p:nvSpPr>
+        <p:spPr>
+          <a:xfrm>
+            <a:off x="685800" y="3810000"/>
+            <a:ext cx="7772400" cy="2514600"/>
+          </a:xfrm>
+        </p:spPr>
+        <p:txBody>
+          <a:bodyPr/>
+          <a:lstStyle/>
+          <a:p>
+            <a:pPr marL="0" indent="0">
+              <a:buNone/>
+            </a:pPr>
+            <a:r>
+              <a:rPr lang="en-US" dirty="0"/>
+              <a:t>Additional constraints specifically faced by embedded systems</a:t>
+            </a:r>
+          </a:p>
+        </p:txBody>
+      </p:sp>
+    </p:spTree>
+    <p:extLst>
+      <p:ext uri="{BB962C8B-B14F-4D97-AF65-F5344CB8AC3E}">
+        <p14:creationId xmlns:p14="http://schemas.microsoft.com/office/powerpoint/2010/main" val="1725514382"/>
+      </p:ext>
+    </p:extLst>
+  </p:cSld>
+  <p:clrMapOvr>
+    <a:masterClrMapping/>
+  </p:clrMapOvr>
+</p:sld>
+</file>
+
+<file path=ppt/slides/slide22.xml><?xml version="1.0" encoding="utf-8"?>
+<p:sld xmlns:a="http://schemas.openxmlformats.org/drawingml/2006/main" xmlns:r="http://schemas.openxmlformats.org/officeDocument/2006/relationships" xmlns:p="http://schemas.openxmlformats.org/presentationml/2006/main">
+  <p:cSld>
+    <p:spTree>
+      <p:nvGrpSpPr>
+        <p:cNvPr id="1" name=""/>
+        <p:cNvGrpSpPr/>
+        <p:nvPr/>
+      </p:nvGrpSpPr>
+      <p:grpSpPr>
+        <a:xfrm>
+          <a:off x="0" y="0"/>
+          <a:ext cx="0" cy="0"/>
+          <a:chOff x="0" y="0"/>
+          <a:chExt cx="0" cy="0"/>
+        </a:xfrm>
+      </p:grpSpPr>
+      <p:sp>
+        <p:nvSpPr>
+          <p:cNvPr id="2" name="Title 1">
+            <a:extLst>
+              <a:ext uri="{FF2B5EF4-FFF2-40B4-BE49-F238E27FC236}">
+                <a16:creationId xmlns:a16="http://schemas.microsoft.com/office/drawing/2014/main" id="{4C8906BB-3CC0-49CE-9D14-30AD9ACEBE2F}"/>
+              </a:ext>
+            </a:extLst>
+          </p:cNvPr>
+          <p:cNvSpPr>
+            <a:spLocks noGrp="1"/>
+          </p:cNvSpPr>
+          <p:nvPr>
+            <p:ph type="title"/>
+          </p:nvPr>
+        </p:nvSpPr>
+        <p:spPr/>
+        <p:txBody>
+          <a:bodyPr/>
+          <a:lstStyle/>
+          <a:p>
+            <a:r>
+              <a:rPr lang="en-US" dirty="0"/>
+              <a:t>Embedded software lives long</a:t>
+            </a:r>
+          </a:p>
+        </p:txBody>
+      </p:sp>
+      <p:sp>
+        <p:nvSpPr>
+          <p:cNvPr id="3" name="Content Placeholder 2">
+            <a:extLst>
+              <a:ext uri="{FF2B5EF4-FFF2-40B4-BE49-F238E27FC236}">
+                <a16:creationId xmlns:a16="http://schemas.microsoft.com/office/drawing/2014/main" id="{04A339D8-0285-4310-93A6-69758228F343}"/>
+              </a:ext>
+            </a:extLst>
+          </p:cNvPr>
+          <p:cNvSpPr>
+            <a:spLocks noGrp="1"/>
+          </p:cNvSpPr>
+          <p:nvPr>
+            <p:ph idx="1"/>
+          </p:nvPr>
+        </p:nvSpPr>
+        <p:spPr/>
+        <p:txBody>
+          <a:bodyPr>
+            <a:normAutofit fontScale="70000" lnSpcReduction="20000"/>
+          </a:bodyPr>
+          <a:lstStyle/>
+          <a:p>
+            <a:pPr>
+              <a:spcBef>
+                <a:spcPts val="1000"/>
+              </a:spcBef>
+            </a:pPr>
+            <a:r>
+              <a:rPr lang="en-US" dirty="0"/>
+              <a:t>Embedded software often outlives</a:t>
+            </a:r>
+          </a:p>
+          <a:p>
+            <a:pPr lvl="1">
+              <a:spcBef>
+                <a:spcPts val="1000"/>
+              </a:spcBef>
+            </a:pPr>
+            <a:r>
+              <a:rPr lang="en-US" dirty="0"/>
+              <a:t>The hardware platform</a:t>
+            </a:r>
+          </a:p>
+          <a:p>
+            <a:pPr lvl="1">
+              <a:spcBef>
+                <a:spcPts val="1000"/>
+              </a:spcBef>
+            </a:pPr>
+            <a:r>
+              <a:rPr lang="en-US" dirty="0"/>
+              <a:t>Suppliers (hardware components)</a:t>
+            </a:r>
+          </a:p>
+          <a:p>
+            <a:pPr lvl="1">
+              <a:spcBef>
+                <a:spcPts val="1000"/>
+              </a:spcBef>
+            </a:pPr>
+            <a:r>
+              <a:rPr lang="en-US" dirty="0"/>
+              <a:t>Development teams</a:t>
+            </a:r>
+          </a:p>
+          <a:p>
+            <a:pPr>
+              <a:spcBef>
+                <a:spcPts val="1000"/>
+              </a:spcBef>
+            </a:pPr>
+            <a:r>
+              <a:rPr lang="en-US" dirty="0"/>
+              <a:t>Typical lifetimes</a:t>
+            </a:r>
+          </a:p>
+          <a:p>
+            <a:pPr lvl="1">
+              <a:spcBef>
+                <a:spcPts val="1000"/>
+              </a:spcBef>
+            </a:pPr>
+            <a:r>
+              <a:rPr lang="en-US" dirty="0"/>
+              <a:t>Automotive ECUs: 10 – 15 years</a:t>
+            </a:r>
+          </a:p>
+          <a:p>
+            <a:pPr lvl="1">
+              <a:spcBef>
+                <a:spcPts val="1000"/>
+              </a:spcBef>
+            </a:pPr>
+            <a:r>
+              <a:rPr lang="en-US" dirty="0"/>
+              <a:t>Medical devices: 10 – 20 years</a:t>
+            </a:r>
+          </a:p>
+          <a:p>
+            <a:pPr lvl="1">
+              <a:spcBef>
+                <a:spcPts val="1000"/>
+              </a:spcBef>
+            </a:pPr>
+            <a:r>
+              <a:rPr lang="en-US" dirty="0"/>
+              <a:t>Industrial controllers: few – several decades</a:t>
+            </a:r>
+          </a:p>
+          <a:p>
+            <a:pPr>
+              <a:spcBef>
+                <a:spcPts val="1000"/>
+              </a:spcBef>
+            </a:pPr>
+            <a:r>
+              <a:rPr lang="en-US" dirty="0"/>
+              <a:t>Example: Medtronic — Medical Devices</a:t>
+            </a:r>
+          </a:p>
+          <a:p>
+            <a:pPr lvl="1">
+              <a:spcBef>
+                <a:spcPts val="1000"/>
+              </a:spcBef>
+            </a:pPr>
+            <a:r>
+              <a:rPr lang="en-US" dirty="0"/>
+              <a:t>Medical device firmware in use for decades</a:t>
+            </a:r>
+          </a:p>
+          <a:p>
+            <a:pPr lvl="1">
+              <a:spcBef>
+                <a:spcPts val="1000"/>
+              </a:spcBef>
+            </a:pPr>
+            <a:r>
+              <a:rPr lang="en-US" dirty="0"/>
+              <a:t>Post-market surveillance frequently triggers late updates</a:t>
+            </a:r>
+          </a:p>
+          <a:p>
+            <a:pPr lvl="1">
+              <a:spcBef>
+                <a:spcPts val="1000"/>
+              </a:spcBef>
+            </a:pPr>
+            <a:r>
+              <a:rPr lang="en-US" dirty="0"/>
+              <a:t>Updates require full safety justification / certification</a:t>
+            </a:r>
+          </a:p>
+          <a:p>
+            <a:pPr marL="0" indent="0">
+              <a:spcBef>
+                <a:spcPts val="1000"/>
+              </a:spcBef>
+              <a:buNone/>
+            </a:pPr>
+            <a:r>
+              <a:rPr lang="en-US" dirty="0"/>
+              <a:t>Long-term maintenance is a requirement for embedded systems</a:t>
+            </a:r>
+          </a:p>
+        </p:txBody>
+      </p:sp>
+      <p:sp>
+        <p:nvSpPr>
+          <p:cNvPr id="4" name="Date Placeholder 3">
+            <a:extLst>
+              <a:ext uri="{FF2B5EF4-FFF2-40B4-BE49-F238E27FC236}">
+                <a16:creationId xmlns:a16="http://schemas.microsoft.com/office/drawing/2014/main" id="{06CB501B-8F76-4F7C-813A-23DF3A6E825D}"/>
+              </a:ext>
+            </a:extLst>
+          </p:cNvPr>
+          <p:cNvSpPr>
+            <a:spLocks noGrp="1"/>
+          </p:cNvSpPr>
+          <p:nvPr>
+            <p:ph type="dt" sz="half" idx="10"/>
+          </p:nvPr>
+        </p:nvSpPr>
+        <p:spPr/>
+        <p:txBody>
+          <a:bodyPr/>
+          <a:lstStyle/>
+          <a:p>
+            <a:pPr>
+              <a:defRPr/>
+            </a:pPr>
+            <a:r>
+              <a:rPr lang="en-US"/>
+              <a:t>21/12/2020</a:t>
+            </a:r>
+          </a:p>
+        </p:txBody>
+      </p:sp>
+      <p:sp>
+        <p:nvSpPr>
+          <p:cNvPr id="5" name="Slide Number Placeholder 4">
+            <a:extLst>
+              <a:ext uri="{FF2B5EF4-FFF2-40B4-BE49-F238E27FC236}">
+                <a16:creationId xmlns:a16="http://schemas.microsoft.com/office/drawing/2014/main" id="{C52AF787-209A-4BE8-886D-9DD288E5938C}"/>
+              </a:ext>
+            </a:extLst>
+          </p:cNvPr>
+          <p:cNvSpPr>
+            <a:spLocks noGrp="1"/>
+          </p:cNvSpPr>
+          <p:nvPr>
+            <p:ph type="sldNum" sz="quarter" idx="12"/>
+          </p:nvPr>
+        </p:nvSpPr>
+        <p:spPr/>
+        <p:txBody>
+          <a:bodyPr/>
+          <a:lstStyle/>
+          <a:p>
+            <a:pPr>
+              <a:defRPr/>
+            </a:pPr>
+            <a:fld id="{CA887A73-1AE0-46F8-856A-18EA1CF30A1B}" type="slidenum">
+              <a:rPr lang="en-US" altLang="en-US" smtClean="0"/>
+              <a:pPr>
+                <a:defRPr/>
+              </a:pPr>
+              <a:t>22</a:t>
+            </a:fld>
+            <a:endParaRPr lang="en-US" altLang="en-US"/>
+          </a:p>
+        </p:txBody>
+      </p:sp>
+      <p:grpSp>
+        <p:nvGrpSpPr>
+          <p:cNvPr id="7" name="Group 6">
+            <a:extLst>
+              <a:ext uri="{FF2B5EF4-FFF2-40B4-BE49-F238E27FC236}">
+                <a16:creationId xmlns:a16="http://schemas.microsoft.com/office/drawing/2014/main" id="{F3839DE7-26E3-46AF-ABE6-29FA06A01104}"/>
+              </a:ext>
+            </a:extLst>
+          </p:cNvPr>
+          <p:cNvGrpSpPr/>
+          <p:nvPr/>
+        </p:nvGrpSpPr>
+        <p:grpSpPr>
+          <a:xfrm>
+            <a:off x="4834331" y="1600200"/>
+            <a:ext cx="4163365" cy="1883292"/>
+            <a:chOff x="4834331" y="1600200"/>
+            <a:chExt cx="4163365" cy="1883292"/>
+          </a:xfrm>
+        </p:grpSpPr>
+        <p:pic>
+          <p:nvPicPr>
+            <p:cNvPr id="2050" name="Picture 2" descr="Hemodiaz Syringe Infusion Pump : Amazon.in: Industrial &amp; Scientific">
+              <a:extLst>
+                <a:ext uri="{FF2B5EF4-FFF2-40B4-BE49-F238E27FC236}">
+                  <a16:creationId xmlns:a16="http://schemas.microsoft.com/office/drawing/2014/main" id="{E543085F-01DD-454D-BF59-873E7D5AA483}"/>
+                </a:ext>
+              </a:extLst>
+            </p:cNvPr>
+            <p:cNvPicPr>
+              <a:picLocks noChangeAspect="1" noChangeArrowheads="1"/>
+            </p:cNvPicPr>
+            <p:nvPr/>
+          </p:nvPicPr>
+          <p:blipFill>
+            <a:blip r:embed="rId2">
+              <a:extLst>
+                <a:ext uri="{28A0092B-C50C-407E-A947-70E740481C1C}">
+                  <a14:useLocalDpi xmlns:a14="http://schemas.microsoft.com/office/drawing/2010/main" val="0"/>
+                </a:ext>
+              </a:extLst>
+            </a:blip>
+            <a:srcRect/>
+            <a:stretch>
+              <a:fillRect/>
+            </a:stretch>
+          </p:blipFill>
+          <p:spPr bwMode="auto">
+            <a:xfrm>
+              <a:off x="4834331" y="1600200"/>
+              <a:ext cx="4163365" cy="1544637"/>
+            </a:xfrm>
+            <a:prstGeom prst="rect">
+              <a:avLst/>
+            </a:prstGeom>
+            <a:noFill/>
+            <a:extLst>
+              <a:ext uri="{909E8E84-426E-40DD-AFC4-6F175D3DCCD1}">
+                <a14:hiddenFill xmlns:a14="http://schemas.microsoft.com/office/drawing/2010/main">
+                  <a:solidFill>
+                    <a:srgbClr val="FFFFFF"/>
+                  </a:solidFill>
+                </a14:hiddenFill>
+              </a:ext>
+            </a:extLst>
+          </p:spPr>
+        </p:pic>
+        <p:sp>
+          <p:nvSpPr>
+            <p:cNvPr id="8" name="TextBox 7">
+              <a:extLst>
+                <a:ext uri="{FF2B5EF4-FFF2-40B4-BE49-F238E27FC236}">
+                  <a16:creationId xmlns:a16="http://schemas.microsoft.com/office/drawing/2014/main" id="{25CCCE8E-370C-4210-B727-C188722B35A5}"/>
+                </a:ext>
+              </a:extLst>
+            </p:cNvPr>
+            <p:cNvSpPr txBox="1"/>
+            <p:nvPr/>
+          </p:nvSpPr>
+          <p:spPr>
+            <a:xfrm>
+              <a:off x="5941695" y="3114160"/>
+              <a:ext cx="2035302" cy="369332"/>
+            </a:xfrm>
+            <a:prstGeom prst="rect">
+              <a:avLst/>
+            </a:prstGeom>
+            <a:noFill/>
+          </p:spPr>
+          <p:txBody>
+            <a:bodyPr wrap="square">
+              <a:spAutoFit/>
+            </a:bodyPr>
+            <a:lstStyle/>
+            <a:p>
+              <a:r>
+                <a:rPr lang="en-US" dirty="0"/>
+                <a:t>Infusion pump</a:t>
+              </a:r>
+            </a:p>
+          </p:txBody>
+        </p:sp>
+      </p:grpSp>
+    </p:spTree>
+    <p:extLst>
+      <p:ext uri="{BB962C8B-B14F-4D97-AF65-F5344CB8AC3E}">
+        <p14:creationId xmlns:p14="http://schemas.microsoft.com/office/powerpoint/2010/main" val="498048626"/>
       </p:ext>
     </p:extLst>
   </p:cSld>
@@ -12607,9 +13598,397 @@
                                         <p:tgtEl>
                                           <p:spTgt spid="3">
                                             <p:txEl>
+                                              <p:pRg st="5" end="5"/>
+                                            </p:txEl>
+                                          </p:spTgt>
+                                        </p:tgtEl>
+                                        <p:attrNameLst>
+                                          <p:attrName>style.visibility</p:attrName>
+                                        </p:attrNameLst>
+                                      </p:cBhvr>
+                                      <p:to>
+                                        <p:strVal val="visible"/>
+                                      </p:to>
+                                    </p:set>
+                                  </p:childTnLst>
+                                </p:cTn>
+                              </p:par>
+                            </p:childTnLst>
+                          </p:cTn>
+                        </p:par>
+                      </p:childTnLst>
+                    </p:cTn>
+                  </p:par>
+                  <p:par>
+                    <p:cTn id="27" fill="hold">
+                      <p:stCondLst>
+                        <p:cond delay="indefinite"/>
+                      </p:stCondLst>
+                      <p:childTnLst>
+                        <p:par>
+                          <p:cTn id="28" fill="hold">
+                            <p:stCondLst>
+                              <p:cond delay="0"/>
+                            </p:stCondLst>
+                            <p:childTnLst>
+                              <p:par>
+                                <p:cTn id="29" presetID="1" presetClass="entr" presetSubtype="0" fill="hold" grpId="0" nodeType="clickEffect">
+                                  <p:stCondLst>
+                                    <p:cond delay="0"/>
+                                  </p:stCondLst>
+                                  <p:childTnLst>
+                                    <p:set>
+                                      <p:cBhvr>
+                                        <p:cTn id="30" dur="1" fill="hold">
+                                          <p:stCondLst>
+                                            <p:cond delay="0"/>
+                                          </p:stCondLst>
+                                        </p:cTn>
+                                        <p:tgtEl>
+                                          <p:spTgt spid="3">
+                                            <p:txEl>
                                               <p:pRg st="6" end="6"/>
                                             </p:txEl>
                                           </p:spTgt>
+                                        </p:tgtEl>
+                                        <p:attrNameLst>
+                                          <p:attrName>style.visibility</p:attrName>
+                                        </p:attrNameLst>
+                                      </p:cBhvr>
+                                      <p:to>
+                                        <p:strVal val="visible"/>
+                                      </p:to>
+                                    </p:set>
+                                  </p:childTnLst>
+                                </p:cTn>
+                              </p:par>
+                            </p:childTnLst>
+                          </p:cTn>
+                        </p:par>
+                      </p:childTnLst>
+                    </p:cTn>
+                  </p:par>
+                  <p:par>
+                    <p:cTn id="31" fill="hold">
+                      <p:stCondLst>
+                        <p:cond delay="indefinite"/>
+                      </p:stCondLst>
+                      <p:childTnLst>
+                        <p:par>
+                          <p:cTn id="32" fill="hold">
+                            <p:stCondLst>
+                              <p:cond delay="0"/>
+                            </p:stCondLst>
+                            <p:childTnLst>
+                              <p:par>
+                                <p:cTn id="33" presetID="1" presetClass="entr" presetSubtype="0" fill="hold" grpId="0" nodeType="clickEffect">
+                                  <p:stCondLst>
+                                    <p:cond delay="0"/>
+                                  </p:stCondLst>
+                                  <p:childTnLst>
+                                    <p:set>
+                                      <p:cBhvr>
+                                        <p:cTn id="34" dur="1" fill="hold">
+                                          <p:stCondLst>
+                                            <p:cond delay="0"/>
+                                          </p:stCondLst>
+                                        </p:cTn>
+                                        <p:tgtEl>
+                                          <p:spTgt spid="3">
+                                            <p:txEl>
+                                              <p:pRg st="7" end="7"/>
+                                            </p:txEl>
+                                          </p:spTgt>
+                                        </p:tgtEl>
+                                        <p:attrNameLst>
+                                          <p:attrName>style.visibility</p:attrName>
+                                        </p:attrNameLst>
+                                      </p:cBhvr>
+                                      <p:to>
+                                        <p:strVal val="visible"/>
+                                      </p:to>
+                                    </p:set>
+                                  </p:childTnLst>
+                                </p:cTn>
+                              </p:par>
+                            </p:childTnLst>
+                          </p:cTn>
+                        </p:par>
+                      </p:childTnLst>
+                    </p:cTn>
+                  </p:par>
+                  <p:par>
+                    <p:cTn id="35" fill="hold">
+                      <p:stCondLst>
+                        <p:cond delay="indefinite"/>
+                      </p:stCondLst>
+                      <p:childTnLst>
+                        <p:par>
+                          <p:cTn id="36" fill="hold">
+                            <p:stCondLst>
+                              <p:cond delay="0"/>
+                            </p:stCondLst>
+                            <p:childTnLst>
+                              <p:par>
+                                <p:cTn id="37" presetID="1" presetClass="entr" presetSubtype="0" fill="hold" grpId="0" nodeType="clickEffect">
+                                  <p:stCondLst>
+                                    <p:cond delay="0"/>
+                                  </p:stCondLst>
+                                  <p:childTnLst>
+                                    <p:set>
+                                      <p:cBhvr>
+                                        <p:cTn id="38" dur="1" fill="hold">
+                                          <p:stCondLst>
+                                            <p:cond delay="0"/>
+                                          </p:stCondLst>
+                                        </p:cTn>
+                                        <p:tgtEl>
+                                          <p:spTgt spid="3">
+                                            <p:txEl>
+                                              <p:pRg st="8" end="8"/>
+                                            </p:txEl>
+                                          </p:spTgt>
+                                        </p:tgtEl>
+                                        <p:attrNameLst>
+                                          <p:attrName>style.visibility</p:attrName>
+                                        </p:attrNameLst>
+                                      </p:cBhvr>
+                                      <p:to>
+                                        <p:strVal val="visible"/>
+                                      </p:to>
+                                    </p:set>
+                                  </p:childTnLst>
+                                </p:cTn>
+                              </p:par>
+                            </p:childTnLst>
+                          </p:cTn>
+                        </p:par>
+                      </p:childTnLst>
+                    </p:cTn>
+                  </p:par>
+                  <p:par>
+                    <p:cTn id="39" fill="hold">
+                      <p:stCondLst>
+                        <p:cond delay="indefinite"/>
+                      </p:stCondLst>
+                      <p:childTnLst>
+                        <p:par>
+                          <p:cTn id="40" fill="hold">
+                            <p:stCondLst>
+                              <p:cond delay="0"/>
+                            </p:stCondLst>
+                            <p:childTnLst>
+                              <p:par>
+                                <p:cTn id="41" presetID="1" presetClass="entr" presetSubtype="0" fill="hold" grpId="0" nodeType="clickEffect">
+                                  <p:stCondLst>
+                                    <p:cond delay="0"/>
+                                  </p:stCondLst>
+                                  <p:childTnLst>
+                                    <p:set>
+                                      <p:cBhvr>
+                                        <p:cTn id="42" dur="1" fill="hold">
+                                          <p:stCondLst>
+                                            <p:cond delay="0"/>
+                                          </p:stCondLst>
+                                        </p:cTn>
+                                        <p:tgtEl>
+                                          <p:spTgt spid="3">
+                                            <p:txEl>
+                                              <p:pRg st="9" end="9"/>
+                                            </p:txEl>
+                                          </p:spTgt>
+                                        </p:tgtEl>
+                                        <p:attrNameLst>
+                                          <p:attrName>style.visibility</p:attrName>
+                                        </p:attrNameLst>
+                                      </p:cBhvr>
+                                      <p:to>
+                                        <p:strVal val="visible"/>
+                                      </p:to>
+                                    </p:set>
+                                  </p:childTnLst>
+                                </p:cTn>
+                              </p:par>
+                            </p:childTnLst>
+                          </p:cTn>
+                        </p:par>
+                      </p:childTnLst>
+                    </p:cTn>
+                  </p:par>
+                  <p:par>
+                    <p:cTn id="43" fill="hold">
+                      <p:stCondLst>
+                        <p:cond delay="indefinite"/>
+                      </p:stCondLst>
+                      <p:childTnLst>
+                        <p:par>
+                          <p:cTn id="44" fill="hold">
+                            <p:stCondLst>
+                              <p:cond delay="0"/>
+                            </p:stCondLst>
+                            <p:childTnLst>
+                              <p:par>
+                                <p:cTn id="45" presetID="1" presetClass="entr" presetSubtype="0" fill="hold" grpId="0" nodeType="clickEffect">
+                                  <p:stCondLst>
+                                    <p:cond delay="0"/>
+                                  </p:stCondLst>
+                                  <p:childTnLst>
+                                    <p:set>
+                                      <p:cBhvr>
+                                        <p:cTn id="46" dur="1" fill="hold">
+                                          <p:stCondLst>
+                                            <p:cond delay="0"/>
+                                          </p:stCondLst>
+                                        </p:cTn>
+                                        <p:tgtEl>
+                                          <p:spTgt spid="3">
+                                            <p:txEl>
+                                              <p:pRg st="10" end="10"/>
+                                            </p:txEl>
+                                          </p:spTgt>
+                                        </p:tgtEl>
+                                        <p:attrNameLst>
+                                          <p:attrName>style.visibility</p:attrName>
+                                        </p:attrNameLst>
+                                      </p:cBhvr>
+                                      <p:to>
+                                        <p:strVal val="visible"/>
+                                      </p:to>
+                                    </p:set>
+                                  </p:childTnLst>
+                                </p:cTn>
+                              </p:par>
+                            </p:childTnLst>
+                          </p:cTn>
+                        </p:par>
+                      </p:childTnLst>
+                    </p:cTn>
+                  </p:par>
+                  <p:par>
+                    <p:cTn id="47" fill="hold">
+                      <p:stCondLst>
+                        <p:cond delay="indefinite"/>
+                      </p:stCondLst>
+                      <p:childTnLst>
+                        <p:par>
+                          <p:cTn id="48" fill="hold">
+                            <p:stCondLst>
+                              <p:cond delay="0"/>
+                            </p:stCondLst>
+                            <p:childTnLst>
+                              <p:par>
+                                <p:cTn id="49" presetID="1" presetClass="entr" presetSubtype="0" fill="hold" grpId="0" nodeType="clickEffect">
+                                  <p:stCondLst>
+                                    <p:cond delay="0"/>
+                                  </p:stCondLst>
+                                  <p:childTnLst>
+                                    <p:set>
+                                      <p:cBhvr>
+                                        <p:cTn id="50" dur="1" fill="hold">
+                                          <p:stCondLst>
+                                            <p:cond delay="0"/>
+                                          </p:stCondLst>
+                                        </p:cTn>
+                                        <p:tgtEl>
+                                          <p:spTgt spid="3">
+                                            <p:txEl>
+                                              <p:pRg st="11" end="11"/>
+                                            </p:txEl>
+                                          </p:spTgt>
+                                        </p:tgtEl>
+                                        <p:attrNameLst>
+                                          <p:attrName>style.visibility</p:attrName>
+                                        </p:attrNameLst>
+                                      </p:cBhvr>
+                                      <p:to>
+                                        <p:strVal val="visible"/>
+                                      </p:to>
+                                    </p:set>
+                                  </p:childTnLst>
+                                </p:cTn>
+                              </p:par>
+                            </p:childTnLst>
+                          </p:cTn>
+                        </p:par>
+                      </p:childTnLst>
+                    </p:cTn>
+                  </p:par>
+                  <p:par>
+                    <p:cTn id="51" fill="hold">
+                      <p:stCondLst>
+                        <p:cond delay="indefinite"/>
+                      </p:stCondLst>
+                      <p:childTnLst>
+                        <p:par>
+                          <p:cTn id="52" fill="hold">
+                            <p:stCondLst>
+                              <p:cond delay="0"/>
+                            </p:stCondLst>
+                            <p:childTnLst>
+                              <p:par>
+                                <p:cTn id="53" presetID="1" presetClass="entr" presetSubtype="0" fill="hold" grpId="0" nodeType="clickEffect">
+                                  <p:stCondLst>
+                                    <p:cond delay="0"/>
+                                  </p:stCondLst>
+                                  <p:childTnLst>
+                                    <p:set>
+                                      <p:cBhvr>
+                                        <p:cTn id="54" dur="1" fill="hold">
+                                          <p:stCondLst>
+                                            <p:cond delay="0"/>
+                                          </p:stCondLst>
+                                        </p:cTn>
+                                        <p:tgtEl>
+                                          <p:spTgt spid="3">
+                                            <p:txEl>
+                                              <p:pRg st="12" end="12"/>
+                                            </p:txEl>
+                                          </p:spTgt>
+                                        </p:tgtEl>
+                                        <p:attrNameLst>
+                                          <p:attrName>style.visibility</p:attrName>
+                                        </p:attrNameLst>
+                                      </p:cBhvr>
+                                      <p:to>
+                                        <p:strVal val="visible"/>
+                                      </p:to>
+                                    </p:set>
+                                  </p:childTnLst>
+                                </p:cTn>
+                              </p:par>
+                            </p:childTnLst>
+                          </p:cTn>
+                        </p:par>
+                      </p:childTnLst>
+                    </p:cTn>
+                  </p:par>
+                  <p:par>
+                    <p:cTn id="55" fill="hold">
+                      <p:stCondLst>
+                        <p:cond delay="indefinite"/>
+                      </p:stCondLst>
+                      <p:childTnLst>
+                        <p:par>
+                          <p:cTn id="56" fill="hold">
+                            <p:stCondLst>
+                              <p:cond delay="0"/>
+                            </p:stCondLst>
+                            <p:childTnLst>
+                              <p:par>
+                                <p:cTn id="57" presetID="1" presetClass="entr" presetSubtype="0" fill="hold" nodeType="clickEffect">
+                                  <p:stCondLst>
+                                    <p:cond delay="0"/>
+                                  </p:stCondLst>
+                                  <p:childTnLst>
+                                    <p:set>
+                                      <p:cBhvr>
+                                        <p:cTn id="58" dur="1" fill="hold">
+                                          <p:stCondLst>
+                                            <p:cond delay="0"/>
+                                          </p:stCondLst>
+                                        </p:cTn>
+                                        <p:tgtEl>
+                                          <p:spTgt spid="7"/>
                                         </p:tgtEl>
                                         <p:attrNameLst>
                                           <p:attrName>style.visibility</p:attrName>
@@ -12650,13 +14029,13 @@
       </p:par>
     </p:tnLst>
     <p:bldLst>
-      <p:bldP spid="3" grpId="0" build="p"/>
+      <p:bldP spid="3" grpId="0" uiExpand="1" build="p"/>
     </p:bldLst>
   </p:timing>
 </p:sld>
 </file>
 
-<file path=ppt/slides/slide21.xml><?xml version="1.0" encoding="utf-8"?>
+<file path=ppt/slides/slide23.xml><?xml version="1.0" encoding="utf-8"?>
 <p:sld xmlns:a="http://schemas.openxmlformats.org/drawingml/2006/main" xmlns:r="http://schemas.openxmlformats.org/officeDocument/2006/relationships" xmlns:p="http://schemas.openxmlformats.org/presentationml/2006/main">
   <p:cSld>
     <p:spTree>
@@ -12678,7 +14057,7 @@
           <p:cNvPr id="2" name="Title 1">
             <a:extLst>
               <a:ext uri="{FF2B5EF4-FFF2-40B4-BE49-F238E27FC236}">
-                <a16:creationId xmlns:a16="http://schemas.microsoft.com/office/drawing/2014/main" id="{B0823004-BE65-4D50-8D46-7E2D72739AAC}"/>
+                <a16:creationId xmlns:a16="http://schemas.microsoft.com/office/drawing/2014/main" id="{7613D540-5512-4803-A392-3BAC67B86099}"/>
               </a:ext>
             </a:extLst>
           </p:cNvPr>
@@ -12689,14 +14068,19 @@
             <p:ph type="title"/>
           </p:nvPr>
         </p:nvSpPr>
-        <p:spPr/>
+        <p:spPr>
+          <a:xfrm>
+            <a:off x="152400" y="53975"/>
+            <a:ext cx="6477000" cy="1195386"/>
+          </a:xfrm>
+        </p:spPr>
         <p:txBody>
           <a:bodyPr/>
           <a:lstStyle/>
           <a:p>
             <a:r>
               <a:rPr lang="en-US" dirty="0"/>
-              <a:t>Non-functional responsibilities</a:t>
+              <a:t>Many things directly affecting the S/W change over these times</a:t>
             </a:r>
           </a:p>
         </p:txBody>
@@ -12706,7 +14090,7 @@
           <p:cNvPr id="3" name="Content Placeholder 2">
             <a:extLst>
               <a:ext uri="{FF2B5EF4-FFF2-40B4-BE49-F238E27FC236}">
-                <a16:creationId xmlns:a16="http://schemas.microsoft.com/office/drawing/2014/main" id="{52990EF9-A827-41CE-96B4-16AEC6039877}"/>
+                <a16:creationId xmlns:a16="http://schemas.microsoft.com/office/drawing/2014/main" id="{25EF525F-EFE7-45E1-A8F1-84DCB7B34EFC}"/>
               </a:ext>
             </a:extLst>
           </p:cNvPr>
@@ -12722,49 +14106,60 @@
           <a:bodyPr/>
           <a:lstStyle/>
           <a:p>
-            <a:pPr marL="0" indent="0">
-              <a:buNone/>
-            </a:pPr>
             <a:r>
               <a:rPr lang="en-US" dirty="0"/>
-              <a:t>Needed to make the system work </a:t>
+              <a:t>What kind of factors change?</a:t>
+            </a:r>
+          </a:p>
+          <a:p>
+            <a:pPr lvl="1"/>
+            <a:r>
+              <a:rPr lang="en-US" dirty="0"/>
+              <a:t>Components reach end-of-life</a:t>
+            </a:r>
+          </a:p>
+          <a:p>
+            <a:pPr lvl="1"/>
+            <a:r>
+              <a:rPr lang="en-US" dirty="0"/>
+              <a:t>Suppliers change</a:t>
+            </a:r>
+          </a:p>
+          <a:p>
+            <a:pPr lvl="1"/>
+            <a:r>
+              <a:rPr lang="en-US" dirty="0"/>
+              <a:t>Hardware revisions to reduce cost</a:t>
+            </a:r>
+          </a:p>
+          <a:p>
+            <a:pPr lvl="1"/>
+            <a:r>
+              <a:rPr lang="en-US" dirty="0"/>
+              <a:t>Regulatory requirements</a:t>
+            </a:r>
+          </a:p>
+          <a:p>
+            <a:r>
+              <a:rPr lang="en-US" dirty="0"/>
+              <a:t>Changes are inevitable and cannot be planned</a:t>
+            </a:r>
+          </a:p>
+          <a:p>
+            <a:r>
+              <a:rPr lang="en-US" dirty="0"/>
+              <a:t>But the can be </a:t>
             </a:r>
             <a:r>
               <a:rPr lang="en-US" i="1" dirty="0"/>
-              <a:t>well</a:t>
-            </a:r>
+              <a:t>planned for</a:t>
+            </a:r>
+            <a:endParaRPr lang="en-US" dirty="0"/>
           </a:p>
           <a:p>
             <a:r>
               <a:rPr lang="en-US" dirty="0"/>
-              <a:t>Timing correctness</a:t>
-            </a:r>
-          </a:p>
-          <a:p>
-            <a:r>
-              <a:rPr lang="en-US" dirty="0"/>
-              <a:t>Safety, security and fault handling</a:t>
-            </a:r>
-          </a:p>
-          <a:p>
-            <a:r>
-              <a:rPr lang="en-US" dirty="0"/>
-              <a:t>Resource usage (CPU, memory, power)</a:t>
-            </a:r>
-          </a:p>
-          <a:p>
-            <a:r>
-              <a:rPr lang="en-US" dirty="0"/>
-              <a:t>Reliability over long lifetimes</a:t>
-            </a:r>
-          </a:p>
-          <a:p>
-            <a:endParaRPr lang="en-US" dirty="0"/>
-          </a:p>
-          <a:p>
-            <a:r>
-              <a:rPr lang="en-US" dirty="0"/>
-              <a:t>What can be non-functional responsibilities of an elevator controller?</a:t>
+              <a:t>How to write software that is adaptable to change?</a:t>
             </a:r>
           </a:p>
         </p:txBody>
@@ -12774,7 +14169,7 @@
           <p:cNvPr id="4" name="Date Placeholder 3">
             <a:extLst>
               <a:ext uri="{FF2B5EF4-FFF2-40B4-BE49-F238E27FC236}">
-                <a16:creationId xmlns:a16="http://schemas.microsoft.com/office/drawing/2014/main" id="{6C045D41-AB28-4FC5-B1AB-8E9370D98CC5}"/>
+                <a16:creationId xmlns:a16="http://schemas.microsoft.com/office/drawing/2014/main" id="{8B7B835F-8CCA-4DCC-BB81-D5E33F29A7CF}"/>
               </a:ext>
             </a:extLst>
           </p:cNvPr>
@@ -12805,7 +14200,7 @@
           <p:cNvPr id="5" name="Slide Number Placeholder 4">
             <a:extLst>
               <a:ext uri="{FF2B5EF4-FFF2-40B4-BE49-F238E27FC236}">
-                <a16:creationId xmlns:a16="http://schemas.microsoft.com/office/drawing/2014/main" id="{CE101CED-5829-44BA-B556-3A8F6B85FE68}"/>
+                <a16:creationId xmlns:a16="http://schemas.microsoft.com/office/drawing/2014/main" id="{D44B6B61-82D4-4422-A531-47F1014B23D3}"/>
               </a:ext>
             </a:extLst>
           </p:cNvPr>
@@ -12829,7 +14224,7 @@
               <a:pPr>
                 <a:defRPr/>
               </a:pPr>
-              <a:t>21</a:t>
+              <a:t>23</a:t>
             </a:fld>
             <a:endParaRPr lang="en-US" altLang="en-US"/>
           </a:p>
@@ -12838,7 +14233,7 @@
     </p:spTree>
     <p:extLst>
       <p:ext uri="{BB962C8B-B14F-4D97-AF65-F5344CB8AC3E}">
-        <p14:creationId xmlns:p14="http://schemas.microsoft.com/office/powerpoint/2010/main" val="4207414178"/>
+        <p14:creationId xmlns:p14="http://schemas.microsoft.com/office/powerpoint/2010/main" val="388318353"/>
       </p:ext>
     </p:extLst>
   </p:cSld>
@@ -13126,7 +14521,1886 @@
                                         <p:tgtEl>
                                           <p:spTgt spid="3">
                                             <p:txEl>
+                                              <p:pRg st="5" end="5"/>
+                                            </p:txEl>
+                                          </p:spTgt>
+                                        </p:tgtEl>
+                                        <p:attrNameLst>
+                                          <p:attrName>style.visibility</p:attrName>
+                                        </p:attrNameLst>
+                                      </p:cBhvr>
+                                      <p:to>
+                                        <p:strVal val="visible"/>
+                                      </p:to>
+                                    </p:set>
+                                  </p:childTnLst>
+                                </p:cTn>
+                              </p:par>
+                            </p:childTnLst>
+                          </p:cTn>
+                        </p:par>
+                      </p:childTnLst>
+                    </p:cTn>
+                  </p:par>
+                  <p:par>
+                    <p:cTn id="27" fill="hold">
+                      <p:stCondLst>
+                        <p:cond delay="indefinite"/>
+                      </p:stCondLst>
+                      <p:childTnLst>
+                        <p:par>
+                          <p:cTn id="28" fill="hold">
+                            <p:stCondLst>
+                              <p:cond delay="0"/>
+                            </p:stCondLst>
+                            <p:childTnLst>
+                              <p:par>
+                                <p:cTn id="29" presetID="1" presetClass="entr" presetSubtype="0" fill="hold" grpId="0" nodeType="clickEffect">
+                                  <p:stCondLst>
+                                    <p:cond delay="0"/>
+                                  </p:stCondLst>
+                                  <p:childTnLst>
+                                    <p:set>
+                                      <p:cBhvr>
+                                        <p:cTn id="30" dur="1" fill="hold">
+                                          <p:stCondLst>
+                                            <p:cond delay="0"/>
+                                          </p:stCondLst>
+                                        </p:cTn>
+                                        <p:tgtEl>
+                                          <p:spTgt spid="3">
+                                            <p:txEl>
                                               <p:pRg st="6" end="6"/>
+                                            </p:txEl>
+                                          </p:spTgt>
+                                        </p:tgtEl>
+                                        <p:attrNameLst>
+                                          <p:attrName>style.visibility</p:attrName>
+                                        </p:attrNameLst>
+                                      </p:cBhvr>
+                                      <p:to>
+                                        <p:strVal val="visible"/>
+                                      </p:to>
+                                    </p:set>
+                                  </p:childTnLst>
+                                </p:cTn>
+                              </p:par>
+                            </p:childTnLst>
+                          </p:cTn>
+                        </p:par>
+                      </p:childTnLst>
+                    </p:cTn>
+                  </p:par>
+                  <p:par>
+                    <p:cTn id="31" fill="hold">
+                      <p:stCondLst>
+                        <p:cond delay="indefinite"/>
+                      </p:stCondLst>
+                      <p:childTnLst>
+                        <p:par>
+                          <p:cTn id="32" fill="hold">
+                            <p:stCondLst>
+                              <p:cond delay="0"/>
+                            </p:stCondLst>
+                            <p:childTnLst>
+                              <p:par>
+                                <p:cTn id="33" presetID="1" presetClass="entr" presetSubtype="0" fill="hold" grpId="0" nodeType="clickEffect">
+                                  <p:stCondLst>
+                                    <p:cond delay="0"/>
+                                  </p:stCondLst>
+                                  <p:childTnLst>
+                                    <p:set>
+                                      <p:cBhvr>
+                                        <p:cTn id="34" dur="1" fill="hold">
+                                          <p:stCondLst>
+                                            <p:cond delay="0"/>
+                                          </p:stCondLst>
+                                        </p:cTn>
+                                        <p:tgtEl>
+                                          <p:spTgt spid="3">
+                                            <p:txEl>
+                                              <p:pRg st="7" end="7"/>
+                                            </p:txEl>
+                                          </p:spTgt>
+                                        </p:tgtEl>
+                                        <p:attrNameLst>
+                                          <p:attrName>style.visibility</p:attrName>
+                                        </p:attrNameLst>
+                                      </p:cBhvr>
+                                      <p:to>
+                                        <p:strVal val="visible"/>
+                                      </p:to>
+                                    </p:set>
+                                  </p:childTnLst>
+                                </p:cTn>
+                              </p:par>
+                            </p:childTnLst>
+                          </p:cTn>
+                        </p:par>
+                      </p:childTnLst>
+                    </p:cTn>
+                  </p:par>
+                </p:childTnLst>
+              </p:cTn>
+              <p:prevCondLst>
+                <p:cond evt="onPrev" delay="0">
+                  <p:tgtEl>
+                    <p:sldTgt/>
+                  </p:tgtEl>
+                </p:cond>
+              </p:prevCondLst>
+              <p:nextCondLst>
+                <p:cond evt="onNext" delay="0">
+                  <p:tgtEl>
+                    <p:sldTgt/>
+                  </p:tgtEl>
+                </p:cond>
+              </p:nextCondLst>
+            </p:seq>
+          </p:childTnLst>
+        </p:cTn>
+      </p:par>
+    </p:tnLst>
+    <p:bldLst>
+      <p:bldP spid="3" grpId="0" uiExpand="1" build="p"/>
+    </p:bldLst>
+  </p:timing>
+</p:sld>
+</file>
+
+<file path=ppt/slides/slide24.xml><?xml version="1.0" encoding="utf-8"?>
+<p:sld xmlns:a="http://schemas.openxmlformats.org/drawingml/2006/main" xmlns:r="http://schemas.openxmlformats.org/officeDocument/2006/relationships" xmlns:p="http://schemas.openxmlformats.org/presentationml/2006/main">
+  <p:cSld>
+    <p:spTree>
+      <p:nvGrpSpPr>
+        <p:cNvPr id="1" name=""/>
+        <p:cNvGrpSpPr/>
+        <p:nvPr/>
+      </p:nvGrpSpPr>
+      <p:grpSpPr>
+        <a:xfrm>
+          <a:off x="0" y="0"/>
+          <a:ext cx="0" cy="0"/>
+          <a:chOff x="0" y="0"/>
+          <a:chExt cx="0" cy="0"/>
+        </a:xfrm>
+      </p:grpSpPr>
+      <p:pic>
+        <p:nvPicPr>
+          <p:cNvPr id="3074" name="Picture 2" descr="Volumetric Infusion Pump | NXP FRDM | Maker Pro">
+            <a:extLst>
+              <a:ext uri="{FF2B5EF4-FFF2-40B4-BE49-F238E27FC236}">
+                <a16:creationId xmlns:a16="http://schemas.microsoft.com/office/drawing/2014/main" id="{1291793B-A6E6-426D-AF0A-EA551648CF4B}"/>
+              </a:ext>
+            </a:extLst>
+          </p:cNvPr>
+          <p:cNvPicPr>
+            <a:picLocks noChangeAspect="1" noChangeArrowheads="1"/>
+          </p:cNvPicPr>
+          <p:nvPr/>
+        </p:nvPicPr>
+        <p:blipFill>
+          <a:blip r:embed="rId2">
+            <a:extLst>
+              <a:ext uri="{28A0092B-C50C-407E-A947-70E740481C1C}">
+                <a14:useLocalDpi xmlns:a14="http://schemas.microsoft.com/office/drawing/2010/main" val="0"/>
+              </a:ext>
+            </a:extLst>
+          </a:blip>
+          <a:srcRect/>
+          <a:stretch>
+            <a:fillRect/>
+          </a:stretch>
+        </p:blipFill>
+        <p:spPr bwMode="auto">
+          <a:xfrm>
+            <a:off x="-30480" y="2895599"/>
+            <a:ext cx="5593080" cy="3472371"/>
+          </a:xfrm>
+          <a:prstGeom prst="rect">
+            <a:avLst/>
+          </a:prstGeom>
+          <a:noFill/>
+          <a:extLst>
+            <a:ext uri="{909E8E84-426E-40DD-AFC4-6F175D3DCCD1}">
+              <a14:hiddenFill xmlns:a14="http://schemas.microsoft.com/office/drawing/2010/main">
+                <a:solidFill>
+                  <a:srgbClr val="FFFFFF"/>
+                </a:solidFill>
+              </a14:hiddenFill>
+            </a:ext>
+          </a:extLst>
+        </p:spPr>
+      </p:pic>
+      <p:sp>
+        <p:nvSpPr>
+          <p:cNvPr id="2" name="Title 1">
+            <a:extLst>
+              <a:ext uri="{FF2B5EF4-FFF2-40B4-BE49-F238E27FC236}">
+                <a16:creationId xmlns:a16="http://schemas.microsoft.com/office/drawing/2014/main" id="{70202DFE-9F2E-4C24-8C00-F452A5F32DB3}"/>
+              </a:ext>
+            </a:extLst>
+          </p:cNvPr>
+          <p:cNvSpPr>
+            <a:spLocks noGrp="1"/>
+          </p:cNvSpPr>
+          <p:nvPr>
+            <p:ph type="title"/>
+          </p:nvPr>
+        </p:nvSpPr>
+        <p:spPr/>
+        <p:txBody>
+          <a:bodyPr/>
+          <a:lstStyle/>
+          <a:p>
+            <a:r>
+              <a:rPr lang="en-US" dirty="0"/>
+              <a:t>Modularity</a:t>
+            </a:r>
+          </a:p>
+        </p:txBody>
+      </p:sp>
+      <p:sp>
+        <p:nvSpPr>
+          <p:cNvPr id="3" name="Content Placeholder 2">
+            <a:extLst>
+              <a:ext uri="{FF2B5EF4-FFF2-40B4-BE49-F238E27FC236}">
+                <a16:creationId xmlns:a16="http://schemas.microsoft.com/office/drawing/2014/main" id="{1F4059A6-9018-4FD5-942D-9D83FF99E6FD}"/>
+              </a:ext>
+            </a:extLst>
+          </p:cNvPr>
+          <p:cNvSpPr>
+            <a:spLocks noGrp="1"/>
+          </p:cNvSpPr>
+          <p:nvPr>
+            <p:ph idx="1"/>
+          </p:nvPr>
+        </p:nvSpPr>
+        <p:spPr>
+          <a:xfrm>
+            <a:off x="152400" y="1446211"/>
+            <a:ext cx="8839200" cy="2592389"/>
+          </a:xfrm>
+        </p:spPr>
+        <p:txBody>
+          <a:bodyPr/>
+          <a:lstStyle/>
+          <a:p>
+            <a:r>
+              <a:rPr lang="en-US" dirty="0"/>
+              <a:t>Changes in one part should not destabilize others</a:t>
+            </a:r>
+          </a:p>
+          <a:p>
+            <a:pPr lvl="1"/>
+            <a:r>
+              <a:rPr lang="en-US" dirty="0"/>
+              <a:t>components of the system as independent as possible</a:t>
+            </a:r>
+          </a:p>
+          <a:p>
+            <a:r>
+              <a:rPr lang="en-US" dirty="0"/>
+              <a:t>Isolating change</a:t>
+            </a:r>
+          </a:p>
+        </p:txBody>
+      </p:sp>
+      <p:sp>
+        <p:nvSpPr>
+          <p:cNvPr id="4" name="Date Placeholder 3">
+            <a:extLst>
+              <a:ext uri="{FF2B5EF4-FFF2-40B4-BE49-F238E27FC236}">
+                <a16:creationId xmlns:a16="http://schemas.microsoft.com/office/drawing/2014/main" id="{B565352A-A131-4765-81A2-002E69E86555}"/>
+              </a:ext>
+            </a:extLst>
+          </p:cNvPr>
+          <p:cNvSpPr>
+            <a:spLocks noGrp="1"/>
+          </p:cNvSpPr>
+          <p:nvPr>
+            <p:ph type="dt" sz="half" idx="10"/>
+          </p:nvPr>
+        </p:nvSpPr>
+        <p:spPr/>
+        <p:txBody>
+          <a:bodyPr/>
+          <a:lstStyle/>
+          <a:p>
+            <a:pPr>
+              <a:defRPr/>
+            </a:pPr>
+            <a:r>
+              <a:rPr lang="en-US"/>
+              <a:t>21/12/2020</a:t>
+            </a:r>
+          </a:p>
+        </p:txBody>
+      </p:sp>
+      <p:sp>
+        <p:nvSpPr>
+          <p:cNvPr id="5" name="Slide Number Placeholder 4">
+            <a:extLst>
+              <a:ext uri="{FF2B5EF4-FFF2-40B4-BE49-F238E27FC236}">
+                <a16:creationId xmlns:a16="http://schemas.microsoft.com/office/drawing/2014/main" id="{C9F1381E-828C-47E7-8DCC-709BE4E32465}"/>
+              </a:ext>
+            </a:extLst>
+          </p:cNvPr>
+          <p:cNvSpPr>
+            <a:spLocks noGrp="1"/>
+          </p:cNvSpPr>
+          <p:nvPr>
+            <p:ph type="sldNum" sz="quarter" idx="12"/>
+          </p:nvPr>
+        </p:nvSpPr>
+        <p:spPr/>
+        <p:txBody>
+          <a:bodyPr/>
+          <a:lstStyle/>
+          <a:p>
+            <a:pPr>
+              <a:defRPr/>
+            </a:pPr>
+            <a:fld id="{CA887A73-1AE0-46F8-856A-18EA1CF30A1B}" type="slidenum">
+              <a:rPr lang="en-US" altLang="en-US" smtClean="0"/>
+              <a:pPr>
+                <a:defRPr/>
+              </a:pPr>
+              <a:t>24</a:t>
+            </a:fld>
+            <a:endParaRPr lang="en-US" altLang="en-US"/>
+          </a:p>
+        </p:txBody>
+      </p:sp>
+      <p:sp>
+        <p:nvSpPr>
+          <p:cNvPr id="7" name="Content Placeholder 2">
+            <a:extLst>
+              <a:ext uri="{FF2B5EF4-FFF2-40B4-BE49-F238E27FC236}">
+                <a16:creationId xmlns:a16="http://schemas.microsoft.com/office/drawing/2014/main" id="{1A6CECFA-98A8-420B-9595-EFB15651E611}"/>
+              </a:ext>
+            </a:extLst>
+          </p:cNvPr>
+          <p:cNvSpPr txBox="1">
+            <a:spLocks/>
+          </p:cNvSpPr>
+          <p:nvPr/>
+        </p:nvSpPr>
+        <p:spPr bwMode="auto">
+          <a:xfrm>
+            <a:off x="5257800" y="2666999"/>
+            <a:ext cx="3886200" cy="3946523"/>
+          </a:xfrm>
+          <a:prstGeom prst="rect">
+            <a:avLst/>
+          </a:prstGeom>
+          <a:noFill/>
+          <a:ln>
+            <a:noFill/>
+          </a:ln>
+          <a:extLst>
+            <a:ext uri="{909E8E84-426E-40DD-AFC4-6F175D3DCCD1}">
+              <a14:hiddenFill xmlns:a14="http://schemas.microsoft.com/office/drawing/2010/main">
+                <a:solidFill>
+                  <a:srgbClr val="FFFFFF"/>
+                </a:solidFill>
+              </a14:hiddenFill>
+            </a:ext>
+            <a:ext uri="{91240B29-F687-4F45-9708-019B960494DF}">
+              <a14:hiddenLine xmlns:a14="http://schemas.microsoft.com/office/drawing/2010/main" w="9525">
+                <a:solidFill>
+                  <a:srgbClr val="000000"/>
+                </a:solidFill>
+                <a:miter lim="800000"/>
+                <a:headEnd/>
+                <a:tailEnd/>
+              </a14:hiddenLine>
+            </a:ext>
+          </a:extLst>
+        </p:spPr>
+        <p:txBody>
+          <a:bodyPr vert="horz" wrap="square" lIns="91440" tIns="45720" rIns="91440" bIns="45720" numCol="1" anchor="t" anchorCtr="0" compatLnSpc="1">
+            <a:prstTxWarp prst="textNoShape">
+              <a:avLst/>
+            </a:prstTxWarp>
+          </a:bodyPr>
+          <a:lstStyle>
+            <a:lvl1pPr marL="342900" indent="-342900" algn="l" rtl="0" eaLnBrk="0" fontAlgn="base" hangingPunct="0">
+              <a:spcBef>
+                <a:spcPct val="20000"/>
+              </a:spcBef>
+              <a:spcAft>
+                <a:spcPct val="0"/>
+              </a:spcAft>
+              <a:buFont typeface="Arial" panose="020B0604020202020204" pitchFamily="34" charset="0"/>
+              <a:buChar char="•"/>
+              <a:defRPr sz="3200" kern="1200">
+                <a:solidFill>
+                  <a:schemeClr val="tx1">
+                    <a:lumMod val="50000"/>
+                    <a:lumOff val="50000"/>
+                  </a:schemeClr>
+                </a:solidFill>
+                <a:latin typeface="+mn-lt"/>
+                <a:ea typeface="+mn-ea"/>
+                <a:cs typeface="+mn-cs"/>
+              </a:defRPr>
+            </a:lvl1pPr>
+            <a:lvl2pPr marL="742950" indent="-285750" algn="l" rtl="0" eaLnBrk="0" fontAlgn="base" hangingPunct="0">
+              <a:spcBef>
+                <a:spcPct val="20000"/>
+              </a:spcBef>
+              <a:spcAft>
+                <a:spcPct val="0"/>
+              </a:spcAft>
+              <a:buFont typeface="Arial" panose="020B0604020202020204" pitchFamily="34" charset="0"/>
+              <a:buChar char="–"/>
+              <a:defRPr sz="2800" kern="1200">
+                <a:solidFill>
+                  <a:schemeClr val="tx1">
+                    <a:lumMod val="50000"/>
+                    <a:lumOff val="50000"/>
+                  </a:schemeClr>
+                </a:solidFill>
+                <a:latin typeface="+mn-lt"/>
+                <a:ea typeface="+mn-ea"/>
+                <a:cs typeface="+mn-cs"/>
+              </a:defRPr>
+            </a:lvl2pPr>
+            <a:lvl3pPr marL="1143000" indent="-228600" algn="l" rtl="0" eaLnBrk="0" fontAlgn="base" hangingPunct="0">
+              <a:spcBef>
+                <a:spcPct val="20000"/>
+              </a:spcBef>
+              <a:spcAft>
+                <a:spcPct val="0"/>
+              </a:spcAft>
+              <a:buFont typeface="Arial" panose="020B0604020202020204" pitchFamily="34" charset="0"/>
+              <a:buChar char="•"/>
+              <a:defRPr sz="2400" kern="1200">
+                <a:solidFill>
+                  <a:schemeClr val="tx1">
+                    <a:lumMod val="50000"/>
+                    <a:lumOff val="50000"/>
+                  </a:schemeClr>
+                </a:solidFill>
+                <a:latin typeface="+mn-lt"/>
+                <a:ea typeface="+mn-ea"/>
+                <a:cs typeface="+mn-cs"/>
+              </a:defRPr>
+            </a:lvl3pPr>
+            <a:lvl4pPr marL="1600200" indent="-228600" algn="l" rtl="0" eaLnBrk="0" fontAlgn="base" hangingPunct="0">
+              <a:spcBef>
+                <a:spcPct val="20000"/>
+              </a:spcBef>
+              <a:spcAft>
+                <a:spcPct val="0"/>
+              </a:spcAft>
+              <a:buFont typeface="Arial" panose="020B0604020202020204" pitchFamily="34" charset="0"/>
+              <a:buChar char="–"/>
+              <a:defRPr sz="2000" kern="1200">
+                <a:solidFill>
+                  <a:schemeClr val="tx1">
+                    <a:lumMod val="50000"/>
+                    <a:lumOff val="50000"/>
+                  </a:schemeClr>
+                </a:solidFill>
+                <a:latin typeface="+mn-lt"/>
+                <a:ea typeface="+mn-ea"/>
+                <a:cs typeface="+mn-cs"/>
+              </a:defRPr>
+            </a:lvl4pPr>
+            <a:lvl5pPr marL="2057400" indent="-228600" algn="l" rtl="0" eaLnBrk="0" fontAlgn="base" hangingPunct="0">
+              <a:spcBef>
+                <a:spcPct val="20000"/>
+              </a:spcBef>
+              <a:spcAft>
+                <a:spcPct val="0"/>
+              </a:spcAft>
+              <a:buFont typeface="Arial" panose="020B0604020202020204" pitchFamily="34" charset="0"/>
+              <a:buChar char="»"/>
+              <a:defRPr sz="2000" kern="1200">
+                <a:solidFill>
+                  <a:schemeClr val="tx1">
+                    <a:lumMod val="50000"/>
+                    <a:lumOff val="50000"/>
+                  </a:schemeClr>
+                </a:solidFill>
+                <a:latin typeface="+mn-lt"/>
+                <a:ea typeface="+mn-ea"/>
+                <a:cs typeface="+mn-cs"/>
+              </a:defRPr>
+            </a:lvl5pPr>
+            <a:lvl6pPr marL="2514600" indent="-228600" algn="l" defTabSz="914400" rtl="0" eaLnBrk="1" latinLnBrk="0" hangingPunct="1">
+              <a:spcBef>
+                <a:spcPct val="20000"/>
+              </a:spcBef>
+              <a:buFont typeface="Arial" pitchFamily="34" charset="0"/>
+              <a:buChar char="•"/>
+              <a:defRPr sz="2000" kern="1200">
+                <a:solidFill>
+                  <a:schemeClr val="tx1"/>
+                </a:solidFill>
+                <a:latin typeface="+mn-lt"/>
+                <a:ea typeface="+mn-ea"/>
+                <a:cs typeface="+mn-cs"/>
+              </a:defRPr>
+            </a:lvl6pPr>
+            <a:lvl7pPr marL="2971800" indent="-228600" algn="l" defTabSz="914400" rtl="0" eaLnBrk="1" latinLnBrk="0" hangingPunct="1">
+              <a:spcBef>
+                <a:spcPct val="20000"/>
+              </a:spcBef>
+              <a:buFont typeface="Arial" pitchFamily="34" charset="0"/>
+              <a:buChar char="•"/>
+              <a:defRPr sz="2000" kern="1200">
+                <a:solidFill>
+                  <a:schemeClr val="tx1"/>
+                </a:solidFill>
+                <a:latin typeface="+mn-lt"/>
+                <a:ea typeface="+mn-ea"/>
+                <a:cs typeface="+mn-cs"/>
+              </a:defRPr>
+            </a:lvl7pPr>
+            <a:lvl8pPr marL="3429000" indent="-228600" algn="l" defTabSz="914400" rtl="0" eaLnBrk="1" latinLnBrk="0" hangingPunct="1">
+              <a:spcBef>
+                <a:spcPct val="20000"/>
+              </a:spcBef>
+              <a:buFont typeface="Arial" pitchFamily="34" charset="0"/>
+              <a:buChar char="•"/>
+              <a:defRPr sz="2000" kern="1200">
+                <a:solidFill>
+                  <a:schemeClr val="tx1"/>
+                </a:solidFill>
+                <a:latin typeface="+mn-lt"/>
+                <a:ea typeface="+mn-ea"/>
+                <a:cs typeface="+mn-cs"/>
+              </a:defRPr>
+            </a:lvl8pPr>
+            <a:lvl9pPr marL="3886200" indent="-228600" algn="l" defTabSz="914400" rtl="0" eaLnBrk="1" latinLnBrk="0" hangingPunct="1">
+              <a:spcBef>
+                <a:spcPct val="20000"/>
+              </a:spcBef>
+              <a:buFont typeface="Arial" pitchFamily="34" charset="0"/>
+              <a:buChar char="•"/>
+              <a:defRPr sz="2000" kern="1200">
+                <a:solidFill>
+                  <a:schemeClr val="tx1"/>
+                </a:solidFill>
+                <a:latin typeface="+mn-lt"/>
+                <a:ea typeface="+mn-ea"/>
+                <a:cs typeface="+mn-cs"/>
+              </a:defRPr>
+            </a:lvl9pPr>
+          </a:lstStyle>
+          <a:p>
+            <a:pPr marL="0" indent="0">
+              <a:buNone/>
+            </a:pPr>
+            <a:r>
+              <a:rPr lang="en-US" sz="2250" dirty="0"/>
+              <a:t>Infusion pump example</a:t>
+            </a:r>
+          </a:p>
+          <a:p>
+            <a:r>
+              <a:rPr lang="en-US" sz="2250" dirty="0"/>
+              <a:t>What can change over time?</a:t>
+            </a:r>
+          </a:p>
+          <a:p>
+            <a:r>
+              <a:rPr lang="en-US" sz="2250" dirty="0"/>
+              <a:t>What are the different functions that can and should remain independent?</a:t>
+            </a:r>
+          </a:p>
+          <a:p>
+            <a:r>
+              <a:rPr lang="en-US" sz="2250" dirty="0"/>
+              <a:t>Sensor replaced </a:t>
+            </a:r>
+            <a:r>
+              <a:rPr lang="en-US" sz="2250" dirty="0">
+                <a:sym typeface="Wingdings" panose="05000000000000000000" pitchFamily="2" charset="2"/>
+              </a:rPr>
+              <a:t></a:t>
+            </a:r>
+          </a:p>
+          <a:p>
+            <a:pPr lvl="1"/>
+            <a:r>
+              <a:rPr lang="en-US" sz="2250" dirty="0">
+                <a:sym typeface="Wingdings" panose="05000000000000000000" pitchFamily="2" charset="2"/>
+              </a:rPr>
+              <a:t>Should control behavior change?</a:t>
+            </a:r>
+          </a:p>
+          <a:p>
+            <a:pPr lvl="1"/>
+            <a:r>
+              <a:rPr lang="en-US" sz="2250" dirty="0">
+                <a:sym typeface="Wingdings" panose="05000000000000000000" pitchFamily="2" charset="2"/>
+              </a:rPr>
+              <a:t>Control code?</a:t>
+            </a:r>
+            <a:endParaRPr lang="en-US" sz="2250" dirty="0"/>
+          </a:p>
+        </p:txBody>
+      </p:sp>
+    </p:spTree>
+    <p:extLst>
+      <p:ext uri="{BB962C8B-B14F-4D97-AF65-F5344CB8AC3E}">
+        <p14:creationId xmlns:p14="http://schemas.microsoft.com/office/powerpoint/2010/main" val="2419315078"/>
+      </p:ext>
+    </p:extLst>
+  </p:cSld>
+  <p:clrMapOvr>
+    <a:masterClrMapping/>
+  </p:clrMapOvr>
+  <p:timing>
+    <p:tnLst>
+      <p:par>
+        <p:cTn id="1" dur="indefinite" restart="never" nodeType="tmRoot">
+          <p:childTnLst>
+            <p:seq concurrent="1" nextAc="seek">
+              <p:cTn id="2" dur="indefinite" nodeType="mainSeq">
+                <p:childTnLst>
+                  <p:par>
+                    <p:cTn id="3" fill="hold">
+                      <p:stCondLst>
+                        <p:cond delay="indefinite"/>
+                      </p:stCondLst>
+                      <p:childTnLst>
+                        <p:par>
+                          <p:cTn id="4" fill="hold">
+                            <p:stCondLst>
+                              <p:cond delay="0"/>
+                            </p:stCondLst>
+                            <p:childTnLst>
+                              <p:par>
+                                <p:cTn id="5" presetID="1" presetClass="entr" presetSubtype="0" fill="hold" grpId="0" nodeType="clickEffect">
+                                  <p:stCondLst>
+                                    <p:cond delay="0"/>
+                                  </p:stCondLst>
+                                  <p:childTnLst>
+                                    <p:set>
+                                      <p:cBhvr>
+                                        <p:cTn id="6" dur="1" fill="hold">
+                                          <p:stCondLst>
+                                            <p:cond delay="0"/>
+                                          </p:stCondLst>
+                                        </p:cTn>
+                                        <p:tgtEl>
+                                          <p:spTgt spid="3">
+                                            <p:txEl>
+                                              <p:pRg st="0" end="0"/>
+                                            </p:txEl>
+                                          </p:spTgt>
+                                        </p:tgtEl>
+                                        <p:attrNameLst>
+                                          <p:attrName>style.visibility</p:attrName>
+                                        </p:attrNameLst>
+                                      </p:cBhvr>
+                                      <p:to>
+                                        <p:strVal val="visible"/>
+                                      </p:to>
+                                    </p:set>
+                                  </p:childTnLst>
+                                </p:cTn>
+                              </p:par>
+                              <p:par>
+                                <p:cTn id="7" presetID="1" presetClass="entr" presetSubtype="0" fill="hold" grpId="0" nodeType="withEffect">
+                                  <p:stCondLst>
+                                    <p:cond delay="0"/>
+                                  </p:stCondLst>
+                                  <p:childTnLst>
+                                    <p:set>
+                                      <p:cBhvr>
+                                        <p:cTn id="8" dur="1" fill="hold">
+                                          <p:stCondLst>
+                                            <p:cond delay="0"/>
+                                          </p:stCondLst>
+                                        </p:cTn>
+                                        <p:tgtEl>
+                                          <p:spTgt spid="3">
+                                            <p:txEl>
+                                              <p:pRg st="1" end="1"/>
+                                            </p:txEl>
+                                          </p:spTgt>
+                                        </p:tgtEl>
+                                        <p:attrNameLst>
+                                          <p:attrName>style.visibility</p:attrName>
+                                        </p:attrNameLst>
+                                      </p:cBhvr>
+                                      <p:to>
+                                        <p:strVal val="visible"/>
+                                      </p:to>
+                                    </p:set>
+                                  </p:childTnLst>
+                                </p:cTn>
+                              </p:par>
+                            </p:childTnLst>
+                          </p:cTn>
+                        </p:par>
+                      </p:childTnLst>
+                    </p:cTn>
+                  </p:par>
+                  <p:par>
+                    <p:cTn id="9" fill="hold">
+                      <p:stCondLst>
+                        <p:cond delay="indefinite"/>
+                      </p:stCondLst>
+                      <p:childTnLst>
+                        <p:par>
+                          <p:cTn id="10" fill="hold">
+                            <p:stCondLst>
+                              <p:cond delay="0"/>
+                            </p:stCondLst>
+                            <p:childTnLst>
+                              <p:par>
+                                <p:cTn id="11" presetID="1" presetClass="entr" presetSubtype="0" fill="hold" grpId="0" nodeType="clickEffect">
+                                  <p:stCondLst>
+                                    <p:cond delay="0"/>
+                                  </p:stCondLst>
+                                  <p:childTnLst>
+                                    <p:set>
+                                      <p:cBhvr>
+                                        <p:cTn id="12" dur="1" fill="hold">
+                                          <p:stCondLst>
+                                            <p:cond delay="0"/>
+                                          </p:stCondLst>
+                                        </p:cTn>
+                                        <p:tgtEl>
+                                          <p:spTgt spid="3">
+                                            <p:txEl>
+                                              <p:pRg st="2" end="2"/>
+                                            </p:txEl>
+                                          </p:spTgt>
+                                        </p:tgtEl>
+                                        <p:attrNameLst>
+                                          <p:attrName>style.visibility</p:attrName>
+                                        </p:attrNameLst>
+                                      </p:cBhvr>
+                                      <p:to>
+                                        <p:strVal val="visible"/>
+                                      </p:to>
+                                    </p:set>
+                                  </p:childTnLst>
+                                </p:cTn>
+                              </p:par>
+                            </p:childTnLst>
+                          </p:cTn>
+                        </p:par>
+                      </p:childTnLst>
+                    </p:cTn>
+                  </p:par>
+                  <p:par>
+                    <p:cTn id="13" fill="hold">
+                      <p:stCondLst>
+                        <p:cond delay="indefinite"/>
+                      </p:stCondLst>
+                      <p:childTnLst>
+                        <p:par>
+                          <p:cTn id="14" fill="hold">
+                            <p:stCondLst>
+                              <p:cond delay="0"/>
+                            </p:stCondLst>
+                            <p:childTnLst>
+                              <p:par>
+                                <p:cTn id="15" presetID="1" presetClass="entr" presetSubtype="0" fill="hold" nodeType="clickEffect">
+                                  <p:stCondLst>
+                                    <p:cond delay="0"/>
+                                  </p:stCondLst>
+                                  <p:childTnLst>
+                                    <p:set>
+                                      <p:cBhvr>
+                                        <p:cTn id="16" dur="1" fill="hold">
+                                          <p:stCondLst>
+                                            <p:cond delay="0"/>
+                                          </p:stCondLst>
+                                        </p:cTn>
+                                        <p:tgtEl>
+                                          <p:spTgt spid="3074"/>
+                                        </p:tgtEl>
+                                        <p:attrNameLst>
+                                          <p:attrName>style.visibility</p:attrName>
+                                        </p:attrNameLst>
+                                      </p:cBhvr>
+                                      <p:to>
+                                        <p:strVal val="visible"/>
+                                      </p:to>
+                                    </p:set>
+                                  </p:childTnLst>
+                                </p:cTn>
+                              </p:par>
+                            </p:childTnLst>
+                          </p:cTn>
+                        </p:par>
+                      </p:childTnLst>
+                    </p:cTn>
+                  </p:par>
+                  <p:par>
+                    <p:cTn id="17" fill="hold">
+                      <p:stCondLst>
+                        <p:cond delay="indefinite"/>
+                      </p:stCondLst>
+                      <p:childTnLst>
+                        <p:par>
+                          <p:cTn id="18" fill="hold">
+                            <p:stCondLst>
+                              <p:cond delay="0"/>
+                            </p:stCondLst>
+                            <p:childTnLst>
+                              <p:par>
+                                <p:cTn id="19" presetID="1" presetClass="entr" presetSubtype="0" fill="hold" grpId="0" nodeType="clickEffect">
+                                  <p:stCondLst>
+                                    <p:cond delay="0"/>
+                                  </p:stCondLst>
+                                  <p:childTnLst>
+                                    <p:set>
+                                      <p:cBhvr>
+                                        <p:cTn id="20" dur="1" fill="hold">
+                                          <p:stCondLst>
+                                            <p:cond delay="0"/>
+                                          </p:stCondLst>
+                                        </p:cTn>
+                                        <p:tgtEl>
+                                          <p:spTgt spid="7">
+                                            <p:txEl>
+                                              <p:pRg st="0" end="0"/>
+                                            </p:txEl>
+                                          </p:spTgt>
+                                        </p:tgtEl>
+                                        <p:attrNameLst>
+                                          <p:attrName>style.visibility</p:attrName>
+                                        </p:attrNameLst>
+                                      </p:cBhvr>
+                                      <p:to>
+                                        <p:strVal val="visible"/>
+                                      </p:to>
+                                    </p:set>
+                                  </p:childTnLst>
+                                </p:cTn>
+                              </p:par>
+                            </p:childTnLst>
+                          </p:cTn>
+                        </p:par>
+                      </p:childTnLst>
+                    </p:cTn>
+                  </p:par>
+                  <p:par>
+                    <p:cTn id="21" fill="hold">
+                      <p:stCondLst>
+                        <p:cond delay="indefinite"/>
+                      </p:stCondLst>
+                      <p:childTnLst>
+                        <p:par>
+                          <p:cTn id="22" fill="hold">
+                            <p:stCondLst>
+                              <p:cond delay="0"/>
+                            </p:stCondLst>
+                            <p:childTnLst>
+                              <p:par>
+                                <p:cTn id="23" presetID="1" presetClass="entr" presetSubtype="0" fill="hold" grpId="0" nodeType="clickEffect">
+                                  <p:stCondLst>
+                                    <p:cond delay="0"/>
+                                  </p:stCondLst>
+                                  <p:childTnLst>
+                                    <p:set>
+                                      <p:cBhvr>
+                                        <p:cTn id="24" dur="1" fill="hold">
+                                          <p:stCondLst>
+                                            <p:cond delay="0"/>
+                                          </p:stCondLst>
+                                        </p:cTn>
+                                        <p:tgtEl>
+                                          <p:spTgt spid="7">
+                                            <p:txEl>
+                                              <p:pRg st="1" end="1"/>
+                                            </p:txEl>
+                                          </p:spTgt>
+                                        </p:tgtEl>
+                                        <p:attrNameLst>
+                                          <p:attrName>style.visibility</p:attrName>
+                                        </p:attrNameLst>
+                                      </p:cBhvr>
+                                      <p:to>
+                                        <p:strVal val="visible"/>
+                                      </p:to>
+                                    </p:set>
+                                  </p:childTnLst>
+                                </p:cTn>
+                              </p:par>
+                            </p:childTnLst>
+                          </p:cTn>
+                        </p:par>
+                      </p:childTnLst>
+                    </p:cTn>
+                  </p:par>
+                  <p:par>
+                    <p:cTn id="25" fill="hold">
+                      <p:stCondLst>
+                        <p:cond delay="indefinite"/>
+                      </p:stCondLst>
+                      <p:childTnLst>
+                        <p:par>
+                          <p:cTn id="26" fill="hold">
+                            <p:stCondLst>
+                              <p:cond delay="0"/>
+                            </p:stCondLst>
+                            <p:childTnLst>
+                              <p:par>
+                                <p:cTn id="27" presetID="1" presetClass="entr" presetSubtype="0" fill="hold" grpId="0" nodeType="clickEffect">
+                                  <p:stCondLst>
+                                    <p:cond delay="0"/>
+                                  </p:stCondLst>
+                                  <p:childTnLst>
+                                    <p:set>
+                                      <p:cBhvr>
+                                        <p:cTn id="28" dur="1" fill="hold">
+                                          <p:stCondLst>
+                                            <p:cond delay="0"/>
+                                          </p:stCondLst>
+                                        </p:cTn>
+                                        <p:tgtEl>
+                                          <p:spTgt spid="7">
+                                            <p:txEl>
+                                              <p:pRg st="2" end="2"/>
+                                            </p:txEl>
+                                          </p:spTgt>
+                                        </p:tgtEl>
+                                        <p:attrNameLst>
+                                          <p:attrName>style.visibility</p:attrName>
+                                        </p:attrNameLst>
+                                      </p:cBhvr>
+                                      <p:to>
+                                        <p:strVal val="visible"/>
+                                      </p:to>
+                                    </p:set>
+                                  </p:childTnLst>
+                                </p:cTn>
+                              </p:par>
+                            </p:childTnLst>
+                          </p:cTn>
+                        </p:par>
+                      </p:childTnLst>
+                    </p:cTn>
+                  </p:par>
+                  <p:par>
+                    <p:cTn id="29" fill="hold">
+                      <p:stCondLst>
+                        <p:cond delay="indefinite"/>
+                      </p:stCondLst>
+                      <p:childTnLst>
+                        <p:par>
+                          <p:cTn id="30" fill="hold">
+                            <p:stCondLst>
+                              <p:cond delay="0"/>
+                            </p:stCondLst>
+                            <p:childTnLst>
+                              <p:par>
+                                <p:cTn id="31" presetID="1" presetClass="entr" presetSubtype="0" fill="hold" grpId="0" nodeType="clickEffect">
+                                  <p:stCondLst>
+                                    <p:cond delay="0"/>
+                                  </p:stCondLst>
+                                  <p:childTnLst>
+                                    <p:set>
+                                      <p:cBhvr>
+                                        <p:cTn id="32" dur="1" fill="hold">
+                                          <p:stCondLst>
+                                            <p:cond delay="0"/>
+                                          </p:stCondLst>
+                                        </p:cTn>
+                                        <p:tgtEl>
+                                          <p:spTgt spid="7">
+                                            <p:txEl>
+                                              <p:pRg st="3" end="3"/>
+                                            </p:txEl>
+                                          </p:spTgt>
+                                        </p:tgtEl>
+                                        <p:attrNameLst>
+                                          <p:attrName>style.visibility</p:attrName>
+                                        </p:attrNameLst>
+                                      </p:cBhvr>
+                                      <p:to>
+                                        <p:strVal val="visible"/>
+                                      </p:to>
+                                    </p:set>
+                                  </p:childTnLst>
+                                </p:cTn>
+                              </p:par>
+                            </p:childTnLst>
+                          </p:cTn>
+                        </p:par>
+                      </p:childTnLst>
+                    </p:cTn>
+                  </p:par>
+                  <p:par>
+                    <p:cTn id="33" fill="hold">
+                      <p:stCondLst>
+                        <p:cond delay="indefinite"/>
+                      </p:stCondLst>
+                      <p:childTnLst>
+                        <p:par>
+                          <p:cTn id="34" fill="hold">
+                            <p:stCondLst>
+                              <p:cond delay="0"/>
+                            </p:stCondLst>
+                            <p:childTnLst>
+                              <p:par>
+                                <p:cTn id="35" presetID="1" presetClass="entr" presetSubtype="0" fill="hold" grpId="0" nodeType="clickEffect">
+                                  <p:stCondLst>
+                                    <p:cond delay="0"/>
+                                  </p:stCondLst>
+                                  <p:childTnLst>
+                                    <p:set>
+                                      <p:cBhvr>
+                                        <p:cTn id="36" dur="1" fill="hold">
+                                          <p:stCondLst>
+                                            <p:cond delay="0"/>
+                                          </p:stCondLst>
+                                        </p:cTn>
+                                        <p:tgtEl>
+                                          <p:spTgt spid="7">
+                                            <p:txEl>
+                                              <p:pRg st="4" end="4"/>
+                                            </p:txEl>
+                                          </p:spTgt>
+                                        </p:tgtEl>
+                                        <p:attrNameLst>
+                                          <p:attrName>style.visibility</p:attrName>
+                                        </p:attrNameLst>
+                                      </p:cBhvr>
+                                      <p:to>
+                                        <p:strVal val="visible"/>
+                                      </p:to>
+                                    </p:set>
+                                  </p:childTnLst>
+                                </p:cTn>
+                              </p:par>
+                            </p:childTnLst>
+                          </p:cTn>
+                        </p:par>
+                      </p:childTnLst>
+                    </p:cTn>
+                  </p:par>
+                  <p:par>
+                    <p:cTn id="37" fill="hold">
+                      <p:stCondLst>
+                        <p:cond delay="indefinite"/>
+                      </p:stCondLst>
+                      <p:childTnLst>
+                        <p:par>
+                          <p:cTn id="38" fill="hold">
+                            <p:stCondLst>
+                              <p:cond delay="0"/>
+                            </p:stCondLst>
+                            <p:childTnLst>
+                              <p:par>
+                                <p:cTn id="39" presetID="1" presetClass="entr" presetSubtype="0" fill="hold" grpId="0" nodeType="clickEffect">
+                                  <p:stCondLst>
+                                    <p:cond delay="0"/>
+                                  </p:stCondLst>
+                                  <p:childTnLst>
+                                    <p:set>
+                                      <p:cBhvr>
+                                        <p:cTn id="40" dur="1" fill="hold">
+                                          <p:stCondLst>
+                                            <p:cond delay="0"/>
+                                          </p:stCondLst>
+                                        </p:cTn>
+                                        <p:tgtEl>
+                                          <p:spTgt spid="7">
+                                            <p:txEl>
+                                              <p:pRg st="5" end="5"/>
+                                            </p:txEl>
+                                          </p:spTgt>
+                                        </p:tgtEl>
+                                        <p:attrNameLst>
+                                          <p:attrName>style.visibility</p:attrName>
+                                        </p:attrNameLst>
+                                      </p:cBhvr>
+                                      <p:to>
+                                        <p:strVal val="visible"/>
+                                      </p:to>
+                                    </p:set>
+                                  </p:childTnLst>
+                                </p:cTn>
+                              </p:par>
+                            </p:childTnLst>
+                          </p:cTn>
+                        </p:par>
+                      </p:childTnLst>
+                    </p:cTn>
+                  </p:par>
+                </p:childTnLst>
+              </p:cTn>
+              <p:prevCondLst>
+                <p:cond evt="onPrev" delay="0">
+                  <p:tgtEl>
+                    <p:sldTgt/>
+                  </p:tgtEl>
+                </p:cond>
+              </p:prevCondLst>
+              <p:nextCondLst>
+                <p:cond evt="onNext" delay="0">
+                  <p:tgtEl>
+                    <p:sldTgt/>
+                  </p:tgtEl>
+                </p:cond>
+              </p:nextCondLst>
+            </p:seq>
+          </p:childTnLst>
+        </p:cTn>
+      </p:par>
+    </p:tnLst>
+    <p:bldLst>
+      <p:bldP spid="3" grpId="0" build="p"/>
+      <p:bldP spid="7" grpId="0" build="p"/>
+    </p:bldLst>
+  </p:timing>
+</p:sld>
+</file>
+
+<file path=ppt/slides/slide25.xml><?xml version="1.0" encoding="utf-8"?>
+<p:sld xmlns:a="http://schemas.openxmlformats.org/drawingml/2006/main" xmlns:r="http://schemas.openxmlformats.org/officeDocument/2006/relationships" xmlns:p="http://schemas.openxmlformats.org/presentationml/2006/main">
+  <p:cSld>
+    <p:spTree>
+      <p:nvGrpSpPr>
+        <p:cNvPr id="1" name=""/>
+        <p:cNvGrpSpPr/>
+        <p:nvPr/>
+      </p:nvGrpSpPr>
+      <p:grpSpPr>
+        <a:xfrm>
+          <a:off x="0" y="0"/>
+          <a:ext cx="0" cy="0"/>
+          <a:chOff x="0" y="0"/>
+          <a:chExt cx="0" cy="0"/>
+        </a:xfrm>
+      </p:grpSpPr>
+      <p:sp>
+        <p:nvSpPr>
+          <p:cNvPr id="2" name="Title 1">
+            <a:extLst>
+              <a:ext uri="{FF2B5EF4-FFF2-40B4-BE49-F238E27FC236}">
+                <a16:creationId xmlns:a16="http://schemas.microsoft.com/office/drawing/2014/main" id="{B7F71865-9225-4C69-A7FF-EDED19850D32}"/>
+              </a:ext>
+            </a:extLst>
+          </p:cNvPr>
+          <p:cNvSpPr>
+            <a:spLocks noGrp="1"/>
+          </p:cNvSpPr>
+          <p:nvPr>
+            <p:ph type="title"/>
+          </p:nvPr>
+        </p:nvSpPr>
+        <p:spPr/>
+        <p:txBody>
+          <a:bodyPr/>
+          <a:lstStyle/>
+          <a:p>
+            <a:r>
+              <a:rPr lang="en-US" dirty="0"/>
+              <a:t>Example – radar sensors from Bosch</a:t>
+            </a:r>
+          </a:p>
+        </p:txBody>
+      </p:sp>
+      <p:sp>
+        <p:nvSpPr>
+          <p:cNvPr id="3" name="Content Placeholder 2">
+            <a:extLst>
+              <a:ext uri="{FF2B5EF4-FFF2-40B4-BE49-F238E27FC236}">
+                <a16:creationId xmlns:a16="http://schemas.microsoft.com/office/drawing/2014/main" id="{C4F082A4-EB3C-43A7-A022-ECFDDE7F6CD4}"/>
+              </a:ext>
+            </a:extLst>
+          </p:cNvPr>
+          <p:cNvSpPr>
+            <a:spLocks noGrp="1"/>
+          </p:cNvSpPr>
+          <p:nvPr>
+            <p:ph idx="1"/>
+          </p:nvPr>
+        </p:nvSpPr>
+        <p:spPr>
+          <a:xfrm>
+            <a:off x="152400" y="1446211"/>
+            <a:ext cx="6781800" cy="5014912"/>
+          </a:xfrm>
+        </p:spPr>
+        <p:txBody>
+          <a:bodyPr>
+            <a:normAutofit fontScale="92500" lnSpcReduction="10000"/>
+          </a:bodyPr>
+          <a:lstStyle/>
+          <a:p>
+            <a:r>
+              <a:rPr lang="en-US" sz="2800" dirty="0"/>
+              <a:t>Several OEMs (BMW, Audi, Mercedes, VW) use it for:</a:t>
+            </a:r>
+          </a:p>
+          <a:p>
+            <a:pPr lvl="1"/>
+            <a:r>
+              <a:rPr lang="en-US" sz="2400" dirty="0"/>
+              <a:t>Adaptive cruise control (ACC)</a:t>
+            </a:r>
+          </a:p>
+          <a:p>
+            <a:pPr lvl="1"/>
+            <a:r>
+              <a:rPr lang="en-US" sz="2400" dirty="0"/>
+              <a:t>Automatic emergency braking</a:t>
+            </a:r>
+          </a:p>
+          <a:p>
+            <a:r>
+              <a:rPr lang="en-US" sz="2800" dirty="0"/>
+              <a:t>New sensor generation introduces</a:t>
+            </a:r>
+          </a:p>
+          <a:p>
+            <a:pPr lvl="1"/>
+            <a:r>
+              <a:rPr lang="en-US" sz="2400" dirty="0"/>
+              <a:t>Same function and interface</a:t>
+            </a:r>
+          </a:p>
+          <a:p>
+            <a:pPr lvl="1"/>
+            <a:r>
+              <a:rPr lang="en-US" sz="2400" dirty="0"/>
+              <a:t>But signal behavior was different (noise, SNR etc.)</a:t>
+            </a:r>
+          </a:p>
+          <a:p>
+            <a:r>
+              <a:rPr lang="en-US" sz="2800" dirty="0"/>
+              <a:t>Behavior degraded</a:t>
+            </a:r>
+          </a:p>
+          <a:p>
+            <a:pPr lvl="1"/>
+            <a:r>
+              <a:rPr lang="en-US" sz="2400" dirty="0"/>
+              <a:t>False positive braking</a:t>
+            </a:r>
+          </a:p>
+          <a:p>
+            <a:pPr lvl="1"/>
+            <a:r>
+              <a:rPr lang="en-US" sz="2400" dirty="0"/>
+              <a:t>Degraded ACC smoothness</a:t>
+            </a:r>
+          </a:p>
+          <a:p>
+            <a:r>
+              <a:rPr lang="en-US" sz="2800" dirty="0"/>
+              <a:t>OEMs had to retune control logic, revalidate safety via software updates, recalls etc.</a:t>
+            </a:r>
+          </a:p>
+        </p:txBody>
+      </p:sp>
+      <p:sp>
+        <p:nvSpPr>
+          <p:cNvPr id="4" name="Date Placeholder 3">
+            <a:extLst>
+              <a:ext uri="{FF2B5EF4-FFF2-40B4-BE49-F238E27FC236}">
+                <a16:creationId xmlns:a16="http://schemas.microsoft.com/office/drawing/2014/main" id="{DC178DA3-FB3B-448E-9C04-32C829123446}"/>
+              </a:ext>
+            </a:extLst>
+          </p:cNvPr>
+          <p:cNvSpPr>
+            <a:spLocks noGrp="1"/>
+          </p:cNvSpPr>
+          <p:nvPr>
+            <p:ph type="dt" sz="half" idx="10"/>
+          </p:nvPr>
+        </p:nvSpPr>
+        <p:spPr/>
+        <p:txBody>
+          <a:bodyPr/>
+          <a:lstStyle/>
+          <a:p>
+            <a:pPr>
+              <a:defRPr/>
+            </a:pPr>
+            <a:r>
+              <a:rPr lang="en-US"/>
+              <a:t>21/12/2020</a:t>
+            </a:r>
+          </a:p>
+        </p:txBody>
+      </p:sp>
+      <p:sp>
+        <p:nvSpPr>
+          <p:cNvPr id="5" name="Slide Number Placeholder 4">
+            <a:extLst>
+              <a:ext uri="{FF2B5EF4-FFF2-40B4-BE49-F238E27FC236}">
+                <a16:creationId xmlns:a16="http://schemas.microsoft.com/office/drawing/2014/main" id="{B9CA7CFB-54E6-4836-92B9-87B18C5CAA3A}"/>
+              </a:ext>
+            </a:extLst>
+          </p:cNvPr>
+          <p:cNvSpPr>
+            <a:spLocks noGrp="1"/>
+          </p:cNvSpPr>
+          <p:nvPr>
+            <p:ph type="sldNum" sz="quarter" idx="12"/>
+          </p:nvPr>
+        </p:nvSpPr>
+        <p:spPr/>
+        <p:txBody>
+          <a:bodyPr/>
+          <a:lstStyle/>
+          <a:p>
+            <a:pPr>
+              <a:defRPr/>
+            </a:pPr>
+            <a:fld id="{CA887A73-1AE0-46F8-856A-18EA1CF30A1B}" type="slidenum">
+              <a:rPr lang="en-US" altLang="en-US" smtClean="0"/>
+              <a:pPr>
+                <a:defRPr/>
+              </a:pPr>
+              <a:t>25</a:t>
+            </a:fld>
+            <a:endParaRPr lang="en-US" altLang="en-US"/>
+          </a:p>
+        </p:txBody>
+      </p:sp>
+      <p:pic>
+        <p:nvPicPr>
+          <p:cNvPr id="4098" name="Picture 2" descr="Auto Shanghai: Bosch presents new software and hardware for assisted and  automated driving - Bosch Media Service">
+            <a:extLst>
+              <a:ext uri="{FF2B5EF4-FFF2-40B4-BE49-F238E27FC236}">
+                <a16:creationId xmlns:a16="http://schemas.microsoft.com/office/drawing/2014/main" id="{50BCB6FB-57B1-4517-9467-44401FCF2FCB}"/>
+              </a:ext>
+            </a:extLst>
+          </p:cNvPr>
+          <p:cNvPicPr>
+            <a:picLocks noChangeAspect="1" noChangeArrowheads="1"/>
+          </p:cNvPicPr>
+          <p:nvPr/>
+        </p:nvPicPr>
+        <p:blipFill>
+          <a:blip r:embed="rId2">
+            <a:extLst>
+              <a:ext uri="{28A0092B-C50C-407E-A947-70E740481C1C}">
+                <a14:useLocalDpi xmlns:a14="http://schemas.microsoft.com/office/drawing/2010/main" val="0"/>
+              </a:ext>
+            </a:extLst>
+          </a:blip>
+          <a:srcRect/>
+          <a:stretch>
+            <a:fillRect/>
+          </a:stretch>
+        </p:blipFill>
+        <p:spPr bwMode="auto">
+          <a:xfrm>
+            <a:off x="5791200" y="1828800"/>
+            <a:ext cx="2971800" cy="1977597"/>
+          </a:xfrm>
+          <a:prstGeom prst="rect">
+            <a:avLst/>
+          </a:prstGeom>
+          <a:noFill/>
+          <a:extLst>
+            <a:ext uri="{909E8E84-426E-40DD-AFC4-6F175D3DCCD1}">
+              <a14:hiddenFill xmlns:a14="http://schemas.microsoft.com/office/drawing/2010/main">
+                <a:solidFill>
+                  <a:srgbClr val="FFFFFF"/>
+                </a:solidFill>
+              </a14:hiddenFill>
+            </a:ext>
+          </a:extLst>
+        </p:spPr>
+      </p:pic>
+    </p:spTree>
+    <p:extLst>
+      <p:ext uri="{BB962C8B-B14F-4D97-AF65-F5344CB8AC3E}">
+        <p14:creationId xmlns:p14="http://schemas.microsoft.com/office/powerpoint/2010/main" val="843515308"/>
+      </p:ext>
+    </p:extLst>
+  </p:cSld>
+  <p:clrMapOvr>
+    <a:masterClrMapping/>
+  </p:clrMapOvr>
+  <p:timing>
+    <p:tnLst>
+      <p:par>
+        <p:cTn id="1" dur="indefinite" restart="never" nodeType="tmRoot">
+          <p:childTnLst>
+            <p:seq concurrent="1" nextAc="seek">
+              <p:cTn id="2" dur="indefinite" nodeType="mainSeq">
+                <p:childTnLst>
+                  <p:par>
+                    <p:cTn id="3" fill="hold">
+                      <p:stCondLst>
+                        <p:cond delay="indefinite"/>
+                      </p:stCondLst>
+                      <p:childTnLst>
+                        <p:par>
+                          <p:cTn id="4" fill="hold">
+                            <p:stCondLst>
+                              <p:cond delay="0"/>
+                            </p:stCondLst>
+                            <p:childTnLst>
+                              <p:par>
+                                <p:cTn id="5" presetID="1" presetClass="entr" presetSubtype="0" fill="hold" grpId="0" nodeType="clickEffect">
+                                  <p:stCondLst>
+                                    <p:cond delay="0"/>
+                                  </p:stCondLst>
+                                  <p:childTnLst>
+                                    <p:set>
+                                      <p:cBhvr>
+                                        <p:cTn id="6" dur="1" fill="hold">
+                                          <p:stCondLst>
+                                            <p:cond delay="0"/>
+                                          </p:stCondLst>
+                                        </p:cTn>
+                                        <p:tgtEl>
+                                          <p:spTgt spid="3">
+                                            <p:txEl>
+                                              <p:pRg st="0" end="0"/>
+                                            </p:txEl>
+                                          </p:spTgt>
+                                        </p:tgtEl>
+                                        <p:attrNameLst>
+                                          <p:attrName>style.visibility</p:attrName>
+                                        </p:attrNameLst>
+                                      </p:cBhvr>
+                                      <p:to>
+                                        <p:strVal val="visible"/>
+                                      </p:to>
+                                    </p:set>
+                                  </p:childTnLst>
+                                </p:cTn>
+                              </p:par>
+                            </p:childTnLst>
+                          </p:cTn>
+                        </p:par>
+                      </p:childTnLst>
+                    </p:cTn>
+                  </p:par>
+                  <p:par>
+                    <p:cTn id="7" fill="hold">
+                      <p:stCondLst>
+                        <p:cond delay="indefinite"/>
+                      </p:stCondLst>
+                      <p:childTnLst>
+                        <p:par>
+                          <p:cTn id="8" fill="hold">
+                            <p:stCondLst>
+                              <p:cond delay="0"/>
+                            </p:stCondLst>
+                            <p:childTnLst>
+                              <p:par>
+                                <p:cTn id="9" presetID="1" presetClass="entr" presetSubtype="0" fill="hold" grpId="0" nodeType="clickEffect">
+                                  <p:stCondLst>
+                                    <p:cond delay="0"/>
+                                  </p:stCondLst>
+                                  <p:childTnLst>
+                                    <p:set>
+                                      <p:cBhvr>
+                                        <p:cTn id="10" dur="1" fill="hold">
+                                          <p:stCondLst>
+                                            <p:cond delay="0"/>
+                                          </p:stCondLst>
+                                        </p:cTn>
+                                        <p:tgtEl>
+                                          <p:spTgt spid="3">
+                                            <p:txEl>
+                                              <p:pRg st="1" end="1"/>
+                                            </p:txEl>
+                                          </p:spTgt>
+                                        </p:tgtEl>
+                                        <p:attrNameLst>
+                                          <p:attrName>style.visibility</p:attrName>
+                                        </p:attrNameLst>
+                                      </p:cBhvr>
+                                      <p:to>
+                                        <p:strVal val="visible"/>
+                                      </p:to>
+                                    </p:set>
+                                  </p:childTnLst>
+                                </p:cTn>
+                              </p:par>
+                            </p:childTnLst>
+                          </p:cTn>
+                        </p:par>
+                      </p:childTnLst>
+                    </p:cTn>
+                  </p:par>
+                  <p:par>
+                    <p:cTn id="11" fill="hold">
+                      <p:stCondLst>
+                        <p:cond delay="indefinite"/>
+                      </p:stCondLst>
+                      <p:childTnLst>
+                        <p:par>
+                          <p:cTn id="12" fill="hold">
+                            <p:stCondLst>
+                              <p:cond delay="0"/>
+                            </p:stCondLst>
+                            <p:childTnLst>
+                              <p:par>
+                                <p:cTn id="13" presetID="1" presetClass="entr" presetSubtype="0" fill="hold" grpId="0" nodeType="clickEffect">
+                                  <p:stCondLst>
+                                    <p:cond delay="0"/>
+                                  </p:stCondLst>
+                                  <p:childTnLst>
+                                    <p:set>
+                                      <p:cBhvr>
+                                        <p:cTn id="14" dur="1" fill="hold">
+                                          <p:stCondLst>
+                                            <p:cond delay="0"/>
+                                          </p:stCondLst>
+                                        </p:cTn>
+                                        <p:tgtEl>
+                                          <p:spTgt spid="3">
+                                            <p:txEl>
+                                              <p:pRg st="2" end="2"/>
+                                            </p:txEl>
+                                          </p:spTgt>
+                                        </p:tgtEl>
+                                        <p:attrNameLst>
+                                          <p:attrName>style.visibility</p:attrName>
+                                        </p:attrNameLst>
+                                      </p:cBhvr>
+                                      <p:to>
+                                        <p:strVal val="visible"/>
+                                      </p:to>
+                                    </p:set>
+                                  </p:childTnLst>
+                                </p:cTn>
+                              </p:par>
+                            </p:childTnLst>
+                          </p:cTn>
+                        </p:par>
+                      </p:childTnLst>
+                    </p:cTn>
+                  </p:par>
+                  <p:par>
+                    <p:cTn id="15" fill="hold">
+                      <p:stCondLst>
+                        <p:cond delay="indefinite"/>
+                      </p:stCondLst>
+                      <p:childTnLst>
+                        <p:par>
+                          <p:cTn id="16" fill="hold">
+                            <p:stCondLst>
+                              <p:cond delay="0"/>
+                            </p:stCondLst>
+                            <p:childTnLst>
+                              <p:par>
+                                <p:cTn id="17" presetID="1" presetClass="entr" presetSubtype="0" fill="hold" grpId="0" nodeType="clickEffect">
+                                  <p:stCondLst>
+                                    <p:cond delay="0"/>
+                                  </p:stCondLst>
+                                  <p:childTnLst>
+                                    <p:set>
+                                      <p:cBhvr>
+                                        <p:cTn id="18" dur="1" fill="hold">
+                                          <p:stCondLst>
+                                            <p:cond delay="0"/>
+                                          </p:stCondLst>
+                                        </p:cTn>
+                                        <p:tgtEl>
+                                          <p:spTgt spid="3">
+                                            <p:txEl>
+                                              <p:pRg st="3" end="3"/>
+                                            </p:txEl>
+                                          </p:spTgt>
+                                        </p:tgtEl>
+                                        <p:attrNameLst>
+                                          <p:attrName>style.visibility</p:attrName>
+                                        </p:attrNameLst>
+                                      </p:cBhvr>
+                                      <p:to>
+                                        <p:strVal val="visible"/>
+                                      </p:to>
+                                    </p:set>
+                                  </p:childTnLst>
+                                </p:cTn>
+                              </p:par>
+                            </p:childTnLst>
+                          </p:cTn>
+                        </p:par>
+                      </p:childTnLst>
+                    </p:cTn>
+                  </p:par>
+                  <p:par>
+                    <p:cTn id="19" fill="hold">
+                      <p:stCondLst>
+                        <p:cond delay="indefinite"/>
+                      </p:stCondLst>
+                      <p:childTnLst>
+                        <p:par>
+                          <p:cTn id="20" fill="hold">
+                            <p:stCondLst>
+                              <p:cond delay="0"/>
+                            </p:stCondLst>
+                            <p:childTnLst>
+                              <p:par>
+                                <p:cTn id="21" presetID="1" presetClass="entr" presetSubtype="0" fill="hold" grpId="0" nodeType="clickEffect">
+                                  <p:stCondLst>
+                                    <p:cond delay="0"/>
+                                  </p:stCondLst>
+                                  <p:childTnLst>
+                                    <p:set>
+                                      <p:cBhvr>
+                                        <p:cTn id="22" dur="1" fill="hold">
+                                          <p:stCondLst>
+                                            <p:cond delay="0"/>
+                                          </p:stCondLst>
+                                        </p:cTn>
+                                        <p:tgtEl>
+                                          <p:spTgt spid="3">
+                                            <p:txEl>
+                                              <p:pRg st="4" end="4"/>
+                                            </p:txEl>
+                                          </p:spTgt>
+                                        </p:tgtEl>
+                                        <p:attrNameLst>
+                                          <p:attrName>style.visibility</p:attrName>
+                                        </p:attrNameLst>
+                                      </p:cBhvr>
+                                      <p:to>
+                                        <p:strVal val="visible"/>
+                                      </p:to>
+                                    </p:set>
+                                  </p:childTnLst>
+                                </p:cTn>
+                              </p:par>
+                            </p:childTnLst>
+                          </p:cTn>
+                        </p:par>
+                      </p:childTnLst>
+                    </p:cTn>
+                  </p:par>
+                  <p:par>
+                    <p:cTn id="23" fill="hold">
+                      <p:stCondLst>
+                        <p:cond delay="indefinite"/>
+                      </p:stCondLst>
+                      <p:childTnLst>
+                        <p:par>
+                          <p:cTn id="24" fill="hold">
+                            <p:stCondLst>
+                              <p:cond delay="0"/>
+                            </p:stCondLst>
+                            <p:childTnLst>
+                              <p:par>
+                                <p:cTn id="25" presetID="1" presetClass="entr" presetSubtype="0" fill="hold" grpId="0" nodeType="clickEffect">
+                                  <p:stCondLst>
+                                    <p:cond delay="0"/>
+                                  </p:stCondLst>
+                                  <p:childTnLst>
+                                    <p:set>
+                                      <p:cBhvr>
+                                        <p:cTn id="26" dur="1" fill="hold">
+                                          <p:stCondLst>
+                                            <p:cond delay="0"/>
+                                          </p:stCondLst>
+                                        </p:cTn>
+                                        <p:tgtEl>
+                                          <p:spTgt spid="3">
+                                            <p:txEl>
+                                              <p:pRg st="5" end="5"/>
+                                            </p:txEl>
+                                          </p:spTgt>
+                                        </p:tgtEl>
+                                        <p:attrNameLst>
+                                          <p:attrName>style.visibility</p:attrName>
+                                        </p:attrNameLst>
+                                      </p:cBhvr>
+                                      <p:to>
+                                        <p:strVal val="visible"/>
+                                      </p:to>
+                                    </p:set>
+                                  </p:childTnLst>
+                                </p:cTn>
+                              </p:par>
+                            </p:childTnLst>
+                          </p:cTn>
+                        </p:par>
+                      </p:childTnLst>
+                    </p:cTn>
+                  </p:par>
+                  <p:par>
+                    <p:cTn id="27" fill="hold">
+                      <p:stCondLst>
+                        <p:cond delay="indefinite"/>
+                      </p:stCondLst>
+                      <p:childTnLst>
+                        <p:par>
+                          <p:cTn id="28" fill="hold">
+                            <p:stCondLst>
+                              <p:cond delay="0"/>
+                            </p:stCondLst>
+                            <p:childTnLst>
+                              <p:par>
+                                <p:cTn id="29" presetID="1" presetClass="entr" presetSubtype="0" fill="hold" grpId="0" nodeType="clickEffect">
+                                  <p:stCondLst>
+                                    <p:cond delay="0"/>
+                                  </p:stCondLst>
+                                  <p:childTnLst>
+                                    <p:set>
+                                      <p:cBhvr>
+                                        <p:cTn id="30" dur="1" fill="hold">
+                                          <p:stCondLst>
+                                            <p:cond delay="0"/>
+                                          </p:stCondLst>
+                                        </p:cTn>
+                                        <p:tgtEl>
+                                          <p:spTgt spid="3">
+                                            <p:txEl>
+                                              <p:pRg st="6" end="6"/>
+                                            </p:txEl>
+                                          </p:spTgt>
+                                        </p:tgtEl>
+                                        <p:attrNameLst>
+                                          <p:attrName>style.visibility</p:attrName>
+                                        </p:attrNameLst>
+                                      </p:cBhvr>
+                                      <p:to>
+                                        <p:strVal val="visible"/>
+                                      </p:to>
+                                    </p:set>
+                                  </p:childTnLst>
+                                </p:cTn>
+                              </p:par>
+                            </p:childTnLst>
+                          </p:cTn>
+                        </p:par>
+                      </p:childTnLst>
+                    </p:cTn>
+                  </p:par>
+                  <p:par>
+                    <p:cTn id="31" fill="hold">
+                      <p:stCondLst>
+                        <p:cond delay="indefinite"/>
+                      </p:stCondLst>
+                      <p:childTnLst>
+                        <p:par>
+                          <p:cTn id="32" fill="hold">
+                            <p:stCondLst>
+                              <p:cond delay="0"/>
+                            </p:stCondLst>
+                            <p:childTnLst>
+                              <p:par>
+                                <p:cTn id="33" presetID="1" presetClass="entr" presetSubtype="0" fill="hold" grpId="0" nodeType="clickEffect">
+                                  <p:stCondLst>
+                                    <p:cond delay="0"/>
+                                  </p:stCondLst>
+                                  <p:childTnLst>
+                                    <p:set>
+                                      <p:cBhvr>
+                                        <p:cTn id="34" dur="1" fill="hold">
+                                          <p:stCondLst>
+                                            <p:cond delay="0"/>
+                                          </p:stCondLst>
+                                        </p:cTn>
+                                        <p:tgtEl>
+                                          <p:spTgt spid="3">
+                                            <p:txEl>
+                                              <p:pRg st="7" end="7"/>
+                                            </p:txEl>
+                                          </p:spTgt>
+                                        </p:tgtEl>
+                                        <p:attrNameLst>
+                                          <p:attrName>style.visibility</p:attrName>
+                                        </p:attrNameLst>
+                                      </p:cBhvr>
+                                      <p:to>
+                                        <p:strVal val="visible"/>
+                                      </p:to>
+                                    </p:set>
+                                  </p:childTnLst>
+                                </p:cTn>
+                              </p:par>
+                            </p:childTnLst>
+                          </p:cTn>
+                        </p:par>
+                      </p:childTnLst>
+                    </p:cTn>
+                  </p:par>
+                  <p:par>
+                    <p:cTn id="35" fill="hold">
+                      <p:stCondLst>
+                        <p:cond delay="indefinite"/>
+                      </p:stCondLst>
+                      <p:childTnLst>
+                        <p:par>
+                          <p:cTn id="36" fill="hold">
+                            <p:stCondLst>
+                              <p:cond delay="0"/>
+                            </p:stCondLst>
+                            <p:childTnLst>
+                              <p:par>
+                                <p:cTn id="37" presetID="1" presetClass="entr" presetSubtype="0" fill="hold" grpId="0" nodeType="clickEffect">
+                                  <p:stCondLst>
+                                    <p:cond delay="0"/>
+                                  </p:stCondLst>
+                                  <p:childTnLst>
+                                    <p:set>
+                                      <p:cBhvr>
+                                        <p:cTn id="38" dur="1" fill="hold">
+                                          <p:stCondLst>
+                                            <p:cond delay="0"/>
+                                          </p:stCondLst>
+                                        </p:cTn>
+                                        <p:tgtEl>
+                                          <p:spTgt spid="3">
+                                            <p:txEl>
+                                              <p:pRg st="8" end="8"/>
+                                            </p:txEl>
+                                          </p:spTgt>
+                                        </p:tgtEl>
+                                        <p:attrNameLst>
+                                          <p:attrName>style.visibility</p:attrName>
+                                        </p:attrNameLst>
+                                      </p:cBhvr>
+                                      <p:to>
+                                        <p:strVal val="visible"/>
+                                      </p:to>
+                                    </p:set>
+                                  </p:childTnLst>
+                                </p:cTn>
+                              </p:par>
+                            </p:childTnLst>
+                          </p:cTn>
+                        </p:par>
+                      </p:childTnLst>
+                    </p:cTn>
+                  </p:par>
+                  <p:par>
+                    <p:cTn id="39" fill="hold">
+                      <p:stCondLst>
+                        <p:cond delay="indefinite"/>
+                      </p:stCondLst>
+                      <p:childTnLst>
+                        <p:par>
+                          <p:cTn id="40" fill="hold">
+                            <p:stCondLst>
+                              <p:cond delay="0"/>
+                            </p:stCondLst>
+                            <p:childTnLst>
+                              <p:par>
+                                <p:cTn id="41" presetID="1" presetClass="entr" presetSubtype="0" fill="hold" grpId="0" nodeType="clickEffect">
+                                  <p:stCondLst>
+                                    <p:cond delay="0"/>
+                                  </p:stCondLst>
+                                  <p:childTnLst>
+                                    <p:set>
+                                      <p:cBhvr>
+                                        <p:cTn id="42" dur="1" fill="hold">
+                                          <p:stCondLst>
+                                            <p:cond delay="0"/>
+                                          </p:stCondLst>
+                                        </p:cTn>
+                                        <p:tgtEl>
+                                          <p:spTgt spid="3">
+                                            <p:txEl>
+                                              <p:pRg st="9" end="9"/>
                                             </p:txEl>
                                           </p:spTgt>
                                         </p:tgtEl>
@@ -13175,7 +16449,7 @@
 </p:sld>
 </file>
 
-<file path=ppt/slides/slide22.xml><?xml version="1.0" encoding="utf-8"?>
+<file path=ppt/slides/slide26.xml><?xml version="1.0" encoding="utf-8"?>
 <p:sld xmlns:a="http://schemas.openxmlformats.org/drawingml/2006/main" xmlns:r="http://schemas.openxmlformats.org/officeDocument/2006/relationships" xmlns:p="http://schemas.openxmlformats.org/presentationml/2006/main">
   <p:cSld>
     <p:spTree>
@@ -13197,7 +16471,7 @@
           <p:cNvPr id="2" name="Title 1">
             <a:extLst>
               <a:ext uri="{FF2B5EF4-FFF2-40B4-BE49-F238E27FC236}">
-                <a16:creationId xmlns:a16="http://schemas.microsoft.com/office/drawing/2014/main" id="{5235A339-EFE9-4829-89D1-E1172E682FE4}"/>
+                <a16:creationId xmlns:a16="http://schemas.microsoft.com/office/drawing/2014/main" id="{A6F90FFC-B2B0-4755-87DA-DAF8A6FB4303}"/>
               </a:ext>
             </a:extLst>
           </p:cNvPr>
@@ -13214,8 +16488,54 @@
           <a:lstStyle/>
           <a:p>
             <a:r>
-              <a:rPr lang="en-US" sz="3200" dirty="0"/>
-              <a:t>Important to understand and distinguish the two responsibilities</a:t>
+              <a:rPr lang="en-US" dirty="0"/>
+              <a:t>Portability</a:t>
+            </a:r>
+          </a:p>
+        </p:txBody>
+      </p:sp>
+      <p:sp>
+        <p:nvSpPr>
+          <p:cNvPr id="3" name="Content Placeholder 2">
+            <a:extLst>
+              <a:ext uri="{FF2B5EF4-FFF2-40B4-BE49-F238E27FC236}">
+                <a16:creationId xmlns:a16="http://schemas.microsoft.com/office/drawing/2014/main" id="{B771C403-24A0-40E6-9567-815B861D402A}"/>
+              </a:ext>
+            </a:extLst>
+          </p:cNvPr>
+          <p:cNvSpPr>
+            <a:spLocks noGrp="1"/>
+          </p:cNvSpPr>
+          <p:nvPr>
+            <p:ph idx="1"/>
+          </p:nvPr>
+        </p:nvSpPr>
+        <p:spPr/>
+        <p:txBody>
+          <a:bodyPr/>
+          <a:lstStyle/>
+          <a:p>
+            <a:r>
+              <a:rPr lang="en-US" dirty="0"/>
+              <a:t>Hardware platforms change, but software must remain equivalent</a:t>
+            </a:r>
+          </a:p>
+          <a:p>
+            <a:r>
+              <a:rPr lang="en-US" dirty="0"/>
+              <a:t>Infusion pump example: microcontroller itself reached EOL, and new MCU introduced</a:t>
+            </a:r>
+          </a:p>
+          <a:p>
+            <a:r>
+              <a:rPr lang="en-US" dirty="0"/>
+              <a:t>Why does change of MCU matter so much?</a:t>
+            </a:r>
+          </a:p>
+          <a:p>
+            <a:r>
+              <a:rPr lang="en-US" dirty="0"/>
+              <a:t>Is it simply about recompiling the code for a different platform?</a:t>
             </a:r>
           </a:p>
         </p:txBody>
@@ -13225,7 +16545,7 @@
           <p:cNvPr id="4" name="Date Placeholder 3">
             <a:extLst>
               <a:ext uri="{FF2B5EF4-FFF2-40B4-BE49-F238E27FC236}">
-                <a16:creationId xmlns:a16="http://schemas.microsoft.com/office/drawing/2014/main" id="{C0FA31A0-A595-4EC2-931A-643CD3539471}"/>
+                <a16:creationId xmlns:a16="http://schemas.microsoft.com/office/drawing/2014/main" id="{2F73587C-27CE-4AD3-81DA-0C771CDBB5B4}"/>
               </a:ext>
             </a:extLst>
           </p:cNvPr>
@@ -13256,7 +16576,7 @@
           <p:cNvPr id="5" name="Slide Number Placeholder 4">
             <a:extLst>
               <a:ext uri="{FF2B5EF4-FFF2-40B4-BE49-F238E27FC236}">
-                <a16:creationId xmlns:a16="http://schemas.microsoft.com/office/drawing/2014/main" id="{9DB7BE3A-77C5-41E2-AEBA-655058D2BA3D}"/>
+                <a16:creationId xmlns:a16="http://schemas.microsoft.com/office/drawing/2014/main" id="{0B021D60-CD13-4158-8A03-A2B880F1C3DB}"/>
               </a:ext>
             </a:extLst>
           </p:cNvPr>
@@ -13280,69 +16600,1600 @@
               <a:pPr>
                 <a:defRPr/>
               </a:pPr>
-              <a:t>22</a:t>
+              <a:t>26</a:t>
             </a:fld>
             <a:endParaRPr lang="en-US" altLang="en-US"/>
           </a:p>
         </p:txBody>
       </p:sp>
-      <p:pic>
-        <p:nvPicPr>
-          <p:cNvPr id="3074" name="Picture 2" descr="Functional vs Nonfunctional Requirements: what is the difference [with  Examples] | DDI Development">
-            <a:extLst>
-              <a:ext uri="{FF2B5EF4-FFF2-40B4-BE49-F238E27FC236}">
-                <a16:creationId xmlns:a16="http://schemas.microsoft.com/office/drawing/2014/main" id="{65AF73D9-985D-4484-BB08-93C8A2A245F0}"/>
-              </a:ext>
-            </a:extLst>
-          </p:cNvPr>
-          <p:cNvPicPr>
-            <a:picLocks noGrp="1" noChangeAspect="1" noChangeArrowheads="1"/>
-          </p:cNvPicPr>
-          <p:nvPr>
-            <p:ph idx="1"/>
-          </p:nvPr>
-        </p:nvPicPr>
-        <p:blipFill rotWithShape="1">
-          <a:blip r:embed="rId2">
-            <a:extLst>
-              <a:ext uri="{28A0092B-C50C-407E-A947-70E740481C1C}">
-                <a14:useLocalDpi xmlns:a14="http://schemas.microsoft.com/office/drawing/2010/main" val="0"/>
-              </a:ext>
-            </a:extLst>
-          </a:blip>
-          <a:srcRect t="15225" b="5762"/>
-          <a:stretch/>
-        </p:blipFill>
-        <p:spPr bwMode="auto">
-          <a:xfrm>
-            <a:off x="1143000" y="1371600"/>
-            <a:ext cx="6858000" cy="5095054"/>
-          </a:xfrm>
-          <a:prstGeom prst="rect">
-            <a:avLst/>
-          </a:prstGeom>
-          <a:noFill/>
-          <a:extLst>
-            <a:ext uri="{909E8E84-426E-40DD-AFC4-6F175D3DCCD1}">
-              <a14:hiddenFill xmlns:a14="http://schemas.microsoft.com/office/drawing/2010/main">
-                <a:solidFill>
-                  <a:srgbClr val="FFFFFF"/>
-                </a:solidFill>
-              </a14:hiddenFill>
-            </a:ext>
-          </a:extLst>
-        </p:spPr>
-      </p:pic>
     </p:spTree>
     <p:extLst>
       <p:ext uri="{BB962C8B-B14F-4D97-AF65-F5344CB8AC3E}">
-        <p14:creationId xmlns:p14="http://schemas.microsoft.com/office/powerpoint/2010/main" val="3889755492"/>
+        <p14:creationId xmlns:p14="http://schemas.microsoft.com/office/powerpoint/2010/main" val="3014931237"/>
       </p:ext>
     </p:extLst>
   </p:cSld>
   <p:clrMapOvr>
     <a:masterClrMapping/>
   </p:clrMapOvr>
+  <p:timing>
+    <p:tnLst>
+      <p:par>
+        <p:cTn id="1" dur="indefinite" restart="never" nodeType="tmRoot">
+          <p:childTnLst>
+            <p:seq concurrent="1" nextAc="seek">
+              <p:cTn id="2" dur="indefinite" nodeType="mainSeq">
+                <p:childTnLst>
+                  <p:par>
+                    <p:cTn id="3" fill="hold">
+                      <p:stCondLst>
+                        <p:cond delay="indefinite"/>
+                      </p:stCondLst>
+                      <p:childTnLst>
+                        <p:par>
+                          <p:cTn id="4" fill="hold">
+                            <p:stCondLst>
+                              <p:cond delay="0"/>
+                            </p:stCondLst>
+                            <p:childTnLst>
+                              <p:par>
+                                <p:cTn id="5" presetID="1" presetClass="entr" presetSubtype="0" fill="hold" grpId="0" nodeType="clickEffect">
+                                  <p:stCondLst>
+                                    <p:cond delay="0"/>
+                                  </p:stCondLst>
+                                  <p:childTnLst>
+                                    <p:set>
+                                      <p:cBhvr>
+                                        <p:cTn id="6" dur="1" fill="hold">
+                                          <p:stCondLst>
+                                            <p:cond delay="0"/>
+                                          </p:stCondLst>
+                                        </p:cTn>
+                                        <p:tgtEl>
+                                          <p:spTgt spid="3">
+                                            <p:txEl>
+                                              <p:pRg st="0" end="0"/>
+                                            </p:txEl>
+                                          </p:spTgt>
+                                        </p:tgtEl>
+                                        <p:attrNameLst>
+                                          <p:attrName>style.visibility</p:attrName>
+                                        </p:attrNameLst>
+                                      </p:cBhvr>
+                                      <p:to>
+                                        <p:strVal val="visible"/>
+                                      </p:to>
+                                    </p:set>
+                                  </p:childTnLst>
+                                </p:cTn>
+                              </p:par>
+                            </p:childTnLst>
+                          </p:cTn>
+                        </p:par>
+                      </p:childTnLst>
+                    </p:cTn>
+                  </p:par>
+                  <p:par>
+                    <p:cTn id="7" fill="hold">
+                      <p:stCondLst>
+                        <p:cond delay="indefinite"/>
+                      </p:stCondLst>
+                      <p:childTnLst>
+                        <p:par>
+                          <p:cTn id="8" fill="hold">
+                            <p:stCondLst>
+                              <p:cond delay="0"/>
+                            </p:stCondLst>
+                            <p:childTnLst>
+                              <p:par>
+                                <p:cTn id="9" presetID="1" presetClass="entr" presetSubtype="0" fill="hold" grpId="0" nodeType="clickEffect">
+                                  <p:stCondLst>
+                                    <p:cond delay="0"/>
+                                  </p:stCondLst>
+                                  <p:childTnLst>
+                                    <p:set>
+                                      <p:cBhvr>
+                                        <p:cTn id="10" dur="1" fill="hold">
+                                          <p:stCondLst>
+                                            <p:cond delay="0"/>
+                                          </p:stCondLst>
+                                        </p:cTn>
+                                        <p:tgtEl>
+                                          <p:spTgt spid="3">
+                                            <p:txEl>
+                                              <p:pRg st="1" end="1"/>
+                                            </p:txEl>
+                                          </p:spTgt>
+                                        </p:tgtEl>
+                                        <p:attrNameLst>
+                                          <p:attrName>style.visibility</p:attrName>
+                                        </p:attrNameLst>
+                                      </p:cBhvr>
+                                      <p:to>
+                                        <p:strVal val="visible"/>
+                                      </p:to>
+                                    </p:set>
+                                  </p:childTnLst>
+                                </p:cTn>
+                              </p:par>
+                            </p:childTnLst>
+                          </p:cTn>
+                        </p:par>
+                      </p:childTnLst>
+                    </p:cTn>
+                  </p:par>
+                  <p:par>
+                    <p:cTn id="11" fill="hold">
+                      <p:stCondLst>
+                        <p:cond delay="indefinite"/>
+                      </p:stCondLst>
+                      <p:childTnLst>
+                        <p:par>
+                          <p:cTn id="12" fill="hold">
+                            <p:stCondLst>
+                              <p:cond delay="0"/>
+                            </p:stCondLst>
+                            <p:childTnLst>
+                              <p:par>
+                                <p:cTn id="13" presetID="1" presetClass="entr" presetSubtype="0" fill="hold" grpId="0" nodeType="clickEffect">
+                                  <p:stCondLst>
+                                    <p:cond delay="0"/>
+                                  </p:stCondLst>
+                                  <p:childTnLst>
+                                    <p:set>
+                                      <p:cBhvr>
+                                        <p:cTn id="14" dur="1" fill="hold">
+                                          <p:stCondLst>
+                                            <p:cond delay="0"/>
+                                          </p:stCondLst>
+                                        </p:cTn>
+                                        <p:tgtEl>
+                                          <p:spTgt spid="3">
+                                            <p:txEl>
+                                              <p:pRg st="2" end="2"/>
+                                            </p:txEl>
+                                          </p:spTgt>
+                                        </p:tgtEl>
+                                        <p:attrNameLst>
+                                          <p:attrName>style.visibility</p:attrName>
+                                        </p:attrNameLst>
+                                      </p:cBhvr>
+                                      <p:to>
+                                        <p:strVal val="visible"/>
+                                      </p:to>
+                                    </p:set>
+                                  </p:childTnLst>
+                                </p:cTn>
+                              </p:par>
+                            </p:childTnLst>
+                          </p:cTn>
+                        </p:par>
+                      </p:childTnLst>
+                    </p:cTn>
+                  </p:par>
+                  <p:par>
+                    <p:cTn id="15" fill="hold">
+                      <p:stCondLst>
+                        <p:cond delay="indefinite"/>
+                      </p:stCondLst>
+                      <p:childTnLst>
+                        <p:par>
+                          <p:cTn id="16" fill="hold">
+                            <p:stCondLst>
+                              <p:cond delay="0"/>
+                            </p:stCondLst>
+                            <p:childTnLst>
+                              <p:par>
+                                <p:cTn id="17" presetID="1" presetClass="entr" presetSubtype="0" fill="hold" grpId="0" nodeType="clickEffect">
+                                  <p:stCondLst>
+                                    <p:cond delay="0"/>
+                                  </p:stCondLst>
+                                  <p:childTnLst>
+                                    <p:set>
+                                      <p:cBhvr>
+                                        <p:cTn id="18" dur="1" fill="hold">
+                                          <p:stCondLst>
+                                            <p:cond delay="0"/>
+                                          </p:stCondLst>
+                                        </p:cTn>
+                                        <p:tgtEl>
+                                          <p:spTgt spid="3">
+                                            <p:txEl>
+                                              <p:pRg st="3" end="3"/>
+                                            </p:txEl>
+                                          </p:spTgt>
+                                        </p:tgtEl>
+                                        <p:attrNameLst>
+                                          <p:attrName>style.visibility</p:attrName>
+                                        </p:attrNameLst>
+                                      </p:cBhvr>
+                                      <p:to>
+                                        <p:strVal val="visible"/>
+                                      </p:to>
+                                    </p:set>
+                                  </p:childTnLst>
+                                </p:cTn>
+                              </p:par>
+                            </p:childTnLst>
+                          </p:cTn>
+                        </p:par>
+                      </p:childTnLst>
+                    </p:cTn>
+                  </p:par>
+                </p:childTnLst>
+              </p:cTn>
+              <p:prevCondLst>
+                <p:cond evt="onPrev" delay="0">
+                  <p:tgtEl>
+                    <p:sldTgt/>
+                  </p:tgtEl>
+                </p:cond>
+              </p:prevCondLst>
+              <p:nextCondLst>
+                <p:cond evt="onNext" delay="0">
+                  <p:tgtEl>
+                    <p:sldTgt/>
+                  </p:tgtEl>
+                </p:cond>
+              </p:nextCondLst>
+            </p:seq>
+          </p:childTnLst>
+        </p:cTn>
+      </p:par>
+    </p:tnLst>
+    <p:bldLst>
+      <p:bldP spid="3" grpId="0" build="p"/>
+    </p:bldLst>
+  </p:timing>
+</p:sld>
+</file>
+
+<file path=ppt/slides/slide27.xml><?xml version="1.0" encoding="utf-8"?>
+<p:sld xmlns:a="http://schemas.openxmlformats.org/drawingml/2006/main" xmlns:r="http://schemas.openxmlformats.org/officeDocument/2006/relationships" xmlns:p="http://schemas.openxmlformats.org/presentationml/2006/main">
+  <p:cSld>
+    <p:spTree>
+      <p:nvGrpSpPr>
+        <p:cNvPr id="1" name=""/>
+        <p:cNvGrpSpPr/>
+        <p:nvPr/>
+      </p:nvGrpSpPr>
+      <p:grpSpPr>
+        <a:xfrm>
+          <a:off x="0" y="0"/>
+          <a:ext cx="0" cy="0"/>
+          <a:chOff x="0" y="0"/>
+          <a:chExt cx="0" cy="0"/>
+        </a:xfrm>
+      </p:grpSpPr>
+      <p:sp>
+        <p:nvSpPr>
+          <p:cNvPr id="2" name="Title 1">
+            <a:extLst>
+              <a:ext uri="{FF2B5EF4-FFF2-40B4-BE49-F238E27FC236}">
+                <a16:creationId xmlns:a16="http://schemas.microsoft.com/office/drawing/2014/main" id="{993C4A82-379C-43F4-A2C8-BE99614B8A75}"/>
+              </a:ext>
+            </a:extLst>
+          </p:cNvPr>
+          <p:cNvSpPr>
+            <a:spLocks noGrp="1"/>
+          </p:cNvSpPr>
+          <p:nvPr>
+            <p:ph type="title"/>
+          </p:nvPr>
+        </p:nvSpPr>
+        <p:spPr/>
+        <p:txBody>
+          <a:bodyPr/>
+          <a:lstStyle/>
+          <a:p>
+            <a:r>
+              <a:rPr lang="en-US" dirty="0"/>
+              <a:t>Example</a:t>
+            </a:r>
+          </a:p>
+        </p:txBody>
+      </p:sp>
+      <p:sp>
+        <p:nvSpPr>
+          <p:cNvPr id="3" name="Content Placeholder 2">
+            <a:extLst>
+              <a:ext uri="{FF2B5EF4-FFF2-40B4-BE49-F238E27FC236}">
+                <a16:creationId xmlns:a16="http://schemas.microsoft.com/office/drawing/2014/main" id="{0C33A96F-4250-476C-9061-1FF3A3118D9E}"/>
+              </a:ext>
+            </a:extLst>
+          </p:cNvPr>
+          <p:cNvSpPr>
+            <a:spLocks noGrp="1"/>
+          </p:cNvSpPr>
+          <p:nvPr>
+            <p:ph idx="1"/>
+          </p:nvPr>
+        </p:nvSpPr>
+        <p:spPr/>
+        <p:txBody>
+          <a:bodyPr>
+            <a:normAutofit fontScale="92500" lnSpcReduction="20000"/>
+          </a:bodyPr>
+          <a:lstStyle/>
+          <a:p>
+            <a:r>
+              <a:rPr lang="en-US" dirty="0"/>
+              <a:t>Programmable Logic Controllers (PLCs): devices used for industrial automation</a:t>
+            </a:r>
+          </a:p>
+          <a:p>
+            <a:r>
+              <a:rPr lang="en-US" dirty="0"/>
+              <a:t>Observe </a:t>
+            </a:r>
+            <a:r>
+              <a:rPr lang="en-US" dirty="0">
+                <a:sym typeface="Wingdings" panose="05000000000000000000" pitchFamily="2" charset="2"/>
+              </a:rPr>
+              <a:t> Decide  Act  Repeat (1 scan)</a:t>
+            </a:r>
+          </a:p>
+          <a:p>
+            <a:r>
+              <a:rPr lang="en-US" dirty="0">
+                <a:sym typeface="Wingdings" panose="05000000000000000000" pitchFamily="2" charset="2"/>
+              </a:rPr>
+              <a:t>Assumes observed variables remain fixed for duration of scan</a:t>
+            </a:r>
+          </a:p>
+          <a:p>
+            <a:r>
+              <a:rPr lang="en-US" dirty="0"/>
+              <a:t>Siemens – SIMATIC S7 PLC family</a:t>
+            </a:r>
+            <a:endParaRPr lang="en-US" dirty="0">
+              <a:sym typeface="Wingdings" panose="05000000000000000000" pitchFamily="2" charset="2"/>
+            </a:endParaRPr>
+          </a:p>
+          <a:p>
+            <a:pPr lvl="1"/>
+            <a:r>
+              <a:rPr lang="en-US" dirty="0">
+                <a:sym typeface="Wingdings" panose="05000000000000000000" pitchFamily="2" charset="2"/>
+              </a:rPr>
+              <a:t>Control executed once per scan, but scan time was never explicitly specified</a:t>
+            </a:r>
+          </a:p>
+          <a:p>
+            <a:pPr lvl="1"/>
+            <a:r>
+              <a:rPr lang="en-US" dirty="0">
+                <a:sym typeface="Wingdings" panose="05000000000000000000" pitchFamily="2" charset="2"/>
+              </a:rPr>
+              <a:t>New hardware: faster CPUs, but added more complex communication protocols, logging etc.</a:t>
+            </a:r>
+          </a:p>
+          <a:p>
+            <a:pPr lvl="1"/>
+            <a:r>
+              <a:rPr lang="en-US" dirty="0"/>
+              <a:t>Scan times became variable!</a:t>
+            </a:r>
+          </a:p>
+          <a:p>
+            <a:pPr lvl="1"/>
+            <a:r>
+              <a:rPr lang="en-US" dirty="0"/>
+              <a:t>Control became unstable</a:t>
+            </a:r>
+          </a:p>
+        </p:txBody>
+      </p:sp>
+      <p:sp>
+        <p:nvSpPr>
+          <p:cNvPr id="4" name="Date Placeholder 3">
+            <a:extLst>
+              <a:ext uri="{FF2B5EF4-FFF2-40B4-BE49-F238E27FC236}">
+                <a16:creationId xmlns:a16="http://schemas.microsoft.com/office/drawing/2014/main" id="{0B592CE0-6D91-4FED-842F-1F242CCAE966}"/>
+              </a:ext>
+            </a:extLst>
+          </p:cNvPr>
+          <p:cNvSpPr>
+            <a:spLocks noGrp="1"/>
+          </p:cNvSpPr>
+          <p:nvPr>
+            <p:ph type="dt" sz="half" idx="10"/>
+          </p:nvPr>
+        </p:nvSpPr>
+        <p:spPr/>
+        <p:txBody>
+          <a:bodyPr/>
+          <a:lstStyle/>
+          <a:p>
+            <a:pPr>
+              <a:defRPr/>
+            </a:pPr>
+            <a:r>
+              <a:rPr lang="en-US"/>
+              <a:t>21/12/2020</a:t>
+            </a:r>
+          </a:p>
+        </p:txBody>
+      </p:sp>
+      <p:sp>
+        <p:nvSpPr>
+          <p:cNvPr id="5" name="Slide Number Placeholder 4">
+            <a:extLst>
+              <a:ext uri="{FF2B5EF4-FFF2-40B4-BE49-F238E27FC236}">
+                <a16:creationId xmlns:a16="http://schemas.microsoft.com/office/drawing/2014/main" id="{29FA3667-2457-4512-8EFA-F72ED61DD1EC}"/>
+              </a:ext>
+            </a:extLst>
+          </p:cNvPr>
+          <p:cNvSpPr>
+            <a:spLocks noGrp="1"/>
+          </p:cNvSpPr>
+          <p:nvPr>
+            <p:ph type="sldNum" sz="quarter" idx="12"/>
+          </p:nvPr>
+        </p:nvSpPr>
+        <p:spPr/>
+        <p:txBody>
+          <a:bodyPr/>
+          <a:lstStyle/>
+          <a:p>
+            <a:pPr>
+              <a:defRPr/>
+            </a:pPr>
+            <a:fld id="{CA887A73-1AE0-46F8-856A-18EA1CF30A1B}" type="slidenum">
+              <a:rPr lang="en-US" altLang="en-US" smtClean="0"/>
+              <a:pPr>
+                <a:defRPr/>
+              </a:pPr>
+              <a:t>27</a:t>
+            </a:fld>
+            <a:endParaRPr lang="en-US" altLang="en-US"/>
+          </a:p>
+        </p:txBody>
+      </p:sp>
+    </p:spTree>
+    <p:extLst>
+      <p:ext uri="{BB962C8B-B14F-4D97-AF65-F5344CB8AC3E}">
+        <p14:creationId xmlns:p14="http://schemas.microsoft.com/office/powerpoint/2010/main" val="2689706293"/>
+      </p:ext>
+    </p:extLst>
+  </p:cSld>
+  <p:clrMapOvr>
+    <a:masterClrMapping/>
+  </p:clrMapOvr>
+  <p:timing>
+    <p:tnLst>
+      <p:par>
+        <p:cTn id="1" dur="indefinite" restart="never" nodeType="tmRoot">
+          <p:childTnLst>
+            <p:seq concurrent="1" nextAc="seek">
+              <p:cTn id="2" dur="indefinite" nodeType="mainSeq">
+                <p:childTnLst>
+                  <p:par>
+                    <p:cTn id="3" fill="hold">
+                      <p:stCondLst>
+                        <p:cond delay="indefinite"/>
+                      </p:stCondLst>
+                      <p:childTnLst>
+                        <p:par>
+                          <p:cTn id="4" fill="hold">
+                            <p:stCondLst>
+                              <p:cond delay="0"/>
+                            </p:stCondLst>
+                            <p:childTnLst>
+                              <p:par>
+                                <p:cTn id="5" presetID="1" presetClass="entr" presetSubtype="0" fill="hold" grpId="0" nodeType="clickEffect">
+                                  <p:stCondLst>
+                                    <p:cond delay="0"/>
+                                  </p:stCondLst>
+                                  <p:childTnLst>
+                                    <p:set>
+                                      <p:cBhvr>
+                                        <p:cTn id="6" dur="1" fill="hold">
+                                          <p:stCondLst>
+                                            <p:cond delay="0"/>
+                                          </p:stCondLst>
+                                        </p:cTn>
+                                        <p:tgtEl>
+                                          <p:spTgt spid="3">
+                                            <p:txEl>
+                                              <p:pRg st="0" end="0"/>
+                                            </p:txEl>
+                                          </p:spTgt>
+                                        </p:tgtEl>
+                                        <p:attrNameLst>
+                                          <p:attrName>style.visibility</p:attrName>
+                                        </p:attrNameLst>
+                                      </p:cBhvr>
+                                      <p:to>
+                                        <p:strVal val="visible"/>
+                                      </p:to>
+                                    </p:set>
+                                  </p:childTnLst>
+                                </p:cTn>
+                              </p:par>
+                            </p:childTnLst>
+                          </p:cTn>
+                        </p:par>
+                      </p:childTnLst>
+                    </p:cTn>
+                  </p:par>
+                  <p:par>
+                    <p:cTn id="7" fill="hold">
+                      <p:stCondLst>
+                        <p:cond delay="indefinite"/>
+                      </p:stCondLst>
+                      <p:childTnLst>
+                        <p:par>
+                          <p:cTn id="8" fill="hold">
+                            <p:stCondLst>
+                              <p:cond delay="0"/>
+                            </p:stCondLst>
+                            <p:childTnLst>
+                              <p:par>
+                                <p:cTn id="9" presetID="1" presetClass="entr" presetSubtype="0" fill="hold" grpId="0" nodeType="clickEffect">
+                                  <p:stCondLst>
+                                    <p:cond delay="0"/>
+                                  </p:stCondLst>
+                                  <p:childTnLst>
+                                    <p:set>
+                                      <p:cBhvr>
+                                        <p:cTn id="10" dur="1" fill="hold">
+                                          <p:stCondLst>
+                                            <p:cond delay="0"/>
+                                          </p:stCondLst>
+                                        </p:cTn>
+                                        <p:tgtEl>
+                                          <p:spTgt spid="3">
+                                            <p:txEl>
+                                              <p:pRg st="1" end="1"/>
+                                            </p:txEl>
+                                          </p:spTgt>
+                                        </p:tgtEl>
+                                        <p:attrNameLst>
+                                          <p:attrName>style.visibility</p:attrName>
+                                        </p:attrNameLst>
+                                      </p:cBhvr>
+                                      <p:to>
+                                        <p:strVal val="visible"/>
+                                      </p:to>
+                                    </p:set>
+                                  </p:childTnLst>
+                                </p:cTn>
+                              </p:par>
+                            </p:childTnLst>
+                          </p:cTn>
+                        </p:par>
+                      </p:childTnLst>
+                    </p:cTn>
+                  </p:par>
+                  <p:par>
+                    <p:cTn id="11" fill="hold">
+                      <p:stCondLst>
+                        <p:cond delay="indefinite"/>
+                      </p:stCondLst>
+                      <p:childTnLst>
+                        <p:par>
+                          <p:cTn id="12" fill="hold">
+                            <p:stCondLst>
+                              <p:cond delay="0"/>
+                            </p:stCondLst>
+                            <p:childTnLst>
+                              <p:par>
+                                <p:cTn id="13" presetID="1" presetClass="entr" presetSubtype="0" fill="hold" grpId="0" nodeType="clickEffect">
+                                  <p:stCondLst>
+                                    <p:cond delay="0"/>
+                                  </p:stCondLst>
+                                  <p:childTnLst>
+                                    <p:set>
+                                      <p:cBhvr>
+                                        <p:cTn id="14" dur="1" fill="hold">
+                                          <p:stCondLst>
+                                            <p:cond delay="0"/>
+                                          </p:stCondLst>
+                                        </p:cTn>
+                                        <p:tgtEl>
+                                          <p:spTgt spid="3">
+                                            <p:txEl>
+                                              <p:pRg st="2" end="2"/>
+                                            </p:txEl>
+                                          </p:spTgt>
+                                        </p:tgtEl>
+                                        <p:attrNameLst>
+                                          <p:attrName>style.visibility</p:attrName>
+                                        </p:attrNameLst>
+                                      </p:cBhvr>
+                                      <p:to>
+                                        <p:strVal val="visible"/>
+                                      </p:to>
+                                    </p:set>
+                                  </p:childTnLst>
+                                </p:cTn>
+                              </p:par>
+                            </p:childTnLst>
+                          </p:cTn>
+                        </p:par>
+                      </p:childTnLst>
+                    </p:cTn>
+                  </p:par>
+                  <p:par>
+                    <p:cTn id="15" fill="hold">
+                      <p:stCondLst>
+                        <p:cond delay="indefinite"/>
+                      </p:stCondLst>
+                      <p:childTnLst>
+                        <p:par>
+                          <p:cTn id="16" fill="hold">
+                            <p:stCondLst>
+                              <p:cond delay="0"/>
+                            </p:stCondLst>
+                            <p:childTnLst>
+                              <p:par>
+                                <p:cTn id="17" presetID="1" presetClass="entr" presetSubtype="0" fill="hold" grpId="0" nodeType="clickEffect">
+                                  <p:stCondLst>
+                                    <p:cond delay="0"/>
+                                  </p:stCondLst>
+                                  <p:childTnLst>
+                                    <p:set>
+                                      <p:cBhvr>
+                                        <p:cTn id="18" dur="1" fill="hold">
+                                          <p:stCondLst>
+                                            <p:cond delay="0"/>
+                                          </p:stCondLst>
+                                        </p:cTn>
+                                        <p:tgtEl>
+                                          <p:spTgt spid="3">
+                                            <p:txEl>
+                                              <p:pRg st="3" end="3"/>
+                                            </p:txEl>
+                                          </p:spTgt>
+                                        </p:tgtEl>
+                                        <p:attrNameLst>
+                                          <p:attrName>style.visibility</p:attrName>
+                                        </p:attrNameLst>
+                                      </p:cBhvr>
+                                      <p:to>
+                                        <p:strVal val="visible"/>
+                                      </p:to>
+                                    </p:set>
+                                  </p:childTnLst>
+                                </p:cTn>
+                              </p:par>
+                            </p:childTnLst>
+                          </p:cTn>
+                        </p:par>
+                      </p:childTnLst>
+                    </p:cTn>
+                  </p:par>
+                  <p:par>
+                    <p:cTn id="19" fill="hold">
+                      <p:stCondLst>
+                        <p:cond delay="indefinite"/>
+                      </p:stCondLst>
+                      <p:childTnLst>
+                        <p:par>
+                          <p:cTn id="20" fill="hold">
+                            <p:stCondLst>
+                              <p:cond delay="0"/>
+                            </p:stCondLst>
+                            <p:childTnLst>
+                              <p:par>
+                                <p:cTn id="21" presetID="1" presetClass="entr" presetSubtype="0" fill="hold" grpId="0" nodeType="clickEffect">
+                                  <p:stCondLst>
+                                    <p:cond delay="0"/>
+                                  </p:stCondLst>
+                                  <p:childTnLst>
+                                    <p:set>
+                                      <p:cBhvr>
+                                        <p:cTn id="22" dur="1" fill="hold">
+                                          <p:stCondLst>
+                                            <p:cond delay="0"/>
+                                          </p:stCondLst>
+                                        </p:cTn>
+                                        <p:tgtEl>
+                                          <p:spTgt spid="3">
+                                            <p:txEl>
+                                              <p:pRg st="4" end="4"/>
+                                            </p:txEl>
+                                          </p:spTgt>
+                                        </p:tgtEl>
+                                        <p:attrNameLst>
+                                          <p:attrName>style.visibility</p:attrName>
+                                        </p:attrNameLst>
+                                      </p:cBhvr>
+                                      <p:to>
+                                        <p:strVal val="visible"/>
+                                      </p:to>
+                                    </p:set>
+                                  </p:childTnLst>
+                                </p:cTn>
+                              </p:par>
+                            </p:childTnLst>
+                          </p:cTn>
+                        </p:par>
+                      </p:childTnLst>
+                    </p:cTn>
+                  </p:par>
+                  <p:par>
+                    <p:cTn id="23" fill="hold">
+                      <p:stCondLst>
+                        <p:cond delay="indefinite"/>
+                      </p:stCondLst>
+                      <p:childTnLst>
+                        <p:par>
+                          <p:cTn id="24" fill="hold">
+                            <p:stCondLst>
+                              <p:cond delay="0"/>
+                            </p:stCondLst>
+                            <p:childTnLst>
+                              <p:par>
+                                <p:cTn id="25" presetID="1" presetClass="entr" presetSubtype="0" fill="hold" grpId="0" nodeType="clickEffect">
+                                  <p:stCondLst>
+                                    <p:cond delay="0"/>
+                                  </p:stCondLst>
+                                  <p:childTnLst>
+                                    <p:set>
+                                      <p:cBhvr>
+                                        <p:cTn id="26" dur="1" fill="hold">
+                                          <p:stCondLst>
+                                            <p:cond delay="0"/>
+                                          </p:stCondLst>
+                                        </p:cTn>
+                                        <p:tgtEl>
+                                          <p:spTgt spid="3">
+                                            <p:txEl>
+                                              <p:pRg st="5" end="5"/>
+                                            </p:txEl>
+                                          </p:spTgt>
+                                        </p:tgtEl>
+                                        <p:attrNameLst>
+                                          <p:attrName>style.visibility</p:attrName>
+                                        </p:attrNameLst>
+                                      </p:cBhvr>
+                                      <p:to>
+                                        <p:strVal val="visible"/>
+                                      </p:to>
+                                    </p:set>
+                                  </p:childTnLst>
+                                </p:cTn>
+                              </p:par>
+                            </p:childTnLst>
+                          </p:cTn>
+                        </p:par>
+                      </p:childTnLst>
+                    </p:cTn>
+                  </p:par>
+                  <p:par>
+                    <p:cTn id="27" fill="hold">
+                      <p:stCondLst>
+                        <p:cond delay="indefinite"/>
+                      </p:stCondLst>
+                      <p:childTnLst>
+                        <p:par>
+                          <p:cTn id="28" fill="hold">
+                            <p:stCondLst>
+                              <p:cond delay="0"/>
+                            </p:stCondLst>
+                            <p:childTnLst>
+                              <p:par>
+                                <p:cTn id="29" presetID="1" presetClass="entr" presetSubtype="0" fill="hold" grpId="0" nodeType="clickEffect">
+                                  <p:stCondLst>
+                                    <p:cond delay="0"/>
+                                  </p:stCondLst>
+                                  <p:childTnLst>
+                                    <p:set>
+                                      <p:cBhvr>
+                                        <p:cTn id="30" dur="1" fill="hold">
+                                          <p:stCondLst>
+                                            <p:cond delay="0"/>
+                                          </p:stCondLst>
+                                        </p:cTn>
+                                        <p:tgtEl>
+                                          <p:spTgt spid="3">
+                                            <p:txEl>
+                                              <p:pRg st="6" end="6"/>
+                                            </p:txEl>
+                                          </p:spTgt>
+                                        </p:tgtEl>
+                                        <p:attrNameLst>
+                                          <p:attrName>style.visibility</p:attrName>
+                                        </p:attrNameLst>
+                                      </p:cBhvr>
+                                      <p:to>
+                                        <p:strVal val="visible"/>
+                                      </p:to>
+                                    </p:set>
+                                  </p:childTnLst>
+                                </p:cTn>
+                              </p:par>
+                            </p:childTnLst>
+                          </p:cTn>
+                        </p:par>
+                      </p:childTnLst>
+                    </p:cTn>
+                  </p:par>
+                  <p:par>
+                    <p:cTn id="31" fill="hold">
+                      <p:stCondLst>
+                        <p:cond delay="indefinite"/>
+                      </p:stCondLst>
+                      <p:childTnLst>
+                        <p:par>
+                          <p:cTn id="32" fill="hold">
+                            <p:stCondLst>
+                              <p:cond delay="0"/>
+                            </p:stCondLst>
+                            <p:childTnLst>
+                              <p:par>
+                                <p:cTn id="33" presetID="1" presetClass="entr" presetSubtype="0" fill="hold" grpId="0" nodeType="clickEffect">
+                                  <p:stCondLst>
+                                    <p:cond delay="0"/>
+                                  </p:stCondLst>
+                                  <p:childTnLst>
+                                    <p:set>
+                                      <p:cBhvr>
+                                        <p:cTn id="34" dur="1" fill="hold">
+                                          <p:stCondLst>
+                                            <p:cond delay="0"/>
+                                          </p:stCondLst>
+                                        </p:cTn>
+                                        <p:tgtEl>
+                                          <p:spTgt spid="3">
+                                            <p:txEl>
+                                              <p:pRg st="7" end="7"/>
+                                            </p:txEl>
+                                          </p:spTgt>
+                                        </p:tgtEl>
+                                        <p:attrNameLst>
+                                          <p:attrName>style.visibility</p:attrName>
+                                        </p:attrNameLst>
+                                      </p:cBhvr>
+                                      <p:to>
+                                        <p:strVal val="visible"/>
+                                      </p:to>
+                                    </p:set>
+                                  </p:childTnLst>
+                                </p:cTn>
+                              </p:par>
+                            </p:childTnLst>
+                          </p:cTn>
+                        </p:par>
+                      </p:childTnLst>
+                    </p:cTn>
+                  </p:par>
+                </p:childTnLst>
+              </p:cTn>
+              <p:prevCondLst>
+                <p:cond evt="onPrev" delay="0">
+                  <p:tgtEl>
+                    <p:sldTgt/>
+                  </p:tgtEl>
+                </p:cond>
+              </p:prevCondLst>
+              <p:nextCondLst>
+                <p:cond evt="onNext" delay="0">
+                  <p:tgtEl>
+                    <p:sldTgt/>
+                  </p:tgtEl>
+                </p:cond>
+              </p:nextCondLst>
+            </p:seq>
+          </p:childTnLst>
+        </p:cTn>
+      </p:par>
+    </p:tnLst>
+    <p:bldLst>
+      <p:bldP spid="3" grpId="0" build="p"/>
+    </p:bldLst>
+  </p:timing>
+</p:sld>
+</file>
+
+<file path=ppt/slides/slide28.xml><?xml version="1.0" encoding="utf-8"?>
+<p:sld xmlns:a="http://schemas.openxmlformats.org/drawingml/2006/main" xmlns:r="http://schemas.openxmlformats.org/officeDocument/2006/relationships" xmlns:p="http://schemas.openxmlformats.org/presentationml/2006/main">
+  <p:cSld>
+    <p:spTree>
+      <p:nvGrpSpPr>
+        <p:cNvPr id="1" name=""/>
+        <p:cNvGrpSpPr/>
+        <p:nvPr/>
+      </p:nvGrpSpPr>
+      <p:grpSpPr>
+        <a:xfrm>
+          <a:off x="0" y="0"/>
+          <a:ext cx="0" cy="0"/>
+          <a:chOff x="0" y="0"/>
+          <a:chExt cx="0" cy="0"/>
+        </a:xfrm>
+      </p:grpSpPr>
+      <p:sp>
+        <p:nvSpPr>
+          <p:cNvPr id="2" name="Title 1">
+            <a:extLst>
+              <a:ext uri="{FF2B5EF4-FFF2-40B4-BE49-F238E27FC236}">
+                <a16:creationId xmlns:a16="http://schemas.microsoft.com/office/drawing/2014/main" id="{841D8A53-DEA6-4016-9059-18673C6188FA}"/>
+              </a:ext>
+            </a:extLst>
+          </p:cNvPr>
+          <p:cNvSpPr>
+            <a:spLocks noGrp="1"/>
+          </p:cNvSpPr>
+          <p:nvPr>
+            <p:ph type="title"/>
+          </p:nvPr>
+        </p:nvSpPr>
+        <p:spPr/>
+        <p:txBody>
+          <a:bodyPr/>
+          <a:lstStyle/>
+          <a:p>
+            <a:r>
+              <a:rPr lang="en-US" dirty="0"/>
+              <a:t>Portability is</a:t>
+            </a:r>
+          </a:p>
+        </p:txBody>
+      </p:sp>
+      <p:sp>
+        <p:nvSpPr>
+          <p:cNvPr id="3" name="Date Placeholder 2">
+            <a:extLst>
+              <a:ext uri="{FF2B5EF4-FFF2-40B4-BE49-F238E27FC236}">
+                <a16:creationId xmlns:a16="http://schemas.microsoft.com/office/drawing/2014/main" id="{0DAA277D-B069-4D8F-BC3B-CC7F2DF4267F}"/>
+              </a:ext>
+            </a:extLst>
+          </p:cNvPr>
+          <p:cNvSpPr>
+            <a:spLocks noGrp="1"/>
+          </p:cNvSpPr>
+          <p:nvPr>
+            <p:ph type="dt" sz="half" idx="10"/>
+          </p:nvPr>
+        </p:nvSpPr>
+        <p:spPr/>
+        <p:txBody>
+          <a:bodyPr/>
+          <a:lstStyle/>
+          <a:p>
+            <a:pPr>
+              <a:defRPr/>
+            </a:pPr>
+            <a:r>
+              <a:rPr lang="en-US"/>
+              <a:t>21/12/2020</a:t>
+            </a:r>
+          </a:p>
+        </p:txBody>
+      </p:sp>
+      <p:sp>
+        <p:nvSpPr>
+          <p:cNvPr id="4" name="Slide Number Placeholder 3">
+            <a:extLst>
+              <a:ext uri="{FF2B5EF4-FFF2-40B4-BE49-F238E27FC236}">
+                <a16:creationId xmlns:a16="http://schemas.microsoft.com/office/drawing/2014/main" id="{DB9358B6-2FCE-4EC7-9777-EDB0D15BC6D5}"/>
+              </a:ext>
+            </a:extLst>
+          </p:cNvPr>
+          <p:cNvSpPr>
+            <a:spLocks noGrp="1"/>
+          </p:cNvSpPr>
+          <p:nvPr>
+            <p:ph type="sldNum" sz="quarter" idx="12"/>
+          </p:nvPr>
+        </p:nvSpPr>
+        <p:spPr/>
+        <p:txBody>
+          <a:bodyPr/>
+          <a:lstStyle/>
+          <a:p>
+            <a:pPr>
+              <a:defRPr/>
+            </a:pPr>
+            <a:fld id="{E79D9D01-1391-45E0-A9C5-C04635A43651}" type="slidenum">
+              <a:rPr lang="en-US" altLang="en-US" smtClean="0"/>
+              <a:pPr>
+                <a:defRPr/>
+              </a:pPr>
+              <a:t>28</a:t>
+            </a:fld>
+            <a:endParaRPr lang="en-US" altLang="en-US"/>
+          </a:p>
+        </p:txBody>
+      </p:sp>
+      <p:sp>
+        <p:nvSpPr>
+          <p:cNvPr id="5" name="Text Placeholder 4">
+            <a:extLst>
+              <a:ext uri="{FF2B5EF4-FFF2-40B4-BE49-F238E27FC236}">
+                <a16:creationId xmlns:a16="http://schemas.microsoft.com/office/drawing/2014/main" id="{C1FF1391-E991-4077-A56D-AFAB26542C9F}"/>
+              </a:ext>
+            </a:extLst>
+          </p:cNvPr>
+          <p:cNvSpPr>
+            <a:spLocks noGrp="1"/>
+          </p:cNvSpPr>
+          <p:nvPr>
+            <p:ph type="body" sz="quarter" idx="13"/>
+          </p:nvPr>
+        </p:nvSpPr>
+        <p:spPr/>
+        <p:txBody>
+          <a:bodyPr/>
+          <a:lstStyle/>
+          <a:p>
+            <a:r>
+              <a:rPr lang="en-US" dirty="0"/>
+              <a:t>Not just easy of recompiling, BUT</a:t>
+            </a:r>
+          </a:p>
+          <a:p>
+            <a:r>
+              <a:rPr lang="en-US" dirty="0"/>
+              <a:t>Avoiding undocumented hardware assumptions</a:t>
+            </a:r>
+          </a:p>
+          <a:p>
+            <a:r>
+              <a:rPr lang="en-US" dirty="0"/>
+              <a:t>Making timing and resource constraints explicit</a:t>
+            </a:r>
+          </a:p>
+        </p:txBody>
+      </p:sp>
+    </p:spTree>
+    <p:extLst>
+      <p:ext uri="{BB962C8B-B14F-4D97-AF65-F5344CB8AC3E}">
+        <p14:creationId xmlns:p14="http://schemas.microsoft.com/office/powerpoint/2010/main" val="4000288470"/>
+      </p:ext>
+    </p:extLst>
+  </p:cSld>
+  <p:clrMapOvr>
+    <a:masterClrMapping/>
+  </p:clrMapOvr>
+  <p:timing>
+    <p:tnLst>
+      <p:par>
+        <p:cTn id="1" dur="indefinite" restart="never" nodeType="tmRoot">
+          <p:childTnLst>
+            <p:seq concurrent="1" nextAc="seek">
+              <p:cTn id="2" dur="indefinite" nodeType="mainSeq">
+                <p:childTnLst>
+                  <p:par>
+                    <p:cTn id="3" fill="hold">
+                      <p:stCondLst>
+                        <p:cond delay="indefinite"/>
+                      </p:stCondLst>
+                      <p:childTnLst>
+                        <p:par>
+                          <p:cTn id="4" fill="hold">
+                            <p:stCondLst>
+                              <p:cond delay="0"/>
+                            </p:stCondLst>
+                            <p:childTnLst>
+                              <p:par>
+                                <p:cTn id="5" presetID="1" presetClass="entr" presetSubtype="0" fill="hold" grpId="0" nodeType="clickEffect">
+                                  <p:stCondLst>
+                                    <p:cond delay="0"/>
+                                  </p:stCondLst>
+                                  <p:childTnLst>
+                                    <p:set>
+                                      <p:cBhvr>
+                                        <p:cTn id="6" dur="1" fill="hold">
+                                          <p:stCondLst>
+                                            <p:cond delay="0"/>
+                                          </p:stCondLst>
+                                        </p:cTn>
+                                        <p:tgtEl>
+                                          <p:spTgt spid="5">
+                                            <p:txEl>
+                                              <p:pRg st="0" end="0"/>
+                                            </p:txEl>
+                                          </p:spTgt>
+                                        </p:tgtEl>
+                                        <p:attrNameLst>
+                                          <p:attrName>style.visibility</p:attrName>
+                                        </p:attrNameLst>
+                                      </p:cBhvr>
+                                      <p:to>
+                                        <p:strVal val="visible"/>
+                                      </p:to>
+                                    </p:set>
+                                  </p:childTnLst>
+                                </p:cTn>
+                              </p:par>
+                            </p:childTnLst>
+                          </p:cTn>
+                        </p:par>
+                      </p:childTnLst>
+                    </p:cTn>
+                  </p:par>
+                  <p:par>
+                    <p:cTn id="7" fill="hold">
+                      <p:stCondLst>
+                        <p:cond delay="indefinite"/>
+                      </p:stCondLst>
+                      <p:childTnLst>
+                        <p:par>
+                          <p:cTn id="8" fill="hold">
+                            <p:stCondLst>
+                              <p:cond delay="0"/>
+                            </p:stCondLst>
+                            <p:childTnLst>
+                              <p:par>
+                                <p:cTn id="9" presetID="1" presetClass="entr" presetSubtype="0" fill="hold" grpId="0" nodeType="clickEffect">
+                                  <p:stCondLst>
+                                    <p:cond delay="0"/>
+                                  </p:stCondLst>
+                                  <p:childTnLst>
+                                    <p:set>
+                                      <p:cBhvr>
+                                        <p:cTn id="10" dur="1" fill="hold">
+                                          <p:stCondLst>
+                                            <p:cond delay="0"/>
+                                          </p:stCondLst>
+                                        </p:cTn>
+                                        <p:tgtEl>
+                                          <p:spTgt spid="5">
+                                            <p:txEl>
+                                              <p:pRg st="1" end="1"/>
+                                            </p:txEl>
+                                          </p:spTgt>
+                                        </p:tgtEl>
+                                        <p:attrNameLst>
+                                          <p:attrName>style.visibility</p:attrName>
+                                        </p:attrNameLst>
+                                      </p:cBhvr>
+                                      <p:to>
+                                        <p:strVal val="visible"/>
+                                      </p:to>
+                                    </p:set>
+                                  </p:childTnLst>
+                                </p:cTn>
+                              </p:par>
+                            </p:childTnLst>
+                          </p:cTn>
+                        </p:par>
+                      </p:childTnLst>
+                    </p:cTn>
+                  </p:par>
+                  <p:par>
+                    <p:cTn id="11" fill="hold">
+                      <p:stCondLst>
+                        <p:cond delay="indefinite"/>
+                      </p:stCondLst>
+                      <p:childTnLst>
+                        <p:par>
+                          <p:cTn id="12" fill="hold">
+                            <p:stCondLst>
+                              <p:cond delay="0"/>
+                            </p:stCondLst>
+                            <p:childTnLst>
+                              <p:par>
+                                <p:cTn id="13" presetID="1" presetClass="entr" presetSubtype="0" fill="hold" grpId="0" nodeType="clickEffect">
+                                  <p:stCondLst>
+                                    <p:cond delay="0"/>
+                                  </p:stCondLst>
+                                  <p:childTnLst>
+                                    <p:set>
+                                      <p:cBhvr>
+                                        <p:cTn id="14" dur="1" fill="hold">
+                                          <p:stCondLst>
+                                            <p:cond delay="0"/>
+                                          </p:stCondLst>
+                                        </p:cTn>
+                                        <p:tgtEl>
+                                          <p:spTgt spid="5">
+                                            <p:txEl>
+                                              <p:pRg st="2" end="2"/>
+                                            </p:txEl>
+                                          </p:spTgt>
+                                        </p:tgtEl>
+                                        <p:attrNameLst>
+                                          <p:attrName>style.visibility</p:attrName>
+                                        </p:attrNameLst>
+                                      </p:cBhvr>
+                                      <p:to>
+                                        <p:strVal val="visible"/>
+                                      </p:to>
+                                    </p:set>
+                                  </p:childTnLst>
+                                </p:cTn>
+                              </p:par>
+                            </p:childTnLst>
+                          </p:cTn>
+                        </p:par>
+                      </p:childTnLst>
+                    </p:cTn>
+                  </p:par>
+                </p:childTnLst>
+              </p:cTn>
+              <p:prevCondLst>
+                <p:cond evt="onPrev" delay="0">
+                  <p:tgtEl>
+                    <p:sldTgt/>
+                  </p:tgtEl>
+                </p:cond>
+              </p:prevCondLst>
+              <p:nextCondLst>
+                <p:cond evt="onNext" delay="0">
+                  <p:tgtEl>
+                    <p:sldTgt/>
+                  </p:tgtEl>
+                </p:cond>
+              </p:nextCondLst>
+            </p:seq>
+          </p:childTnLst>
+        </p:cTn>
+      </p:par>
+    </p:tnLst>
+    <p:bldLst>
+      <p:bldP spid="5" grpId="0" build="p"/>
+    </p:bldLst>
+  </p:timing>
+</p:sld>
+</file>
+
+<file path=ppt/slides/slide29.xml><?xml version="1.0" encoding="utf-8"?>
+<p:sld xmlns:a="http://schemas.openxmlformats.org/drawingml/2006/main" xmlns:r="http://schemas.openxmlformats.org/officeDocument/2006/relationships" xmlns:p="http://schemas.openxmlformats.org/presentationml/2006/main">
+  <p:cSld>
+    <p:spTree>
+      <p:nvGrpSpPr>
+        <p:cNvPr id="1" name=""/>
+        <p:cNvGrpSpPr/>
+        <p:nvPr/>
+      </p:nvGrpSpPr>
+      <p:grpSpPr>
+        <a:xfrm>
+          <a:off x="0" y="0"/>
+          <a:ext cx="0" cy="0"/>
+          <a:chOff x="0" y="0"/>
+          <a:chExt cx="0" cy="0"/>
+        </a:xfrm>
+      </p:grpSpPr>
+      <p:sp>
+        <p:nvSpPr>
+          <p:cNvPr id="2" name="Title 1">
+            <a:extLst>
+              <a:ext uri="{FF2B5EF4-FFF2-40B4-BE49-F238E27FC236}">
+                <a16:creationId xmlns:a16="http://schemas.microsoft.com/office/drawing/2014/main" id="{8ECBA389-DF8D-48D1-927C-E805859D0205}"/>
+              </a:ext>
+            </a:extLst>
+          </p:cNvPr>
+          <p:cNvSpPr>
+            <a:spLocks noGrp="1"/>
+          </p:cNvSpPr>
+          <p:nvPr>
+            <p:ph type="title"/>
+          </p:nvPr>
+        </p:nvSpPr>
+        <p:spPr/>
+        <p:txBody>
+          <a:bodyPr/>
+          <a:lstStyle/>
+          <a:p>
+            <a:r>
+              <a:rPr lang="en-US" dirty="0"/>
+              <a:t>Configurability: one system, many variants</a:t>
+            </a:r>
+          </a:p>
+        </p:txBody>
+      </p:sp>
+      <p:sp>
+        <p:nvSpPr>
+          <p:cNvPr id="3" name="Content Placeholder 2">
+            <a:extLst>
+              <a:ext uri="{FF2B5EF4-FFF2-40B4-BE49-F238E27FC236}">
+                <a16:creationId xmlns:a16="http://schemas.microsoft.com/office/drawing/2014/main" id="{2FB442CC-2311-4FCD-9110-8164C3D54832}"/>
+              </a:ext>
+            </a:extLst>
+          </p:cNvPr>
+          <p:cNvSpPr>
+            <a:spLocks noGrp="1"/>
+          </p:cNvSpPr>
+          <p:nvPr>
+            <p:ph idx="1"/>
+          </p:nvPr>
+        </p:nvSpPr>
+        <p:spPr/>
+        <p:txBody>
+          <a:bodyPr/>
+          <a:lstStyle/>
+          <a:p>
+            <a:r>
+              <a:rPr lang="en-US" dirty="0"/>
+              <a:t>For example, same car sold in different markets:</a:t>
+            </a:r>
+          </a:p>
+          <a:p>
+            <a:pPr lvl="1"/>
+            <a:r>
+              <a:rPr lang="en-US" dirty="0"/>
+              <a:t>Different features</a:t>
+            </a:r>
+          </a:p>
+          <a:p>
+            <a:pPr lvl="1"/>
+            <a:r>
+              <a:rPr lang="en-US" dirty="0"/>
+              <a:t>Different safety norms</a:t>
+            </a:r>
+          </a:p>
+          <a:p>
+            <a:r>
+              <a:rPr lang="en-US" dirty="0"/>
+              <a:t>Proper understanding / mapping of configuration required for safe operation</a:t>
+            </a:r>
+          </a:p>
+        </p:txBody>
+      </p:sp>
+      <p:sp>
+        <p:nvSpPr>
+          <p:cNvPr id="4" name="Date Placeholder 3">
+            <a:extLst>
+              <a:ext uri="{FF2B5EF4-FFF2-40B4-BE49-F238E27FC236}">
+                <a16:creationId xmlns:a16="http://schemas.microsoft.com/office/drawing/2014/main" id="{70FEE0B9-341F-4C98-AB2F-65C28CAF61DD}"/>
+              </a:ext>
+            </a:extLst>
+          </p:cNvPr>
+          <p:cNvSpPr>
+            <a:spLocks noGrp="1"/>
+          </p:cNvSpPr>
+          <p:nvPr>
+            <p:ph type="dt" sz="half" idx="10"/>
+          </p:nvPr>
+        </p:nvSpPr>
+        <p:spPr/>
+        <p:txBody>
+          <a:bodyPr/>
+          <a:lstStyle/>
+          <a:p>
+            <a:pPr>
+              <a:defRPr/>
+            </a:pPr>
+            <a:r>
+              <a:rPr lang="en-US"/>
+              <a:t>21/12/2020</a:t>
+            </a:r>
+          </a:p>
+        </p:txBody>
+      </p:sp>
+      <p:sp>
+        <p:nvSpPr>
+          <p:cNvPr id="5" name="Slide Number Placeholder 4">
+            <a:extLst>
+              <a:ext uri="{FF2B5EF4-FFF2-40B4-BE49-F238E27FC236}">
+                <a16:creationId xmlns:a16="http://schemas.microsoft.com/office/drawing/2014/main" id="{4502AF8C-2FB5-4C9A-B660-37EF21B69167}"/>
+              </a:ext>
+            </a:extLst>
+          </p:cNvPr>
+          <p:cNvSpPr>
+            <a:spLocks noGrp="1"/>
+          </p:cNvSpPr>
+          <p:nvPr>
+            <p:ph type="sldNum" sz="quarter" idx="12"/>
+          </p:nvPr>
+        </p:nvSpPr>
+        <p:spPr/>
+        <p:txBody>
+          <a:bodyPr/>
+          <a:lstStyle/>
+          <a:p>
+            <a:pPr>
+              <a:defRPr/>
+            </a:pPr>
+            <a:fld id="{CA887A73-1AE0-46F8-856A-18EA1CF30A1B}" type="slidenum">
+              <a:rPr lang="en-US" altLang="en-US" smtClean="0"/>
+              <a:pPr>
+                <a:defRPr/>
+              </a:pPr>
+              <a:t>29</a:t>
+            </a:fld>
+            <a:endParaRPr lang="en-US" altLang="en-US"/>
+          </a:p>
+        </p:txBody>
+      </p:sp>
+    </p:spTree>
+    <p:extLst>
+      <p:ext uri="{BB962C8B-B14F-4D97-AF65-F5344CB8AC3E}">
+        <p14:creationId xmlns:p14="http://schemas.microsoft.com/office/powerpoint/2010/main" val="1699909275"/>
+      </p:ext>
+    </p:extLst>
+  </p:cSld>
+  <p:clrMapOvr>
+    <a:masterClrMapping/>
+  </p:clrMapOvr>
+  <p:timing>
+    <p:tnLst>
+      <p:par>
+        <p:cTn id="1" dur="indefinite" restart="never" nodeType="tmRoot">
+          <p:childTnLst>
+            <p:seq concurrent="1" nextAc="seek">
+              <p:cTn id="2" dur="indefinite" nodeType="mainSeq">
+                <p:childTnLst>
+                  <p:par>
+                    <p:cTn id="3" fill="hold">
+                      <p:stCondLst>
+                        <p:cond delay="indefinite"/>
+                      </p:stCondLst>
+                      <p:childTnLst>
+                        <p:par>
+                          <p:cTn id="4" fill="hold">
+                            <p:stCondLst>
+                              <p:cond delay="0"/>
+                            </p:stCondLst>
+                            <p:childTnLst>
+                              <p:par>
+                                <p:cTn id="5" presetID="1" presetClass="entr" presetSubtype="0" fill="hold" grpId="0" nodeType="clickEffect">
+                                  <p:stCondLst>
+                                    <p:cond delay="0"/>
+                                  </p:stCondLst>
+                                  <p:childTnLst>
+                                    <p:set>
+                                      <p:cBhvr>
+                                        <p:cTn id="6" dur="1" fill="hold">
+                                          <p:stCondLst>
+                                            <p:cond delay="0"/>
+                                          </p:stCondLst>
+                                        </p:cTn>
+                                        <p:tgtEl>
+                                          <p:spTgt spid="3">
+                                            <p:txEl>
+                                              <p:pRg st="0" end="0"/>
+                                            </p:txEl>
+                                          </p:spTgt>
+                                        </p:tgtEl>
+                                        <p:attrNameLst>
+                                          <p:attrName>style.visibility</p:attrName>
+                                        </p:attrNameLst>
+                                      </p:cBhvr>
+                                      <p:to>
+                                        <p:strVal val="visible"/>
+                                      </p:to>
+                                    </p:set>
+                                  </p:childTnLst>
+                                </p:cTn>
+                              </p:par>
+                              <p:par>
+                                <p:cTn id="7" presetID="1" presetClass="entr" presetSubtype="0" fill="hold" grpId="0" nodeType="withEffect">
+                                  <p:stCondLst>
+                                    <p:cond delay="0"/>
+                                  </p:stCondLst>
+                                  <p:childTnLst>
+                                    <p:set>
+                                      <p:cBhvr>
+                                        <p:cTn id="8" dur="1" fill="hold">
+                                          <p:stCondLst>
+                                            <p:cond delay="0"/>
+                                          </p:stCondLst>
+                                        </p:cTn>
+                                        <p:tgtEl>
+                                          <p:spTgt spid="3">
+                                            <p:txEl>
+                                              <p:pRg st="1" end="1"/>
+                                            </p:txEl>
+                                          </p:spTgt>
+                                        </p:tgtEl>
+                                        <p:attrNameLst>
+                                          <p:attrName>style.visibility</p:attrName>
+                                        </p:attrNameLst>
+                                      </p:cBhvr>
+                                      <p:to>
+                                        <p:strVal val="visible"/>
+                                      </p:to>
+                                    </p:set>
+                                  </p:childTnLst>
+                                </p:cTn>
+                              </p:par>
+                              <p:par>
+                                <p:cTn id="9" presetID="1" presetClass="entr" presetSubtype="0" fill="hold" grpId="0" nodeType="withEffect">
+                                  <p:stCondLst>
+                                    <p:cond delay="0"/>
+                                  </p:stCondLst>
+                                  <p:childTnLst>
+                                    <p:set>
+                                      <p:cBhvr>
+                                        <p:cTn id="10" dur="1" fill="hold">
+                                          <p:stCondLst>
+                                            <p:cond delay="0"/>
+                                          </p:stCondLst>
+                                        </p:cTn>
+                                        <p:tgtEl>
+                                          <p:spTgt spid="3">
+                                            <p:txEl>
+                                              <p:pRg st="2" end="2"/>
+                                            </p:txEl>
+                                          </p:spTgt>
+                                        </p:tgtEl>
+                                        <p:attrNameLst>
+                                          <p:attrName>style.visibility</p:attrName>
+                                        </p:attrNameLst>
+                                      </p:cBhvr>
+                                      <p:to>
+                                        <p:strVal val="visible"/>
+                                      </p:to>
+                                    </p:set>
+                                  </p:childTnLst>
+                                </p:cTn>
+                              </p:par>
+                            </p:childTnLst>
+                          </p:cTn>
+                        </p:par>
+                      </p:childTnLst>
+                    </p:cTn>
+                  </p:par>
+                  <p:par>
+                    <p:cTn id="11" fill="hold">
+                      <p:stCondLst>
+                        <p:cond delay="indefinite"/>
+                      </p:stCondLst>
+                      <p:childTnLst>
+                        <p:par>
+                          <p:cTn id="12" fill="hold">
+                            <p:stCondLst>
+                              <p:cond delay="0"/>
+                            </p:stCondLst>
+                            <p:childTnLst>
+                              <p:par>
+                                <p:cTn id="13" presetID="1" presetClass="entr" presetSubtype="0" fill="hold" grpId="0" nodeType="clickEffect">
+                                  <p:stCondLst>
+                                    <p:cond delay="0"/>
+                                  </p:stCondLst>
+                                  <p:childTnLst>
+                                    <p:set>
+                                      <p:cBhvr>
+                                        <p:cTn id="14" dur="1" fill="hold">
+                                          <p:stCondLst>
+                                            <p:cond delay="0"/>
+                                          </p:stCondLst>
+                                        </p:cTn>
+                                        <p:tgtEl>
+                                          <p:spTgt spid="3">
+                                            <p:txEl>
+                                              <p:pRg st="3" end="3"/>
+                                            </p:txEl>
+                                          </p:spTgt>
+                                        </p:tgtEl>
+                                        <p:attrNameLst>
+                                          <p:attrName>style.visibility</p:attrName>
+                                        </p:attrNameLst>
+                                      </p:cBhvr>
+                                      <p:to>
+                                        <p:strVal val="visible"/>
+                                      </p:to>
+                                    </p:set>
+                                  </p:childTnLst>
+                                </p:cTn>
+                              </p:par>
+                            </p:childTnLst>
+                          </p:cTn>
+                        </p:par>
+                      </p:childTnLst>
+                    </p:cTn>
+                  </p:par>
+                </p:childTnLst>
+              </p:cTn>
+              <p:prevCondLst>
+                <p:cond evt="onPrev" delay="0">
+                  <p:tgtEl>
+                    <p:sldTgt/>
+                  </p:tgtEl>
+                </p:cond>
+              </p:prevCondLst>
+              <p:nextCondLst>
+                <p:cond evt="onNext" delay="0">
+                  <p:tgtEl>
+                    <p:sldTgt/>
+                  </p:tgtEl>
+                </p:cond>
+              </p:nextCondLst>
+            </p:seq>
+          </p:childTnLst>
+        </p:cTn>
+      </p:par>
+    </p:tnLst>
+    <p:bldLst>
+      <p:bldP spid="3" grpId="0" build="p"/>
+    </p:bldLst>
+  </p:timing>
 </p:sld>
 </file>
 
@@ -14848,6 +19699,4154 @@
 </p:sld>
 </file>
 
+<file path=ppt/slides/slide30.xml><?xml version="1.0" encoding="utf-8"?>
+<p:sld xmlns:a="http://schemas.openxmlformats.org/drawingml/2006/main" xmlns:r="http://schemas.openxmlformats.org/officeDocument/2006/relationships" xmlns:p="http://schemas.openxmlformats.org/presentationml/2006/main">
+  <p:cSld>
+    <p:spTree>
+      <p:nvGrpSpPr>
+        <p:cNvPr id="1" name=""/>
+        <p:cNvGrpSpPr/>
+        <p:nvPr/>
+      </p:nvGrpSpPr>
+      <p:grpSpPr>
+        <a:xfrm>
+          <a:off x="0" y="0"/>
+          <a:ext cx="0" cy="0"/>
+          <a:chOff x="0" y="0"/>
+          <a:chExt cx="0" cy="0"/>
+        </a:xfrm>
+      </p:grpSpPr>
+      <p:sp>
+        <p:nvSpPr>
+          <p:cNvPr id="2" name="Title 1">
+            <a:extLst>
+              <a:ext uri="{FF2B5EF4-FFF2-40B4-BE49-F238E27FC236}">
+                <a16:creationId xmlns:a16="http://schemas.microsoft.com/office/drawing/2014/main" id="{1958B092-5EB5-42AA-85E4-A205F8B82095}"/>
+              </a:ext>
+            </a:extLst>
+          </p:cNvPr>
+          <p:cNvSpPr>
+            <a:spLocks noGrp="1"/>
+          </p:cNvSpPr>
+          <p:nvPr>
+            <p:ph type="title"/>
+          </p:nvPr>
+        </p:nvSpPr>
+        <p:spPr/>
+        <p:txBody>
+          <a:bodyPr/>
+          <a:lstStyle/>
+          <a:p>
+            <a:r>
+              <a:rPr lang="en-US" dirty="0"/>
+              <a:t>Example: Therac-25 (Radiation Therapy Device)</a:t>
+            </a:r>
+          </a:p>
+        </p:txBody>
+      </p:sp>
+      <p:sp>
+        <p:nvSpPr>
+          <p:cNvPr id="3" name="Content Placeholder 2">
+            <a:extLst>
+              <a:ext uri="{FF2B5EF4-FFF2-40B4-BE49-F238E27FC236}">
+                <a16:creationId xmlns:a16="http://schemas.microsoft.com/office/drawing/2014/main" id="{8C935BE8-C24F-48F0-84E1-1A6DE7F2E42D}"/>
+              </a:ext>
+            </a:extLst>
+          </p:cNvPr>
+          <p:cNvSpPr>
+            <a:spLocks noGrp="1"/>
+          </p:cNvSpPr>
+          <p:nvPr>
+            <p:ph idx="1"/>
+          </p:nvPr>
+        </p:nvSpPr>
+        <p:spPr/>
+        <p:txBody>
+          <a:bodyPr>
+            <a:normAutofit fontScale="92500" lnSpcReduction="10000"/>
+          </a:bodyPr>
+          <a:lstStyle/>
+          <a:p>
+            <a:r>
+              <a:rPr lang="en-US" dirty="0"/>
+              <a:t>Software controlled modes of operation: low and high energy radiation, with different dosage times etc., configured in software</a:t>
+            </a:r>
+          </a:p>
+          <a:p>
+            <a:r>
+              <a:rPr lang="en-US" dirty="0"/>
+              <a:t>Certain configuration settings were rare and not properly validated</a:t>
+            </a:r>
+          </a:p>
+          <a:p>
+            <a:r>
+              <a:rPr lang="en-US" dirty="0"/>
+              <a:t>Configuration became inconsistent across software modules, causing the timing module to think it is in low energy, and radiation module to think it is in high energy mode</a:t>
+            </a:r>
+          </a:p>
+          <a:p>
+            <a:r>
+              <a:rPr lang="en-US" dirty="0"/>
+              <a:t>Overdose led to several patient deaths</a:t>
+            </a:r>
+          </a:p>
+          <a:p>
+            <a:r>
+              <a:rPr lang="en-US" dirty="0"/>
+              <a:t>No hardware failed, no bugs, but poor software</a:t>
+            </a:r>
+          </a:p>
+        </p:txBody>
+      </p:sp>
+      <p:sp>
+        <p:nvSpPr>
+          <p:cNvPr id="4" name="Date Placeholder 3">
+            <a:extLst>
+              <a:ext uri="{FF2B5EF4-FFF2-40B4-BE49-F238E27FC236}">
+                <a16:creationId xmlns:a16="http://schemas.microsoft.com/office/drawing/2014/main" id="{85BA78B9-37FF-486E-BDDD-14642C895AE7}"/>
+              </a:ext>
+            </a:extLst>
+          </p:cNvPr>
+          <p:cNvSpPr>
+            <a:spLocks noGrp="1"/>
+          </p:cNvSpPr>
+          <p:nvPr>
+            <p:ph type="dt" sz="half" idx="10"/>
+          </p:nvPr>
+        </p:nvSpPr>
+        <p:spPr/>
+        <p:txBody>
+          <a:bodyPr/>
+          <a:lstStyle/>
+          <a:p>
+            <a:pPr>
+              <a:defRPr/>
+            </a:pPr>
+            <a:r>
+              <a:rPr lang="en-US"/>
+              <a:t>21/12/2020</a:t>
+            </a:r>
+          </a:p>
+        </p:txBody>
+      </p:sp>
+      <p:sp>
+        <p:nvSpPr>
+          <p:cNvPr id="5" name="Slide Number Placeholder 4">
+            <a:extLst>
+              <a:ext uri="{FF2B5EF4-FFF2-40B4-BE49-F238E27FC236}">
+                <a16:creationId xmlns:a16="http://schemas.microsoft.com/office/drawing/2014/main" id="{BC1CA895-49DC-468A-ABBE-AF28A9916F86}"/>
+              </a:ext>
+            </a:extLst>
+          </p:cNvPr>
+          <p:cNvSpPr>
+            <a:spLocks noGrp="1"/>
+          </p:cNvSpPr>
+          <p:nvPr>
+            <p:ph type="sldNum" sz="quarter" idx="12"/>
+          </p:nvPr>
+        </p:nvSpPr>
+        <p:spPr/>
+        <p:txBody>
+          <a:bodyPr/>
+          <a:lstStyle/>
+          <a:p>
+            <a:pPr>
+              <a:defRPr/>
+            </a:pPr>
+            <a:fld id="{CA887A73-1AE0-46F8-856A-18EA1CF30A1B}" type="slidenum">
+              <a:rPr lang="en-US" altLang="en-US" smtClean="0"/>
+              <a:pPr>
+                <a:defRPr/>
+              </a:pPr>
+              <a:t>30</a:t>
+            </a:fld>
+            <a:endParaRPr lang="en-US" altLang="en-US"/>
+          </a:p>
+        </p:txBody>
+      </p:sp>
+    </p:spTree>
+    <p:extLst>
+      <p:ext uri="{BB962C8B-B14F-4D97-AF65-F5344CB8AC3E}">
+        <p14:creationId xmlns:p14="http://schemas.microsoft.com/office/powerpoint/2010/main" val="927091168"/>
+      </p:ext>
+    </p:extLst>
+  </p:cSld>
+  <p:clrMapOvr>
+    <a:masterClrMapping/>
+  </p:clrMapOvr>
+  <p:timing>
+    <p:tnLst>
+      <p:par>
+        <p:cTn id="1" dur="indefinite" restart="never" nodeType="tmRoot">
+          <p:childTnLst>
+            <p:seq concurrent="1" nextAc="seek">
+              <p:cTn id="2" dur="indefinite" nodeType="mainSeq">
+                <p:childTnLst>
+                  <p:par>
+                    <p:cTn id="3" fill="hold">
+                      <p:stCondLst>
+                        <p:cond delay="indefinite"/>
+                      </p:stCondLst>
+                      <p:childTnLst>
+                        <p:par>
+                          <p:cTn id="4" fill="hold">
+                            <p:stCondLst>
+                              <p:cond delay="0"/>
+                            </p:stCondLst>
+                            <p:childTnLst>
+                              <p:par>
+                                <p:cTn id="5" presetID="1" presetClass="entr" presetSubtype="0" fill="hold" grpId="0" nodeType="clickEffect">
+                                  <p:stCondLst>
+                                    <p:cond delay="0"/>
+                                  </p:stCondLst>
+                                  <p:childTnLst>
+                                    <p:set>
+                                      <p:cBhvr>
+                                        <p:cTn id="6" dur="1" fill="hold">
+                                          <p:stCondLst>
+                                            <p:cond delay="0"/>
+                                          </p:stCondLst>
+                                        </p:cTn>
+                                        <p:tgtEl>
+                                          <p:spTgt spid="3">
+                                            <p:txEl>
+                                              <p:pRg st="0" end="0"/>
+                                            </p:txEl>
+                                          </p:spTgt>
+                                        </p:tgtEl>
+                                        <p:attrNameLst>
+                                          <p:attrName>style.visibility</p:attrName>
+                                        </p:attrNameLst>
+                                      </p:cBhvr>
+                                      <p:to>
+                                        <p:strVal val="visible"/>
+                                      </p:to>
+                                    </p:set>
+                                  </p:childTnLst>
+                                </p:cTn>
+                              </p:par>
+                            </p:childTnLst>
+                          </p:cTn>
+                        </p:par>
+                      </p:childTnLst>
+                    </p:cTn>
+                  </p:par>
+                  <p:par>
+                    <p:cTn id="7" fill="hold">
+                      <p:stCondLst>
+                        <p:cond delay="indefinite"/>
+                      </p:stCondLst>
+                      <p:childTnLst>
+                        <p:par>
+                          <p:cTn id="8" fill="hold">
+                            <p:stCondLst>
+                              <p:cond delay="0"/>
+                            </p:stCondLst>
+                            <p:childTnLst>
+                              <p:par>
+                                <p:cTn id="9" presetID="1" presetClass="entr" presetSubtype="0" fill="hold" grpId="0" nodeType="clickEffect">
+                                  <p:stCondLst>
+                                    <p:cond delay="0"/>
+                                  </p:stCondLst>
+                                  <p:childTnLst>
+                                    <p:set>
+                                      <p:cBhvr>
+                                        <p:cTn id="10" dur="1" fill="hold">
+                                          <p:stCondLst>
+                                            <p:cond delay="0"/>
+                                          </p:stCondLst>
+                                        </p:cTn>
+                                        <p:tgtEl>
+                                          <p:spTgt spid="3">
+                                            <p:txEl>
+                                              <p:pRg st="1" end="1"/>
+                                            </p:txEl>
+                                          </p:spTgt>
+                                        </p:tgtEl>
+                                        <p:attrNameLst>
+                                          <p:attrName>style.visibility</p:attrName>
+                                        </p:attrNameLst>
+                                      </p:cBhvr>
+                                      <p:to>
+                                        <p:strVal val="visible"/>
+                                      </p:to>
+                                    </p:set>
+                                  </p:childTnLst>
+                                </p:cTn>
+                              </p:par>
+                            </p:childTnLst>
+                          </p:cTn>
+                        </p:par>
+                      </p:childTnLst>
+                    </p:cTn>
+                  </p:par>
+                  <p:par>
+                    <p:cTn id="11" fill="hold">
+                      <p:stCondLst>
+                        <p:cond delay="indefinite"/>
+                      </p:stCondLst>
+                      <p:childTnLst>
+                        <p:par>
+                          <p:cTn id="12" fill="hold">
+                            <p:stCondLst>
+                              <p:cond delay="0"/>
+                            </p:stCondLst>
+                            <p:childTnLst>
+                              <p:par>
+                                <p:cTn id="13" presetID="1" presetClass="entr" presetSubtype="0" fill="hold" grpId="0" nodeType="clickEffect">
+                                  <p:stCondLst>
+                                    <p:cond delay="0"/>
+                                  </p:stCondLst>
+                                  <p:childTnLst>
+                                    <p:set>
+                                      <p:cBhvr>
+                                        <p:cTn id="14" dur="1" fill="hold">
+                                          <p:stCondLst>
+                                            <p:cond delay="0"/>
+                                          </p:stCondLst>
+                                        </p:cTn>
+                                        <p:tgtEl>
+                                          <p:spTgt spid="3">
+                                            <p:txEl>
+                                              <p:pRg st="2" end="2"/>
+                                            </p:txEl>
+                                          </p:spTgt>
+                                        </p:tgtEl>
+                                        <p:attrNameLst>
+                                          <p:attrName>style.visibility</p:attrName>
+                                        </p:attrNameLst>
+                                      </p:cBhvr>
+                                      <p:to>
+                                        <p:strVal val="visible"/>
+                                      </p:to>
+                                    </p:set>
+                                  </p:childTnLst>
+                                </p:cTn>
+                              </p:par>
+                            </p:childTnLst>
+                          </p:cTn>
+                        </p:par>
+                      </p:childTnLst>
+                    </p:cTn>
+                  </p:par>
+                  <p:par>
+                    <p:cTn id="15" fill="hold">
+                      <p:stCondLst>
+                        <p:cond delay="indefinite"/>
+                      </p:stCondLst>
+                      <p:childTnLst>
+                        <p:par>
+                          <p:cTn id="16" fill="hold">
+                            <p:stCondLst>
+                              <p:cond delay="0"/>
+                            </p:stCondLst>
+                            <p:childTnLst>
+                              <p:par>
+                                <p:cTn id="17" presetID="1" presetClass="entr" presetSubtype="0" fill="hold" grpId="0" nodeType="clickEffect">
+                                  <p:stCondLst>
+                                    <p:cond delay="0"/>
+                                  </p:stCondLst>
+                                  <p:childTnLst>
+                                    <p:set>
+                                      <p:cBhvr>
+                                        <p:cTn id="18" dur="1" fill="hold">
+                                          <p:stCondLst>
+                                            <p:cond delay="0"/>
+                                          </p:stCondLst>
+                                        </p:cTn>
+                                        <p:tgtEl>
+                                          <p:spTgt spid="3">
+                                            <p:txEl>
+                                              <p:pRg st="3" end="3"/>
+                                            </p:txEl>
+                                          </p:spTgt>
+                                        </p:tgtEl>
+                                        <p:attrNameLst>
+                                          <p:attrName>style.visibility</p:attrName>
+                                        </p:attrNameLst>
+                                      </p:cBhvr>
+                                      <p:to>
+                                        <p:strVal val="visible"/>
+                                      </p:to>
+                                    </p:set>
+                                  </p:childTnLst>
+                                </p:cTn>
+                              </p:par>
+                            </p:childTnLst>
+                          </p:cTn>
+                        </p:par>
+                      </p:childTnLst>
+                    </p:cTn>
+                  </p:par>
+                  <p:par>
+                    <p:cTn id="19" fill="hold">
+                      <p:stCondLst>
+                        <p:cond delay="indefinite"/>
+                      </p:stCondLst>
+                      <p:childTnLst>
+                        <p:par>
+                          <p:cTn id="20" fill="hold">
+                            <p:stCondLst>
+                              <p:cond delay="0"/>
+                            </p:stCondLst>
+                            <p:childTnLst>
+                              <p:par>
+                                <p:cTn id="21" presetID="1" presetClass="entr" presetSubtype="0" fill="hold" grpId="0" nodeType="clickEffect">
+                                  <p:stCondLst>
+                                    <p:cond delay="0"/>
+                                  </p:stCondLst>
+                                  <p:childTnLst>
+                                    <p:set>
+                                      <p:cBhvr>
+                                        <p:cTn id="22" dur="1" fill="hold">
+                                          <p:stCondLst>
+                                            <p:cond delay="0"/>
+                                          </p:stCondLst>
+                                        </p:cTn>
+                                        <p:tgtEl>
+                                          <p:spTgt spid="3">
+                                            <p:txEl>
+                                              <p:pRg st="4" end="4"/>
+                                            </p:txEl>
+                                          </p:spTgt>
+                                        </p:tgtEl>
+                                        <p:attrNameLst>
+                                          <p:attrName>style.visibility</p:attrName>
+                                        </p:attrNameLst>
+                                      </p:cBhvr>
+                                      <p:to>
+                                        <p:strVal val="visible"/>
+                                      </p:to>
+                                    </p:set>
+                                  </p:childTnLst>
+                                </p:cTn>
+                              </p:par>
+                            </p:childTnLst>
+                          </p:cTn>
+                        </p:par>
+                      </p:childTnLst>
+                    </p:cTn>
+                  </p:par>
+                </p:childTnLst>
+              </p:cTn>
+              <p:prevCondLst>
+                <p:cond evt="onPrev" delay="0">
+                  <p:tgtEl>
+                    <p:sldTgt/>
+                  </p:tgtEl>
+                </p:cond>
+              </p:prevCondLst>
+              <p:nextCondLst>
+                <p:cond evt="onNext" delay="0">
+                  <p:tgtEl>
+                    <p:sldTgt/>
+                  </p:tgtEl>
+                </p:cond>
+              </p:nextCondLst>
+            </p:seq>
+          </p:childTnLst>
+        </p:cTn>
+      </p:par>
+    </p:tnLst>
+    <p:bldLst>
+      <p:bldP spid="3" grpId="0" build="p"/>
+    </p:bldLst>
+  </p:timing>
+</p:sld>
+</file>
+
+<file path=ppt/slides/slide31.xml><?xml version="1.0" encoding="utf-8"?>
+<p:sld xmlns:a="http://schemas.openxmlformats.org/drawingml/2006/main" xmlns:r="http://schemas.openxmlformats.org/officeDocument/2006/relationships" xmlns:p="http://schemas.openxmlformats.org/presentationml/2006/main">
+  <p:cSld>
+    <p:spTree>
+      <p:nvGrpSpPr>
+        <p:cNvPr id="1" name=""/>
+        <p:cNvGrpSpPr/>
+        <p:nvPr/>
+      </p:nvGrpSpPr>
+      <p:grpSpPr>
+        <a:xfrm>
+          <a:off x="0" y="0"/>
+          <a:ext cx="0" cy="0"/>
+          <a:chOff x="0" y="0"/>
+          <a:chExt cx="0" cy="0"/>
+        </a:xfrm>
+      </p:grpSpPr>
+      <p:sp>
+        <p:nvSpPr>
+          <p:cNvPr id="2" name="Title 1">
+            <a:extLst>
+              <a:ext uri="{FF2B5EF4-FFF2-40B4-BE49-F238E27FC236}">
+                <a16:creationId xmlns:a16="http://schemas.microsoft.com/office/drawing/2014/main" id="{6A6CACC5-C8C0-42FB-82E4-68AB8D7BD26B}"/>
+              </a:ext>
+            </a:extLst>
+          </p:cNvPr>
+          <p:cNvSpPr>
+            <a:spLocks noGrp="1"/>
+          </p:cNvSpPr>
+          <p:nvPr>
+            <p:ph type="title"/>
+          </p:nvPr>
+        </p:nvSpPr>
+        <p:spPr/>
+        <p:txBody>
+          <a:bodyPr/>
+          <a:lstStyle/>
+          <a:p>
+            <a:r>
+              <a:rPr lang="en-US" dirty="0"/>
+              <a:t>Example: Volkswagen </a:t>
+            </a:r>
+            <a:r>
+              <a:rPr lang="en-US" dirty="0" err="1"/>
+              <a:t>Dieselgate</a:t>
+            </a:r>
+            <a:r>
+              <a:rPr lang="en-US" dirty="0"/>
+              <a:t> controversy</a:t>
+            </a:r>
+          </a:p>
+        </p:txBody>
+      </p:sp>
+      <p:sp>
+        <p:nvSpPr>
+          <p:cNvPr id="3" name="Content Placeholder 2">
+            <a:extLst>
+              <a:ext uri="{FF2B5EF4-FFF2-40B4-BE49-F238E27FC236}">
+                <a16:creationId xmlns:a16="http://schemas.microsoft.com/office/drawing/2014/main" id="{80D06651-35DF-4B11-BE75-677F31B2FA21}"/>
+              </a:ext>
+            </a:extLst>
+          </p:cNvPr>
+          <p:cNvSpPr>
+            <a:spLocks noGrp="1"/>
+          </p:cNvSpPr>
+          <p:nvPr>
+            <p:ph idx="1"/>
+          </p:nvPr>
+        </p:nvSpPr>
+        <p:spPr/>
+        <p:txBody>
+          <a:bodyPr/>
+          <a:lstStyle/>
+          <a:p>
+            <a:r>
+              <a:rPr lang="en-US" sz="2800" dirty="0"/>
+              <a:t>OEM developed two software configurations – test/diagnostic and normal</a:t>
+            </a:r>
+          </a:p>
+          <a:p>
+            <a:r>
+              <a:rPr lang="en-US" sz="2800" dirty="0"/>
+              <a:t>Emissions testing during certification was in test mode, within limits</a:t>
+            </a:r>
+          </a:p>
+          <a:p>
+            <a:r>
+              <a:rPr lang="en-US" sz="2800" dirty="0"/>
+              <a:t>Emissions in normal mode much higher!</a:t>
+            </a:r>
+          </a:p>
+          <a:p>
+            <a:endParaRPr lang="en-US" sz="2800" dirty="0"/>
+          </a:p>
+          <a:p>
+            <a:r>
+              <a:rPr lang="en-US" sz="2800" dirty="0"/>
+              <a:t>Same software </a:t>
+            </a:r>
+            <a:r>
+              <a:rPr lang="en-US" sz="2800" dirty="0">
+                <a:sym typeface="Wingdings" panose="05000000000000000000" pitchFamily="2" charset="2"/>
+              </a:rPr>
+              <a:t> very different behaviors</a:t>
+            </a:r>
+          </a:p>
+          <a:p>
+            <a:endParaRPr lang="en-US" sz="2800" dirty="0">
+              <a:sym typeface="Wingdings" panose="05000000000000000000" pitchFamily="2" charset="2"/>
+            </a:endParaRPr>
+          </a:p>
+          <a:p>
+            <a:r>
+              <a:rPr lang="en-US" sz="2800" dirty="0">
+                <a:sym typeface="Wingdings" panose="05000000000000000000" pitchFamily="2" charset="2"/>
+              </a:rPr>
+              <a:t>Infusion pump example: what kind of configurations can you think of?</a:t>
+            </a:r>
+            <a:endParaRPr lang="en-US" sz="2800" dirty="0"/>
+          </a:p>
+        </p:txBody>
+      </p:sp>
+      <p:sp>
+        <p:nvSpPr>
+          <p:cNvPr id="4" name="Date Placeholder 3">
+            <a:extLst>
+              <a:ext uri="{FF2B5EF4-FFF2-40B4-BE49-F238E27FC236}">
+                <a16:creationId xmlns:a16="http://schemas.microsoft.com/office/drawing/2014/main" id="{140218E2-FDD8-4D0D-8A67-2915E614CEA0}"/>
+              </a:ext>
+            </a:extLst>
+          </p:cNvPr>
+          <p:cNvSpPr>
+            <a:spLocks noGrp="1"/>
+          </p:cNvSpPr>
+          <p:nvPr>
+            <p:ph type="dt" sz="half" idx="10"/>
+          </p:nvPr>
+        </p:nvSpPr>
+        <p:spPr/>
+        <p:txBody>
+          <a:bodyPr/>
+          <a:lstStyle/>
+          <a:p>
+            <a:pPr>
+              <a:defRPr/>
+            </a:pPr>
+            <a:r>
+              <a:rPr lang="en-US"/>
+              <a:t>21/12/2020</a:t>
+            </a:r>
+          </a:p>
+        </p:txBody>
+      </p:sp>
+      <p:sp>
+        <p:nvSpPr>
+          <p:cNvPr id="5" name="Slide Number Placeholder 4">
+            <a:extLst>
+              <a:ext uri="{FF2B5EF4-FFF2-40B4-BE49-F238E27FC236}">
+                <a16:creationId xmlns:a16="http://schemas.microsoft.com/office/drawing/2014/main" id="{F492A550-84BA-422C-84A6-B5E465CF40FC}"/>
+              </a:ext>
+            </a:extLst>
+          </p:cNvPr>
+          <p:cNvSpPr>
+            <a:spLocks noGrp="1"/>
+          </p:cNvSpPr>
+          <p:nvPr>
+            <p:ph type="sldNum" sz="quarter" idx="12"/>
+          </p:nvPr>
+        </p:nvSpPr>
+        <p:spPr/>
+        <p:txBody>
+          <a:bodyPr/>
+          <a:lstStyle/>
+          <a:p>
+            <a:pPr>
+              <a:defRPr/>
+            </a:pPr>
+            <a:fld id="{CA887A73-1AE0-46F8-856A-18EA1CF30A1B}" type="slidenum">
+              <a:rPr lang="en-US" altLang="en-US" smtClean="0"/>
+              <a:pPr>
+                <a:defRPr/>
+              </a:pPr>
+              <a:t>31</a:t>
+            </a:fld>
+            <a:endParaRPr lang="en-US" altLang="en-US"/>
+          </a:p>
+        </p:txBody>
+      </p:sp>
+    </p:spTree>
+    <p:extLst>
+      <p:ext uri="{BB962C8B-B14F-4D97-AF65-F5344CB8AC3E}">
+        <p14:creationId xmlns:p14="http://schemas.microsoft.com/office/powerpoint/2010/main" val="3102452484"/>
+      </p:ext>
+    </p:extLst>
+  </p:cSld>
+  <p:clrMapOvr>
+    <a:masterClrMapping/>
+  </p:clrMapOvr>
+  <p:timing>
+    <p:tnLst>
+      <p:par>
+        <p:cTn id="1" dur="indefinite" restart="never" nodeType="tmRoot">
+          <p:childTnLst>
+            <p:seq concurrent="1" nextAc="seek">
+              <p:cTn id="2" dur="indefinite" nodeType="mainSeq">
+                <p:childTnLst>
+                  <p:par>
+                    <p:cTn id="3" fill="hold">
+                      <p:stCondLst>
+                        <p:cond delay="indefinite"/>
+                      </p:stCondLst>
+                      <p:childTnLst>
+                        <p:par>
+                          <p:cTn id="4" fill="hold">
+                            <p:stCondLst>
+                              <p:cond delay="0"/>
+                            </p:stCondLst>
+                            <p:childTnLst>
+                              <p:par>
+                                <p:cTn id="5" presetID="1" presetClass="entr" presetSubtype="0" fill="hold" grpId="0" nodeType="clickEffect">
+                                  <p:stCondLst>
+                                    <p:cond delay="0"/>
+                                  </p:stCondLst>
+                                  <p:childTnLst>
+                                    <p:set>
+                                      <p:cBhvr>
+                                        <p:cTn id="6" dur="1" fill="hold">
+                                          <p:stCondLst>
+                                            <p:cond delay="0"/>
+                                          </p:stCondLst>
+                                        </p:cTn>
+                                        <p:tgtEl>
+                                          <p:spTgt spid="3">
+                                            <p:txEl>
+                                              <p:pRg st="0" end="0"/>
+                                            </p:txEl>
+                                          </p:spTgt>
+                                        </p:tgtEl>
+                                        <p:attrNameLst>
+                                          <p:attrName>style.visibility</p:attrName>
+                                        </p:attrNameLst>
+                                      </p:cBhvr>
+                                      <p:to>
+                                        <p:strVal val="visible"/>
+                                      </p:to>
+                                    </p:set>
+                                  </p:childTnLst>
+                                </p:cTn>
+                              </p:par>
+                            </p:childTnLst>
+                          </p:cTn>
+                        </p:par>
+                      </p:childTnLst>
+                    </p:cTn>
+                  </p:par>
+                  <p:par>
+                    <p:cTn id="7" fill="hold">
+                      <p:stCondLst>
+                        <p:cond delay="indefinite"/>
+                      </p:stCondLst>
+                      <p:childTnLst>
+                        <p:par>
+                          <p:cTn id="8" fill="hold">
+                            <p:stCondLst>
+                              <p:cond delay="0"/>
+                            </p:stCondLst>
+                            <p:childTnLst>
+                              <p:par>
+                                <p:cTn id="9" presetID="1" presetClass="entr" presetSubtype="0" fill="hold" grpId="0" nodeType="clickEffect">
+                                  <p:stCondLst>
+                                    <p:cond delay="0"/>
+                                  </p:stCondLst>
+                                  <p:childTnLst>
+                                    <p:set>
+                                      <p:cBhvr>
+                                        <p:cTn id="10" dur="1" fill="hold">
+                                          <p:stCondLst>
+                                            <p:cond delay="0"/>
+                                          </p:stCondLst>
+                                        </p:cTn>
+                                        <p:tgtEl>
+                                          <p:spTgt spid="3">
+                                            <p:txEl>
+                                              <p:pRg st="1" end="1"/>
+                                            </p:txEl>
+                                          </p:spTgt>
+                                        </p:tgtEl>
+                                        <p:attrNameLst>
+                                          <p:attrName>style.visibility</p:attrName>
+                                        </p:attrNameLst>
+                                      </p:cBhvr>
+                                      <p:to>
+                                        <p:strVal val="visible"/>
+                                      </p:to>
+                                    </p:set>
+                                  </p:childTnLst>
+                                </p:cTn>
+                              </p:par>
+                            </p:childTnLst>
+                          </p:cTn>
+                        </p:par>
+                      </p:childTnLst>
+                    </p:cTn>
+                  </p:par>
+                  <p:par>
+                    <p:cTn id="11" fill="hold">
+                      <p:stCondLst>
+                        <p:cond delay="indefinite"/>
+                      </p:stCondLst>
+                      <p:childTnLst>
+                        <p:par>
+                          <p:cTn id="12" fill="hold">
+                            <p:stCondLst>
+                              <p:cond delay="0"/>
+                            </p:stCondLst>
+                            <p:childTnLst>
+                              <p:par>
+                                <p:cTn id="13" presetID="1" presetClass="entr" presetSubtype="0" fill="hold" grpId="0" nodeType="clickEffect">
+                                  <p:stCondLst>
+                                    <p:cond delay="0"/>
+                                  </p:stCondLst>
+                                  <p:childTnLst>
+                                    <p:set>
+                                      <p:cBhvr>
+                                        <p:cTn id="14" dur="1" fill="hold">
+                                          <p:stCondLst>
+                                            <p:cond delay="0"/>
+                                          </p:stCondLst>
+                                        </p:cTn>
+                                        <p:tgtEl>
+                                          <p:spTgt spid="3">
+                                            <p:txEl>
+                                              <p:pRg st="2" end="2"/>
+                                            </p:txEl>
+                                          </p:spTgt>
+                                        </p:tgtEl>
+                                        <p:attrNameLst>
+                                          <p:attrName>style.visibility</p:attrName>
+                                        </p:attrNameLst>
+                                      </p:cBhvr>
+                                      <p:to>
+                                        <p:strVal val="visible"/>
+                                      </p:to>
+                                    </p:set>
+                                  </p:childTnLst>
+                                </p:cTn>
+                              </p:par>
+                            </p:childTnLst>
+                          </p:cTn>
+                        </p:par>
+                      </p:childTnLst>
+                    </p:cTn>
+                  </p:par>
+                  <p:par>
+                    <p:cTn id="15" fill="hold">
+                      <p:stCondLst>
+                        <p:cond delay="indefinite"/>
+                      </p:stCondLst>
+                      <p:childTnLst>
+                        <p:par>
+                          <p:cTn id="16" fill="hold">
+                            <p:stCondLst>
+                              <p:cond delay="0"/>
+                            </p:stCondLst>
+                            <p:childTnLst>
+                              <p:par>
+                                <p:cTn id="17" presetID="1" presetClass="entr" presetSubtype="0" fill="hold" grpId="0" nodeType="clickEffect">
+                                  <p:stCondLst>
+                                    <p:cond delay="0"/>
+                                  </p:stCondLst>
+                                  <p:childTnLst>
+                                    <p:set>
+                                      <p:cBhvr>
+                                        <p:cTn id="18" dur="1" fill="hold">
+                                          <p:stCondLst>
+                                            <p:cond delay="0"/>
+                                          </p:stCondLst>
+                                        </p:cTn>
+                                        <p:tgtEl>
+                                          <p:spTgt spid="3">
+                                            <p:txEl>
+                                              <p:pRg st="4" end="4"/>
+                                            </p:txEl>
+                                          </p:spTgt>
+                                        </p:tgtEl>
+                                        <p:attrNameLst>
+                                          <p:attrName>style.visibility</p:attrName>
+                                        </p:attrNameLst>
+                                      </p:cBhvr>
+                                      <p:to>
+                                        <p:strVal val="visible"/>
+                                      </p:to>
+                                    </p:set>
+                                  </p:childTnLst>
+                                </p:cTn>
+                              </p:par>
+                            </p:childTnLst>
+                          </p:cTn>
+                        </p:par>
+                      </p:childTnLst>
+                    </p:cTn>
+                  </p:par>
+                  <p:par>
+                    <p:cTn id="19" fill="hold">
+                      <p:stCondLst>
+                        <p:cond delay="indefinite"/>
+                      </p:stCondLst>
+                      <p:childTnLst>
+                        <p:par>
+                          <p:cTn id="20" fill="hold">
+                            <p:stCondLst>
+                              <p:cond delay="0"/>
+                            </p:stCondLst>
+                            <p:childTnLst>
+                              <p:par>
+                                <p:cTn id="21" presetID="1" presetClass="entr" presetSubtype="0" fill="hold" grpId="0" nodeType="clickEffect">
+                                  <p:stCondLst>
+                                    <p:cond delay="0"/>
+                                  </p:stCondLst>
+                                  <p:childTnLst>
+                                    <p:set>
+                                      <p:cBhvr>
+                                        <p:cTn id="22" dur="1" fill="hold">
+                                          <p:stCondLst>
+                                            <p:cond delay="0"/>
+                                          </p:stCondLst>
+                                        </p:cTn>
+                                        <p:tgtEl>
+                                          <p:spTgt spid="3">
+                                            <p:txEl>
+                                              <p:pRg st="6" end="6"/>
+                                            </p:txEl>
+                                          </p:spTgt>
+                                        </p:tgtEl>
+                                        <p:attrNameLst>
+                                          <p:attrName>style.visibility</p:attrName>
+                                        </p:attrNameLst>
+                                      </p:cBhvr>
+                                      <p:to>
+                                        <p:strVal val="visible"/>
+                                      </p:to>
+                                    </p:set>
+                                  </p:childTnLst>
+                                </p:cTn>
+                              </p:par>
+                            </p:childTnLst>
+                          </p:cTn>
+                        </p:par>
+                      </p:childTnLst>
+                    </p:cTn>
+                  </p:par>
+                </p:childTnLst>
+              </p:cTn>
+              <p:prevCondLst>
+                <p:cond evt="onPrev" delay="0">
+                  <p:tgtEl>
+                    <p:sldTgt/>
+                  </p:tgtEl>
+                </p:cond>
+              </p:prevCondLst>
+              <p:nextCondLst>
+                <p:cond evt="onNext" delay="0">
+                  <p:tgtEl>
+                    <p:sldTgt/>
+                  </p:tgtEl>
+                </p:cond>
+              </p:nextCondLst>
+            </p:seq>
+          </p:childTnLst>
+        </p:cTn>
+      </p:par>
+    </p:tnLst>
+    <p:bldLst>
+      <p:bldP spid="3" grpId="0" build="p"/>
+    </p:bldLst>
+  </p:timing>
+</p:sld>
+</file>
+
+<file path=ppt/slides/slide32.xml><?xml version="1.0" encoding="utf-8"?>
+<p:sld xmlns:a="http://schemas.openxmlformats.org/drawingml/2006/main" xmlns:r="http://schemas.openxmlformats.org/officeDocument/2006/relationships" xmlns:p="http://schemas.openxmlformats.org/presentationml/2006/main">
+  <p:cSld>
+    <p:spTree>
+      <p:nvGrpSpPr>
+        <p:cNvPr id="1" name=""/>
+        <p:cNvGrpSpPr/>
+        <p:nvPr/>
+      </p:nvGrpSpPr>
+      <p:grpSpPr>
+        <a:xfrm>
+          <a:off x="0" y="0"/>
+          <a:ext cx="0" cy="0"/>
+          <a:chOff x="0" y="0"/>
+          <a:chExt cx="0" cy="0"/>
+        </a:xfrm>
+      </p:grpSpPr>
+      <p:sp>
+        <p:nvSpPr>
+          <p:cNvPr id="2" name="Title 1">
+            <a:extLst>
+              <a:ext uri="{FF2B5EF4-FFF2-40B4-BE49-F238E27FC236}">
+                <a16:creationId xmlns:a16="http://schemas.microsoft.com/office/drawing/2014/main" id="{533EB1A7-2282-42E6-9FEB-A7907D4C8F13}"/>
+              </a:ext>
+            </a:extLst>
+          </p:cNvPr>
+          <p:cNvSpPr>
+            <a:spLocks noGrp="1"/>
+          </p:cNvSpPr>
+          <p:nvPr>
+            <p:ph type="title"/>
+          </p:nvPr>
+        </p:nvSpPr>
+        <p:spPr/>
+        <p:txBody>
+          <a:bodyPr/>
+          <a:lstStyle/>
+          <a:p>
+            <a:r>
+              <a:rPr lang="en-US" dirty="0"/>
+              <a:t>Configuration as a safety concern</a:t>
+            </a:r>
+          </a:p>
+        </p:txBody>
+      </p:sp>
+      <p:sp>
+        <p:nvSpPr>
+          <p:cNvPr id="3" name="Content Placeholder 2">
+            <a:extLst>
+              <a:ext uri="{FF2B5EF4-FFF2-40B4-BE49-F238E27FC236}">
+                <a16:creationId xmlns:a16="http://schemas.microsoft.com/office/drawing/2014/main" id="{616CDEF8-B0E0-4315-AD1A-4918C040696F}"/>
+              </a:ext>
+            </a:extLst>
+          </p:cNvPr>
+          <p:cNvSpPr>
+            <a:spLocks noGrp="1"/>
+          </p:cNvSpPr>
+          <p:nvPr>
+            <p:ph idx="1"/>
+          </p:nvPr>
+        </p:nvSpPr>
+        <p:spPr/>
+        <p:txBody>
+          <a:bodyPr/>
+          <a:lstStyle/>
+          <a:p>
+            <a:r>
+              <a:rPr lang="en-US" dirty="0"/>
+              <a:t>Feature / configuration flags scattered across code</a:t>
+            </a:r>
+          </a:p>
+          <a:p>
+            <a:r>
+              <a:rPr lang="en-US" dirty="0"/>
+              <a:t>Difficult to trace unsafe combinations</a:t>
+            </a:r>
+          </a:p>
+          <a:p>
+            <a:endParaRPr lang="en-US" dirty="0"/>
+          </a:p>
+          <a:p>
+            <a:r>
+              <a:rPr lang="en-US" dirty="0"/>
+              <a:t>Explicitly defined and placed rules</a:t>
+            </a:r>
+          </a:p>
+          <a:p>
+            <a:r>
+              <a:rPr lang="en-US" dirty="0"/>
+              <a:t>Verifiable combinations</a:t>
+            </a:r>
+          </a:p>
+          <a:p>
+            <a:r>
+              <a:rPr lang="en-US" dirty="0"/>
+              <a:t>Safe as software evolves</a:t>
+            </a:r>
+          </a:p>
+        </p:txBody>
+      </p:sp>
+      <p:sp>
+        <p:nvSpPr>
+          <p:cNvPr id="4" name="Date Placeholder 3">
+            <a:extLst>
+              <a:ext uri="{FF2B5EF4-FFF2-40B4-BE49-F238E27FC236}">
+                <a16:creationId xmlns:a16="http://schemas.microsoft.com/office/drawing/2014/main" id="{355F0767-42C6-45C4-8DC9-BD8297751FAB}"/>
+              </a:ext>
+            </a:extLst>
+          </p:cNvPr>
+          <p:cNvSpPr>
+            <a:spLocks noGrp="1"/>
+          </p:cNvSpPr>
+          <p:nvPr>
+            <p:ph type="dt" sz="half" idx="10"/>
+          </p:nvPr>
+        </p:nvSpPr>
+        <p:spPr/>
+        <p:txBody>
+          <a:bodyPr/>
+          <a:lstStyle/>
+          <a:p>
+            <a:pPr>
+              <a:defRPr/>
+            </a:pPr>
+            <a:r>
+              <a:rPr lang="en-US"/>
+              <a:t>21/12/2020</a:t>
+            </a:r>
+          </a:p>
+        </p:txBody>
+      </p:sp>
+      <p:sp>
+        <p:nvSpPr>
+          <p:cNvPr id="5" name="Slide Number Placeholder 4">
+            <a:extLst>
+              <a:ext uri="{FF2B5EF4-FFF2-40B4-BE49-F238E27FC236}">
+                <a16:creationId xmlns:a16="http://schemas.microsoft.com/office/drawing/2014/main" id="{FF6AF14E-2840-4EB3-A27F-07B13DEA71D8}"/>
+              </a:ext>
+            </a:extLst>
+          </p:cNvPr>
+          <p:cNvSpPr>
+            <a:spLocks noGrp="1"/>
+          </p:cNvSpPr>
+          <p:nvPr>
+            <p:ph type="sldNum" sz="quarter" idx="12"/>
+          </p:nvPr>
+        </p:nvSpPr>
+        <p:spPr/>
+        <p:txBody>
+          <a:bodyPr/>
+          <a:lstStyle/>
+          <a:p>
+            <a:pPr>
+              <a:defRPr/>
+            </a:pPr>
+            <a:fld id="{CA887A73-1AE0-46F8-856A-18EA1CF30A1B}" type="slidenum">
+              <a:rPr lang="en-US" altLang="en-US" smtClean="0"/>
+              <a:pPr>
+                <a:defRPr/>
+              </a:pPr>
+              <a:t>32</a:t>
+            </a:fld>
+            <a:endParaRPr lang="en-US" altLang="en-US"/>
+          </a:p>
+        </p:txBody>
+      </p:sp>
+    </p:spTree>
+    <p:extLst>
+      <p:ext uri="{BB962C8B-B14F-4D97-AF65-F5344CB8AC3E}">
+        <p14:creationId xmlns:p14="http://schemas.microsoft.com/office/powerpoint/2010/main" val="2635500482"/>
+      </p:ext>
+    </p:extLst>
+  </p:cSld>
+  <p:clrMapOvr>
+    <a:masterClrMapping/>
+  </p:clrMapOvr>
+  <p:timing>
+    <p:tnLst>
+      <p:par>
+        <p:cTn id="1" dur="indefinite" restart="never" nodeType="tmRoot">
+          <p:childTnLst>
+            <p:seq concurrent="1" nextAc="seek">
+              <p:cTn id="2" dur="indefinite" nodeType="mainSeq">
+                <p:childTnLst>
+                  <p:par>
+                    <p:cTn id="3" fill="hold">
+                      <p:stCondLst>
+                        <p:cond delay="indefinite"/>
+                      </p:stCondLst>
+                      <p:childTnLst>
+                        <p:par>
+                          <p:cTn id="4" fill="hold">
+                            <p:stCondLst>
+                              <p:cond delay="0"/>
+                            </p:stCondLst>
+                            <p:childTnLst>
+                              <p:par>
+                                <p:cTn id="5" presetID="1" presetClass="entr" presetSubtype="0" fill="hold" grpId="0" nodeType="clickEffect">
+                                  <p:stCondLst>
+                                    <p:cond delay="0"/>
+                                  </p:stCondLst>
+                                  <p:childTnLst>
+                                    <p:set>
+                                      <p:cBhvr>
+                                        <p:cTn id="6" dur="1" fill="hold">
+                                          <p:stCondLst>
+                                            <p:cond delay="0"/>
+                                          </p:stCondLst>
+                                        </p:cTn>
+                                        <p:tgtEl>
+                                          <p:spTgt spid="3">
+                                            <p:txEl>
+                                              <p:pRg st="0" end="0"/>
+                                            </p:txEl>
+                                          </p:spTgt>
+                                        </p:tgtEl>
+                                        <p:attrNameLst>
+                                          <p:attrName>style.visibility</p:attrName>
+                                        </p:attrNameLst>
+                                      </p:cBhvr>
+                                      <p:to>
+                                        <p:strVal val="visible"/>
+                                      </p:to>
+                                    </p:set>
+                                  </p:childTnLst>
+                                </p:cTn>
+                              </p:par>
+                            </p:childTnLst>
+                          </p:cTn>
+                        </p:par>
+                      </p:childTnLst>
+                    </p:cTn>
+                  </p:par>
+                  <p:par>
+                    <p:cTn id="7" fill="hold">
+                      <p:stCondLst>
+                        <p:cond delay="indefinite"/>
+                      </p:stCondLst>
+                      <p:childTnLst>
+                        <p:par>
+                          <p:cTn id="8" fill="hold">
+                            <p:stCondLst>
+                              <p:cond delay="0"/>
+                            </p:stCondLst>
+                            <p:childTnLst>
+                              <p:par>
+                                <p:cTn id="9" presetID="1" presetClass="entr" presetSubtype="0" fill="hold" grpId="0" nodeType="clickEffect">
+                                  <p:stCondLst>
+                                    <p:cond delay="0"/>
+                                  </p:stCondLst>
+                                  <p:childTnLst>
+                                    <p:set>
+                                      <p:cBhvr>
+                                        <p:cTn id="10" dur="1" fill="hold">
+                                          <p:stCondLst>
+                                            <p:cond delay="0"/>
+                                          </p:stCondLst>
+                                        </p:cTn>
+                                        <p:tgtEl>
+                                          <p:spTgt spid="3">
+                                            <p:txEl>
+                                              <p:pRg st="1" end="1"/>
+                                            </p:txEl>
+                                          </p:spTgt>
+                                        </p:tgtEl>
+                                        <p:attrNameLst>
+                                          <p:attrName>style.visibility</p:attrName>
+                                        </p:attrNameLst>
+                                      </p:cBhvr>
+                                      <p:to>
+                                        <p:strVal val="visible"/>
+                                      </p:to>
+                                    </p:set>
+                                  </p:childTnLst>
+                                </p:cTn>
+                              </p:par>
+                            </p:childTnLst>
+                          </p:cTn>
+                        </p:par>
+                      </p:childTnLst>
+                    </p:cTn>
+                  </p:par>
+                  <p:par>
+                    <p:cTn id="11" fill="hold">
+                      <p:stCondLst>
+                        <p:cond delay="indefinite"/>
+                      </p:stCondLst>
+                      <p:childTnLst>
+                        <p:par>
+                          <p:cTn id="12" fill="hold">
+                            <p:stCondLst>
+                              <p:cond delay="0"/>
+                            </p:stCondLst>
+                            <p:childTnLst>
+                              <p:par>
+                                <p:cTn id="13" presetID="1" presetClass="entr" presetSubtype="0" fill="hold" grpId="0" nodeType="clickEffect">
+                                  <p:stCondLst>
+                                    <p:cond delay="0"/>
+                                  </p:stCondLst>
+                                  <p:childTnLst>
+                                    <p:set>
+                                      <p:cBhvr>
+                                        <p:cTn id="14" dur="1" fill="hold">
+                                          <p:stCondLst>
+                                            <p:cond delay="0"/>
+                                          </p:stCondLst>
+                                        </p:cTn>
+                                        <p:tgtEl>
+                                          <p:spTgt spid="3">
+                                            <p:txEl>
+                                              <p:pRg st="3" end="3"/>
+                                            </p:txEl>
+                                          </p:spTgt>
+                                        </p:tgtEl>
+                                        <p:attrNameLst>
+                                          <p:attrName>style.visibility</p:attrName>
+                                        </p:attrNameLst>
+                                      </p:cBhvr>
+                                      <p:to>
+                                        <p:strVal val="visible"/>
+                                      </p:to>
+                                    </p:set>
+                                  </p:childTnLst>
+                                </p:cTn>
+                              </p:par>
+                            </p:childTnLst>
+                          </p:cTn>
+                        </p:par>
+                      </p:childTnLst>
+                    </p:cTn>
+                  </p:par>
+                  <p:par>
+                    <p:cTn id="15" fill="hold">
+                      <p:stCondLst>
+                        <p:cond delay="indefinite"/>
+                      </p:stCondLst>
+                      <p:childTnLst>
+                        <p:par>
+                          <p:cTn id="16" fill="hold">
+                            <p:stCondLst>
+                              <p:cond delay="0"/>
+                            </p:stCondLst>
+                            <p:childTnLst>
+                              <p:par>
+                                <p:cTn id="17" presetID="1" presetClass="entr" presetSubtype="0" fill="hold" grpId="0" nodeType="clickEffect">
+                                  <p:stCondLst>
+                                    <p:cond delay="0"/>
+                                  </p:stCondLst>
+                                  <p:childTnLst>
+                                    <p:set>
+                                      <p:cBhvr>
+                                        <p:cTn id="18" dur="1" fill="hold">
+                                          <p:stCondLst>
+                                            <p:cond delay="0"/>
+                                          </p:stCondLst>
+                                        </p:cTn>
+                                        <p:tgtEl>
+                                          <p:spTgt spid="3">
+                                            <p:txEl>
+                                              <p:pRg st="4" end="4"/>
+                                            </p:txEl>
+                                          </p:spTgt>
+                                        </p:tgtEl>
+                                        <p:attrNameLst>
+                                          <p:attrName>style.visibility</p:attrName>
+                                        </p:attrNameLst>
+                                      </p:cBhvr>
+                                      <p:to>
+                                        <p:strVal val="visible"/>
+                                      </p:to>
+                                    </p:set>
+                                  </p:childTnLst>
+                                </p:cTn>
+                              </p:par>
+                            </p:childTnLst>
+                          </p:cTn>
+                        </p:par>
+                      </p:childTnLst>
+                    </p:cTn>
+                  </p:par>
+                  <p:par>
+                    <p:cTn id="19" fill="hold">
+                      <p:stCondLst>
+                        <p:cond delay="indefinite"/>
+                      </p:stCondLst>
+                      <p:childTnLst>
+                        <p:par>
+                          <p:cTn id="20" fill="hold">
+                            <p:stCondLst>
+                              <p:cond delay="0"/>
+                            </p:stCondLst>
+                            <p:childTnLst>
+                              <p:par>
+                                <p:cTn id="21" presetID="1" presetClass="entr" presetSubtype="0" fill="hold" grpId="0" nodeType="clickEffect">
+                                  <p:stCondLst>
+                                    <p:cond delay="0"/>
+                                  </p:stCondLst>
+                                  <p:childTnLst>
+                                    <p:set>
+                                      <p:cBhvr>
+                                        <p:cTn id="22" dur="1" fill="hold">
+                                          <p:stCondLst>
+                                            <p:cond delay="0"/>
+                                          </p:stCondLst>
+                                        </p:cTn>
+                                        <p:tgtEl>
+                                          <p:spTgt spid="3">
+                                            <p:txEl>
+                                              <p:pRg st="5" end="5"/>
+                                            </p:txEl>
+                                          </p:spTgt>
+                                        </p:tgtEl>
+                                        <p:attrNameLst>
+                                          <p:attrName>style.visibility</p:attrName>
+                                        </p:attrNameLst>
+                                      </p:cBhvr>
+                                      <p:to>
+                                        <p:strVal val="visible"/>
+                                      </p:to>
+                                    </p:set>
+                                  </p:childTnLst>
+                                </p:cTn>
+                              </p:par>
+                            </p:childTnLst>
+                          </p:cTn>
+                        </p:par>
+                      </p:childTnLst>
+                    </p:cTn>
+                  </p:par>
+                </p:childTnLst>
+              </p:cTn>
+              <p:prevCondLst>
+                <p:cond evt="onPrev" delay="0">
+                  <p:tgtEl>
+                    <p:sldTgt/>
+                  </p:tgtEl>
+                </p:cond>
+              </p:prevCondLst>
+              <p:nextCondLst>
+                <p:cond evt="onNext" delay="0">
+                  <p:tgtEl>
+                    <p:sldTgt/>
+                  </p:tgtEl>
+                </p:cond>
+              </p:nextCondLst>
+            </p:seq>
+          </p:childTnLst>
+        </p:cTn>
+      </p:par>
+    </p:tnLst>
+    <p:bldLst>
+      <p:bldP spid="3" grpId="0" build="p"/>
+    </p:bldLst>
+  </p:timing>
+</p:sld>
+</file>
+
+<file path=ppt/slides/slide33.xml><?xml version="1.0" encoding="utf-8"?>
+<p:sld xmlns:a="http://schemas.openxmlformats.org/drawingml/2006/main" xmlns:r="http://schemas.openxmlformats.org/officeDocument/2006/relationships" xmlns:p="http://schemas.openxmlformats.org/presentationml/2006/main">
+  <p:cSld>
+    <p:spTree>
+      <p:nvGrpSpPr>
+        <p:cNvPr id="1" name=""/>
+        <p:cNvGrpSpPr/>
+        <p:nvPr/>
+      </p:nvGrpSpPr>
+      <p:grpSpPr>
+        <a:xfrm>
+          <a:off x="0" y="0"/>
+          <a:ext cx="0" cy="0"/>
+          <a:chOff x="0" y="0"/>
+          <a:chExt cx="0" cy="0"/>
+        </a:xfrm>
+      </p:grpSpPr>
+      <p:sp>
+        <p:nvSpPr>
+          <p:cNvPr id="2" name="Title 1">
+            <a:extLst>
+              <a:ext uri="{FF2B5EF4-FFF2-40B4-BE49-F238E27FC236}">
+                <a16:creationId xmlns:a16="http://schemas.microsoft.com/office/drawing/2014/main" id="{1E3E5BC3-C66A-44D5-93ED-F3D6E9FCC076}"/>
+              </a:ext>
+            </a:extLst>
+          </p:cNvPr>
+          <p:cNvSpPr>
+            <a:spLocks noGrp="1"/>
+          </p:cNvSpPr>
+          <p:nvPr>
+            <p:ph type="title"/>
+          </p:nvPr>
+        </p:nvSpPr>
+        <p:spPr/>
+        <p:txBody>
+          <a:bodyPr/>
+          <a:lstStyle/>
+          <a:p>
+            <a:r>
+              <a:rPr lang="en-US" dirty="0"/>
+              <a:t>Long term maintenance</a:t>
+            </a:r>
+          </a:p>
+        </p:txBody>
+      </p:sp>
+      <p:sp>
+        <p:nvSpPr>
+          <p:cNvPr id="3" name="Content Placeholder 2">
+            <a:extLst>
+              <a:ext uri="{FF2B5EF4-FFF2-40B4-BE49-F238E27FC236}">
+                <a16:creationId xmlns:a16="http://schemas.microsoft.com/office/drawing/2014/main" id="{37B6BC75-6E1D-44E3-B4D6-E3D79D98F90F}"/>
+              </a:ext>
+            </a:extLst>
+          </p:cNvPr>
+          <p:cNvSpPr>
+            <a:spLocks noGrp="1"/>
+          </p:cNvSpPr>
+          <p:nvPr>
+            <p:ph idx="1"/>
+          </p:nvPr>
+        </p:nvSpPr>
+        <p:spPr/>
+        <p:txBody>
+          <a:bodyPr>
+            <a:normAutofit fontScale="77500" lnSpcReduction="20000"/>
+          </a:bodyPr>
+          <a:lstStyle/>
+          <a:p>
+            <a:r>
+              <a:rPr lang="en-US" dirty="0"/>
+              <a:t>The ability to diagnose and, crucially, fix issues after deployment</a:t>
+            </a:r>
+          </a:p>
+          <a:p>
+            <a:endParaRPr lang="en-US" dirty="0"/>
+          </a:p>
+          <a:p>
+            <a:r>
+              <a:rPr lang="en-US" dirty="0"/>
+              <a:t>Who maintains embedded software?</a:t>
+            </a:r>
+          </a:p>
+          <a:p>
+            <a:pPr lvl="1"/>
+            <a:r>
+              <a:rPr lang="en-US" dirty="0"/>
+              <a:t>Original developers no longer involved</a:t>
+            </a:r>
+          </a:p>
+          <a:p>
+            <a:pPr lvl="1"/>
+            <a:r>
+              <a:rPr lang="en-US" dirty="0"/>
+              <a:t>Full hardware access might not be available</a:t>
+            </a:r>
+          </a:p>
+          <a:p>
+            <a:pPr lvl="1"/>
+            <a:endParaRPr lang="en-US" dirty="0"/>
+          </a:p>
+          <a:p>
+            <a:r>
+              <a:rPr lang="en-US" dirty="0"/>
+              <a:t>Infusion pump example: if a bug is discovered after 10 years of operation, can it be handled?</a:t>
+            </a:r>
+          </a:p>
+          <a:p>
+            <a:endParaRPr lang="en-US" dirty="0"/>
+          </a:p>
+          <a:p>
+            <a:r>
+              <a:rPr lang="en-US" dirty="0"/>
+              <a:t>Code without maintainability considerations:</a:t>
+            </a:r>
+          </a:p>
+          <a:p>
+            <a:pPr lvl="1"/>
+            <a:r>
+              <a:rPr lang="en-US" dirty="0"/>
+              <a:t>Fear of making changes – it will break the system!</a:t>
+            </a:r>
+          </a:p>
+          <a:p>
+            <a:pPr lvl="1"/>
+            <a:r>
+              <a:rPr lang="en-US" dirty="0"/>
+              <a:t>Slow fixes</a:t>
+            </a:r>
+          </a:p>
+          <a:p>
+            <a:pPr lvl="1"/>
+            <a:r>
+              <a:rPr lang="en-US" dirty="0"/>
+              <a:t>Increased risk</a:t>
+            </a:r>
+          </a:p>
+        </p:txBody>
+      </p:sp>
+      <p:sp>
+        <p:nvSpPr>
+          <p:cNvPr id="4" name="Date Placeholder 3">
+            <a:extLst>
+              <a:ext uri="{FF2B5EF4-FFF2-40B4-BE49-F238E27FC236}">
+                <a16:creationId xmlns:a16="http://schemas.microsoft.com/office/drawing/2014/main" id="{39D23F9F-B9B7-4B73-A2AB-AF08D644937C}"/>
+              </a:ext>
+            </a:extLst>
+          </p:cNvPr>
+          <p:cNvSpPr>
+            <a:spLocks noGrp="1"/>
+          </p:cNvSpPr>
+          <p:nvPr>
+            <p:ph type="dt" sz="half" idx="10"/>
+          </p:nvPr>
+        </p:nvSpPr>
+        <p:spPr/>
+        <p:txBody>
+          <a:bodyPr/>
+          <a:lstStyle/>
+          <a:p>
+            <a:pPr>
+              <a:defRPr/>
+            </a:pPr>
+            <a:r>
+              <a:rPr lang="en-US"/>
+              <a:t>21/12/2020</a:t>
+            </a:r>
+          </a:p>
+        </p:txBody>
+      </p:sp>
+      <p:sp>
+        <p:nvSpPr>
+          <p:cNvPr id="5" name="Slide Number Placeholder 4">
+            <a:extLst>
+              <a:ext uri="{FF2B5EF4-FFF2-40B4-BE49-F238E27FC236}">
+                <a16:creationId xmlns:a16="http://schemas.microsoft.com/office/drawing/2014/main" id="{E6A3A2D2-885F-440C-81ED-47DBBF755139}"/>
+              </a:ext>
+            </a:extLst>
+          </p:cNvPr>
+          <p:cNvSpPr>
+            <a:spLocks noGrp="1"/>
+          </p:cNvSpPr>
+          <p:nvPr>
+            <p:ph type="sldNum" sz="quarter" idx="12"/>
+          </p:nvPr>
+        </p:nvSpPr>
+        <p:spPr/>
+        <p:txBody>
+          <a:bodyPr/>
+          <a:lstStyle/>
+          <a:p>
+            <a:pPr>
+              <a:defRPr/>
+            </a:pPr>
+            <a:fld id="{CA887A73-1AE0-46F8-856A-18EA1CF30A1B}" type="slidenum">
+              <a:rPr lang="en-US" altLang="en-US" smtClean="0"/>
+              <a:pPr>
+                <a:defRPr/>
+              </a:pPr>
+              <a:t>33</a:t>
+            </a:fld>
+            <a:endParaRPr lang="en-US" altLang="en-US"/>
+          </a:p>
+        </p:txBody>
+      </p:sp>
+    </p:spTree>
+    <p:extLst>
+      <p:ext uri="{BB962C8B-B14F-4D97-AF65-F5344CB8AC3E}">
+        <p14:creationId xmlns:p14="http://schemas.microsoft.com/office/powerpoint/2010/main" val="3099650120"/>
+      </p:ext>
+    </p:extLst>
+  </p:cSld>
+  <p:clrMapOvr>
+    <a:masterClrMapping/>
+  </p:clrMapOvr>
+  <p:timing>
+    <p:tnLst>
+      <p:par>
+        <p:cTn id="1" dur="indefinite" restart="never" nodeType="tmRoot">
+          <p:childTnLst>
+            <p:seq concurrent="1" nextAc="seek">
+              <p:cTn id="2" dur="indefinite" nodeType="mainSeq">
+                <p:childTnLst>
+                  <p:par>
+                    <p:cTn id="3" fill="hold">
+                      <p:stCondLst>
+                        <p:cond delay="indefinite"/>
+                      </p:stCondLst>
+                      <p:childTnLst>
+                        <p:par>
+                          <p:cTn id="4" fill="hold">
+                            <p:stCondLst>
+                              <p:cond delay="0"/>
+                            </p:stCondLst>
+                            <p:childTnLst>
+                              <p:par>
+                                <p:cTn id="5" presetID="1" presetClass="entr" presetSubtype="0" fill="hold" grpId="0" nodeType="clickEffect">
+                                  <p:stCondLst>
+                                    <p:cond delay="0"/>
+                                  </p:stCondLst>
+                                  <p:childTnLst>
+                                    <p:set>
+                                      <p:cBhvr>
+                                        <p:cTn id="6" dur="1" fill="hold">
+                                          <p:stCondLst>
+                                            <p:cond delay="0"/>
+                                          </p:stCondLst>
+                                        </p:cTn>
+                                        <p:tgtEl>
+                                          <p:spTgt spid="3">
+                                            <p:txEl>
+                                              <p:pRg st="0" end="0"/>
+                                            </p:txEl>
+                                          </p:spTgt>
+                                        </p:tgtEl>
+                                        <p:attrNameLst>
+                                          <p:attrName>style.visibility</p:attrName>
+                                        </p:attrNameLst>
+                                      </p:cBhvr>
+                                      <p:to>
+                                        <p:strVal val="visible"/>
+                                      </p:to>
+                                    </p:set>
+                                  </p:childTnLst>
+                                </p:cTn>
+                              </p:par>
+                            </p:childTnLst>
+                          </p:cTn>
+                        </p:par>
+                      </p:childTnLst>
+                    </p:cTn>
+                  </p:par>
+                  <p:par>
+                    <p:cTn id="7" fill="hold">
+                      <p:stCondLst>
+                        <p:cond delay="indefinite"/>
+                      </p:stCondLst>
+                      <p:childTnLst>
+                        <p:par>
+                          <p:cTn id="8" fill="hold">
+                            <p:stCondLst>
+                              <p:cond delay="0"/>
+                            </p:stCondLst>
+                            <p:childTnLst>
+                              <p:par>
+                                <p:cTn id="9" presetID="1" presetClass="entr" presetSubtype="0" fill="hold" grpId="0" nodeType="clickEffect">
+                                  <p:stCondLst>
+                                    <p:cond delay="0"/>
+                                  </p:stCondLst>
+                                  <p:childTnLst>
+                                    <p:set>
+                                      <p:cBhvr>
+                                        <p:cTn id="10" dur="1" fill="hold">
+                                          <p:stCondLst>
+                                            <p:cond delay="0"/>
+                                          </p:stCondLst>
+                                        </p:cTn>
+                                        <p:tgtEl>
+                                          <p:spTgt spid="3">
+                                            <p:txEl>
+                                              <p:pRg st="2" end="2"/>
+                                            </p:txEl>
+                                          </p:spTgt>
+                                        </p:tgtEl>
+                                        <p:attrNameLst>
+                                          <p:attrName>style.visibility</p:attrName>
+                                        </p:attrNameLst>
+                                      </p:cBhvr>
+                                      <p:to>
+                                        <p:strVal val="visible"/>
+                                      </p:to>
+                                    </p:set>
+                                  </p:childTnLst>
+                                </p:cTn>
+                              </p:par>
+                            </p:childTnLst>
+                          </p:cTn>
+                        </p:par>
+                      </p:childTnLst>
+                    </p:cTn>
+                  </p:par>
+                  <p:par>
+                    <p:cTn id="11" fill="hold">
+                      <p:stCondLst>
+                        <p:cond delay="indefinite"/>
+                      </p:stCondLst>
+                      <p:childTnLst>
+                        <p:par>
+                          <p:cTn id="12" fill="hold">
+                            <p:stCondLst>
+                              <p:cond delay="0"/>
+                            </p:stCondLst>
+                            <p:childTnLst>
+                              <p:par>
+                                <p:cTn id="13" presetID="1" presetClass="entr" presetSubtype="0" fill="hold" grpId="0" nodeType="clickEffect">
+                                  <p:stCondLst>
+                                    <p:cond delay="0"/>
+                                  </p:stCondLst>
+                                  <p:childTnLst>
+                                    <p:set>
+                                      <p:cBhvr>
+                                        <p:cTn id="14" dur="1" fill="hold">
+                                          <p:stCondLst>
+                                            <p:cond delay="0"/>
+                                          </p:stCondLst>
+                                        </p:cTn>
+                                        <p:tgtEl>
+                                          <p:spTgt spid="3">
+                                            <p:txEl>
+                                              <p:pRg st="3" end="3"/>
+                                            </p:txEl>
+                                          </p:spTgt>
+                                        </p:tgtEl>
+                                        <p:attrNameLst>
+                                          <p:attrName>style.visibility</p:attrName>
+                                        </p:attrNameLst>
+                                      </p:cBhvr>
+                                      <p:to>
+                                        <p:strVal val="visible"/>
+                                      </p:to>
+                                    </p:set>
+                                  </p:childTnLst>
+                                </p:cTn>
+                              </p:par>
+                            </p:childTnLst>
+                          </p:cTn>
+                        </p:par>
+                      </p:childTnLst>
+                    </p:cTn>
+                  </p:par>
+                  <p:par>
+                    <p:cTn id="15" fill="hold">
+                      <p:stCondLst>
+                        <p:cond delay="indefinite"/>
+                      </p:stCondLst>
+                      <p:childTnLst>
+                        <p:par>
+                          <p:cTn id="16" fill="hold">
+                            <p:stCondLst>
+                              <p:cond delay="0"/>
+                            </p:stCondLst>
+                            <p:childTnLst>
+                              <p:par>
+                                <p:cTn id="17" presetID="1" presetClass="entr" presetSubtype="0" fill="hold" grpId="0" nodeType="clickEffect">
+                                  <p:stCondLst>
+                                    <p:cond delay="0"/>
+                                  </p:stCondLst>
+                                  <p:childTnLst>
+                                    <p:set>
+                                      <p:cBhvr>
+                                        <p:cTn id="18" dur="1" fill="hold">
+                                          <p:stCondLst>
+                                            <p:cond delay="0"/>
+                                          </p:stCondLst>
+                                        </p:cTn>
+                                        <p:tgtEl>
+                                          <p:spTgt spid="3">
+                                            <p:txEl>
+                                              <p:pRg st="4" end="4"/>
+                                            </p:txEl>
+                                          </p:spTgt>
+                                        </p:tgtEl>
+                                        <p:attrNameLst>
+                                          <p:attrName>style.visibility</p:attrName>
+                                        </p:attrNameLst>
+                                      </p:cBhvr>
+                                      <p:to>
+                                        <p:strVal val="visible"/>
+                                      </p:to>
+                                    </p:set>
+                                  </p:childTnLst>
+                                </p:cTn>
+                              </p:par>
+                            </p:childTnLst>
+                          </p:cTn>
+                        </p:par>
+                      </p:childTnLst>
+                    </p:cTn>
+                  </p:par>
+                  <p:par>
+                    <p:cTn id="19" fill="hold">
+                      <p:stCondLst>
+                        <p:cond delay="indefinite"/>
+                      </p:stCondLst>
+                      <p:childTnLst>
+                        <p:par>
+                          <p:cTn id="20" fill="hold">
+                            <p:stCondLst>
+                              <p:cond delay="0"/>
+                            </p:stCondLst>
+                            <p:childTnLst>
+                              <p:par>
+                                <p:cTn id="21" presetID="1" presetClass="entr" presetSubtype="0" fill="hold" grpId="0" nodeType="clickEffect">
+                                  <p:stCondLst>
+                                    <p:cond delay="0"/>
+                                  </p:stCondLst>
+                                  <p:childTnLst>
+                                    <p:set>
+                                      <p:cBhvr>
+                                        <p:cTn id="22" dur="1" fill="hold">
+                                          <p:stCondLst>
+                                            <p:cond delay="0"/>
+                                          </p:stCondLst>
+                                        </p:cTn>
+                                        <p:tgtEl>
+                                          <p:spTgt spid="3">
+                                            <p:txEl>
+                                              <p:pRg st="6" end="6"/>
+                                            </p:txEl>
+                                          </p:spTgt>
+                                        </p:tgtEl>
+                                        <p:attrNameLst>
+                                          <p:attrName>style.visibility</p:attrName>
+                                        </p:attrNameLst>
+                                      </p:cBhvr>
+                                      <p:to>
+                                        <p:strVal val="visible"/>
+                                      </p:to>
+                                    </p:set>
+                                  </p:childTnLst>
+                                </p:cTn>
+                              </p:par>
+                            </p:childTnLst>
+                          </p:cTn>
+                        </p:par>
+                      </p:childTnLst>
+                    </p:cTn>
+                  </p:par>
+                  <p:par>
+                    <p:cTn id="23" fill="hold">
+                      <p:stCondLst>
+                        <p:cond delay="indefinite"/>
+                      </p:stCondLst>
+                      <p:childTnLst>
+                        <p:par>
+                          <p:cTn id="24" fill="hold">
+                            <p:stCondLst>
+                              <p:cond delay="0"/>
+                            </p:stCondLst>
+                            <p:childTnLst>
+                              <p:par>
+                                <p:cTn id="25" presetID="1" presetClass="entr" presetSubtype="0" fill="hold" grpId="0" nodeType="clickEffect">
+                                  <p:stCondLst>
+                                    <p:cond delay="0"/>
+                                  </p:stCondLst>
+                                  <p:childTnLst>
+                                    <p:set>
+                                      <p:cBhvr>
+                                        <p:cTn id="26" dur="1" fill="hold">
+                                          <p:stCondLst>
+                                            <p:cond delay="0"/>
+                                          </p:stCondLst>
+                                        </p:cTn>
+                                        <p:tgtEl>
+                                          <p:spTgt spid="3">
+                                            <p:txEl>
+                                              <p:pRg st="8" end="8"/>
+                                            </p:txEl>
+                                          </p:spTgt>
+                                        </p:tgtEl>
+                                        <p:attrNameLst>
+                                          <p:attrName>style.visibility</p:attrName>
+                                        </p:attrNameLst>
+                                      </p:cBhvr>
+                                      <p:to>
+                                        <p:strVal val="visible"/>
+                                      </p:to>
+                                    </p:set>
+                                  </p:childTnLst>
+                                </p:cTn>
+                              </p:par>
+                              <p:par>
+                                <p:cTn id="27" presetID="1" presetClass="entr" presetSubtype="0" fill="hold" grpId="0" nodeType="withEffect">
+                                  <p:stCondLst>
+                                    <p:cond delay="0"/>
+                                  </p:stCondLst>
+                                  <p:childTnLst>
+                                    <p:set>
+                                      <p:cBhvr>
+                                        <p:cTn id="28" dur="1" fill="hold">
+                                          <p:stCondLst>
+                                            <p:cond delay="0"/>
+                                          </p:stCondLst>
+                                        </p:cTn>
+                                        <p:tgtEl>
+                                          <p:spTgt spid="3">
+                                            <p:txEl>
+                                              <p:pRg st="9" end="9"/>
+                                            </p:txEl>
+                                          </p:spTgt>
+                                        </p:tgtEl>
+                                        <p:attrNameLst>
+                                          <p:attrName>style.visibility</p:attrName>
+                                        </p:attrNameLst>
+                                      </p:cBhvr>
+                                      <p:to>
+                                        <p:strVal val="visible"/>
+                                      </p:to>
+                                    </p:set>
+                                  </p:childTnLst>
+                                </p:cTn>
+                              </p:par>
+                              <p:par>
+                                <p:cTn id="29" presetID="1" presetClass="entr" presetSubtype="0" fill="hold" grpId="0" nodeType="withEffect">
+                                  <p:stCondLst>
+                                    <p:cond delay="0"/>
+                                  </p:stCondLst>
+                                  <p:childTnLst>
+                                    <p:set>
+                                      <p:cBhvr>
+                                        <p:cTn id="30" dur="1" fill="hold">
+                                          <p:stCondLst>
+                                            <p:cond delay="0"/>
+                                          </p:stCondLst>
+                                        </p:cTn>
+                                        <p:tgtEl>
+                                          <p:spTgt spid="3">
+                                            <p:txEl>
+                                              <p:pRg st="10" end="10"/>
+                                            </p:txEl>
+                                          </p:spTgt>
+                                        </p:tgtEl>
+                                        <p:attrNameLst>
+                                          <p:attrName>style.visibility</p:attrName>
+                                        </p:attrNameLst>
+                                      </p:cBhvr>
+                                      <p:to>
+                                        <p:strVal val="visible"/>
+                                      </p:to>
+                                    </p:set>
+                                  </p:childTnLst>
+                                </p:cTn>
+                              </p:par>
+                              <p:par>
+                                <p:cTn id="31" presetID="1" presetClass="entr" presetSubtype="0" fill="hold" grpId="0" nodeType="withEffect">
+                                  <p:stCondLst>
+                                    <p:cond delay="0"/>
+                                  </p:stCondLst>
+                                  <p:childTnLst>
+                                    <p:set>
+                                      <p:cBhvr>
+                                        <p:cTn id="32" dur="1" fill="hold">
+                                          <p:stCondLst>
+                                            <p:cond delay="0"/>
+                                          </p:stCondLst>
+                                        </p:cTn>
+                                        <p:tgtEl>
+                                          <p:spTgt spid="3">
+                                            <p:txEl>
+                                              <p:pRg st="11" end="11"/>
+                                            </p:txEl>
+                                          </p:spTgt>
+                                        </p:tgtEl>
+                                        <p:attrNameLst>
+                                          <p:attrName>style.visibility</p:attrName>
+                                        </p:attrNameLst>
+                                      </p:cBhvr>
+                                      <p:to>
+                                        <p:strVal val="visible"/>
+                                      </p:to>
+                                    </p:set>
+                                  </p:childTnLst>
+                                </p:cTn>
+                              </p:par>
+                            </p:childTnLst>
+                          </p:cTn>
+                        </p:par>
+                      </p:childTnLst>
+                    </p:cTn>
+                  </p:par>
+                </p:childTnLst>
+              </p:cTn>
+              <p:prevCondLst>
+                <p:cond evt="onPrev" delay="0">
+                  <p:tgtEl>
+                    <p:sldTgt/>
+                  </p:tgtEl>
+                </p:cond>
+              </p:prevCondLst>
+              <p:nextCondLst>
+                <p:cond evt="onNext" delay="0">
+                  <p:tgtEl>
+                    <p:sldTgt/>
+                  </p:tgtEl>
+                </p:cond>
+              </p:nextCondLst>
+            </p:seq>
+          </p:childTnLst>
+        </p:cTn>
+      </p:par>
+    </p:tnLst>
+    <p:bldLst>
+      <p:bldP spid="3" grpId="0" build="p"/>
+    </p:bldLst>
+  </p:timing>
+</p:sld>
+</file>
+
+<file path=ppt/slides/slide34.xml><?xml version="1.0" encoding="utf-8"?>
+<p:sld xmlns:a="http://schemas.openxmlformats.org/drawingml/2006/main" xmlns:r="http://schemas.openxmlformats.org/officeDocument/2006/relationships" xmlns:p="http://schemas.openxmlformats.org/presentationml/2006/main">
+  <p:cSld>
+    <p:spTree>
+      <p:nvGrpSpPr>
+        <p:cNvPr id="1" name=""/>
+        <p:cNvGrpSpPr/>
+        <p:nvPr/>
+      </p:nvGrpSpPr>
+      <p:grpSpPr>
+        <a:xfrm>
+          <a:off x="0" y="0"/>
+          <a:ext cx="0" cy="0"/>
+          <a:chOff x="0" y="0"/>
+          <a:chExt cx="0" cy="0"/>
+        </a:xfrm>
+      </p:grpSpPr>
+      <p:sp>
+        <p:nvSpPr>
+          <p:cNvPr id="2" name="Title 1">
+            <a:extLst>
+              <a:ext uri="{FF2B5EF4-FFF2-40B4-BE49-F238E27FC236}">
+                <a16:creationId xmlns:a16="http://schemas.microsoft.com/office/drawing/2014/main" id="{B911667B-F3CC-4F3B-A9D7-8AACC4464135}"/>
+              </a:ext>
+            </a:extLst>
+          </p:cNvPr>
+          <p:cNvSpPr>
+            <a:spLocks noGrp="1"/>
+          </p:cNvSpPr>
+          <p:nvPr>
+            <p:ph type="title"/>
+          </p:nvPr>
+        </p:nvSpPr>
+        <p:spPr/>
+        <p:txBody>
+          <a:bodyPr/>
+          <a:lstStyle/>
+          <a:p>
+            <a:r>
+              <a:rPr lang="en-US" dirty="0"/>
+              <a:t>Example: Mars Pathfinder</a:t>
+            </a:r>
+          </a:p>
+        </p:txBody>
+      </p:sp>
+      <p:sp>
+        <p:nvSpPr>
+          <p:cNvPr id="3" name="Content Placeholder 2">
+            <a:extLst>
+              <a:ext uri="{FF2B5EF4-FFF2-40B4-BE49-F238E27FC236}">
+                <a16:creationId xmlns:a16="http://schemas.microsoft.com/office/drawing/2014/main" id="{AA25051B-5BC5-49AF-969A-0A8832195C2B}"/>
+              </a:ext>
+            </a:extLst>
+          </p:cNvPr>
+          <p:cNvSpPr>
+            <a:spLocks noGrp="1"/>
+          </p:cNvSpPr>
+          <p:nvPr>
+            <p:ph idx="1"/>
+          </p:nvPr>
+        </p:nvSpPr>
+        <p:spPr/>
+        <p:txBody>
+          <a:bodyPr/>
+          <a:lstStyle/>
+          <a:p>
+            <a:r>
+              <a:rPr lang="en-US" dirty="0"/>
+              <a:t>‘Priority inversion’ caused the robot to frequently restart after deployment on Mars</a:t>
+            </a:r>
+          </a:p>
+          <a:p>
+            <a:r>
+              <a:rPr lang="en-US" dirty="0"/>
+              <a:t>Remote logging, debugging and analysis designed into the software</a:t>
+            </a:r>
+          </a:p>
+          <a:p>
+            <a:r>
+              <a:rPr lang="en-US" dirty="0"/>
+              <a:t>Over-the-air updates</a:t>
+            </a:r>
+          </a:p>
+          <a:p>
+            <a:r>
+              <a:rPr lang="en-US" dirty="0"/>
+              <a:t>Successfully patched software to recover the robot on Mars</a:t>
+            </a:r>
+          </a:p>
+        </p:txBody>
+      </p:sp>
+      <p:sp>
+        <p:nvSpPr>
+          <p:cNvPr id="4" name="Date Placeholder 3">
+            <a:extLst>
+              <a:ext uri="{FF2B5EF4-FFF2-40B4-BE49-F238E27FC236}">
+                <a16:creationId xmlns:a16="http://schemas.microsoft.com/office/drawing/2014/main" id="{0B1C5D38-6D0E-4385-B7C5-7E24CC5DA1B6}"/>
+              </a:ext>
+            </a:extLst>
+          </p:cNvPr>
+          <p:cNvSpPr>
+            <a:spLocks noGrp="1"/>
+          </p:cNvSpPr>
+          <p:nvPr>
+            <p:ph type="dt" sz="half" idx="10"/>
+          </p:nvPr>
+        </p:nvSpPr>
+        <p:spPr/>
+        <p:txBody>
+          <a:bodyPr/>
+          <a:lstStyle/>
+          <a:p>
+            <a:pPr>
+              <a:defRPr/>
+            </a:pPr>
+            <a:r>
+              <a:rPr lang="en-US"/>
+              <a:t>21/12/2020</a:t>
+            </a:r>
+          </a:p>
+        </p:txBody>
+      </p:sp>
+      <p:sp>
+        <p:nvSpPr>
+          <p:cNvPr id="5" name="Slide Number Placeholder 4">
+            <a:extLst>
+              <a:ext uri="{FF2B5EF4-FFF2-40B4-BE49-F238E27FC236}">
+                <a16:creationId xmlns:a16="http://schemas.microsoft.com/office/drawing/2014/main" id="{5AF2709F-C67F-4838-821C-9DC1952D34B8}"/>
+              </a:ext>
+            </a:extLst>
+          </p:cNvPr>
+          <p:cNvSpPr>
+            <a:spLocks noGrp="1"/>
+          </p:cNvSpPr>
+          <p:nvPr>
+            <p:ph type="sldNum" sz="quarter" idx="12"/>
+          </p:nvPr>
+        </p:nvSpPr>
+        <p:spPr/>
+        <p:txBody>
+          <a:bodyPr/>
+          <a:lstStyle/>
+          <a:p>
+            <a:pPr>
+              <a:defRPr/>
+            </a:pPr>
+            <a:fld id="{CA887A73-1AE0-46F8-856A-18EA1CF30A1B}" type="slidenum">
+              <a:rPr lang="en-US" altLang="en-US" smtClean="0"/>
+              <a:pPr>
+                <a:defRPr/>
+              </a:pPr>
+              <a:t>34</a:t>
+            </a:fld>
+            <a:endParaRPr lang="en-US" altLang="en-US"/>
+          </a:p>
+        </p:txBody>
+      </p:sp>
+    </p:spTree>
+    <p:extLst>
+      <p:ext uri="{BB962C8B-B14F-4D97-AF65-F5344CB8AC3E}">
+        <p14:creationId xmlns:p14="http://schemas.microsoft.com/office/powerpoint/2010/main" val="142763933"/>
+      </p:ext>
+    </p:extLst>
+  </p:cSld>
+  <p:clrMapOvr>
+    <a:masterClrMapping/>
+  </p:clrMapOvr>
+  <p:timing>
+    <p:tnLst>
+      <p:par>
+        <p:cTn id="1" dur="indefinite" restart="never" nodeType="tmRoot">
+          <p:childTnLst>
+            <p:seq concurrent="1" nextAc="seek">
+              <p:cTn id="2" dur="indefinite" nodeType="mainSeq">
+                <p:childTnLst>
+                  <p:par>
+                    <p:cTn id="3" fill="hold">
+                      <p:stCondLst>
+                        <p:cond delay="indefinite"/>
+                      </p:stCondLst>
+                      <p:childTnLst>
+                        <p:par>
+                          <p:cTn id="4" fill="hold">
+                            <p:stCondLst>
+                              <p:cond delay="0"/>
+                            </p:stCondLst>
+                            <p:childTnLst>
+                              <p:par>
+                                <p:cTn id="5" presetID="1" presetClass="entr" presetSubtype="0" fill="hold" grpId="0" nodeType="clickEffect">
+                                  <p:stCondLst>
+                                    <p:cond delay="0"/>
+                                  </p:stCondLst>
+                                  <p:childTnLst>
+                                    <p:set>
+                                      <p:cBhvr>
+                                        <p:cTn id="6" dur="1" fill="hold">
+                                          <p:stCondLst>
+                                            <p:cond delay="0"/>
+                                          </p:stCondLst>
+                                        </p:cTn>
+                                        <p:tgtEl>
+                                          <p:spTgt spid="3">
+                                            <p:txEl>
+                                              <p:pRg st="0" end="0"/>
+                                            </p:txEl>
+                                          </p:spTgt>
+                                        </p:tgtEl>
+                                        <p:attrNameLst>
+                                          <p:attrName>style.visibility</p:attrName>
+                                        </p:attrNameLst>
+                                      </p:cBhvr>
+                                      <p:to>
+                                        <p:strVal val="visible"/>
+                                      </p:to>
+                                    </p:set>
+                                  </p:childTnLst>
+                                </p:cTn>
+                              </p:par>
+                            </p:childTnLst>
+                          </p:cTn>
+                        </p:par>
+                      </p:childTnLst>
+                    </p:cTn>
+                  </p:par>
+                  <p:par>
+                    <p:cTn id="7" fill="hold">
+                      <p:stCondLst>
+                        <p:cond delay="indefinite"/>
+                      </p:stCondLst>
+                      <p:childTnLst>
+                        <p:par>
+                          <p:cTn id="8" fill="hold">
+                            <p:stCondLst>
+                              <p:cond delay="0"/>
+                            </p:stCondLst>
+                            <p:childTnLst>
+                              <p:par>
+                                <p:cTn id="9" presetID="1" presetClass="entr" presetSubtype="0" fill="hold" grpId="0" nodeType="clickEffect">
+                                  <p:stCondLst>
+                                    <p:cond delay="0"/>
+                                  </p:stCondLst>
+                                  <p:childTnLst>
+                                    <p:set>
+                                      <p:cBhvr>
+                                        <p:cTn id="10" dur="1" fill="hold">
+                                          <p:stCondLst>
+                                            <p:cond delay="0"/>
+                                          </p:stCondLst>
+                                        </p:cTn>
+                                        <p:tgtEl>
+                                          <p:spTgt spid="3">
+                                            <p:txEl>
+                                              <p:pRg st="1" end="1"/>
+                                            </p:txEl>
+                                          </p:spTgt>
+                                        </p:tgtEl>
+                                        <p:attrNameLst>
+                                          <p:attrName>style.visibility</p:attrName>
+                                        </p:attrNameLst>
+                                      </p:cBhvr>
+                                      <p:to>
+                                        <p:strVal val="visible"/>
+                                      </p:to>
+                                    </p:set>
+                                  </p:childTnLst>
+                                </p:cTn>
+                              </p:par>
+                            </p:childTnLst>
+                          </p:cTn>
+                        </p:par>
+                      </p:childTnLst>
+                    </p:cTn>
+                  </p:par>
+                  <p:par>
+                    <p:cTn id="11" fill="hold">
+                      <p:stCondLst>
+                        <p:cond delay="indefinite"/>
+                      </p:stCondLst>
+                      <p:childTnLst>
+                        <p:par>
+                          <p:cTn id="12" fill="hold">
+                            <p:stCondLst>
+                              <p:cond delay="0"/>
+                            </p:stCondLst>
+                            <p:childTnLst>
+                              <p:par>
+                                <p:cTn id="13" presetID="1" presetClass="entr" presetSubtype="0" fill="hold" grpId="0" nodeType="clickEffect">
+                                  <p:stCondLst>
+                                    <p:cond delay="0"/>
+                                  </p:stCondLst>
+                                  <p:childTnLst>
+                                    <p:set>
+                                      <p:cBhvr>
+                                        <p:cTn id="14" dur="1" fill="hold">
+                                          <p:stCondLst>
+                                            <p:cond delay="0"/>
+                                          </p:stCondLst>
+                                        </p:cTn>
+                                        <p:tgtEl>
+                                          <p:spTgt spid="3">
+                                            <p:txEl>
+                                              <p:pRg st="2" end="2"/>
+                                            </p:txEl>
+                                          </p:spTgt>
+                                        </p:tgtEl>
+                                        <p:attrNameLst>
+                                          <p:attrName>style.visibility</p:attrName>
+                                        </p:attrNameLst>
+                                      </p:cBhvr>
+                                      <p:to>
+                                        <p:strVal val="visible"/>
+                                      </p:to>
+                                    </p:set>
+                                  </p:childTnLst>
+                                </p:cTn>
+                              </p:par>
+                            </p:childTnLst>
+                          </p:cTn>
+                        </p:par>
+                      </p:childTnLst>
+                    </p:cTn>
+                  </p:par>
+                  <p:par>
+                    <p:cTn id="15" fill="hold">
+                      <p:stCondLst>
+                        <p:cond delay="indefinite"/>
+                      </p:stCondLst>
+                      <p:childTnLst>
+                        <p:par>
+                          <p:cTn id="16" fill="hold">
+                            <p:stCondLst>
+                              <p:cond delay="0"/>
+                            </p:stCondLst>
+                            <p:childTnLst>
+                              <p:par>
+                                <p:cTn id="17" presetID="1" presetClass="entr" presetSubtype="0" fill="hold" grpId="0" nodeType="clickEffect">
+                                  <p:stCondLst>
+                                    <p:cond delay="0"/>
+                                  </p:stCondLst>
+                                  <p:childTnLst>
+                                    <p:set>
+                                      <p:cBhvr>
+                                        <p:cTn id="18" dur="1" fill="hold">
+                                          <p:stCondLst>
+                                            <p:cond delay="0"/>
+                                          </p:stCondLst>
+                                        </p:cTn>
+                                        <p:tgtEl>
+                                          <p:spTgt spid="3">
+                                            <p:txEl>
+                                              <p:pRg st="3" end="3"/>
+                                            </p:txEl>
+                                          </p:spTgt>
+                                        </p:tgtEl>
+                                        <p:attrNameLst>
+                                          <p:attrName>style.visibility</p:attrName>
+                                        </p:attrNameLst>
+                                      </p:cBhvr>
+                                      <p:to>
+                                        <p:strVal val="visible"/>
+                                      </p:to>
+                                    </p:set>
+                                  </p:childTnLst>
+                                </p:cTn>
+                              </p:par>
+                            </p:childTnLst>
+                          </p:cTn>
+                        </p:par>
+                      </p:childTnLst>
+                    </p:cTn>
+                  </p:par>
+                </p:childTnLst>
+              </p:cTn>
+              <p:prevCondLst>
+                <p:cond evt="onPrev" delay="0">
+                  <p:tgtEl>
+                    <p:sldTgt/>
+                  </p:tgtEl>
+                </p:cond>
+              </p:prevCondLst>
+              <p:nextCondLst>
+                <p:cond evt="onNext" delay="0">
+                  <p:tgtEl>
+                    <p:sldTgt/>
+                  </p:tgtEl>
+                </p:cond>
+              </p:nextCondLst>
+            </p:seq>
+          </p:childTnLst>
+        </p:cTn>
+      </p:par>
+    </p:tnLst>
+    <p:bldLst>
+      <p:bldP spid="3" grpId="0" build="p"/>
+    </p:bldLst>
+  </p:timing>
+</p:sld>
+</file>
+
+<file path=ppt/slides/slide35.xml><?xml version="1.0" encoding="utf-8"?>
+<p:sld xmlns:a="http://schemas.openxmlformats.org/drawingml/2006/main" xmlns:r="http://schemas.openxmlformats.org/officeDocument/2006/relationships" xmlns:p="http://schemas.openxmlformats.org/presentationml/2006/main">
+  <p:cSld>
+    <p:spTree>
+      <p:nvGrpSpPr>
+        <p:cNvPr id="1" name=""/>
+        <p:cNvGrpSpPr/>
+        <p:nvPr/>
+      </p:nvGrpSpPr>
+      <p:grpSpPr>
+        <a:xfrm>
+          <a:off x="0" y="0"/>
+          <a:ext cx="0" cy="0"/>
+          <a:chOff x="0" y="0"/>
+          <a:chExt cx="0" cy="0"/>
+        </a:xfrm>
+      </p:grpSpPr>
+      <p:sp>
+        <p:nvSpPr>
+          <p:cNvPr id="2" name="Title 1">
+            <a:extLst>
+              <a:ext uri="{FF2B5EF4-FFF2-40B4-BE49-F238E27FC236}">
+                <a16:creationId xmlns:a16="http://schemas.microsoft.com/office/drawing/2014/main" id="{90963DF1-1319-4490-BDB3-383E0E3D8468}"/>
+              </a:ext>
+            </a:extLst>
+          </p:cNvPr>
+          <p:cNvSpPr>
+            <a:spLocks noGrp="1"/>
+          </p:cNvSpPr>
+          <p:nvPr>
+            <p:ph type="title"/>
+          </p:nvPr>
+        </p:nvSpPr>
+        <p:spPr/>
+        <p:txBody>
+          <a:bodyPr/>
+          <a:lstStyle/>
+          <a:p>
+            <a:r>
+              <a:rPr lang="en-US" dirty="0"/>
+              <a:t>Constraints, not design choices</a:t>
+            </a:r>
+          </a:p>
+        </p:txBody>
+      </p:sp>
+      <p:sp>
+        <p:nvSpPr>
+          <p:cNvPr id="3" name="Content Placeholder 2">
+            <a:extLst>
+              <a:ext uri="{FF2B5EF4-FFF2-40B4-BE49-F238E27FC236}">
+                <a16:creationId xmlns:a16="http://schemas.microsoft.com/office/drawing/2014/main" id="{FBAA150E-E466-425A-B81C-14B596A43018}"/>
+              </a:ext>
+            </a:extLst>
+          </p:cNvPr>
+          <p:cNvSpPr>
+            <a:spLocks noGrp="1"/>
+          </p:cNvSpPr>
+          <p:nvPr>
+            <p:ph idx="1"/>
+          </p:nvPr>
+        </p:nvSpPr>
+        <p:spPr/>
+        <p:txBody>
+          <a:bodyPr/>
+          <a:lstStyle/>
+          <a:p>
+            <a:r>
+              <a:rPr lang="en-US" dirty="0"/>
+              <a:t>Modularity</a:t>
+            </a:r>
+          </a:p>
+          <a:p>
+            <a:r>
+              <a:rPr lang="en-US" dirty="0"/>
+              <a:t>Portability</a:t>
+            </a:r>
+          </a:p>
+          <a:p>
+            <a:r>
+              <a:rPr lang="en-US" dirty="0"/>
+              <a:t>Configurability</a:t>
+            </a:r>
+          </a:p>
+          <a:p>
+            <a:r>
+              <a:rPr lang="en-US" dirty="0"/>
+              <a:t>Maintainability</a:t>
+            </a:r>
+          </a:p>
+          <a:p>
+            <a:endParaRPr lang="en-US" dirty="0"/>
+          </a:p>
+          <a:p>
+            <a:r>
+              <a:rPr lang="en-US" dirty="0"/>
+              <a:t>Required for proper lifecycle handling</a:t>
+            </a:r>
+          </a:p>
+          <a:p>
+            <a:endParaRPr lang="en-US" dirty="0"/>
+          </a:p>
+          <a:p>
+            <a:r>
+              <a:rPr lang="en-US" dirty="0"/>
+              <a:t>Next class: defining requirements</a:t>
+            </a:r>
+          </a:p>
+        </p:txBody>
+      </p:sp>
+      <p:sp>
+        <p:nvSpPr>
+          <p:cNvPr id="4" name="Date Placeholder 3">
+            <a:extLst>
+              <a:ext uri="{FF2B5EF4-FFF2-40B4-BE49-F238E27FC236}">
+                <a16:creationId xmlns:a16="http://schemas.microsoft.com/office/drawing/2014/main" id="{5B2759F8-D7A5-417E-B30E-CD877E3BCC6E}"/>
+              </a:ext>
+            </a:extLst>
+          </p:cNvPr>
+          <p:cNvSpPr>
+            <a:spLocks noGrp="1"/>
+          </p:cNvSpPr>
+          <p:nvPr>
+            <p:ph type="dt" sz="half" idx="10"/>
+          </p:nvPr>
+        </p:nvSpPr>
+        <p:spPr/>
+        <p:txBody>
+          <a:bodyPr/>
+          <a:lstStyle/>
+          <a:p>
+            <a:pPr>
+              <a:defRPr/>
+            </a:pPr>
+            <a:r>
+              <a:rPr lang="en-US"/>
+              <a:t>21/12/2020</a:t>
+            </a:r>
+          </a:p>
+        </p:txBody>
+      </p:sp>
+      <p:sp>
+        <p:nvSpPr>
+          <p:cNvPr id="5" name="Slide Number Placeholder 4">
+            <a:extLst>
+              <a:ext uri="{FF2B5EF4-FFF2-40B4-BE49-F238E27FC236}">
+                <a16:creationId xmlns:a16="http://schemas.microsoft.com/office/drawing/2014/main" id="{09C6E1C9-ADB6-439D-9E9A-82B31973E3C7}"/>
+              </a:ext>
+            </a:extLst>
+          </p:cNvPr>
+          <p:cNvSpPr>
+            <a:spLocks noGrp="1"/>
+          </p:cNvSpPr>
+          <p:nvPr>
+            <p:ph type="sldNum" sz="quarter" idx="12"/>
+          </p:nvPr>
+        </p:nvSpPr>
+        <p:spPr/>
+        <p:txBody>
+          <a:bodyPr/>
+          <a:lstStyle/>
+          <a:p>
+            <a:pPr>
+              <a:defRPr/>
+            </a:pPr>
+            <a:fld id="{CA887A73-1AE0-46F8-856A-18EA1CF30A1B}" type="slidenum">
+              <a:rPr lang="en-US" altLang="en-US" smtClean="0"/>
+              <a:pPr>
+                <a:defRPr/>
+              </a:pPr>
+              <a:t>35</a:t>
+            </a:fld>
+            <a:endParaRPr lang="en-US" altLang="en-US"/>
+          </a:p>
+        </p:txBody>
+      </p:sp>
+    </p:spTree>
+    <p:extLst>
+      <p:ext uri="{BB962C8B-B14F-4D97-AF65-F5344CB8AC3E}">
+        <p14:creationId xmlns:p14="http://schemas.microsoft.com/office/powerpoint/2010/main" val="1588718503"/>
+      </p:ext>
+    </p:extLst>
+  </p:cSld>
+  <p:clrMapOvr>
+    <a:masterClrMapping/>
+  </p:clrMapOvr>
+  <p:timing>
+    <p:tnLst>
+      <p:par>
+        <p:cTn id="1" dur="indefinite" restart="never" nodeType="tmRoot">
+          <p:childTnLst>
+            <p:seq concurrent="1" nextAc="seek">
+              <p:cTn id="2" dur="indefinite" nodeType="mainSeq">
+                <p:childTnLst>
+                  <p:par>
+                    <p:cTn id="3" fill="hold">
+                      <p:stCondLst>
+                        <p:cond delay="indefinite"/>
+                      </p:stCondLst>
+                      <p:childTnLst>
+                        <p:par>
+                          <p:cTn id="4" fill="hold">
+                            <p:stCondLst>
+                              <p:cond delay="0"/>
+                            </p:stCondLst>
+                            <p:childTnLst>
+                              <p:par>
+                                <p:cTn id="5" presetID="1" presetClass="entr" presetSubtype="0" fill="hold" grpId="0" nodeType="clickEffect">
+                                  <p:stCondLst>
+                                    <p:cond delay="0"/>
+                                  </p:stCondLst>
+                                  <p:childTnLst>
+                                    <p:set>
+                                      <p:cBhvr>
+                                        <p:cTn id="6" dur="1" fill="hold">
+                                          <p:stCondLst>
+                                            <p:cond delay="0"/>
+                                          </p:stCondLst>
+                                        </p:cTn>
+                                        <p:tgtEl>
+                                          <p:spTgt spid="3">
+                                            <p:txEl>
+                                              <p:pRg st="0" end="0"/>
+                                            </p:txEl>
+                                          </p:spTgt>
+                                        </p:tgtEl>
+                                        <p:attrNameLst>
+                                          <p:attrName>style.visibility</p:attrName>
+                                        </p:attrNameLst>
+                                      </p:cBhvr>
+                                      <p:to>
+                                        <p:strVal val="visible"/>
+                                      </p:to>
+                                    </p:set>
+                                  </p:childTnLst>
+                                </p:cTn>
+                              </p:par>
+                            </p:childTnLst>
+                          </p:cTn>
+                        </p:par>
+                      </p:childTnLst>
+                    </p:cTn>
+                  </p:par>
+                  <p:par>
+                    <p:cTn id="7" fill="hold">
+                      <p:stCondLst>
+                        <p:cond delay="indefinite"/>
+                      </p:stCondLst>
+                      <p:childTnLst>
+                        <p:par>
+                          <p:cTn id="8" fill="hold">
+                            <p:stCondLst>
+                              <p:cond delay="0"/>
+                            </p:stCondLst>
+                            <p:childTnLst>
+                              <p:par>
+                                <p:cTn id="9" presetID="1" presetClass="entr" presetSubtype="0" fill="hold" grpId="0" nodeType="clickEffect">
+                                  <p:stCondLst>
+                                    <p:cond delay="0"/>
+                                  </p:stCondLst>
+                                  <p:childTnLst>
+                                    <p:set>
+                                      <p:cBhvr>
+                                        <p:cTn id="10" dur="1" fill="hold">
+                                          <p:stCondLst>
+                                            <p:cond delay="0"/>
+                                          </p:stCondLst>
+                                        </p:cTn>
+                                        <p:tgtEl>
+                                          <p:spTgt spid="3">
+                                            <p:txEl>
+                                              <p:pRg st="1" end="1"/>
+                                            </p:txEl>
+                                          </p:spTgt>
+                                        </p:tgtEl>
+                                        <p:attrNameLst>
+                                          <p:attrName>style.visibility</p:attrName>
+                                        </p:attrNameLst>
+                                      </p:cBhvr>
+                                      <p:to>
+                                        <p:strVal val="visible"/>
+                                      </p:to>
+                                    </p:set>
+                                  </p:childTnLst>
+                                </p:cTn>
+                              </p:par>
+                            </p:childTnLst>
+                          </p:cTn>
+                        </p:par>
+                      </p:childTnLst>
+                    </p:cTn>
+                  </p:par>
+                  <p:par>
+                    <p:cTn id="11" fill="hold">
+                      <p:stCondLst>
+                        <p:cond delay="indefinite"/>
+                      </p:stCondLst>
+                      <p:childTnLst>
+                        <p:par>
+                          <p:cTn id="12" fill="hold">
+                            <p:stCondLst>
+                              <p:cond delay="0"/>
+                            </p:stCondLst>
+                            <p:childTnLst>
+                              <p:par>
+                                <p:cTn id="13" presetID="1" presetClass="entr" presetSubtype="0" fill="hold" grpId="0" nodeType="clickEffect">
+                                  <p:stCondLst>
+                                    <p:cond delay="0"/>
+                                  </p:stCondLst>
+                                  <p:childTnLst>
+                                    <p:set>
+                                      <p:cBhvr>
+                                        <p:cTn id="14" dur="1" fill="hold">
+                                          <p:stCondLst>
+                                            <p:cond delay="0"/>
+                                          </p:stCondLst>
+                                        </p:cTn>
+                                        <p:tgtEl>
+                                          <p:spTgt spid="3">
+                                            <p:txEl>
+                                              <p:pRg st="2" end="2"/>
+                                            </p:txEl>
+                                          </p:spTgt>
+                                        </p:tgtEl>
+                                        <p:attrNameLst>
+                                          <p:attrName>style.visibility</p:attrName>
+                                        </p:attrNameLst>
+                                      </p:cBhvr>
+                                      <p:to>
+                                        <p:strVal val="visible"/>
+                                      </p:to>
+                                    </p:set>
+                                  </p:childTnLst>
+                                </p:cTn>
+                              </p:par>
+                            </p:childTnLst>
+                          </p:cTn>
+                        </p:par>
+                      </p:childTnLst>
+                    </p:cTn>
+                  </p:par>
+                  <p:par>
+                    <p:cTn id="15" fill="hold">
+                      <p:stCondLst>
+                        <p:cond delay="indefinite"/>
+                      </p:stCondLst>
+                      <p:childTnLst>
+                        <p:par>
+                          <p:cTn id="16" fill="hold">
+                            <p:stCondLst>
+                              <p:cond delay="0"/>
+                            </p:stCondLst>
+                            <p:childTnLst>
+                              <p:par>
+                                <p:cTn id="17" presetID="1" presetClass="entr" presetSubtype="0" fill="hold" grpId="0" nodeType="clickEffect">
+                                  <p:stCondLst>
+                                    <p:cond delay="0"/>
+                                  </p:stCondLst>
+                                  <p:childTnLst>
+                                    <p:set>
+                                      <p:cBhvr>
+                                        <p:cTn id="18" dur="1" fill="hold">
+                                          <p:stCondLst>
+                                            <p:cond delay="0"/>
+                                          </p:stCondLst>
+                                        </p:cTn>
+                                        <p:tgtEl>
+                                          <p:spTgt spid="3">
+                                            <p:txEl>
+                                              <p:pRg st="3" end="3"/>
+                                            </p:txEl>
+                                          </p:spTgt>
+                                        </p:tgtEl>
+                                        <p:attrNameLst>
+                                          <p:attrName>style.visibility</p:attrName>
+                                        </p:attrNameLst>
+                                      </p:cBhvr>
+                                      <p:to>
+                                        <p:strVal val="visible"/>
+                                      </p:to>
+                                    </p:set>
+                                  </p:childTnLst>
+                                </p:cTn>
+                              </p:par>
+                            </p:childTnLst>
+                          </p:cTn>
+                        </p:par>
+                      </p:childTnLst>
+                    </p:cTn>
+                  </p:par>
+                  <p:par>
+                    <p:cTn id="19" fill="hold">
+                      <p:stCondLst>
+                        <p:cond delay="indefinite"/>
+                      </p:stCondLst>
+                      <p:childTnLst>
+                        <p:par>
+                          <p:cTn id="20" fill="hold">
+                            <p:stCondLst>
+                              <p:cond delay="0"/>
+                            </p:stCondLst>
+                            <p:childTnLst>
+                              <p:par>
+                                <p:cTn id="21" presetID="1" presetClass="entr" presetSubtype="0" fill="hold" grpId="0" nodeType="clickEffect">
+                                  <p:stCondLst>
+                                    <p:cond delay="0"/>
+                                  </p:stCondLst>
+                                  <p:childTnLst>
+                                    <p:set>
+                                      <p:cBhvr>
+                                        <p:cTn id="22" dur="1" fill="hold">
+                                          <p:stCondLst>
+                                            <p:cond delay="0"/>
+                                          </p:stCondLst>
+                                        </p:cTn>
+                                        <p:tgtEl>
+                                          <p:spTgt spid="3">
+                                            <p:txEl>
+                                              <p:pRg st="5" end="5"/>
+                                            </p:txEl>
+                                          </p:spTgt>
+                                        </p:tgtEl>
+                                        <p:attrNameLst>
+                                          <p:attrName>style.visibility</p:attrName>
+                                        </p:attrNameLst>
+                                      </p:cBhvr>
+                                      <p:to>
+                                        <p:strVal val="visible"/>
+                                      </p:to>
+                                    </p:set>
+                                  </p:childTnLst>
+                                </p:cTn>
+                              </p:par>
+                            </p:childTnLst>
+                          </p:cTn>
+                        </p:par>
+                      </p:childTnLst>
+                    </p:cTn>
+                  </p:par>
+                  <p:par>
+                    <p:cTn id="23" fill="hold">
+                      <p:stCondLst>
+                        <p:cond delay="indefinite"/>
+                      </p:stCondLst>
+                      <p:childTnLst>
+                        <p:par>
+                          <p:cTn id="24" fill="hold">
+                            <p:stCondLst>
+                              <p:cond delay="0"/>
+                            </p:stCondLst>
+                            <p:childTnLst>
+                              <p:par>
+                                <p:cTn id="25" presetID="1" presetClass="entr" presetSubtype="0" fill="hold" grpId="0" nodeType="clickEffect">
+                                  <p:stCondLst>
+                                    <p:cond delay="0"/>
+                                  </p:stCondLst>
+                                  <p:childTnLst>
+                                    <p:set>
+                                      <p:cBhvr>
+                                        <p:cTn id="26" dur="1" fill="hold">
+                                          <p:stCondLst>
+                                            <p:cond delay="0"/>
+                                          </p:stCondLst>
+                                        </p:cTn>
+                                        <p:tgtEl>
+                                          <p:spTgt spid="3">
+                                            <p:txEl>
+                                              <p:pRg st="7" end="7"/>
+                                            </p:txEl>
+                                          </p:spTgt>
+                                        </p:tgtEl>
+                                        <p:attrNameLst>
+                                          <p:attrName>style.visibility</p:attrName>
+                                        </p:attrNameLst>
+                                      </p:cBhvr>
+                                      <p:to>
+                                        <p:strVal val="visible"/>
+                                      </p:to>
+                                    </p:set>
+                                  </p:childTnLst>
+                                </p:cTn>
+                              </p:par>
+                            </p:childTnLst>
+                          </p:cTn>
+                        </p:par>
+                      </p:childTnLst>
+                    </p:cTn>
+                  </p:par>
+                </p:childTnLst>
+              </p:cTn>
+              <p:prevCondLst>
+                <p:cond evt="onPrev" delay="0">
+                  <p:tgtEl>
+                    <p:sldTgt/>
+                  </p:tgtEl>
+                </p:cond>
+              </p:prevCondLst>
+              <p:nextCondLst>
+                <p:cond evt="onNext" delay="0">
+                  <p:tgtEl>
+                    <p:sldTgt/>
+                  </p:tgtEl>
+                </p:cond>
+              </p:nextCondLst>
+            </p:seq>
+          </p:childTnLst>
+        </p:cTn>
+      </p:par>
+    </p:tnLst>
+    <p:bldLst>
+      <p:bldP spid="3" grpId="0" build="p"/>
+    </p:bldLst>
+  </p:timing>
+</p:sld>
+</file>
+
+<file path=ppt/slides/slide36.xml><?xml version="1.0" encoding="utf-8"?>
+<p:sld xmlns:a="http://schemas.openxmlformats.org/drawingml/2006/main" xmlns:r="http://schemas.openxmlformats.org/officeDocument/2006/relationships" xmlns:p="http://schemas.openxmlformats.org/presentationml/2006/main">
+  <p:cSld>
+    <p:spTree>
+      <p:nvGrpSpPr>
+        <p:cNvPr id="1" name=""/>
+        <p:cNvGrpSpPr/>
+        <p:nvPr/>
+      </p:nvGrpSpPr>
+      <p:grpSpPr>
+        <a:xfrm>
+          <a:off x="0" y="0"/>
+          <a:ext cx="0" cy="0"/>
+          <a:chOff x="0" y="0"/>
+          <a:chExt cx="0" cy="0"/>
+        </a:xfrm>
+      </p:grpSpPr>
+      <p:sp>
+        <p:nvSpPr>
+          <p:cNvPr id="2" name="Title 1">
+            <a:extLst>
+              <a:ext uri="{FF2B5EF4-FFF2-40B4-BE49-F238E27FC236}">
+                <a16:creationId xmlns:a16="http://schemas.microsoft.com/office/drawing/2014/main" id="{FEEBA08F-9821-4D80-A108-D803738377F4}"/>
+              </a:ext>
+            </a:extLst>
+          </p:cNvPr>
+          <p:cNvSpPr>
+            <a:spLocks noGrp="1"/>
+          </p:cNvSpPr>
+          <p:nvPr>
+            <p:ph type="title"/>
+          </p:nvPr>
+        </p:nvSpPr>
+        <p:spPr/>
+        <p:txBody>
+          <a:bodyPr/>
+          <a:lstStyle/>
+          <a:p>
+            <a:r>
+              <a:rPr lang="en-US" dirty="0"/>
+              <a:t>Functional responsibilities</a:t>
+            </a:r>
+          </a:p>
+        </p:txBody>
+      </p:sp>
+      <p:sp>
+        <p:nvSpPr>
+          <p:cNvPr id="3" name="Content Placeholder 2">
+            <a:extLst>
+              <a:ext uri="{FF2B5EF4-FFF2-40B4-BE49-F238E27FC236}">
+                <a16:creationId xmlns:a16="http://schemas.microsoft.com/office/drawing/2014/main" id="{DCA24C14-C931-4DC4-8542-63929069F426}"/>
+              </a:ext>
+            </a:extLst>
+          </p:cNvPr>
+          <p:cNvSpPr>
+            <a:spLocks noGrp="1"/>
+          </p:cNvSpPr>
+          <p:nvPr>
+            <p:ph idx="1"/>
+          </p:nvPr>
+        </p:nvSpPr>
+        <p:spPr/>
+        <p:txBody>
+          <a:bodyPr/>
+          <a:lstStyle/>
+          <a:p>
+            <a:pPr marL="0" indent="0">
+              <a:buNone/>
+            </a:pPr>
+            <a:r>
+              <a:rPr lang="en-US" dirty="0"/>
+              <a:t>Needed to make the system work</a:t>
+            </a:r>
+          </a:p>
+          <a:p>
+            <a:r>
+              <a:rPr lang="en-US" dirty="0"/>
+              <a:t>Control logic</a:t>
+            </a:r>
+          </a:p>
+          <a:p>
+            <a:r>
+              <a:rPr lang="en-US" dirty="0"/>
+              <a:t>Data acquisition and processing</a:t>
+            </a:r>
+          </a:p>
+          <a:p>
+            <a:r>
+              <a:rPr lang="en-US" dirty="0"/>
+              <a:t>State-based behavior</a:t>
+            </a:r>
+          </a:p>
+          <a:p>
+            <a:r>
+              <a:rPr lang="en-US" dirty="0"/>
+              <a:t>Coordination between subsystems</a:t>
+            </a:r>
+          </a:p>
+          <a:p>
+            <a:endParaRPr lang="en-US" dirty="0"/>
+          </a:p>
+          <a:p>
+            <a:r>
+              <a:rPr lang="en-US" dirty="0"/>
+              <a:t>What are the functional responsibilities of an elevator controller?</a:t>
+            </a:r>
+          </a:p>
+        </p:txBody>
+      </p:sp>
+      <p:sp>
+        <p:nvSpPr>
+          <p:cNvPr id="4" name="Date Placeholder 3">
+            <a:extLst>
+              <a:ext uri="{FF2B5EF4-FFF2-40B4-BE49-F238E27FC236}">
+                <a16:creationId xmlns:a16="http://schemas.microsoft.com/office/drawing/2014/main" id="{07691024-1FD3-4DAE-8731-0D94F21F3090}"/>
+              </a:ext>
+            </a:extLst>
+          </p:cNvPr>
+          <p:cNvSpPr>
+            <a:spLocks noGrp="1"/>
+          </p:cNvSpPr>
+          <p:nvPr>
+            <p:ph type="dt" sz="half" idx="10"/>
+          </p:nvPr>
+        </p:nvSpPr>
+        <p:spPr/>
+        <p:txBody>
+          <a:bodyPr/>
+          <a:lstStyle/>
+          <a:p>
+            <a:pPr>
+              <a:defRPr/>
+            </a:pPr>
+            <a:r>
+              <a:rPr lang="en-US"/>
+              <a:t>21/12/2020</a:t>
+            </a:r>
+          </a:p>
+        </p:txBody>
+      </p:sp>
+      <p:sp>
+        <p:nvSpPr>
+          <p:cNvPr id="5" name="Slide Number Placeholder 4">
+            <a:extLst>
+              <a:ext uri="{FF2B5EF4-FFF2-40B4-BE49-F238E27FC236}">
+                <a16:creationId xmlns:a16="http://schemas.microsoft.com/office/drawing/2014/main" id="{3C39780E-5850-49F3-9E24-60528ABF7A8C}"/>
+              </a:ext>
+            </a:extLst>
+          </p:cNvPr>
+          <p:cNvSpPr>
+            <a:spLocks noGrp="1"/>
+          </p:cNvSpPr>
+          <p:nvPr>
+            <p:ph type="sldNum" sz="quarter" idx="12"/>
+          </p:nvPr>
+        </p:nvSpPr>
+        <p:spPr/>
+        <p:txBody>
+          <a:bodyPr/>
+          <a:lstStyle/>
+          <a:p>
+            <a:pPr>
+              <a:defRPr/>
+            </a:pPr>
+            <a:fld id="{CA887A73-1AE0-46F8-856A-18EA1CF30A1B}" type="slidenum">
+              <a:rPr lang="en-US" altLang="en-US" smtClean="0"/>
+              <a:pPr>
+                <a:defRPr/>
+              </a:pPr>
+              <a:t>36</a:t>
+            </a:fld>
+            <a:endParaRPr lang="en-US" altLang="en-US"/>
+          </a:p>
+        </p:txBody>
+      </p:sp>
+    </p:spTree>
+    <p:extLst>
+      <p:ext uri="{BB962C8B-B14F-4D97-AF65-F5344CB8AC3E}">
+        <p14:creationId xmlns:p14="http://schemas.microsoft.com/office/powerpoint/2010/main" val="4028032088"/>
+      </p:ext>
+    </p:extLst>
+  </p:cSld>
+  <p:clrMapOvr>
+    <a:masterClrMapping/>
+  </p:clrMapOvr>
+  <p:timing>
+    <p:tnLst>
+      <p:par>
+        <p:cTn id="1" dur="indefinite" restart="never" nodeType="tmRoot">
+          <p:childTnLst>
+            <p:seq concurrent="1" nextAc="seek">
+              <p:cTn id="2" dur="indefinite" nodeType="mainSeq">
+                <p:childTnLst>
+                  <p:par>
+                    <p:cTn id="3" fill="hold">
+                      <p:stCondLst>
+                        <p:cond delay="indefinite"/>
+                      </p:stCondLst>
+                      <p:childTnLst>
+                        <p:par>
+                          <p:cTn id="4" fill="hold">
+                            <p:stCondLst>
+                              <p:cond delay="0"/>
+                            </p:stCondLst>
+                            <p:childTnLst>
+                              <p:par>
+                                <p:cTn id="5" presetID="1" presetClass="entr" presetSubtype="0" fill="hold" grpId="0" nodeType="clickEffect">
+                                  <p:stCondLst>
+                                    <p:cond delay="0"/>
+                                  </p:stCondLst>
+                                  <p:childTnLst>
+                                    <p:set>
+                                      <p:cBhvr>
+                                        <p:cTn id="6" dur="1" fill="hold">
+                                          <p:stCondLst>
+                                            <p:cond delay="0"/>
+                                          </p:stCondLst>
+                                        </p:cTn>
+                                        <p:tgtEl>
+                                          <p:spTgt spid="3">
+                                            <p:txEl>
+                                              <p:pRg st="0" end="0"/>
+                                            </p:txEl>
+                                          </p:spTgt>
+                                        </p:tgtEl>
+                                        <p:attrNameLst>
+                                          <p:attrName>style.visibility</p:attrName>
+                                        </p:attrNameLst>
+                                      </p:cBhvr>
+                                      <p:to>
+                                        <p:strVal val="visible"/>
+                                      </p:to>
+                                    </p:set>
+                                  </p:childTnLst>
+                                </p:cTn>
+                              </p:par>
+                            </p:childTnLst>
+                          </p:cTn>
+                        </p:par>
+                      </p:childTnLst>
+                    </p:cTn>
+                  </p:par>
+                  <p:par>
+                    <p:cTn id="7" fill="hold">
+                      <p:stCondLst>
+                        <p:cond delay="indefinite"/>
+                      </p:stCondLst>
+                      <p:childTnLst>
+                        <p:par>
+                          <p:cTn id="8" fill="hold">
+                            <p:stCondLst>
+                              <p:cond delay="0"/>
+                            </p:stCondLst>
+                            <p:childTnLst>
+                              <p:par>
+                                <p:cTn id="9" presetID="1" presetClass="entr" presetSubtype="0" fill="hold" grpId="0" nodeType="clickEffect">
+                                  <p:stCondLst>
+                                    <p:cond delay="0"/>
+                                  </p:stCondLst>
+                                  <p:childTnLst>
+                                    <p:set>
+                                      <p:cBhvr>
+                                        <p:cTn id="10" dur="1" fill="hold">
+                                          <p:stCondLst>
+                                            <p:cond delay="0"/>
+                                          </p:stCondLst>
+                                        </p:cTn>
+                                        <p:tgtEl>
+                                          <p:spTgt spid="3">
+                                            <p:txEl>
+                                              <p:pRg st="1" end="1"/>
+                                            </p:txEl>
+                                          </p:spTgt>
+                                        </p:tgtEl>
+                                        <p:attrNameLst>
+                                          <p:attrName>style.visibility</p:attrName>
+                                        </p:attrNameLst>
+                                      </p:cBhvr>
+                                      <p:to>
+                                        <p:strVal val="visible"/>
+                                      </p:to>
+                                    </p:set>
+                                  </p:childTnLst>
+                                </p:cTn>
+                              </p:par>
+                            </p:childTnLst>
+                          </p:cTn>
+                        </p:par>
+                      </p:childTnLst>
+                    </p:cTn>
+                  </p:par>
+                  <p:par>
+                    <p:cTn id="11" fill="hold">
+                      <p:stCondLst>
+                        <p:cond delay="indefinite"/>
+                      </p:stCondLst>
+                      <p:childTnLst>
+                        <p:par>
+                          <p:cTn id="12" fill="hold">
+                            <p:stCondLst>
+                              <p:cond delay="0"/>
+                            </p:stCondLst>
+                            <p:childTnLst>
+                              <p:par>
+                                <p:cTn id="13" presetID="1" presetClass="entr" presetSubtype="0" fill="hold" grpId="0" nodeType="clickEffect">
+                                  <p:stCondLst>
+                                    <p:cond delay="0"/>
+                                  </p:stCondLst>
+                                  <p:childTnLst>
+                                    <p:set>
+                                      <p:cBhvr>
+                                        <p:cTn id="14" dur="1" fill="hold">
+                                          <p:stCondLst>
+                                            <p:cond delay="0"/>
+                                          </p:stCondLst>
+                                        </p:cTn>
+                                        <p:tgtEl>
+                                          <p:spTgt spid="3">
+                                            <p:txEl>
+                                              <p:pRg st="2" end="2"/>
+                                            </p:txEl>
+                                          </p:spTgt>
+                                        </p:tgtEl>
+                                        <p:attrNameLst>
+                                          <p:attrName>style.visibility</p:attrName>
+                                        </p:attrNameLst>
+                                      </p:cBhvr>
+                                      <p:to>
+                                        <p:strVal val="visible"/>
+                                      </p:to>
+                                    </p:set>
+                                  </p:childTnLst>
+                                </p:cTn>
+                              </p:par>
+                            </p:childTnLst>
+                          </p:cTn>
+                        </p:par>
+                      </p:childTnLst>
+                    </p:cTn>
+                  </p:par>
+                  <p:par>
+                    <p:cTn id="15" fill="hold">
+                      <p:stCondLst>
+                        <p:cond delay="indefinite"/>
+                      </p:stCondLst>
+                      <p:childTnLst>
+                        <p:par>
+                          <p:cTn id="16" fill="hold">
+                            <p:stCondLst>
+                              <p:cond delay="0"/>
+                            </p:stCondLst>
+                            <p:childTnLst>
+                              <p:par>
+                                <p:cTn id="17" presetID="1" presetClass="entr" presetSubtype="0" fill="hold" grpId="0" nodeType="clickEffect">
+                                  <p:stCondLst>
+                                    <p:cond delay="0"/>
+                                  </p:stCondLst>
+                                  <p:childTnLst>
+                                    <p:set>
+                                      <p:cBhvr>
+                                        <p:cTn id="18" dur="1" fill="hold">
+                                          <p:stCondLst>
+                                            <p:cond delay="0"/>
+                                          </p:stCondLst>
+                                        </p:cTn>
+                                        <p:tgtEl>
+                                          <p:spTgt spid="3">
+                                            <p:txEl>
+                                              <p:pRg st="3" end="3"/>
+                                            </p:txEl>
+                                          </p:spTgt>
+                                        </p:tgtEl>
+                                        <p:attrNameLst>
+                                          <p:attrName>style.visibility</p:attrName>
+                                        </p:attrNameLst>
+                                      </p:cBhvr>
+                                      <p:to>
+                                        <p:strVal val="visible"/>
+                                      </p:to>
+                                    </p:set>
+                                  </p:childTnLst>
+                                </p:cTn>
+                              </p:par>
+                            </p:childTnLst>
+                          </p:cTn>
+                        </p:par>
+                      </p:childTnLst>
+                    </p:cTn>
+                  </p:par>
+                  <p:par>
+                    <p:cTn id="19" fill="hold">
+                      <p:stCondLst>
+                        <p:cond delay="indefinite"/>
+                      </p:stCondLst>
+                      <p:childTnLst>
+                        <p:par>
+                          <p:cTn id="20" fill="hold">
+                            <p:stCondLst>
+                              <p:cond delay="0"/>
+                            </p:stCondLst>
+                            <p:childTnLst>
+                              <p:par>
+                                <p:cTn id="21" presetID="1" presetClass="entr" presetSubtype="0" fill="hold" grpId="0" nodeType="clickEffect">
+                                  <p:stCondLst>
+                                    <p:cond delay="0"/>
+                                  </p:stCondLst>
+                                  <p:childTnLst>
+                                    <p:set>
+                                      <p:cBhvr>
+                                        <p:cTn id="22" dur="1" fill="hold">
+                                          <p:stCondLst>
+                                            <p:cond delay="0"/>
+                                          </p:stCondLst>
+                                        </p:cTn>
+                                        <p:tgtEl>
+                                          <p:spTgt spid="3">
+                                            <p:txEl>
+                                              <p:pRg st="4" end="4"/>
+                                            </p:txEl>
+                                          </p:spTgt>
+                                        </p:tgtEl>
+                                        <p:attrNameLst>
+                                          <p:attrName>style.visibility</p:attrName>
+                                        </p:attrNameLst>
+                                      </p:cBhvr>
+                                      <p:to>
+                                        <p:strVal val="visible"/>
+                                      </p:to>
+                                    </p:set>
+                                  </p:childTnLst>
+                                </p:cTn>
+                              </p:par>
+                            </p:childTnLst>
+                          </p:cTn>
+                        </p:par>
+                      </p:childTnLst>
+                    </p:cTn>
+                  </p:par>
+                  <p:par>
+                    <p:cTn id="23" fill="hold">
+                      <p:stCondLst>
+                        <p:cond delay="indefinite"/>
+                      </p:stCondLst>
+                      <p:childTnLst>
+                        <p:par>
+                          <p:cTn id="24" fill="hold">
+                            <p:stCondLst>
+                              <p:cond delay="0"/>
+                            </p:stCondLst>
+                            <p:childTnLst>
+                              <p:par>
+                                <p:cTn id="25" presetID="1" presetClass="entr" presetSubtype="0" fill="hold" grpId="0" nodeType="clickEffect">
+                                  <p:stCondLst>
+                                    <p:cond delay="0"/>
+                                  </p:stCondLst>
+                                  <p:childTnLst>
+                                    <p:set>
+                                      <p:cBhvr>
+                                        <p:cTn id="26" dur="1" fill="hold">
+                                          <p:stCondLst>
+                                            <p:cond delay="0"/>
+                                          </p:stCondLst>
+                                        </p:cTn>
+                                        <p:tgtEl>
+                                          <p:spTgt spid="3">
+                                            <p:txEl>
+                                              <p:pRg st="6" end="6"/>
+                                            </p:txEl>
+                                          </p:spTgt>
+                                        </p:tgtEl>
+                                        <p:attrNameLst>
+                                          <p:attrName>style.visibility</p:attrName>
+                                        </p:attrNameLst>
+                                      </p:cBhvr>
+                                      <p:to>
+                                        <p:strVal val="visible"/>
+                                      </p:to>
+                                    </p:set>
+                                  </p:childTnLst>
+                                </p:cTn>
+                              </p:par>
+                            </p:childTnLst>
+                          </p:cTn>
+                        </p:par>
+                      </p:childTnLst>
+                    </p:cTn>
+                  </p:par>
+                </p:childTnLst>
+              </p:cTn>
+              <p:prevCondLst>
+                <p:cond evt="onPrev" delay="0">
+                  <p:tgtEl>
+                    <p:sldTgt/>
+                  </p:tgtEl>
+                </p:cond>
+              </p:prevCondLst>
+              <p:nextCondLst>
+                <p:cond evt="onNext" delay="0">
+                  <p:tgtEl>
+                    <p:sldTgt/>
+                  </p:tgtEl>
+                </p:cond>
+              </p:nextCondLst>
+            </p:seq>
+          </p:childTnLst>
+        </p:cTn>
+      </p:par>
+    </p:tnLst>
+    <p:bldLst>
+      <p:bldP spid="3" grpId="0" build="p"/>
+    </p:bldLst>
+  </p:timing>
+</p:sld>
+</file>
+
+<file path=ppt/slides/slide37.xml><?xml version="1.0" encoding="utf-8"?>
+<p:sld xmlns:a="http://schemas.openxmlformats.org/drawingml/2006/main" xmlns:r="http://schemas.openxmlformats.org/officeDocument/2006/relationships" xmlns:p="http://schemas.openxmlformats.org/presentationml/2006/main">
+  <p:cSld>
+    <p:spTree>
+      <p:nvGrpSpPr>
+        <p:cNvPr id="1" name=""/>
+        <p:cNvGrpSpPr/>
+        <p:nvPr/>
+      </p:nvGrpSpPr>
+      <p:grpSpPr>
+        <a:xfrm>
+          <a:off x="0" y="0"/>
+          <a:ext cx="0" cy="0"/>
+          <a:chOff x="0" y="0"/>
+          <a:chExt cx="0" cy="0"/>
+        </a:xfrm>
+      </p:grpSpPr>
+      <p:sp>
+        <p:nvSpPr>
+          <p:cNvPr id="2" name="Title 1">
+            <a:extLst>
+              <a:ext uri="{FF2B5EF4-FFF2-40B4-BE49-F238E27FC236}">
+                <a16:creationId xmlns:a16="http://schemas.microsoft.com/office/drawing/2014/main" id="{B0823004-BE65-4D50-8D46-7E2D72739AAC}"/>
+              </a:ext>
+            </a:extLst>
+          </p:cNvPr>
+          <p:cNvSpPr>
+            <a:spLocks noGrp="1"/>
+          </p:cNvSpPr>
+          <p:nvPr>
+            <p:ph type="title"/>
+          </p:nvPr>
+        </p:nvSpPr>
+        <p:spPr/>
+        <p:txBody>
+          <a:bodyPr/>
+          <a:lstStyle/>
+          <a:p>
+            <a:r>
+              <a:rPr lang="en-US" dirty="0"/>
+              <a:t>Non-functional responsibilities</a:t>
+            </a:r>
+          </a:p>
+        </p:txBody>
+      </p:sp>
+      <p:sp>
+        <p:nvSpPr>
+          <p:cNvPr id="3" name="Content Placeholder 2">
+            <a:extLst>
+              <a:ext uri="{FF2B5EF4-FFF2-40B4-BE49-F238E27FC236}">
+                <a16:creationId xmlns:a16="http://schemas.microsoft.com/office/drawing/2014/main" id="{52990EF9-A827-41CE-96B4-16AEC6039877}"/>
+              </a:ext>
+            </a:extLst>
+          </p:cNvPr>
+          <p:cNvSpPr>
+            <a:spLocks noGrp="1"/>
+          </p:cNvSpPr>
+          <p:nvPr>
+            <p:ph idx="1"/>
+          </p:nvPr>
+        </p:nvSpPr>
+        <p:spPr/>
+        <p:txBody>
+          <a:bodyPr/>
+          <a:lstStyle/>
+          <a:p>
+            <a:pPr marL="0" indent="0">
+              <a:buNone/>
+            </a:pPr>
+            <a:r>
+              <a:rPr lang="en-US" dirty="0"/>
+              <a:t>Needed to make the system work </a:t>
+            </a:r>
+            <a:r>
+              <a:rPr lang="en-US" i="1" dirty="0"/>
+              <a:t>well</a:t>
+            </a:r>
+          </a:p>
+          <a:p>
+            <a:r>
+              <a:rPr lang="en-US" dirty="0"/>
+              <a:t>Timing correctness</a:t>
+            </a:r>
+          </a:p>
+          <a:p>
+            <a:r>
+              <a:rPr lang="en-US" dirty="0"/>
+              <a:t>Safety, security and fault handling</a:t>
+            </a:r>
+          </a:p>
+          <a:p>
+            <a:r>
+              <a:rPr lang="en-US" dirty="0"/>
+              <a:t>Resource usage (CPU, memory, power)</a:t>
+            </a:r>
+          </a:p>
+          <a:p>
+            <a:r>
+              <a:rPr lang="en-US" dirty="0"/>
+              <a:t>Reliability over long lifetimes</a:t>
+            </a:r>
+          </a:p>
+          <a:p>
+            <a:endParaRPr lang="en-US" dirty="0"/>
+          </a:p>
+          <a:p>
+            <a:r>
+              <a:rPr lang="en-US" dirty="0"/>
+              <a:t>What can be non-functional responsibilities of an elevator controller?</a:t>
+            </a:r>
+          </a:p>
+        </p:txBody>
+      </p:sp>
+      <p:sp>
+        <p:nvSpPr>
+          <p:cNvPr id="4" name="Date Placeholder 3">
+            <a:extLst>
+              <a:ext uri="{FF2B5EF4-FFF2-40B4-BE49-F238E27FC236}">
+                <a16:creationId xmlns:a16="http://schemas.microsoft.com/office/drawing/2014/main" id="{6C045D41-AB28-4FC5-B1AB-8E9370D98CC5}"/>
+              </a:ext>
+            </a:extLst>
+          </p:cNvPr>
+          <p:cNvSpPr>
+            <a:spLocks noGrp="1"/>
+          </p:cNvSpPr>
+          <p:nvPr>
+            <p:ph type="dt" sz="half" idx="10"/>
+          </p:nvPr>
+        </p:nvSpPr>
+        <p:spPr/>
+        <p:txBody>
+          <a:bodyPr/>
+          <a:lstStyle/>
+          <a:p>
+            <a:pPr>
+              <a:defRPr/>
+            </a:pPr>
+            <a:r>
+              <a:rPr lang="en-US"/>
+              <a:t>21/12/2020</a:t>
+            </a:r>
+          </a:p>
+        </p:txBody>
+      </p:sp>
+      <p:sp>
+        <p:nvSpPr>
+          <p:cNvPr id="5" name="Slide Number Placeholder 4">
+            <a:extLst>
+              <a:ext uri="{FF2B5EF4-FFF2-40B4-BE49-F238E27FC236}">
+                <a16:creationId xmlns:a16="http://schemas.microsoft.com/office/drawing/2014/main" id="{CE101CED-5829-44BA-B556-3A8F6B85FE68}"/>
+              </a:ext>
+            </a:extLst>
+          </p:cNvPr>
+          <p:cNvSpPr>
+            <a:spLocks noGrp="1"/>
+          </p:cNvSpPr>
+          <p:nvPr>
+            <p:ph type="sldNum" sz="quarter" idx="12"/>
+          </p:nvPr>
+        </p:nvSpPr>
+        <p:spPr/>
+        <p:txBody>
+          <a:bodyPr/>
+          <a:lstStyle/>
+          <a:p>
+            <a:pPr>
+              <a:defRPr/>
+            </a:pPr>
+            <a:fld id="{CA887A73-1AE0-46F8-856A-18EA1CF30A1B}" type="slidenum">
+              <a:rPr lang="en-US" altLang="en-US" smtClean="0"/>
+              <a:pPr>
+                <a:defRPr/>
+              </a:pPr>
+              <a:t>37</a:t>
+            </a:fld>
+            <a:endParaRPr lang="en-US" altLang="en-US"/>
+          </a:p>
+        </p:txBody>
+      </p:sp>
+    </p:spTree>
+    <p:extLst>
+      <p:ext uri="{BB962C8B-B14F-4D97-AF65-F5344CB8AC3E}">
+        <p14:creationId xmlns:p14="http://schemas.microsoft.com/office/powerpoint/2010/main" val="4207414178"/>
+      </p:ext>
+    </p:extLst>
+  </p:cSld>
+  <p:clrMapOvr>
+    <a:masterClrMapping/>
+  </p:clrMapOvr>
+  <p:timing>
+    <p:tnLst>
+      <p:par>
+        <p:cTn id="1" dur="indefinite" restart="never" nodeType="tmRoot">
+          <p:childTnLst>
+            <p:seq concurrent="1" nextAc="seek">
+              <p:cTn id="2" dur="indefinite" nodeType="mainSeq">
+                <p:childTnLst>
+                  <p:par>
+                    <p:cTn id="3" fill="hold">
+                      <p:stCondLst>
+                        <p:cond delay="indefinite"/>
+                      </p:stCondLst>
+                      <p:childTnLst>
+                        <p:par>
+                          <p:cTn id="4" fill="hold">
+                            <p:stCondLst>
+                              <p:cond delay="0"/>
+                            </p:stCondLst>
+                            <p:childTnLst>
+                              <p:par>
+                                <p:cTn id="5" presetID="1" presetClass="entr" presetSubtype="0" fill="hold" grpId="0" nodeType="clickEffect">
+                                  <p:stCondLst>
+                                    <p:cond delay="0"/>
+                                  </p:stCondLst>
+                                  <p:childTnLst>
+                                    <p:set>
+                                      <p:cBhvr>
+                                        <p:cTn id="6" dur="1" fill="hold">
+                                          <p:stCondLst>
+                                            <p:cond delay="0"/>
+                                          </p:stCondLst>
+                                        </p:cTn>
+                                        <p:tgtEl>
+                                          <p:spTgt spid="3">
+                                            <p:txEl>
+                                              <p:pRg st="0" end="0"/>
+                                            </p:txEl>
+                                          </p:spTgt>
+                                        </p:tgtEl>
+                                        <p:attrNameLst>
+                                          <p:attrName>style.visibility</p:attrName>
+                                        </p:attrNameLst>
+                                      </p:cBhvr>
+                                      <p:to>
+                                        <p:strVal val="visible"/>
+                                      </p:to>
+                                    </p:set>
+                                  </p:childTnLst>
+                                </p:cTn>
+                              </p:par>
+                            </p:childTnLst>
+                          </p:cTn>
+                        </p:par>
+                      </p:childTnLst>
+                    </p:cTn>
+                  </p:par>
+                  <p:par>
+                    <p:cTn id="7" fill="hold">
+                      <p:stCondLst>
+                        <p:cond delay="indefinite"/>
+                      </p:stCondLst>
+                      <p:childTnLst>
+                        <p:par>
+                          <p:cTn id="8" fill="hold">
+                            <p:stCondLst>
+                              <p:cond delay="0"/>
+                            </p:stCondLst>
+                            <p:childTnLst>
+                              <p:par>
+                                <p:cTn id="9" presetID="1" presetClass="entr" presetSubtype="0" fill="hold" grpId="0" nodeType="clickEffect">
+                                  <p:stCondLst>
+                                    <p:cond delay="0"/>
+                                  </p:stCondLst>
+                                  <p:childTnLst>
+                                    <p:set>
+                                      <p:cBhvr>
+                                        <p:cTn id="10" dur="1" fill="hold">
+                                          <p:stCondLst>
+                                            <p:cond delay="0"/>
+                                          </p:stCondLst>
+                                        </p:cTn>
+                                        <p:tgtEl>
+                                          <p:spTgt spid="3">
+                                            <p:txEl>
+                                              <p:pRg st="1" end="1"/>
+                                            </p:txEl>
+                                          </p:spTgt>
+                                        </p:tgtEl>
+                                        <p:attrNameLst>
+                                          <p:attrName>style.visibility</p:attrName>
+                                        </p:attrNameLst>
+                                      </p:cBhvr>
+                                      <p:to>
+                                        <p:strVal val="visible"/>
+                                      </p:to>
+                                    </p:set>
+                                  </p:childTnLst>
+                                </p:cTn>
+                              </p:par>
+                            </p:childTnLst>
+                          </p:cTn>
+                        </p:par>
+                      </p:childTnLst>
+                    </p:cTn>
+                  </p:par>
+                  <p:par>
+                    <p:cTn id="11" fill="hold">
+                      <p:stCondLst>
+                        <p:cond delay="indefinite"/>
+                      </p:stCondLst>
+                      <p:childTnLst>
+                        <p:par>
+                          <p:cTn id="12" fill="hold">
+                            <p:stCondLst>
+                              <p:cond delay="0"/>
+                            </p:stCondLst>
+                            <p:childTnLst>
+                              <p:par>
+                                <p:cTn id="13" presetID="1" presetClass="entr" presetSubtype="0" fill="hold" grpId="0" nodeType="clickEffect">
+                                  <p:stCondLst>
+                                    <p:cond delay="0"/>
+                                  </p:stCondLst>
+                                  <p:childTnLst>
+                                    <p:set>
+                                      <p:cBhvr>
+                                        <p:cTn id="14" dur="1" fill="hold">
+                                          <p:stCondLst>
+                                            <p:cond delay="0"/>
+                                          </p:stCondLst>
+                                        </p:cTn>
+                                        <p:tgtEl>
+                                          <p:spTgt spid="3">
+                                            <p:txEl>
+                                              <p:pRg st="2" end="2"/>
+                                            </p:txEl>
+                                          </p:spTgt>
+                                        </p:tgtEl>
+                                        <p:attrNameLst>
+                                          <p:attrName>style.visibility</p:attrName>
+                                        </p:attrNameLst>
+                                      </p:cBhvr>
+                                      <p:to>
+                                        <p:strVal val="visible"/>
+                                      </p:to>
+                                    </p:set>
+                                  </p:childTnLst>
+                                </p:cTn>
+                              </p:par>
+                            </p:childTnLst>
+                          </p:cTn>
+                        </p:par>
+                      </p:childTnLst>
+                    </p:cTn>
+                  </p:par>
+                  <p:par>
+                    <p:cTn id="15" fill="hold">
+                      <p:stCondLst>
+                        <p:cond delay="indefinite"/>
+                      </p:stCondLst>
+                      <p:childTnLst>
+                        <p:par>
+                          <p:cTn id="16" fill="hold">
+                            <p:stCondLst>
+                              <p:cond delay="0"/>
+                            </p:stCondLst>
+                            <p:childTnLst>
+                              <p:par>
+                                <p:cTn id="17" presetID="1" presetClass="entr" presetSubtype="0" fill="hold" grpId="0" nodeType="clickEffect">
+                                  <p:stCondLst>
+                                    <p:cond delay="0"/>
+                                  </p:stCondLst>
+                                  <p:childTnLst>
+                                    <p:set>
+                                      <p:cBhvr>
+                                        <p:cTn id="18" dur="1" fill="hold">
+                                          <p:stCondLst>
+                                            <p:cond delay="0"/>
+                                          </p:stCondLst>
+                                        </p:cTn>
+                                        <p:tgtEl>
+                                          <p:spTgt spid="3">
+                                            <p:txEl>
+                                              <p:pRg st="3" end="3"/>
+                                            </p:txEl>
+                                          </p:spTgt>
+                                        </p:tgtEl>
+                                        <p:attrNameLst>
+                                          <p:attrName>style.visibility</p:attrName>
+                                        </p:attrNameLst>
+                                      </p:cBhvr>
+                                      <p:to>
+                                        <p:strVal val="visible"/>
+                                      </p:to>
+                                    </p:set>
+                                  </p:childTnLst>
+                                </p:cTn>
+                              </p:par>
+                            </p:childTnLst>
+                          </p:cTn>
+                        </p:par>
+                      </p:childTnLst>
+                    </p:cTn>
+                  </p:par>
+                  <p:par>
+                    <p:cTn id="19" fill="hold">
+                      <p:stCondLst>
+                        <p:cond delay="indefinite"/>
+                      </p:stCondLst>
+                      <p:childTnLst>
+                        <p:par>
+                          <p:cTn id="20" fill="hold">
+                            <p:stCondLst>
+                              <p:cond delay="0"/>
+                            </p:stCondLst>
+                            <p:childTnLst>
+                              <p:par>
+                                <p:cTn id="21" presetID="1" presetClass="entr" presetSubtype="0" fill="hold" grpId="0" nodeType="clickEffect">
+                                  <p:stCondLst>
+                                    <p:cond delay="0"/>
+                                  </p:stCondLst>
+                                  <p:childTnLst>
+                                    <p:set>
+                                      <p:cBhvr>
+                                        <p:cTn id="22" dur="1" fill="hold">
+                                          <p:stCondLst>
+                                            <p:cond delay="0"/>
+                                          </p:stCondLst>
+                                        </p:cTn>
+                                        <p:tgtEl>
+                                          <p:spTgt spid="3">
+                                            <p:txEl>
+                                              <p:pRg st="4" end="4"/>
+                                            </p:txEl>
+                                          </p:spTgt>
+                                        </p:tgtEl>
+                                        <p:attrNameLst>
+                                          <p:attrName>style.visibility</p:attrName>
+                                        </p:attrNameLst>
+                                      </p:cBhvr>
+                                      <p:to>
+                                        <p:strVal val="visible"/>
+                                      </p:to>
+                                    </p:set>
+                                  </p:childTnLst>
+                                </p:cTn>
+                              </p:par>
+                            </p:childTnLst>
+                          </p:cTn>
+                        </p:par>
+                      </p:childTnLst>
+                    </p:cTn>
+                  </p:par>
+                  <p:par>
+                    <p:cTn id="23" fill="hold">
+                      <p:stCondLst>
+                        <p:cond delay="indefinite"/>
+                      </p:stCondLst>
+                      <p:childTnLst>
+                        <p:par>
+                          <p:cTn id="24" fill="hold">
+                            <p:stCondLst>
+                              <p:cond delay="0"/>
+                            </p:stCondLst>
+                            <p:childTnLst>
+                              <p:par>
+                                <p:cTn id="25" presetID="1" presetClass="entr" presetSubtype="0" fill="hold" grpId="0" nodeType="clickEffect">
+                                  <p:stCondLst>
+                                    <p:cond delay="0"/>
+                                  </p:stCondLst>
+                                  <p:childTnLst>
+                                    <p:set>
+                                      <p:cBhvr>
+                                        <p:cTn id="26" dur="1" fill="hold">
+                                          <p:stCondLst>
+                                            <p:cond delay="0"/>
+                                          </p:stCondLst>
+                                        </p:cTn>
+                                        <p:tgtEl>
+                                          <p:spTgt spid="3">
+                                            <p:txEl>
+                                              <p:pRg st="6" end="6"/>
+                                            </p:txEl>
+                                          </p:spTgt>
+                                        </p:tgtEl>
+                                        <p:attrNameLst>
+                                          <p:attrName>style.visibility</p:attrName>
+                                        </p:attrNameLst>
+                                      </p:cBhvr>
+                                      <p:to>
+                                        <p:strVal val="visible"/>
+                                      </p:to>
+                                    </p:set>
+                                  </p:childTnLst>
+                                </p:cTn>
+                              </p:par>
+                            </p:childTnLst>
+                          </p:cTn>
+                        </p:par>
+                      </p:childTnLst>
+                    </p:cTn>
+                  </p:par>
+                </p:childTnLst>
+              </p:cTn>
+              <p:prevCondLst>
+                <p:cond evt="onPrev" delay="0">
+                  <p:tgtEl>
+                    <p:sldTgt/>
+                  </p:tgtEl>
+                </p:cond>
+              </p:prevCondLst>
+              <p:nextCondLst>
+                <p:cond evt="onNext" delay="0">
+                  <p:tgtEl>
+                    <p:sldTgt/>
+                  </p:tgtEl>
+                </p:cond>
+              </p:nextCondLst>
+            </p:seq>
+          </p:childTnLst>
+        </p:cTn>
+      </p:par>
+    </p:tnLst>
+    <p:bldLst>
+      <p:bldP spid="3" grpId="0" build="p"/>
+    </p:bldLst>
+  </p:timing>
+</p:sld>
+</file>
+
+<file path=ppt/slides/slide38.xml><?xml version="1.0" encoding="utf-8"?>
+<p:sld xmlns:a="http://schemas.openxmlformats.org/drawingml/2006/main" xmlns:r="http://schemas.openxmlformats.org/officeDocument/2006/relationships" xmlns:p="http://schemas.openxmlformats.org/presentationml/2006/main">
+  <p:cSld>
+    <p:spTree>
+      <p:nvGrpSpPr>
+        <p:cNvPr id="1" name=""/>
+        <p:cNvGrpSpPr/>
+        <p:nvPr/>
+      </p:nvGrpSpPr>
+      <p:grpSpPr>
+        <a:xfrm>
+          <a:off x="0" y="0"/>
+          <a:ext cx="0" cy="0"/>
+          <a:chOff x="0" y="0"/>
+          <a:chExt cx="0" cy="0"/>
+        </a:xfrm>
+      </p:grpSpPr>
+      <p:sp>
+        <p:nvSpPr>
+          <p:cNvPr id="2" name="Title 1">
+            <a:extLst>
+              <a:ext uri="{FF2B5EF4-FFF2-40B4-BE49-F238E27FC236}">
+                <a16:creationId xmlns:a16="http://schemas.microsoft.com/office/drawing/2014/main" id="{5235A339-EFE9-4829-89D1-E1172E682FE4}"/>
+              </a:ext>
+            </a:extLst>
+          </p:cNvPr>
+          <p:cNvSpPr>
+            <a:spLocks noGrp="1"/>
+          </p:cNvSpPr>
+          <p:nvPr>
+            <p:ph type="title"/>
+          </p:nvPr>
+        </p:nvSpPr>
+        <p:spPr/>
+        <p:txBody>
+          <a:bodyPr/>
+          <a:lstStyle/>
+          <a:p>
+            <a:r>
+              <a:rPr lang="en-US" sz="3200" dirty="0"/>
+              <a:t>Important to understand and distinguish the two responsibilities</a:t>
+            </a:r>
+          </a:p>
+        </p:txBody>
+      </p:sp>
+      <p:sp>
+        <p:nvSpPr>
+          <p:cNvPr id="4" name="Date Placeholder 3">
+            <a:extLst>
+              <a:ext uri="{FF2B5EF4-FFF2-40B4-BE49-F238E27FC236}">
+                <a16:creationId xmlns:a16="http://schemas.microsoft.com/office/drawing/2014/main" id="{C0FA31A0-A595-4EC2-931A-643CD3539471}"/>
+              </a:ext>
+            </a:extLst>
+          </p:cNvPr>
+          <p:cNvSpPr>
+            <a:spLocks noGrp="1"/>
+          </p:cNvSpPr>
+          <p:nvPr>
+            <p:ph type="dt" sz="half" idx="10"/>
+          </p:nvPr>
+        </p:nvSpPr>
+        <p:spPr/>
+        <p:txBody>
+          <a:bodyPr/>
+          <a:lstStyle/>
+          <a:p>
+            <a:pPr>
+              <a:defRPr/>
+            </a:pPr>
+            <a:r>
+              <a:rPr lang="en-US"/>
+              <a:t>21/12/2020</a:t>
+            </a:r>
+          </a:p>
+        </p:txBody>
+      </p:sp>
+      <p:sp>
+        <p:nvSpPr>
+          <p:cNvPr id="5" name="Slide Number Placeholder 4">
+            <a:extLst>
+              <a:ext uri="{FF2B5EF4-FFF2-40B4-BE49-F238E27FC236}">
+                <a16:creationId xmlns:a16="http://schemas.microsoft.com/office/drawing/2014/main" id="{9DB7BE3A-77C5-41E2-AEBA-655058D2BA3D}"/>
+              </a:ext>
+            </a:extLst>
+          </p:cNvPr>
+          <p:cNvSpPr>
+            <a:spLocks noGrp="1"/>
+          </p:cNvSpPr>
+          <p:nvPr>
+            <p:ph type="sldNum" sz="quarter" idx="12"/>
+          </p:nvPr>
+        </p:nvSpPr>
+        <p:spPr/>
+        <p:txBody>
+          <a:bodyPr/>
+          <a:lstStyle/>
+          <a:p>
+            <a:pPr>
+              <a:defRPr/>
+            </a:pPr>
+            <a:fld id="{CA887A73-1AE0-46F8-856A-18EA1CF30A1B}" type="slidenum">
+              <a:rPr lang="en-US" altLang="en-US" smtClean="0"/>
+              <a:pPr>
+                <a:defRPr/>
+              </a:pPr>
+              <a:t>38</a:t>
+            </a:fld>
+            <a:endParaRPr lang="en-US" altLang="en-US"/>
+          </a:p>
+        </p:txBody>
+      </p:sp>
+      <p:pic>
+        <p:nvPicPr>
+          <p:cNvPr id="3074" name="Picture 2" descr="Functional vs Nonfunctional Requirements: what is the difference [with  Examples] | DDI Development">
+            <a:extLst>
+              <a:ext uri="{FF2B5EF4-FFF2-40B4-BE49-F238E27FC236}">
+                <a16:creationId xmlns:a16="http://schemas.microsoft.com/office/drawing/2014/main" id="{65AF73D9-985D-4484-BB08-93C8A2A245F0}"/>
+              </a:ext>
+            </a:extLst>
+          </p:cNvPr>
+          <p:cNvPicPr>
+            <a:picLocks noGrp="1" noChangeAspect="1" noChangeArrowheads="1"/>
+          </p:cNvPicPr>
+          <p:nvPr>
+            <p:ph idx="1"/>
+          </p:nvPr>
+        </p:nvPicPr>
+        <p:blipFill rotWithShape="1">
+          <a:blip r:embed="rId2">
+            <a:extLst>
+              <a:ext uri="{28A0092B-C50C-407E-A947-70E740481C1C}">
+                <a14:useLocalDpi xmlns:a14="http://schemas.microsoft.com/office/drawing/2010/main" val="0"/>
+              </a:ext>
+            </a:extLst>
+          </a:blip>
+          <a:srcRect t="15225" b="5762"/>
+          <a:stretch/>
+        </p:blipFill>
+        <p:spPr bwMode="auto">
+          <a:xfrm>
+            <a:off x="1143000" y="1371600"/>
+            <a:ext cx="6858000" cy="5095054"/>
+          </a:xfrm>
+          <a:prstGeom prst="rect">
+            <a:avLst/>
+          </a:prstGeom>
+          <a:noFill/>
+          <a:extLst>
+            <a:ext uri="{909E8E84-426E-40DD-AFC4-6F175D3DCCD1}">
+              <a14:hiddenFill xmlns:a14="http://schemas.microsoft.com/office/drawing/2010/main">
+                <a:solidFill>
+                  <a:srgbClr val="FFFFFF"/>
+                </a:solidFill>
+              </a14:hiddenFill>
+            </a:ext>
+          </a:extLst>
+        </p:spPr>
+      </p:pic>
+    </p:spTree>
+    <p:extLst>
+      <p:ext uri="{BB962C8B-B14F-4D97-AF65-F5344CB8AC3E}">
+        <p14:creationId xmlns:p14="http://schemas.microsoft.com/office/powerpoint/2010/main" val="3889755492"/>
+      </p:ext>
+    </p:extLst>
+  </p:cSld>
+  <p:clrMapOvr>
+    <a:masterClrMapping/>
+  </p:clrMapOvr>
+</p:sld>
+</file>
+
 <file path=ppt/slides/slide4.xml><?xml version="1.0" encoding="utf-8"?>
 <p:sld xmlns:a="http://schemas.openxmlformats.org/drawingml/2006/main" xmlns:r="http://schemas.openxmlformats.org/officeDocument/2006/relationships" xmlns:p="http://schemas.openxmlformats.org/presentationml/2006/main">
   <p:cSld>
@@ -15236,7 +24235,7 @@
     <p:controls>
       <mc:AlternateContent xmlns:mc="http://schemas.openxmlformats.org/markup-compatibility/2006">
         <mc:Choice xmlns:v="urn:schemas-microsoft-com:vml" Requires="v">
-          <p:control spid="1032" name="TextBox1" r:id="rId2" imgW="3002400" imgH="3337560"/>
+          <p:control spid="1036" name="TextBox1" r:id="rId2" imgW="3002400" imgH="3337560"/>
         </mc:Choice>
         <mc:Fallback>
           <p:control name="TextBox1" r:id="rId2" imgW="3002400" imgH="3337560">
@@ -15275,7 +24274,7 @@
       </mc:AlternateContent>
       <mc:AlternateContent xmlns:mc="http://schemas.openxmlformats.org/markup-compatibility/2006">
         <mc:Choice xmlns:v="urn:schemas-microsoft-com:vml" Requires="v">
-          <p:control spid="1033" name="TextBox2" r:id="rId3" imgW="3002400" imgH="3337560"/>
+          <p:control spid="1037" name="TextBox2" r:id="rId3" imgW="3002400" imgH="3337560"/>
         </mc:Choice>
         <mc:Fallback>
           <p:control name="TextBox2" r:id="rId3" imgW="3002400" imgH="3337560">
